--- a/ClassMaterials/ObjectIntroAndMisc/Slides/ObjectIntroAndMisc.pptx
+++ b/ClassMaterials/ObjectIntroAndMisc/Slides/ObjectIntroAndMisc.pptx
@@ -228,7 +228,7 @@
           <a:p>
             <a:fld id="{73386005-8F80-1A49-87D1-22EBFA47E352}" type="datetimeFigureOut">
               <a:rPr lang="en-US" smtClean="0"/>
-              <a:t>3/11/2018</a:t>
+              <a:t>9/6/2018</a:t>
             </a:fld>
             <a:endParaRPr lang="en-US"/>
           </a:p>
@@ -292,38 +292,37 @@
           <a:p>
             <a:pPr lvl="0"/>
             <a:r>
-              <a:rPr lang="en-US" smtClean="0"/>
+              <a:rPr lang="en-US"/>
               <a:t>Click to edit Master text styles</a:t>
             </a:r>
           </a:p>
           <a:p>
             <a:pPr lvl="1"/>
             <a:r>
-              <a:rPr lang="en-US" smtClean="0"/>
+              <a:rPr lang="en-US"/>
               <a:t>Second level</a:t>
             </a:r>
           </a:p>
           <a:p>
             <a:pPr lvl="2"/>
             <a:r>
-              <a:rPr lang="en-US" smtClean="0"/>
+              <a:rPr lang="en-US"/>
               <a:t>Third level</a:t>
             </a:r>
           </a:p>
           <a:p>
             <a:pPr lvl="3"/>
             <a:r>
-              <a:rPr lang="en-US" smtClean="0"/>
+              <a:rPr lang="en-US"/>
               <a:t>Fourth level</a:t>
             </a:r>
           </a:p>
           <a:p>
             <a:pPr lvl="4"/>
             <a:r>
-              <a:rPr lang="en-US" smtClean="0"/>
+              <a:rPr lang="en-US"/>
               <a:t>Fifth level</a:t>
             </a:r>
-            <a:endParaRPr lang="en-US"/>
           </a:p>
         </p:txBody>
       </p:sp>
@@ -553,7 +552,7 @@
           <a:bodyPr/>
           <a:lstStyle/>
           <a:p>
-            <a:endParaRPr lang="en-US" dirty="0" smtClean="0"/>
+            <a:endParaRPr lang="en-US" dirty="0"/>
           </a:p>
         </p:txBody>
       </p:sp>
@@ -581,7 +580,7 @@
               <a:pPr/>
               <a:t>3</a:t>
             </a:fld>
-            <a:endParaRPr lang="en-US" smtClean="0">
+            <a:endParaRPr lang="en-US">
               <a:cs typeface="Arial" pitchFamily="34" charset="0"/>
             </a:endParaRPr>
           </a:p>
@@ -657,7 +656,7 @@
           <a:bodyPr/>
           <a:lstStyle/>
           <a:p>
-            <a:endParaRPr lang="en-US" dirty="0" smtClean="0"/>
+            <a:endParaRPr lang="en-US" dirty="0"/>
           </a:p>
         </p:txBody>
       </p:sp>
@@ -685,7 +684,7 @@
               <a:pPr/>
               <a:t>15</a:t>
             </a:fld>
-            <a:endParaRPr lang="en-US" smtClean="0">
+            <a:endParaRPr lang="en-US">
               <a:cs typeface="Arial" pitchFamily="34" charset="0"/>
             </a:endParaRPr>
           </a:p>
@@ -973,11 +972,11 @@
           <a:lstStyle/>
           <a:p>
             <a:r>
-              <a:rPr lang="en-US" dirty="0" smtClean="0"/>
+              <a:rPr lang="en-US" dirty="0"/>
               <a:t>Do</a:t>
             </a:r>
             <a:r>
-              <a:rPr lang="en-US" baseline="0" dirty="0" smtClean="0"/>
+              <a:rPr lang="en-US" baseline="0" dirty="0"/>
               <a:t> not spend too much time on this since students will need time outside of class to complete this.  Be sure to reserve time for the rest of the material and for students to complete the quiz.</a:t>
             </a:r>
             <a:endParaRPr lang="en-US" dirty="0"/>
@@ -1083,7 +1082,7 @@
           <a:bodyPr/>
           <a:lstStyle/>
           <a:p>
-            <a:endParaRPr lang="en-US" dirty="0" smtClean="0"/>
+            <a:endParaRPr lang="en-US" dirty="0"/>
           </a:p>
         </p:txBody>
       </p:sp>
@@ -1111,7 +1110,7 @@
               <a:pPr/>
               <a:t>4</a:t>
             </a:fld>
-            <a:endParaRPr lang="en-US" smtClean="0">
+            <a:endParaRPr lang="en-US">
               <a:cs typeface="Arial" pitchFamily="34" charset="0"/>
             </a:endParaRPr>
           </a:p>
@@ -1203,24 +1202,16 @@
               <a:defRPr sz="1800"/>
             </a:pPr>
             <a:r>
-              <a:rPr sz="2200" dirty="0" smtClean="0"/>
-              <a:t>Most </a:t>
-            </a:r>
-            <a:r>
               <a:rPr sz="2200" dirty="0"/>
-              <a:t>“conventions” mention that you should have Javadoc comments </a:t>
-            </a:r>
-            <a:r>
-              <a:rPr lang="en-US" sz="2200" dirty="0" smtClean="0"/>
+              <a:t>Most “conventions” mention that you should have Javadoc comments </a:t>
+            </a:r>
+            <a:r>
+              <a:rPr lang="en-US" sz="2200" dirty="0"/>
               <a:t>for </a:t>
             </a:r>
             <a:r>
-              <a:rPr sz="2200" dirty="0" smtClean="0"/>
-              <a:t>each </a:t>
-            </a:r>
-            <a:r>
               <a:rPr sz="2200" dirty="0"/>
-              <a:t>class member variable, but we DON’T require that.</a:t>
+              <a:t>each class member variable, but we DON’T require that.</a:t>
             </a:r>
           </a:p>
           <a:p>
@@ -1228,12 +1219,8 @@
               <a:defRPr sz="1800"/>
             </a:pPr>
             <a:r>
-              <a:rPr sz="2200" dirty="0" smtClean="0"/>
-              <a:t>Students </a:t>
-            </a:r>
-            <a:r>
               <a:rPr sz="2200" dirty="0"/>
-              <a:t>often have trouble distinguishing between these and regular comments, it is good to take a bit and explain that there are different types of comments, and they each are used for different reasons.</a:t>
+              <a:t>Students often have trouble distinguishing between these and regular comments, it is good to take a bit and explain that there are different types of comments, and they each are used for different reasons.</a:t>
             </a:r>
           </a:p>
         </p:txBody>
@@ -1586,7 +1573,7 @@
               <a:t>[Demonstrate the techniques in Eclipse by solving a problem or two from </a:t>
             </a:r>
             <a:r>
-              <a:rPr lang="en-US" sz="1200" dirty="0" err="1" smtClean="0">
+              <a:rPr lang="en-US" sz="1200" dirty="0" err="1">
                 <a:latin typeface="+mn-lt"/>
                 <a:ea typeface="Calibri"/>
                 <a:cs typeface="Calibri"/>
@@ -1595,25 +1582,16 @@
               <a:t>DebugMeTest</a:t>
             </a:r>
             <a:r>
-              <a:rPr sz="1200" dirty="0" smtClean="0">
-                <a:latin typeface="Calibri"/>
-                <a:ea typeface="Calibri"/>
-                <a:cs typeface="Calibri"/>
-                <a:sym typeface="Calibri"/>
-              </a:rPr>
-              <a:t> </a:t>
-            </a:r>
-            <a:r>
               <a:rPr sz="1200" dirty="0">
                 <a:latin typeface="Calibri"/>
                 <a:ea typeface="Calibri"/>
                 <a:cs typeface="Calibri"/>
                 <a:sym typeface="Calibri"/>
               </a:rPr>
-              <a:t>together, give them time to answer the quiz question, then have them complete </a:t>
-            </a:r>
-            <a:r>
-              <a:rPr lang="en-US" sz="1200" dirty="0" err="1" smtClean="0">
+              <a:t> together, give them time to answer the quiz question, then have them complete </a:t>
+            </a:r>
+            <a:r>
+              <a:rPr lang="en-US" sz="1200" dirty="0" err="1">
                 <a:latin typeface="+mn-lt"/>
                 <a:ea typeface="Calibri"/>
                 <a:cs typeface="Calibri"/>
@@ -1622,7 +1600,7 @@
               <a:t>DebugMeTest</a:t>
             </a:r>
             <a:r>
-              <a:rPr sz="1200" dirty="0" smtClean="0">
+              <a:rPr sz="1200" dirty="0">
                 <a:latin typeface="Calibri"/>
                 <a:ea typeface="Calibri"/>
                 <a:cs typeface="Calibri"/>
@@ -1630,7 +1608,7 @@
               </a:rPr>
               <a:t>.]</a:t>
             </a:r>
-            <a:endParaRPr lang="en-US" sz="1200" dirty="0" smtClean="0">
+            <a:endParaRPr lang="en-US" sz="1200" dirty="0">
               <a:latin typeface="Calibri"/>
               <a:ea typeface="Calibri"/>
               <a:cs typeface="Calibri"/>
@@ -1648,7 +1626,7 @@
               <a:defRPr sz="1800"/>
             </a:pPr>
             <a:r>
-              <a:rPr lang="en-US" sz="1200" dirty="0" smtClean="0">
+              <a:rPr lang="en-US" sz="1200" dirty="0">
                 <a:latin typeface="Calibri"/>
                 <a:ea typeface="Calibri"/>
                 <a:cs typeface="Calibri"/>
@@ -1657,7 +1635,7 @@
               <a:t>[You can also point them to </a:t>
             </a:r>
             <a:r>
-              <a:rPr lang="en-US" sz="1200" dirty="0" err="1" smtClean="0">
+              <a:rPr lang="en-US" sz="1200" dirty="0" err="1">
                 <a:latin typeface="Calibri"/>
                 <a:ea typeface="Calibri"/>
                 <a:cs typeface="Calibri"/>
@@ -1666,7 +1644,7 @@
               <a:t>WhackABug</a:t>
             </a:r>
             <a:r>
-              <a:rPr lang="en-US" sz="1200" baseline="0" dirty="0" smtClean="0">
+              <a:rPr lang="en-US" sz="1200" baseline="0" dirty="0">
                 <a:latin typeface="Calibri"/>
                 <a:ea typeface="Calibri"/>
                 <a:cs typeface="Calibri"/>
@@ -1674,7 +1652,7 @@
               </a:rPr>
               <a:t> to get more practice when running a Java Application instead of JUnit)]</a:t>
             </a:r>
-            <a:endParaRPr lang="en-US" sz="1200" dirty="0" smtClean="0">
+            <a:endParaRPr lang="en-US" sz="1200" dirty="0">
               <a:latin typeface="Calibri"/>
               <a:ea typeface="Calibri"/>
               <a:cs typeface="Calibri"/>
@@ -1692,7 +1670,7 @@
               <a:defRPr sz="1800"/>
             </a:pPr>
             <a:r>
-              <a:rPr lang="en-US" sz="1200" dirty="0" err="1" smtClean="0">
+              <a:rPr lang="en-US" sz="1200" dirty="0" err="1">
                 <a:latin typeface="Calibri"/>
                 <a:ea typeface="Calibri"/>
                 <a:cs typeface="Calibri"/>
@@ -1701,7 +1679,7 @@
               <a:t>DebugMeTest</a:t>
             </a:r>
             <a:r>
-              <a:rPr lang="en-US" sz="1200" dirty="0" smtClean="0">
+              <a:rPr lang="en-US" sz="1200" dirty="0">
                 <a:latin typeface="Calibri"/>
                 <a:ea typeface="Calibri"/>
                 <a:cs typeface="Calibri"/>
@@ -1721,7 +1699,7 @@
               <a:defRPr sz="1800"/>
             </a:pPr>
             <a:r>
-              <a:rPr lang="en-US" sz="1800" kern="1200" dirty="0" err="1" smtClean="0">
+              <a:rPr lang="en-US" sz="1800" kern="1200" dirty="0" err="1">
                 <a:solidFill>
                   <a:schemeClr val="tx1"/>
                 </a:solidFill>
@@ -1732,7 +1710,7 @@
               <a:t>uppercaseIfExclaimation</a:t>
             </a:r>
             <a:r>
-              <a:rPr lang="en-US" sz="1800" kern="1200" dirty="0" smtClean="0">
+              <a:rPr lang="en-US" sz="1800" kern="1200" dirty="0">
                 <a:solidFill>
                   <a:schemeClr val="tx1"/>
                 </a:solidFill>
@@ -1743,7 +1721,7 @@
               <a:t> which ends up showing</a:t>
             </a:r>
             <a:r>
-              <a:rPr lang="en-US" sz="1800" kern="1200" baseline="0" dirty="0" smtClean="0">
+              <a:rPr lang="en-US" sz="1800" kern="1200" baseline="0" dirty="0">
                 <a:solidFill>
                   <a:schemeClr val="tx1"/>
                 </a:solidFill>
@@ -1754,7 +1732,7 @@
               <a:t> the </a:t>
             </a:r>
             <a:r>
-              <a:rPr lang="en-US" sz="1800" kern="1200" baseline="0" dirty="0" err="1" smtClean="0">
+              <a:rPr lang="en-US" sz="1800" kern="1200" baseline="0" dirty="0" err="1">
                 <a:solidFill>
                   <a:schemeClr val="tx1"/>
                 </a:solidFill>
@@ -1765,7 +1743,7 @@
               <a:t>gotcha</a:t>
             </a:r>
             <a:r>
-              <a:rPr lang="en-US" sz="1800" kern="1200" baseline="0" dirty="0" smtClean="0">
+              <a:rPr lang="en-US" sz="1800" kern="1200" baseline="0" dirty="0">
                 <a:solidFill>
                   <a:schemeClr val="tx1"/>
                 </a:solidFill>
@@ -1842,19 +1820,19 @@
           <a:lstStyle/>
           <a:p>
             <a:r>
-              <a:rPr lang="en-US" dirty="0" smtClean="0"/>
+              <a:rPr lang="en-US" dirty="0"/>
               <a:t>Only spend time on this if you want to show the </a:t>
             </a:r>
             <a:r>
-              <a:rPr lang="en-US" dirty="0" err="1" smtClean="0"/>
+              <a:rPr lang="en-US" dirty="0" err="1"/>
               <a:t>DebugMeTest</a:t>
             </a:r>
             <a:r>
-              <a:rPr lang="en-US" dirty="0" smtClean="0"/>
+              <a:rPr lang="en-US" dirty="0"/>
               <a:t> examples,</a:t>
             </a:r>
             <a:r>
-              <a:rPr lang="en-US" baseline="0" dirty="0" smtClean="0"/>
+              <a:rPr lang="en-US" baseline="0" dirty="0"/>
               <a:t> in particular the final test which you can use to demonstrate this approach.</a:t>
             </a:r>
             <a:endParaRPr lang="en-US" dirty="0"/>
@@ -1959,7 +1937,7 @@
               <a:defRPr/>
             </a:pPr>
             <a:r>
-              <a:rPr lang="en-US" sz="1200" kern="1200" dirty="0" err="1" smtClean="0">
+              <a:rPr lang="en-US" sz="1200" kern="1200" dirty="0" err="1">
                 <a:solidFill>
                   <a:schemeClr val="tx1"/>
                 </a:solidFill>
@@ -1970,7 +1948,7 @@
               <a:t>uppercaseIfExclaimation</a:t>
             </a:r>
             <a:r>
-              <a:rPr lang="en-US" sz="1200" kern="1200" dirty="0" smtClean="0">
+              <a:rPr lang="en-US" sz="1200" kern="1200" dirty="0">
                 <a:solidFill>
                   <a:schemeClr val="tx1"/>
                 </a:solidFill>
@@ -1981,7 +1959,7 @@
               <a:t> ends up showing</a:t>
             </a:r>
             <a:r>
-              <a:rPr lang="en-US" sz="1200" kern="1200" baseline="0" dirty="0" smtClean="0">
+              <a:rPr lang="en-US" sz="1200" kern="1200" baseline="0" dirty="0">
                 <a:solidFill>
                   <a:schemeClr val="tx1"/>
                 </a:solidFill>
@@ -2159,10 +2137,9 @@
           <a:lstStyle/>
           <a:p>
             <a:r>
-              <a:rPr lang="en-US" smtClean="0"/>
+              <a:rPr lang="en-US"/>
               <a:t>Click to edit Master title style</a:t>
             </a:r>
-            <a:endParaRPr lang="en-US"/>
           </a:p>
         </p:txBody>
       </p:sp>
@@ -2278,10 +2255,9 @@
           </a:lstStyle>
           <a:p>
             <a:r>
-              <a:rPr lang="en-US" smtClean="0"/>
+              <a:rPr lang="en-US"/>
               <a:t>Click to edit Master subtitle style</a:t>
             </a:r>
-            <a:endParaRPr lang="en-US"/>
           </a:p>
         </p:txBody>
       </p:sp>
@@ -2302,7 +2278,7 @@
           <a:p>
             <a:fld id="{5B07E745-2C70-2943-8487-A8F6E88ADF5E}" type="datetimeFigureOut">
               <a:rPr lang="en-US" smtClean="0"/>
-              <a:t>3/11/2018</a:t>
+              <a:t>9/6/2018</a:t>
             </a:fld>
             <a:endParaRPr lang="en-US"/>
           </a:p>
@@ -2396,10 +2372,9 @@
           <a:lstStyle/>
           <a:p>
             <a:r>
-              <a:rPr lang="en-US" smtClean="0"/>
+              <a:rPr lang="en-US"/>
               <a:t>Click to edit Master title style</a:t>
             </a:r>
-            <a:endParaRPr lang="en-US"/>
           </a:p>
         </p:txBody>
       </p:sp>
@@ -2420,38 +2395,37 @@
           <a:p>
             <a:pPr lvl="0"/>
             <a:r>
-              <a:rPr lang="en-US" smtClean="0"/>
+              <a:rPr lang="en-US"/>
               <a:t>Click to edit Master text styles</a:t>
             </a:r>
           </a:p>
           <a:p>
             <a:pPr lvl="1"/>
             <a:r>
-              <a:rPr lang="en-US" smtClean="0"/>
+              <a:rPr lang="en-US"/>
               <a:t>Second level</a:t>
             </a:r>
           </a:p>
           <a:p>
             <a:pPr lvl="2"/>
             <a:r>
-              <a:rPr lang="en-US" smtClean="0"/>
+              <a:rPr lang="en-US"/>
               <a:t>Third level</a:t>
             </a:r>
           </a:p>
           <a:p>
             <a:pPr lvl="3"/>
             <a:r>
-              <a:rPr lang="en-US" smtClean="0"/>
+              <a:rPr lang="en-US"/>
               <a:t>Fourth level</a:t>
             </a:r>
           </a:p>
           <a:p>
             <a:pPr lvl="4"/>
             <a:r>
-              <a:rPr lang="en-US" smtClean="0"/>
+              <a:rPr lang="en-US"/>
               <a:t>Fifth level</a:t>
             </a:r>
-            <a:endParaRPr lang="en-US"/>
           </a:p>
         </p:txBody>
       </p:sp>
@@ -2472,7 +2446,7 @@
           <a:p>
             <a:fld id="{5B07E745-2C70-2943-8487-A8F6E88ADF5E}" type="datetimeFigureOut">
               <a:rPr lang="en-US" smtClean="0"/>
-              <a:t>3/11/2018</a:t>
+              <a:t>9/6/2018</a:t>
             </a:fld>
             <a:endParaRPr lang="en-US"/>
           </a:p>
@@ -2571,10 +2545,9 @@
           <a:lstStyle/>
           <a:p>
             <a:r>
-              <a:rPr lang="en-US" smtClean="0"/>
+              <a:rPr lang="en-US"/>
               <a:t>Click to edit Master title style</a:t>
             </a:r>
-            <a:endParaRPr lang="en-US"/>
           </a:p>
         </p:txBody>
       </p:sp>
@@ -2600,38 +2573,37 @@
           <a:p>
             <a:pPr lvl="0"/>
             <a:r>
-              <a:rPr lang="en-US" smtClean="0"/>
+              <a:rPr lang="en-US"/>
               <a:t>Click to edit Master text styles</a:t>
             </a:r>
           </a:p>
           <a:p>
             <a:pPr lvl="1"/>
             <a:r>
-              <a:rPr lang="en-US" smtClean="0"/>
+              <a:rPr lang="en-US"/>
               <a:t>Second level</a:t>
             </a:r>
           </a:p>
           <a:p>
             <a:pPr lvl="2"/>
             <a:r>
-              <a:rPr lang="en-US" smtClean="0"/>
+              <a:rPr lang="en-US"/>
               <a:t>Third level</a:t>
             </a:r>
           </a:p>
           <a:p>
             <a:pPr lvl="3"/>
             <a:r>
-              <a:rPr lang="en-US" smtClean="0"/>
+              <a:rPr lang="en-US"/>
               <a:t>Fourth level</a:t>
             </a:r>
           </a:p>
           <a:p>
             <a:pPr lvl="4"/>
             <a:r>
-              <a:rPr lang="en-US" smtClean="0"/>
+              <a:rPr lang="en-US"/>
               <a:t>Fifth level</a:t>
             </a:r>
-            <a:endParaRPr lang="en-US"/>
           </a:p>
         </p:txBody>
       </p:sp>
@@ -2652,7 +2624,7 @@
           <a:p>
             <a:fld id="{5B07E745-2C70-2943-8487-A8F6E88ADF5E}" type="datetimeFigureOut">
               <a:rPr lang="en-US" smtClean="0"/>
-              <a:t>3/11/2018</a:t>
+              <a:t>9/6/2018</a:t>
             </a:fld>
             <a:endParaRPr lang="en-US"/>
           </a:p>
@@ -2746,10 +2718,9 @@
           <a:lstStyle/>
           <a:p>
             <a:r>
-              <a:rPr lang="en-US" smtClean="0"/>
+              <a:rPr lang="en-US"/>
               <a:t>Click to edit Master title style</a:t>
             </a:r>
-            <a:endParaRPr lang="en-US"/>
           </a:p>
         </p:txBody>
       </p:sp>
@@ -2770,38 +2741,37 @@
           <a:p>
             <a:pPr lvl="0"/>
             <a:r>
-              <a:rPr lang="en-US" smtClean="0"/>
+              <a:rPr lang="en-US"/>
               <a:t>Click to edit Master text styles</a:t>
             </a:r>
           </a:p>
           <a:p>
             <a:pPr lvl="1"/>
             <a:r>
-              <a:rPr lang="en-US" smtClean="0"/>
+              <a:rPr lang="en-US"/>
               <a:t>Second level</a:t>
             </a:r>
           </a:p>
           <a:p>
             <a:pPr lvl="2"/>
             <a:r>
-              <a:rPr lang="en-US" smtClean="0"/>
+              <a:rPr lang="en-US"/>
               <a:t>Third level</a:t>
             </a:r>
           </a:p>
           <a:p>
             <a:pPr lvl="3"/>
             <a:r>
-              <a:rPr lang="en-US" smtClean="0"/>
+              <a:rPr lang="en-US"/>
               <a:t>Fourth level</a:t>
             </a:r>
           </a:p>
           <a:p>
             <a:pPr lvl="4"/>
             <a:r>
-              <a:rPr lang="en-US" smtClean="0"/>
+              <a:rPr lang="en-US"/>
               <a:t>Fifth level</a:t>
             </a:r>
-            <a:endParaRPr lang="en-US"/>
           </a:p>
         </p:txBody>
       </p:sp>
@@ -2822,7 +2792,7 @@
           <a:p>
             <a:fld id="{5B07E745-2C70-2943-8487-A8F6E88ADF5E}" type="datetimeFigureOut">
               <a:rPr lang="en-US" smtClean="0"/>
-              <a:t>3/11/2018</a:t>
+              <a:t>9/6/2018</a:t>
             </a:fld>
             <a:endParaRPr lang="en-US"/>
           </a:p>
@@ -2925,10 +2895,9 @@
           </a:lstStyle>
           <a:p>
             <a:r>
-              <a:rPr lang="en-US" smtClean="0"/>
+              <a:rPr lang="en-US"/>
               <a:t>Click to edit Master title style</a:t>
             </a:r>
-            <a:endParaRPr lang="en-US"/>
           </a:p>
         </p:txBody>
       </p:sp>
@@ -3045,7 +3014,7 @@
           <a:p>
             <a:pPr lvl="0"/>
             <a:r>
-              <a:rPr lang="en-US" smtClean="0"/>
+              <a:rPr lang="en-US"/>
               <a:t>Click to edit Master text styles</a:t>
             </a:r>
           </a:p>
@@ -3068,7 +3037,7 @@
           <a:p>
             <a:fld id="{5B07E745-2C70-2943-8487-A8F6E88ADF5E}" type="datetimeFigureOut">
               <a:rPr lang="en-US" smtClean="0"/>
-              <a:t>3/11/2018</a:t>
+              <a:t>9/6/2018</a:t>
             </a:fld>
             <a:endParaRPr lang="en-US"/>
           </a:p>
@@ -3162,10 +3131,9 @@
           <a:lstStyle/>
           <a:p>
             <a:r>
-              <a:rPr lang="en-US" smtClean="0"/>
+              <a:rPr lang="en-US"/>
               <a:t>Click to edit Master title style</a:t>
             </a:r>
-            <a:endParaRPr lang="en-US"/>
           </a:p>
         </p:txBody>
       </p:sp>
@@ -3219,38 +3187,37 @@
           <a:p>
             <a:pPr lvl="0"/>
             <a:r>
-              <a:rPr lang="en-US" smtClean="0"/>
+              <a:rPr lang="en-US"/>
               <a:t>Click to edit Master text styles</a:t>
             </a:r>
           </a:p>
           <a:p>
             <a:pPr lvl="1"/>
             <a:r>
-              <a:rPr lang="en-US" smtClean="0"/>
+              <a:rPr lang="en-US"/>
               <a:t>Second level</a:t>
             </a:r>
           </a:p>
           <a:p>
             <a:pPr lvl="2"/>
             <a:r>
-              <a:rPr lang="en-US" smtClean="0"/>
+              <a:rPr lang="en-US"/>
               <a:t>Third level</a:t>
             </a:r>
           </a:p>
           <a:p>
             <a:pPr lvl="3"/>
             <a:r>
-              <a:rPr lang="en-US" smtClean="0"/>
+              <a:rPr lang="en-US"/>
               <a:t>Fourth level</a:t>
             </a:r>
           </a:p>
           <a:p>
             <a:pPr lvl="4"/>
             <a:r>
-              <a:rPr lang="en-US" smtClean="0"/>
+              <a:rPr lang="en-US"/>
               <a:t>Fifth level</a:t>
             </a:r>
-            <a:endParaRPr lang="en-US"/>
           </a:p>
         </p:txBody>
       </p:sp>
@@ -3304,38 +3271,37 @@
           <a:p>
             <a:pPr lvl="0"/>
             <a:r>
-              <a:rPr lang="en-US" smtClean="0"/>
+              <a:rPr lang="en-US"/>
               <a:t>Click to edit Master text styles</a:t>
             </a:r>
           </a:p>
           <a:p>
             <a:pPr lvl="1"/>
             <a:r>
-              <a:rPr lang="en-US" smtClean="0"/>
+              <a:rPr lang="en-US"/>
               <a:t>Second level</a:t>
             </a:r>
           </a:p>
           <a:p>
             <a:pPr lvl="2"/>
             <a:r>
-              <a:rPr lang="en-US" smtClean="0"/>
+              <a:rPr lang="en-US"/>
               <a:t>Third level</a:t>
             </a:r>
           </a:p>
           <a:p>
             <a:pPr lvl="3"/>
             <a:r>
-              <a:rPr lang="en-US" smtClean="0"/>
+              <a:rPr lang="en-US"/>
               <a:t>Fourth level</a:t>
             </a:r>
           </a:p>
           <a:p>
             <a:pPr lvl="4"/>
             <a:r>
-              <a:rPr lang="en-US" smtClean="0"/>
+              <a:rPr lang="en-US"/>
               <a:t>Fifth level</a:t>
             </a:r>
-            <a:endParaRPr lang="en-US"/>
           </a:p>
         </p:txBody>
       </p:sp>
@@ -3356,7 +3322,7 @@
           <a:p>
             <a:fld id="{5B07E745-2C70-2943-8487-A8F6E88ADF5E}" type="datetimeFigureOut">
               <a:rPr lang="en-US" smtClean="0"/>
-              <a:t>3/11/2018</a:t>
+              <a:t>9/6/2018</a:t>
             </a:fld>
             <a:endParaRPr lang="en-US"/>
           </a:p>
@@ -3454,10 +3420,9 @@
           </a:lstStyle>
           <a:p>
             <a:r>
-              <a:rPr lang="en-US" smtClean="0"/>
+              <a:rPr lang="en-US"/>
               <a:t>Click to edit Master title style</a:t>
             </a:r>
-            <a:endParaRPr lang="en-US"/>
           </a:p>
         </p:txBody>
       </p:sp>
@@ -3520,7 +3485,7 @@
           <a:p>
             <a:pPr lvl="0"/>
             <a:r>
-              <a:rPr lang="en-US" smtClean="0"/>
+              <a:rPr lang="en-US"/>
               <a:t>Click to edit Master text styles</a:t>
             </a:r>
           </a:p>
@@ -3576,38 +3541,37 @@
           <a:p>
             <a:pPr lvl="0"/>
             <a:r>
-              <a:rPr lang="en-US" smtClean="0"/>
+              <a:rPr lang="en-US"/>
               <a:t>Click to edit Master text styles</a:t>
             </a:r>
           </a:p>
           <a:p>
             <a:pPr lvl="1"/>
             <a:r>
-              <a:rPr lang="en-US" smtClean="0"/>
+              <a:rPr lang="en-US"/>
               <a:t>Second level</a:t>
             </a:r>
           </a:p>
           <a:p>
             <a:pPr lvl="2"/>
             <a:r>
-              <a:rPr lang="en-US" smtClean="0"/>
+              <a:rPr lang="en-US"/>
               <a:t>Third level</a:t>
             </a:r>
           </a:p>
           <a:p>
             <a:pPr lvl="3"/>
             <a:r>
-              <a:rPr lang="en-US" smtClean="0"/>
+              <a:rPr lang="en-US"/>
               <a:t>Fourth level</a:t>
             </a:r>
           </a:p>
           <a:p>
             <a:pPr lvl="4"/>
             <a:r>
-              <a:rPr lang="en-US" smtClean="0"/>
+              <a:rPr lang="en-US"/>
               <a:t>Fifth level</a:t>
             </a:r>
-            <a:endParaRPr lang="en-US"/>
           </a:p>
         </p:txBody>
       </p:sp>
@@ -3670,7 +3634,7 @@
           <a:p>
             <a:pPr lvl="0"/>
             <a:r>
-              <a:rPr lang="en-US" smtClean="0"/>
+              <a:rPr lang="en-US"/>
               <a:t>Click to edit Master text styles</a:t>
             </a:r>
           </a:p>
@@ -3726,38 +3690,37 @@
           <a:p>
             <a:pPr lvl="0"/>
             <a:r>
-              <a:rPr lang="en-US" smtClean="0"/>
+              <a:rPr lang="en-US"/>
               <a:t>Click to edit Master text styles</a:t>
             </a:r>
           </a:p>
           <a:p>
             <a:pPr lvl="1"/>
             <a:r>
-              <a:rPr lang="en-US" smtClean="0"/>
+              <a:rPr lang="en-US"/>
               <a:t>Second level</a:t>
             </a:r>
           </a:p>
           <a:p>
             <a:pPr lvl="2"/>
             <a:r>
-              <a:rPr lang="en-US" smtClean="0"/>
+              <a:rPr lang="en-US"/>
               <a:t>Third level</a:t>
             </a:r>
           </a:p>
           <a:p>
             <a:pPr lvl="3"/>
             <a:r>
-              <a:rPr lang="en-US" smtClean="0"/>
+              <a:rPr lang="en-US"/>
               <a:t>Fourth level</a:t>
             </a:r>
           </a:p>
           <a:p>
             <a:pPr lvl="4"/>
             <a:r>
-              <a:rPr lang="en-US" smtClean="0"/>
+              <a:rPr lang="en-US"/>
               <a:t>Fifth level</a:t>
             </a:r>
-            <a:endParaRPr lang="en-US"/>
           </a:p>
         </p:txBody>
       </p:sp>
@@ -3778,7 +3741,7 @@
           <a:p>
             <a:fld id="{5B07E745-2C70-2943-8487-A8F6E88ADF5E}" type="datetimeFigureOut">
               <a:rPr lang="en-US" smtClean="0"/>
-              <a:t>3/11/2018</a:t>
+              <a:t>9/6/2018</a:t>
             </a:fld>
             <a:endParaRPr lang="en-US"/>
           </a:p>
@@ -3872,10 +3835,9 @@
           <a:lstStyle/>
           <a:p>
             <a:r>
-              <a:rPr lang="en-US" smtClean="0"/>
+              <a:rPr lang="en-US"/>
               <a:t>Click to edit Master title style</a:t>
             </a:r>
-            <a:endParaRPr lang="en-US"/>
           </a:p>
         </p:txBody>
       </p:sp>
@@ -3896,7 +3858,7 @@
           <a:p>
             <a:fld id="{5B07E745-2C70-2943-8487-A8F6E88ADF5E}" type="datetimeFigureOut">
               <a:rPr lang="en-US" smtClean="0"/>
-              <a:t>3/11/2018</a:t>
+              <a:t>9/6/2018</a:t>
             </a:fld>
             <a:endParaRPr lang="en-US"/>
           </a:p>
@@ -3991,7 +3953,7 @@
           <a:p>
             <a:fld id="{5B07E745-2C70-2943-8487-A8F6E88ADF5E}" type="datetimeFigureOut">
               <a:rPr lang="en-US" smtClean="0"/>
-              <a:t>3/11/2018</a:t>
+              <a:t>9/6/2018</a:t>
             </a:fld>
             <a:endParaRPr lang="en-US"/>
           </a:p>
@@ -4094,10 +4056,9 @@
           </a:lstStyle>
           <a:p>
             <a:r>
-              <a:rPr lang="en-US" smtClean="0"/>
+              <a:rPr lang="en-US"/>
               <a:t>Click to edit Master title style</a:t>
             </a:r>
-            <a:endParaRPr lang="en-US"/>
           </a:p>
         </p:txBody>
       </p:sp>
@@ -4151,38 +4112,37 @@
           <a:p>
             <a:pPr lvl="0"/>
             <a:r>
-              <a:rPr lang="en-US" smtClean="0"/>
+              <a:rPr lang="en-US"/>
               <a:t>Click to edit Master text styles</a:t>
             </a:r>
           </a:p>
           <a:p>
             <a:pPr lvl="1"/>
             <a:r>
-              <a:rPr lang="en-US" smtClean="0"/>
+              <a:rPr lang="en-US"/>
               <a:t>Second level</a:t>
             </a:r>
           </a:p>
           <a:p>
             <a:pPr lvl="2"/>
             <a:r>
-              <a:rPr lang="en-US" smtClean="0"/>
+              <a:rPr lang="en-US"/>
               <a:t>Third level</a:t>
             </a:r>
           </a:p>
           <a:p>
             <a:pPr lvl="3"/>
             <a:r>
-              <a:rPr lang="en-US" smtClean="0"/>
+              <a:rPr lang="en-US"/>
               <a:t>Fourth level</a:t>
             </a:r>
           </a:p>
           <a:p>
             <a:pPr lvl="4"/>
             <a:r>
-              <a:rPr lang="en-US" smtClean="0"/>
+              <a:rPr lang="en-US"/>
               <a:t>Fifth level</a:t>
             </a:r>
-            <a:endParaRPr lang="en-US"/>
           </a:p>
         </p:txBody>
       </p:sp>
@@ -4245,7 +4205,7 @@
           <a:p>
             <a:pPr lvl="0"/>
             <a:r>
-              <a:rPr lang="en-US" smtClean="0"/>
+              <a:rPr lang="en-US"/>
               <a:t>Click to edit Master text styles</a:t>
             </a:r>
           </a:p>
@@ -4268,7 +4228,7 @@
           <a:p>
             <a:fld id="{5B07E745-2C70-2943-8487-A8F6E88ADF5E}" type="datetimeFigureOut">
               <a:rPr lang="en-US" smtClean="0"/>
-              <a:t>3/11/2018</a:t>
+              <a:t>9/6/2018</a:t>
             </a:fld>
             <a:endParaRPr lang="en-US"/>
           </a:p>
@@ -4371,10 +4331,9 @@
           </a:lstStyle>
           <a:p>
             <a:r>
-              <a:rPr lang="en-US" smtClean="0"/>
+              <a:rPr lang="en-US"/>
               <a:t>Click to edit Master title style</a:t>
             </a:r>
-            <a:endParaRPr lang="en-US"/>
           </a:p>
         </p:txBody>
       </p:sp>
@@ -4498,7 +4457,7 @@
           <a:p>
             <a:pPr lvl="0"/>
             <a:r>
-              <a:rPr lang="en-US" smtClean="0"/>
+              <a:rPr lang="en-US"/>
               <a:t>Click to edit Master text styles</a:t>
             </a:r>
           </a:p>
@@ -4521,7 +4480,7 @@
           <a:p>
             <a:fld id="{5B07E745-2C70-2943-8487-A8F6E88ADF5E}" type="datetimeFigureOut">
               <a:rPr lang="en-US" smtClean="0"/>
-              <a:t>3/11/2018</a:t>
+              <a:t>9/6/2018</a:t>
             </a:fld>
             <a:endParaRPr lang="en-US"/>
           </a:p>
@@ -4630,10 +4589,9 @@
           <a:lstStyle/>
           <a:p>
             <a:r>
-              <a:rPr lang="en-US" smtClean="0"/>
+              <a:rPr lang="en-US"/>
               <a:t>Click to edit Master title style</a:t>
             </a:r>
-            <a:endParaRPr lang="en-US"/>
           </a:p>
         </p:txBody>
       </p:sp>
@@ -4664,38 +4622,37 @@
           <a:p>
             <a:pPr lvl="0"/>
             <a:r>
-              <a:rPr lang="en-US" smtClean="0"/>
+              <a:rPr lang="en-US"/>
               <a:t>Click to edit Master text styles</a:t>
             </a:r>
           </a:p>
           <a:p>
             <a:pPr lvl="1"/>
             <a:r>
-              <a:rPr lang="en-US" smtClean="0"/>
+              <a:rPr lang="en-US"/>
               <a:t>Second level</a:t>
             </a:r>
           </a:p>
           <a:p>
             <a:pPr lvl="2"/>
             <a:r>
-              <a:rPr lang="en-US" smtClean="0"/>
+              <a:rPr lang="en-US"/>
               <a:t>Third level</a:t>
             </a:r>
           </a:p>
           <a:p>
             <a:pPr lvl="3"/>
             <a:r>
-              <a:rPr lang="en-US" smtClean="0"/>
+              <a:rPr lang="en-US"/>
               <a:t>Fourth level</a:t>
             </a:r>
           </a:p>
           <a:p>
             <a:pPr lvl="4"/>
             <a:r>
-              <a:rPr lang="en-US" smtClean="0"/>
+              <a:rPr lang="en-US"/>
               <a:t>Fifth level</a:t>
             </a:r>
-            <a:endParaRPr lang="en-US"/>
           </a:p>
         </p:txBody>
       </p:sp>
@@ -4734,7 +4691,7 @@
           <a:p>
             <a:fld id="{5B07E745-2C70-2943-8487-A8F6E88ADF5E}" type="datetimeFigureOut">
               <a:rPr lang="en-US" smtClean="0"/>
-              <a:t>3/11/2018</a:t>
+              <a:t>9/6/2018</a:t>
             </a:fld>
             <a:endParaRPr lang="en-US"/>
           </a:p>
@@ -5125,11 +5082,11 @@
           <a:lstStyle/>
           <a:p>
             <a:r>
-              <a:rPr lang="en-US" dirty="0" smtClean="0"/>
+              <a:rPr lang="en-US" dirty="0"/>
               <a:t>Object Intro </a:t>
             </a:r>
             <a:r>
-              <a:rPr lang="en-US" smtClean="0"/>
+              <a:rPr lang="en-US"/>
               <a:t>and Miscellaneous</a:t>
             </a:r>
             <a:endParaRPr lang="en-US" dirty="0"/>
@@ -5197,23 +5154,19 @@
             </a:pPr>
             <a:r>
               <a:rPr lang="en-US" dirty="0"/>
-              <a:t>Checkout </a:t>
-            </a:r>
-            <a:r>
-              <a:rPr lang="en-US" i="1" dirty="0" err="1" smtClean="0"/>
-              <a:t>ObjectIntroAndMisc</a:t>
-            </a:r>
-            <a:r>
-              <a:rPr lang="en-US" i="1" dirty="0" smtClean="0"/>
+              <a:t>Import </a:t>
+            </a:r>
+            <a:r>
+              <a:rPr lang="en-US" i="1" dirty="0" err="1"/>
+              <a:t>ObjectIntroAndMiscPractice</a:t>
+            </a:r>
+            <a:r>
+              <a:rPr lang="en-US" i="1" dirty="0"/>
               <a:t> </a:t>
             </a:r>
             <a:r>
-              <a:rPr lang="en-US" dirty="0" smtClean="0"/>
-              <a:t>project </a:t>
-            </a:r>
-            <a:r>
               <a:rPr lang="en-US" dirty="0"/>
-              <a:t>from SVN</a:t>
+              <a:t>project from git repo</a:t>
             </a:r>
           </a:p>
         </p:txBody>
@@ -5228,13 +5181,6 @@
   <p:clrMapOvr>
     <a:masterClrMapping/>
   </p:clrMapOvr>
-  <p:timing>
-    <p:tnLst>
-      <p:par>
-        <p:cTn id="1" dur="indefinite" restart="never" nodeType="tmRoot"/>
-      </p:par>
-    </p:tnLst>
-  </p:timing>
 </p:sld>
 </file>
 
@@ -5271,10 +5217,9 @@
           <a:lstStyle/>
           <a:p>
             <a:r>
-              <a:rPr lang="en-US" dirty="0" smtClean="0"/>
+              <a:rPr lang="en-US" dirty="0"/>
               <a:t>Exception Breakpoint</a:t>
             </a:r>
-            <a:endParaRPr lang="en-US" dirty="0"/>
           </a:p>
         </p:txBody>
       </p:sp>
@@ -5302,34 +5247,33 @@
               <a:buNone/>
             </a:pPr>
             <a:r>
-              <a:rPr lang="en-US" dirty="0" smtClean="0"/>
+              <a:rPr lang="en-US" dirty="0"/>
               <a:t>Very useful when an exception is happening but you don’t know where or why</a:t>
             </a:r>
           </a:p>
           <a:p>
             <a:r>
-              <a:rPr lang="en-US" dirty="0" smtClean="0"/>
+              <a:rPr lang="en-US" dirty="0"/>
               <a:t>Exception Tab</a:t>
             </a:r>
           </a:p>
           <a:p>
             <a:r>
-              <a:rPr lang="en-US" dirty="0" smtClean="0"/>
+              <a:rPr lang="en-US" dirty="0"/>
               <a:t>Exclamation point button</a:t>
             </a:r>
           </a:p>
           <a:p>
             <a:r>
-              <a:rPr lang="en-US" dirty="0" smtClean="0"/>
+              <a:rPr lang="en-US" dirty="0"/>
               <a:t>Find the exception type you want</a:t>
             </a:r>
           </a:p>
           <a:p>
             <a:r>
-              <a:rPr lang="en-US" dirty="0" smtClean="0"/>
+              <a:rPr lang="en-US" dirty="0"/>
               <a:t>Add a breakpoint</a:t>
             </a:r>
-            <a:endParaRPr lang="en-US" dirty="0"/>
           </a:p>
         </p:txBody>
       </p:sp>
@@ -5404,18 +5348,17 @@
           <a:lstStyle/>
           <a:p>
             <a:r>
-              <a:rPr lang="en-US" dirty="0" smtClean="0"/>
+              <a:rPr lang="en-US" dirty="0"/>
               <a:t>Important </a:t>
             </a:r>
             <a:r>
-              <a:rPr lang="en-US" dirty="0" err="1" smtClean="0"/>
+              <a:rPr lang="en-US" dirty="0" err="1"/>
               <a:t>gotcha</a:t>
             </a:r>
             <a:r>
-              <a:rPr lang="en-US" dirty="0" smtClean="0"/>
+              <a:rPr lang="en-US" dirty="0"/>
               <a:t>: Strings in java are immutable</a:t>
             </a:r>
-            <a:endParaRPr lang="en-US" dirty="0"/>
           </a:p>
         </p:txBody>
       </p:sp>
@@ -5435,16 +5378,15 @@
           <a:lstStyle/>
           <a:p>
             <a:r>
-              <a:rPr lang="en-US" dirty="0" smtClean="0"/>
+              <a:rPr lang="en-US" dirty="0"/>
               <a:t>No method on the string class will modify the content of a string</a:t>
             </a:r>
           </a:p>
           <a:p>
             <a:r>
-              <a:rPr lang="en-US" dirty="0" smtClean="0"/>
+              <a:rPr lang="en-US" dirty="0"/>
               <a:t>All methods instead return a new string</a:t>
             </a:r>
-            <a:endParaRPr lang="en-US" dirty="0"/>
           </a:p>
         </p:txBody>
       </p:sp>
@@ -5494,10 +5436,9 @@
           <a:lstStyle/>
           <a:p>
             <a:r>
-              <a:rPr lang="en-US" dirty="0" smtClean="0"/>
+              <a:rPr lang="en-US" dirty="0"/>
               <a:t>Object Basics</a:t>
             </a:r>
-            <a:endParaRPr lang="en-US" dirty="0"/>
           </a:p>
         </p:txBody>
       </p:sp>
@@ -5568,10 +5509,9 @@
           <a:lstStyle/>
           <a:p>
             <a:r>
-              <a:rPr lang="en-US" dirty="0" smtClean="0"/>
+              <a:rPr lang="en-US" dirty="0"/>
               <a:t>Class – What, When, Why, &amp; How?</a:t>
             </a:r>
-            <a:endParaRPr lang="en-US" dirty="0"/>
           </a:p>
         </p:txBody>
       </p:sp>
@@ -5594,17 +5534,17 @@
               <a:buNone/>
             </a:pPr>
             <a:r>
-              <a:rPr lang="en-US" dirty="0" smtClean="0"/>
+              <a:rPr lang="en-US" dirty="0"/>
               <a:t>What:</a:t>
             </a:r>
           </a:p>
           <a:p>
             <a:r>
-              <a:rPr lang="en-US" dirty="0" smtClean="0"/>
+              <a:rPr lang="en-US" dirty="0"/>
               <a:t>A blueprint for a custom </a:t>
             </a:r>
             <a:r>
-              <a:rPr lang="en-US" b="1" dirty="0" smtClean="0"/>
+              <a:rPr lang="en-US" b="1" dirty="0"/>
               <a:t>type</a:t>
             </a:r>
             <a:endParaRPr lang="en-US" dirty="0"/>
@@ -5614,22 +5554,21 @@
               <a:buNone/>
             </a:pPr>
             <a:r>
-              <a:rPr lang="en-US" dirty="0" smtClean="0"/>
+              <a:rPr lang="en-US" dirty="0"/>
               <a:t>When:</a:t>
             </a:r>
           </a:p>
           <a:p>
             <a:r>
-              <a:rPr lang="en-US" dirty="0" smtClean="0"/>
+              <a:rPr lang="en-US" dirty="0"/>
               <a:t>Define a class when you’re representing a concept (think nouns)</a:t>
             </a:r>
           </a:p>
           <a:p>
             <a:r>
-              <a:rPr lang="en-US" dirty="0" smtClean="0"/>
+              <a:rPr lang="en-US" dirty="0"/>
               <a:t>When no other existing type can do what you want/need</a:t>
             </a:r>
-            <a:endParaRPr lang="en-US" dirty="0"/>
           </a:p>
         </p:txBody>
       </p:sp>
@@ -5643,13 +5582,6 @@
   <p:clrMapOvr>
     <a:masterClrMapping/>
   </p:clrMapOvr>
-  <p:timing>
-    <p:tnLst>
-      <p:par>
-        <p:cTn id="1" dur="indefinite" restart="never" nodeType="tmRoot"/>
-      </p:par>
-    </p:tnLst>
-  </p:timing>
 </p:sld>
 </file>
 
@@ -5713,19 +5645,19 @@
               <a:buNone/>
             </a:pPr>
             <a:r>
-              <a:rPr lang="en-US" dirty="0" smtClean="0"/>
+              <a:rPr lang="en-US" dirty="0"/>
               <a:t>Why:</a:t>
             </a:r>
           </a:p>
           <a:p>
             <a:r>
-              <a:rPr lang="en-US" dirty="0" smtClean="0"/>
+              <a:rPr lang="en-US" dirty="0"/>
               <a:t>Keep similar concepts together</a:t>
             </a:r>
           </a:p>
           <a:p>
             <a:r>
-              <a:rPr lang="en-US" dirty="0" smtClean="0"/>
+              <a:rPr lang="en-US" dirty="0"/>
               <a:t>Encapsulation (we’ll expand on this next time)</a:t>
             </a:r>
           </a:p>
@@ -5734,7 +5666,7 @@
               <a:buNone/>
             </a:pPr>
             <a:r>
-              <a:rPr lang="en-US" dirty="0" smtClean="0"/>
+              <a:rPr lang="en-US" dirty="0"/>
               <a:t>How:</a:t>
             </a:r>
           </a:p>
@@ -5743,15 +5675,15 @@
               <a:buNone/>
             </a:pPr>
             <a:r>
-              <a:rPr lang="en-US" dirty="0" smtClean="0"/>
+              <a:rPr lang="en-US" dirty="0"/>
               <a:t>	public class </a:t>
             </a:r>
             <a:r>
-              <a:rPr lang="en-US" dirty="0" err="1" smtClean="0"/>
+              <a:rPr lang="en-US" dirty="0" err="1"/>
               <a:t>ClassName</a:t>
             </a:r>
             <a:r>
-              <a:rPr lang="en-US" dirty="0" smtClean="0"/>
+              <a:rPr lang="en-US" dirty="0"/>
               <a:t> {</a:t>
             </a:r>
           </a:p>
@@ -5760,7 +5692,7 @@
               <a:buNone/>
             </a:pPr>
             <a:r>
-              <a:rPr lang="en-US" dirty="0" smtClean="0"/>
+              <a:rPr lang="en-US" dirty="0"/>
               <a:t>		//fields</a:t>
             </a:r>
           </a:p>
@@ -5770,11 +5702,7 @@
             </a:pPr>
             <a:r>
               <a:rPr lang="en-US" dirty="0"/>
-              <a:t>	</a:t>
-            </a:r>
-            <a:r>
-              <a:rPr lang="en-US" dirty="0" smtClean="0"/>
-              <a:t>	//methods</a:t>
+              <a:t>		//methods</a:t>
             </a:r>
           </a:p>
           <a:p>
@@ -5782,10 +5710,9 @@
               <a:buNone/>
             </a:pPr>
             <a:r>
-              <a:rPr lang="en-US" dirty="0" smtClean="0"/>
+              <a:rPr lang="en-US" dirty="0"/>
               <a:t>	}</a:t>
             </a:r>
-            <a:endParaRPr lang="en-US" dirty="0"/>
           </a:p>
         </p:txBody>
       </p:sp>
@@ -5799,13 +5726,6 @@
   <p:clrMapOvr>
     <a:masterClrMapping/>
   </p:clrMapOvr>
-  <p:timing>
-    <p:tnLst>
-      <p:par>
-        <p:cTn id="1" dur="indefinite" restart="never" nodeType="tmRoot"/>
-      </p:par>
-    </p:tnLst>
-  </p:timing>
 </p:sld>
 </file>
 
@@ -5848,10 +5768,9 @@
               <a:defRPr/>
             </a:pPr>
             <a:r>
-              <a:rPr lang="en-US" dirty="0" smtClean="0"/>
+              <a:rPr lang="en-US" dirty="0"/>
               <a:t>Using Objects and Methods</a:t>
             </a:r>
-            <a:endParaRPr lang="en-US" dirty="0"/>
           </a:p>
         </p:txBody>
       </p:sp>
@@ -5881,7 +5800,7 @@
               <a:defRPr/>
             </a:pPr>
             <a:r>
-              <a:rPr lang="en-US" dirty="0" smtClean="0"/>
+              <a:rPr lang="en-US" dirty="0"/>
               <a:t>Works just like Python:</a:t>
             </a:r>
           </a:p>
@@ -5898,7 +5817,7 @@
               <a:defRPr/>
             </a:pPr>
             <a:r>
-              <a:rPr lang="en-US" i="1" dirty="0" err="1" smtClean="0">
+              <a:rPr lang="en-US" i="1" dirty="0" err="1">
                 <a:solidFill>
                   <a:schemeClr val="accent4"/>
                 </a:solidFill>
@@ -5907,7 +5826,7 @@
               <a:t>object</a:t>
             </a:r>
             <a:r>
-              <a:rPr lang="en-US" dirty="0" err="1" smtClean="0">
+              <a:rPr lang="en-US" dirty="0" err="1">
                 <a:solidFill>
                   <a:schemeClr val="accent4"/>
                 </a:solidFill>
@@ -5916,7 +5835,7 @@
               <a:t>.</a:t>
             </a:r>
             <a:r>
-              <a:rPr lang="en-US" i="1" dirty="0" err="1" smtClean="0">
+              <a:rPr lang="en-US" i="1" dirty="0" err="1">
                 <a:solidFill>
                   <a:schemeClr val="accent4"/>
                 </a:solidFill>
@@ -5925,7 +5844,7 @@
               <a:t>method</a:t>
             </a:r>
             <a:r>
-              <a:rPr lang="en-US" dirty="0" smtClean="0">
+              <a:rPr lang="en-US" dirty="0">
                 <a:solidFill>
                   <a:schemeClr val="accent4"/>
                 </a:solidFill>
@@ -5934,7 +5853,7 @@
               <a:t>(</a:t>
             </a:r>
             <a:r>
-              <a:rPr lang="en-US" i="1" dirty="0" smtClean="0">
+              <a:rPr lang="en-US" i="1" dirty="0">
                 <a:solidFill>
                   <a:schemeClr val="accent4"/>
                 </a:solidFill>
@@ -5943,7 +5862,7 @@
               <a:t>argument</a:t>
             </a:r>
             <a:r>
-              <a:rPr lang="en-US" dirty="0" smtClean="0">
+              <a:rPr lang="en-US" dirty="0">
                 <a:solidFill>
                   <a:schemeClr val="accent4"/>
                 </a:solidFill>
@@ -5961,7 +5880,7 @@
               <a:buChar char=""/>
               <a:defRPr/>
             </a:pPr>
-            <a:endParaRPr lang="en-US" dirty="0" smtClean="0"/>
+            <a:endParaRPr lang="en-US" dirty="0"/>
           </a:p>
           <a:p>
             <a:pPr marL="365760" indent="-256032" eaLnBrk="1" fontAlgn="auto" hangingPunct="1">
@@ -5972,7 +5891,7 @@
               <a:buNone/>
               <a:defRPr/>
             </a:pPr>
-            <a:endParaRPr lang="en-US" dirty="0" smtClean="0"/>
+            <a:endParaRPr lang="en-US" dirty="0"/>
           </a:p>
           <a:p>
             <a:pPr marL="365760" indent="-256032" eaLnBrk="1" fontAlgn="auto" hangingPunct="1">
@@ -5983,7 +5902,7 @@
               <a:buChar char=""/>
               <a:defRPr/>
             </a:pPr>
-            <a:endParaRPr lang="en-US" dirty="0" smtClean="0"/>
+            <a:endParaRPr lang="en-US" dirty="0"/>
           </a:p>
           <a:p>
             <a:pPr marL="365760" indent="-256032" eaLnBrk="1" fontAlgn="auto" hangingPunct="1">
@@ -5995,7 +5914,7 @@
               <a:defRPr/>
             </a:pPr>
             <a:r>
-              <a:rPr lang="en-US" dirty="0" smtClean="0"/>
+              <a:rPr lang="en-US" dirty="0"/>
               <a:t>You’ve been using this in Java:</a:t>
             </a:r>
           </a:p>
@@ -6279,16 +6198,6 @@
           </a:p>
           <a:p>
             <a:r>
-              <a:rPr lang="en-US" b="1" dirty="0" smtClean="0">
-                <a:solidFill>
-                  <a:srgbClr val="0070C0"/>
-                </a:solidFill>
-                <a:latin typeface="Courier New" pitchFamily="49" charset="0"/>
-                <a:cs typeface="Courier New" pitchFamily="49" charset="0"/>
-              </a:rPr>
-              <a:t>String </a:t>
-            </a:r>
-            <a:r>
               <a:rPr lang="en-US" b="1" dirty="0">
                 <a:solidFill>
                   <a:srgbClr val="0070C0"/>
@@ -6296,7 +6205,7 @@
                 <a:latin typeface="Courier New" pitchFamily="49" charset="0"/>
                 <a:cs typeface="Courier New" pitchFamily="49" charset="0"/>
               </a:rPr>
-              <a:t>name = "Bob </a:t>
+              <a:t>String name = "Bob </a:t>
             </a:r>
             <a:r>
               <a:rPr lang="en-US" b="1" dirty="0" err="1">
@@ -6321,7 +6230,7 @@
           </a:p>
           <a:p>
             <a:r>
-              <a:rPr lang="en-US" b="1" dirty="0" err="1" smtClean="0">
+              <a:rPr lang="en-US" b="1" dirty="0" err="1">
                 <a:solidFill>
                   <a:srgbClr val="0070C0"/>
                 </a:solidFill>
@@ -6331,7 +6240,7 @@
               <a:t>int</a:t>
             </a:r>
             <a:r>
-              <a:rPr lang="en-US" b="1" dirty="0" smtClean="0">
+              <a:rPr lang="en-US" b="1" dirty="0">
                 <a:solidFill>
                   <a:srgbClr val="0070C0"/>
                 </a:solidFill>
@@ -6382,7 +6291,7 @@
             </a:r>
           </a:p>
           <a:p>
-            <a:endParaRPr lang="en-US" b="1" dirty="0" smtClean="0">
+            <a:endParaRPr lang="en-US" b="1" dirty="0">
               <a:solidFill>
                 <a:srgbClr val="0070C0"/>
               </a:solidFill>
@@ -6433,10 +6342,9 @@
               <a:defRPr/>
             </a:pPr>
             <a:r>
-              <a:rPr lang="en-US" dirty="0" smtClean="0"/>
+              <a:rPr lang="en-US" dirty="0"/>
               <a:t>“Who does what, with what?”</a:t>
             </a:r>
-            <a:endParaRPr lang="en-US" dirty="0"/>
           </a:p>
         </p:txBody>
       </p:sp>
@@ -6450,13 +6358,6 @@
   <p:clrMapOvr>
     <a:masterClrMapping/>
   </p:clrMapOvr>
-  <p:timing>
-    <p:tnLst>
-      <p:par>
-        <p:cTn id="1" dur="indefinite" restart="never" nodeType="tmRoot"/>
-      </p:par>
-    </p:tnLst>
-  </p:timing>
 </p:sld>
 </file>
 
@@ -6495,10 +6396,9 @@
           <a:lstStyle/>
           <a:p>
             <a:r>
-              <a:rPr lang="en-US" sz="3600" dirty="0" smtClean="0"/>
+              <a:rPr lang="en-US" sz="3600" dirty="0"/>
               <a:t>Constructors – What, When, Why, How?</a:t>
             </a:r>
-            <a:endParaRPr lang="en-US" sz="3600" dirty="0"/>
           </a:p>
         </p:txBody>
       </p:sp>
@@ -6523,33 +6423,33 @@
               <a:buNone/>
             </a:pPr>
             <a:r>
-              <a:rPr lang="en-US" dirty="0" smtClean="0"/>
+              <a:rPr lang="en-US" dirty="0"/>
               <a:t>What:</a:t>
             </a:r>
           </a:p>
           <a:p>
             <a:r>
-              <a:rPr lang="en-US" dirty="0" smtClean="0"/>
+              <a:rPr lang="en-US" dirty="0"/>
               <a:t>Special method called when a new instance of a class is created</a:t>
             </a:r>
           </a:p>
           <a:p>
             <a:r>
-              <a:rPr lang="en-US" dirty="0" smtClean="0"/>
+              <a:rPr lang="en-US" dirty="0"/>
               <a:t>Initializes the new instance</a:t>
             </a:r>
           </a:p>
           <a:p>
             <a:r>
-              <a:rPr lang="en-US" dirty="0" smtClean="0"/>
+              <a:rPr lang="en-US" dirty="0"/>
               <a:t>Like the __</a:t>
             </a:r>
             <a:r>
-              <a:rPr lang="en-US" dirty="0" err="1" smtClean="0"/>
+              <a:rPr lang="en-US" dirty="0" err="1"/>
               <a:t>init</a:t>
             </a:r>
             <a:r>
-              <a:rPr lang="en-US" dirty="0" smtClean="0"/>
+              <a:rPr lang="en-US" dirty="0"/>
               <a:t>__ method in Python</a:t>
             </a:r>
           </a:p>
@@ -6558,28 +6458,20 @@
               <a:buNone/>
             </a:pPr>
             <a:r>
-              <a:rPr lang="en-US" dirty="0" smtClean="0"/>
+              <a:rPr lang="en-US" dirty="0"/>
               <a:t>When:</a:t>
             </a:r>
           </a:p>
           <a:p>
             <a:r>
-              <a:rPr lang="en-US" dirty="0" smtClean="0"/>
+              <a:rPr lang="en-US" dirty="0"/>
               <a:t>Define a constructor when special initialization of a class is required</a:t>
             </a:r>
           </a:p>
           <a:p>
             <a:r>
-              <a:rPr lang="en-US" dirty="0" smtClean="0"/>
-              <a:t>Otherwise, </a:t>
-            </a:r>
-            <a:r>
               <a:rPr lang="en-US" dirty="0"/>
-              <a:t>Java implicitly creates a no-argument constructor if you don’t add </a:t>
-            </a:r>
-            <a:r>
-              <a:rPr lang="en-US" dirty="0" smtClean="0"/>
-              <a:t>one</a:t>
+              <a:t>Otherwise, Java implicitly creates a no-argument constructor if you don’t add one</a:t>
             </a:r>
           </a:p>
         </p:txBody>
@@ -6594,13 +6486,6 @@
   <p:clrMapOvr>
     <a:masterClrMapping/>
   </p:clrMapOvr>
-  <p:timing>
-    <p:tnLst>
-      <p:par>
-        <p:cTn id="1" dur="indefinite" restart="never" nodeType="tmRoot"/>
-      </p:par>
-    </p:tnLst>
-  </p:timing>
 </p:sld>
 </file>
 
@@ -6679,13 +6564,8 @@
           <a:p>
             <a:r>
               <a:rPr lang="en-US" dirty="0"/>
-              <a:t>Puts it in a good </a:t>
-            </a:r>
-            <a:r>
-              <a:rPr lang="en-US" dirty="0" smtClean="0"/>
-              <a:t>state</a:t>
-            </a:r>
-            <a:endParaRPr lang="en-US" dirty="0"/>
+              <a:t>Puts it in a good state</a:t>
+            </a:r>
           </a:p>
           <a:p>
             <a:pPr marL="0" indent="0">
@@ -6693,21 +6573,16 @@
             </a:pPr>
             <a:r>
               <a:rPr lang="en-US" dirty="0"/>
-              <a:t>How</a:t>
-            </a:r>
-            <a:r>
-              <a:rPr lang="en-US" dirty="0" smtClean="0"/>
-              <a:t>: </a:t>
-            </a:r>
-            <a:r>
-              <a:rPr lang="en-US" b="1" dirty="0" smtClean="0"/>
+              <a:t>How: </a:t>
+            </a:r>
+            <a:r>
+              <a:rPr lang="en-US" b="1" dirty="0"/>
               <a:t>always has the same name as the class</a:t>
             </a:r>
             <a:r>
-              <a:rPr lang="en-US" dirty="0" smtClean="0"/>
+              <a:rPr lang="en-US" dirty="0"/>
               <a:t>.</a:t>
             </a:r>
-            <a:endParaRPr lang="en-US" dirty="0"/>
           </a:p>
           <a:p>
             <a:pPr marL="0" indent="0">
@@ -6836,13 +6711,6 @@
   <p:clrMapOvr>
     <a:masterClrMapping/>
   </p:clrMapOvr>
-  <p:timing>
-    <p:tnLst>
-      <p:par>
-        <p:cTn id="1" dur="indefinite" restart="never" nodeType="tmRoot"/>
-      </p:par>
-    </p:tnLst>
-  </p:timing>
 </p:sld>
 </file>
 
@@ -6879,10 +6747,9 @@
           <a:lstStyle/>
           <a:p>
             <a:r>
-              <a:rPr lang="en-US" dirty="0" smtClean="0"/>
+              <a:rPr lang="en-US" dirty="0"/>
               <a:t>Object Constructors</a:t>
             </a:r>
-            <a:endParaRPr lang="en-US" dirty="0"/>
           </a:p>
         </p:txBody>
       </p:sp>
@@ -6902,26 +6769,26 @@
           <a:lstStyle/>
           <a:p>
             <a:r>
-              <a:rPr lang="en-US" dirty="0" err="1" smtClean="0"/>
+              <a:rPr lang="en-US" dirty="0" err="1"/>
               <a:t>int</a:t>
             </a:r>
             <a:r>
-              <a:rPr lang="en-US" dirty="0" smtClean="0"/>
+              <a:rPr lang="en-US" dirty="0"/>
               <a:t> </a:t>
             </a:r>
             <a:r>
-              <a:rPr lang="en-US" dirty="0" err="1" smtClean="0"/>
+              <a:rPr lang="en-US" dirty="0" err="1"/>
               <a:t>num</a:t>
             </a:r>
             <a:r>
-              <a:rPr lang="en-US" dirty="0" smtClean="0"/>
+              <a:rPr lang="en-US" dirty="0"/>
               <a:t> = 5;</a:t>
             </a:r>
           </a:p>
           <a:p>
             <a:pPr lvl="1"/>
             <a:r>
-              <a:rPr lang="en-US" dirty="0" smtClean="0"/>
+              <a:rPr lang="en-US" dirty="0"/>
               <a:t>This works for primitive typed data</a:t>
             </a:r>
           </a:p>
@@ -6931,10 +6798,9 @@
           </a:p>
           <a:p>
             <a:r>
-              <a:rPr lang="en-US" dirty="0" smtClean="0"/>
+              <a:rPr lang="en-US" dirty="0"/>
               <a:t>What about “objects” (made from classes)?</a:t>
             </a:r>
-            <a:endParaRPr lang="en-US" dirty="0"/>
           </a:p>
         </p:txBody>
       </p:sp>
@@ -6948,21 +6814,6 @@
   <p:clrMapOvr>
     <a:masterClrMapping/>
   </p:clrMapOvr>
-  <mc:AlternateContent xmlns:mc="http://schemas.openxmlformats.org/markup-compatibility/2006" xmlns:p14="http://schemas.microsoft.com/office/powerpoint/2010/main">
-    <mc:Choice Requires="p14">
-      <p:transition spd="slow" p14:dur="2000"/>
-    </mc:Choice>
-    <mc:Fallback xmlns="">
-      <p:transition xmlns:p14="http://schemas.microsoft.com/office/powerpoint/2010/main" spd="slow"/>
-    </mc:Fallback>
-  </mc:AlternateContent>
-  <p:timing>
-    <p:tnLst>
-      <p:par>
-        <p:cTn id="1" dur="indefinite" restart="never" nodeType="tmRoot"/>
-      </p:par>
-    </p:tnLst>
-  </p:timing>
 </p:sld>
 </file>
 
@@ -7002,7 +6853,7 @@
           </a:ln>
           <a:extLst>
             <a:ext uri="{C572A759-6A51-4108-AA02-DFA0A04FC94B}">
-              <ma14:wrappingTextBoxFlag xmlns="" xmlns:ma14="http://schemas.microsoft.com/office/mac/drawingml/2011/main" val="1"/>
+              <ma14:wrappingTextBoxFlag xmlns:ma14="http://schemas.microsoft.com/office/mac/drawingml/2011/main" xmlns="" val="1"/>
             </a:ext>
           </a:extLst>
         </p:spPr>
@@ -7016,7 +6867,7 @@
               <a:defRPr sz="1800"/>
             </a:pPr>
             <a:r>
-              <a:rPr lang="en-US" sz="2200" b="1" dirty="0" smtClean="0">
+              <a:rPr lang="en-US" sz="2200" b="1" dirty="0">
                 <a:latin typeface="Courier New"/>
                 <a:ea typeface="Courier New"/>
                 <a:cs typeface="Courier New"/>
@@ -7024,7 +6875,7 @@
               </a:rPr>
               <a:t>Rectangle box = new Rectangle(0, 0, 5, 5);</a:t>
             </a:r>
-            <a:endParaRPr sz="2200" b="1" dirty="0" smtClean="0">
+            <a:endParaRPr sz="2200" b="1" dirty="0">
               <a:latin typeface="Courier New"/>
               <a:ea typeface="Courier New"/>
               <a:cs typeface="Courier New"/>
@@ -7080,7 +6931,7 @@
               <a:defRPr sz="1800"/>
             </a:pPr>
             <a:r>
-              <a:rPr lang="en-US" sz="4400" dirty="0" smtClean="0"/>
+              <a:rPr lang="en-US" sz="4400" dirty="0"/>
               <a:t>Using Constructors</a:t>
             </a:r>
             <a:endParaRPr sz="4400" dirty="0"/>
@@ -7224,7 +7075,7 @@
               <a:effectLst/>
               <a:extLst>
                 <a:ext uri="{C572A759-6A51-4108-AA02-DFA0A04FC94B}">
-                  <ma14:wrappingTextBoxFlag xmlns="" xmlns:ma14="http://schemas.microsoft.com/office/mac/drawingml/2011/main" val="1"/>
+                  <ma14:wrappingTextBoxFlag xmlns:ma14="http://schemas.microsoft.com/office/mac/drawingml/2011/main" xmlns="" val="1"/>
                 </a:ext>
               </a:extLst>
             </p:spPr>
@@ -7244,19 +7095,10 @@
                     <a:cs typeface="Arial"/>
                     <a:sym typeface="Arial"/>
                   </a:rPr>
-                  <a:t>In Java, all </a:t>
+                  <a:t>In Java, all variable</a:t>
                 </a:r>
                 <a:r>
-                  <a:rPr dirty="0" smtClean="0">
-                    <a:latin typeface="Arial"/>
-                    <a:ea typeface="Arial"/>
-                    <a:cs typeface="Arial"/>
-                    <a:sym typeface="Arial"/>
-                  </a:rPr>
-                  <a:t>variable</a:t>
-                </a:r>
-                <a:r>
-                  <a:rPr lang="en-US" dirty="0" smtClean="0">
+                  <a:rPr lang="en-US" dirty="0">
                     <a:latin typeface="Arial"/>
                     <a:ea typeface="Arial"/>
                     <a:cs typeface="Arial"/>
@@ -7412,7 +7254,7 @@
               <a:effectLst/>
               <a:extLst>
                 <a:ext uri="{C572A759-6A51-4108-AA02-DFA0A04FC94B}">
-                  <ma14:wrappingTextBoxFlag xmlns="" xmlns:ma14="http://schemas.microsoft.com/office/mac/drawingml/2011/main" val="1"/>
+                  <ma14:wrappingTextBoxFlag xmlns:ma14="http://schemas.microsoft.com/office/mac/drawingml/2011/main" xmlns="" val="1"/>
                 </a:ext>
               </a:extLst>
             </p:spPr>
@@ -7426,7 +7268,7 @@
                   <a:defRPr sz="1800"/>
                 </a:pPr>
                 <a:r>
-                  <a:rPr lang="en-US" sz="1600" b="1" dirty="0" smtClean="0">
+                  <a:rPr lang="en-US" sz="1600" b="1" dirty="0">
                     <a:latin typeface="Lucida Sans"/>
                     <a:ea typeface="Lucida Sans"/>
                     <a:cs typeface="Lucida Sans"/>
@@ -7582,7 +7424,7 @@
               <a:effectLst/>
               <a:extLst>
                 <a:ext uri="{C572A759-6A51-4108-AA02-DFA0A04FC94B}">
-                  <ma14:wrappingTextBoxFlag xmlns="" xmlns:ma14="http://schemas.microsoft.com/office/mac/drawingml/2011/main" val="1"/>
+                  <ma14:wrappingTextBoxFlag xmlns:ma14="http://schemas.microsoft.com/office/mac/drawingml/2011/main" xmlns="" val="1"/>
                 </a:ext>
               </a:extLst>
             </p:spPr>
@@ -7596,7 +7438,7 @@
                   <a:defRPr sz="1800"/>
                 </a:pPr>
                 <a:r>
-                  <a:rPr lang="en-US" sz="1600" b="1" dirty="0" smtClean="0">
+                  <a:rPr lang="en-US" sz="1600" b="1" dirty="0">
                     <a:latin typeface="Lucida Sans"/>
                     <a:ea typeface="Lucida Sans"/>
                     <a:cs typeface="Lucida Sans"/>
@@ -7752,7 +7594,7 @@
               <a:effectLst/>
               <a:extLst>
                 <a:ext uri="{C572A759-6A51-4108-AA02-DFA0A04FC94B}">
-                  <ma14:wrappingTextBoxFlag xmlns="" xmlns:ma14="http://schemas.microsoft.com/office/mac/drawingml/2011/main" val="1"/>
+                  <ma14:wrappingTextBoxFlag xmlns:ma14="http://schemas.microsoft.com/office/mac/drawingml/2011/main" xmlns="" val="1"/>
                 </a:ext>
               </a:extLst>
             </p:spPr>
@@ -7801,22 +7643,13 @@
               <a:defRPr sz="1800"/>
             </a:pPr>
             <a:r>
-              <a:rPr lang="en-US" b="1" dirty="0" smtClean="0">
-                <a:latin typeface="Arial"/>
-                <a:ea typeface="Arial"/>
-                <a:cs typeface="Arial"/>
-                <a:sym typeface="Arial"/>
-              </a:rPr>
-              <a:t>The constructor arguments </a:t>
-            </a:r>
-            <a:r>
               <a:rPr lang="en-US" b="1" dirty="0">
                 <a:latin typeface="Arial"/>
                 <a:ea typeface="Arial"/>
                 <a:cs typeface="Arial"/>
                 <a:sym typeface="Arial"/>
               </a:rPr>
-              <a:t>specifies that the new rectangle called box should be at the origin with a height and width of 5.</a:t>
+              <a:t>The constructor arguments specifies that the new rectangle called box should be at the origin with a height and width of 5.</a:t>
             </a:r>
             <a:endParaRPr lang="en-US" dirty="0">
               <a:latin typeface="Arial"/>
@@ -7906,7 +7739,7 @@
             <a:effectLst/>
             <a:extLst>
               <a:ext uri="{C572A759-6A51-4108-AA02-DFA0A04FC94B}">
-                <ma14:wrappingTextBoxFlag xmlns="" xmlns:ma14="http://schemas.microsoft.com/office/mac/drawingml/2011/main" val="1"/>
+                <ma14:wrappingTextBoxFlag xmlns:ma14="http://schemas.microsoft.com/office/mac/drawingml/2011/main" xmlns="" val="1"/>
               </a:ext>
             </a:extLst>
           </p:spPr>
@@ -7932,7 +7765,7 @@
                 </a:defRPr>
               </a:pPr>
               <a:r>
-                <a:rPr lang="en-US" sz="2000" dirty="0" smtClean="0">
+                <a:rPr lang="en-US" sz="2000" dirty="0">
                   <a:solidFill>
                     <a:srgbClr val="FFFFFF"/>
                   </a:solidFill>
@@ -7940,7 +7773,7 @@
                 <a:t>  </a:t>
               </a:r>
               <a:r>
-                <a:rPr sz="2000" dirty="0" smtClean="0">
+                <a:rPr sz="2000" dirty="0">
                   <a:solidFill>
                     <a:srgbClr val="FFFFFF"/>
                   </a:solidFill>
@@ -7948,7 +7781,7 @@
                 <a:t>Q</a:t>
               </a:r>
               <a:r>
-                <a:rPr lang="en-US" sz="2000" dirty="0" smtClean="0">
+                <a:rPr lang="en-US" sz="2000" dirty="0">
                   <a:solidFill>
                     <a:srgbClr val="FFFFFF"/>
                   </a:solidFill>
@@ -7974,21 +7807,6 @@
   <p:clrMapOvr>
     <a:masterClrMapping/>
   </p:clrMapOvr>
-  <mc:AlternateContent xmlns:mc="http://schemas.openxmlformats.org/markup-compatibility/2006" xmlns:p14="http://schemas.microsoft.com/office/powerpoint/2010/main">
-    <mc:Choice Requires="p14">
-      <p:transition spd="slow" p14:dur="2000"/>
-    </mc:Choice>
-    <mc:Fallback xmlns="">
-      <p:transition xmlns:p14="http://schemas.microsoft.com/office/powerpoint/2010/main" spd="slow"/>
-    </mc:Fallback>
-  </mc:AlternateContent>
-  <p:timing>
-    <p:tnLst>
-      <p:par>
-        <p:cTn id="1" dur="indefinite" restart="never" fill="hold" nodeType="tmRoot"/>
-      </p:par>
-    </p:tnLst>
-  </p:timing>
 </p:sld>
 </file>
 
@@ -8025,10 +7843,9 @@
           <a:lstStyle/>
           <a:p>
             <a:r>
-              <a:rPr lang="en-US" dirty="0" smtClean="0"/>
+              <a:rPr lang="en-US" dirty="0"/>
               <a:t>Writing clean code</a:t>
             </a:r>
-            <a:endParaRPr lang="en-US" dirty="0"/>
           </a:p>
         </p:txBody>
       </p:sp>
@@ -8048,10 +7865,9 @@
           <a:lstStyle/>
           <a:p>
             <a:r>
-              <a:rPr lang="en-US" dirty="0" smtClean="0"/>
+              <a:rPr lang="en-US" dirty="0"/>
               <a:t>Comments are only the last resort</a:t>
             </a:r>
-            <a:endParaRPr lang="en-US" dirty="0"/>
           </a:p>
         </p:txBody>
       </p:sp>
@@ -8101,50 +7917,49 @@
           <a:lstStyle/>
           <a:p>
             <a:r>
-              <a:rPr lang="en-US" dirty="0" smtClean="0"/>
+              <a:rPr lang="en-US" dirty="0"/>
               <a:t>Object Constructors</a:t>
             </a:r>
+          </a:p>
+        </p:txBody>
+      </p:sp>
+      <p:sp>
+        <p:nvSpPr>
+          <p:cNvPr id="3" name="Text Placeholder 2"/>
+          <p:cNvSpPr>
+            <a:spLocks noGrp="1"/>
+          </p:cNvSpPr>
+          <p:nvPr>
+            <p:ph type="body" idx="1"/>
+          </p:nvPr>
+        </p:nvSpPr>
+        <p:spPr/>
+        <p:txBody>
+          <a:bodyPr/>
+          <a:lstStyle/>
+          <a:p>
+            <a:r>
+              <a:rPr lang="en-US" dirty="0"/>
+              <a:t>Open BankAccount.java</a:t>
+            </a:r>
+          </a:p>
+          <a:p>
+            <a:pPr lvl="1"/>
+            <a:r>
+              <a:rPr lang="en-US" dirty="0"/>
+              <a:t>Let’s do the first few, then work on your own</a:t>
+            </a:r>
+          </a:p>
+          <a:p>
+            <a:pPr lvl="1"/>
+            <a:r>
+              <a:rPr lang="en-US" dirty="0"/>
+              <a:t>When you’re done and it works, solve the last quiz question</a:t>
+            </a:r>
+          </a:p>
+          <a:p>
+            <a:pPr lvl="1"/>
             <a:endParaRPr lang="en-US" dirty="0"/>
-          </a:p>
-        </p:txBody>
-      </p:sp>
-      <p:sp>
-        <p:nvSpPr>
-          <p:cNvPr id="3" name="Text Placeholder 2"/>
-          <p:cNvSpPr>
-            <a:spLocks noGrp="1"/>
-          </p:cNvSpPr>
-          <p:nvPr>
-            <p:ph type="body" idx="1"/>
-          </p:nvPr>
-        </p:nvSpPr>
-        <p:spPr/>
-        <p:txBody>
-          <a:bodyPr/>
-          <a:lstStyle/>
-          <a:p>
-            <a:r>
-              <a:rPr lang="en-US" dirty="0" smtClean="0"/>
-              <a:t>Open BankAccount.java</a:t>
-            </a:r>
-          </a:p>
-          <a:p>
-            <a:pPr lvl="1"/>
-            <a:r>
-              <a:rPr lang="en-US" dirty="0" smtClean="0"/>
-              <a:t>Let’s do the first few, then work on your own</a:t>
-            </a:r>
-          </a:p>
-          <a:p>
-            <a:pPr lvl="1"/>
-            <a:r>
-              <a:rPr lang="en-US" dirty="0" smtClean="0"/>
-              <a:t>When you’re done and it works, solve the last quiz question</a:t>
-            </a:r>
-          </a:p>
-          <a:p>
-            <a:pPr lvl="1"/>
-            <a:endParaRPr lang="en-US" dirty="0" smtClean="0"/>
           </a:p>
         </p:txBody>
       </p:sp>
@@ -8158,21 +7973,6 @@
   <p:clrMapOvr>
     <a:masterClrMapping/>
   </p:clrMapOvr>
-  <mc:AlternateContent xmlns:mc="http://schemas.openxmlformats.org/markup-compatibility/2006" xmlns:p14="http://schemas.microsoft.com/office/powerpoint/2010/main">
-    <mc:Choice Requires="p14">
-      <p:transition spd="slow" p14:dur="2000"/>
-    </mc:Choice>
-    <mc:Fallback xmlns="">
-      <p:transition xmlns:p14="http://schemas.microsoft.com/office/powerpoint/2010/main" spd="slow"/>
-    </mc:Fallback>
-  </mc:AlternateContent>
-  <p:timing>
-    <p:tnLst>
-      <p:par>
-        <p:cTn id="1" dur="indefinite" restart="never" nodeType="tmRoot"/>
-      </p:par>
-    </p:tnLst>
-  </p:timing>
 </p:sld>
 </file>
 
@@ -8211,18 +8011,17 @@
           <a:lstStyle/>
           <a:p>
             <a:r>
-              <a:rPr lang="en-US" dirty="0" smtClean="0"/>
+              <a:rPr lang="en-US" dirty="0"/>
               <a:t>Now code the </a:t>
             </a:r>
             <a:r>
-              <a:rPr lang="en-US" dirty="0" err="1" smtClean="0"/>
+              <a:rPr lang="en-US" dirty="0" err="1"/>
               <a:t>StudentAssignments</a:t>
             </a:r>
             <a:r>
-              <a:rPr lang="en-US" dirty="0" smtClean="0"/>
+              <a:rPr lang="en-US" dirty="0"/>
               <a:t> class yourself</a:t>
             </a:r>
-            <a:endParaRPr lang="en-US" dirty="0"/>
           </a:p>
         </p:txBody>
       </p:sp>
@@ -8242,27 +8041,27 @@
           <a:lstStyle/>
           <a:p>
             <a:r>
-              <a:rPr lang="en-US" dirty="0" smtClean="0"/>
+              <a:rPr lang="en-US" dirty="0"/>
               <a:t>Uncomment the stuff in </a:t>
             </a:r>
             <a:r>
-              <a:rPr lang="en-US" dirty="0" err="1" smtClean="0"/>
+              <a:rPr lang="en-US" dirty="0" err="1"/>
               <a:t>StudentAssignmentsMain</a:t>
             </a:r>
             <a:r>
-              <a:rPr lang="en-US" dirty="0" smtClean="0"/>
+              <a:rPr lang="en-US" dirty="0"/>
               <a:t> to see what the class ought to do</a:t>
             </a:r>
           </a:p>
           <a:p>
             <a:r>
-              <a:rPr lang="en-US" dirty="0" smtClean="0"/>
+              <a:rPr lang="en-US" dirty="0"/>
               <a:t>Then create the class and add the constructors and methods you need</a:t>
             </a:r>
           </a:p>
           <a:p>
             <a:r>
-              <a:rPr lang="en-US" dirty="0" smtClean="0"/>
+              <a:rPr lang="en-US" dirty="0"/>
               <a:t>If you finish early, add a function to compute the student’s average grade</a:t>
             </a:r>
           </a:p>
@@ -8278,13 +8077,6 @@
   <p:clrMapOvr>
     <a:masterClrMapping/>
   </p:clrMapOvr>
-  <p:timing>
-    <p:tnLst>
-      <p:par>
-        <p:cTn id="1" dur="indefinite" restart="never" nodeType="tmRoot"/>
-      </p:par>
-    </p:tnLst>
-  </p:timing>
 </p:sld>
 </file>
 
@@ -8327,10 +8119,9 @@
               <a:defRPr/>
             </a:pPr>
             <a:r>
-              <a:rPr lang="en-US" dirty="0" smtClean="0"/>
+              <a:rPr lang="en-US" dirty="0"/>
               <a:t>Functions</a:t>
             </a:r>
-            <a:endParaRPr lang="en-US" dirty="0"/>
           </a:p>
         </p:txBody>
       </p:sp>
@@ -8353,30 +8144,29 @@
           <a:p>
             <a:pPr eaLnBrk="1" hangingPunct="1"/>
             <a:r>
-              <a:rPr lang="en-US" dirty="0" smtClean="0"/>
+              <a:rPr lang="en-US" dirty="0"/>
               <a:t>Give functions descriptive names</a:t>
             </a:r>
           </a:p>
           <a:p>
             <a:pPr eaLnBrk="1" hangingPunct="1"/>
             <a:r>
-              <a:rPr lang="en-US" dirty="0" smtClean="0"/>
+              <a:rPr lang="en-US" dirty="0"/>
               <a:t>Don’t make functions too long</a:t>
             </a:r>
           </a:p>
           <a:p>
             <a:pPr eaLnBrk="1" hangingPunct="1"/>
             <a:r>
-              <a:rPr lang="en-US" dirty="0" smtClean="0"/>
+              <a:rPr lang="en-US" dirty="0"/>
               <a:t>Rather than commenting an unclear function, modify the code so it is clear</a:t>
             </a:r>
-            <a:endParaRPr lang="en-US" dirty="0"/>
           </a:p>
           <a:p>
             <a:pPr marL="109537" indent="0" eaLnBrk="1" hangingPunct="1">
               <a:buNone/>
             </a:pPr>
-            <a:endParaRPr lang="en-US" b="1" dirty="0" smtClean="0">
+            <a:endParaRPr lang="en-US" b="1" dirty="0">
               <a:solidFill>
                 <a:srgbClr val="0070C0"/>
               </a:solidFill>
@@ -8386,7 +8176,7 @@
           </a:p>
           <a:p>
             <a:pPr eaLnBrk="1" hangingPunct="1"/>
-            <a:endParaRPr lang="en-US" dirty="0" smtClean="0"/>
+            <a:endParaRPr lang="en-US" dirty="0"/>
           </a:p>
         </p:txBody>
       </p:sp>
@@ -8400,13 +8190,6 @@
   <p:clrMapOvr>
     <a:masterClrMapping/>
   </p:clrMapOvr>
-  <p:timing>
-    <p:tnLst>
-      <p:par>
-        <p:cTn id="1" dur="indefinite" restart="never" nodeType="tmRoot"/>
-      </p:par>
-    </p:tnLst>
-  </p:timing>
 </p:sld>
 </file>
 
@@ -8449,10 +8232,9 @@
               <a:defRPr/>
             </a:pPr>
             <a:r>
-              <a:rPr lang="en-US" dirty="0" smtClean="0"/>
+              <a:rPr lang="en-US" dirty="0"/>
               <a:t>Naming in Java</a:t>
             </a:r>
-            <a:endParaRPr lang="en-US" dirty="0"/>
           </a:p>
         </p:txBody>
       </p:sp>
@@ -8475,21 +8257,21 @@
           <a:p>
             <a:pPr eaLnBrk="1" hangingPunct="1"/>
             <a:r>
-              <a:rPr lang="en-US" dirty="0" smtClean="0"/>
+              <a:rPr lang="en-US" dirty="0"/>
               <a:t>Having good names for functions and variables is one of the best things you can do to make your program understandable</a:t>
             </a:r>
           </a:p>
           <a:p>
             <a:pPr eaLnBrk="1" hangingPunct="1"/>
             <a:r>
-              <a:rPr lang="en-US" dirty="0" smtClean="0"/>
+              <a:rPr lang="en-US" dirty="0"/>
               <a:t>The conventions:</a:t>
             </a:r>
           </a:p>
           <a:p>
             <a:pPr lvl="1" eaLnBrk="1" hangingPunct="1"/>
             <a:r>
-              <a:rPr lang="en-US" b="1" dirty="0" err="1" smtClean="0">
+              <a:rPr lang="en-US" b="1" dirty="0" err="1">
                 <a:solidFill>
                   <a:srgbClr val="0070C0"/>
                 </a:solidFill>
@@ -8498,7 +8280,7 @@
               </a:rPr>
               <a:t>variableNamesLikeThis</a:t>
             </a:r>
-            <a:endParaRPr lang="en-US" b="1" dirty="0" smtClean="0">
+            <a:endParaRPr lang="en-US" b="1" dirty="0">
               <a:solidFill>
                 <a:srgbClr val="0070C0"/>
               </a:solidFill>
@@ -8509,7 +8291,7 @@
           <a:p>
             <a:pPr lvl="1" eaLnBrk="1" hangingPunct="1"/>
             <a:r>
-              <a:rPr lang="en-US" b="1" dirty="0" err="1" smtClean="0">
+              <a:rPr lang="en-US" b="1" dirty="0" err="1">
                 <a:solidFill>
                   <a:srgbClr val="0070C0"/>
                 </a:solidFill>
@@ -8519,7 +8301,7 @@
               <a:t>methodNamesLikeThis</a:t>
             </a:r>
             <a:r>
-              <a:rPr lang="en-US" b="1" dirty="0" smtClean="0">
+              <a:rPr lang="en-US" b="1" dirty="0">
                 <a:solidFill>
                   <a:srgbClr val="0070C0"/>
                 </a:solidFill>
@@ -8532,7 +8314,7 @@
           <a:p>
             <a:pPr lvl="1" eaLnBrk="1" hangingPunct="1"/>
             <a:r>
-              <a:rPr lang="en-US" b="1" dirty="0" err="1" smtClean="0">
+              <a:rPr lang="en-US" b="1" dirty="0" err="1">
                 <a:solidFill>
                   <a:srgbClr val="0070C0"/>
                 </a:solidFill>
@@ -8541,7 +8323,7 @@
               </a:rPr>
               <a:t>ClassNamesLikeThis</a:t>
             </a:r>
-            <a:endParaRPr lang="en-US" b="1" dirty="0" smtClean="0">
+            <a:endParaRPr lang="en-US" b="1" dirty="0">
               <a:solidFill>
                 <a:srgbClr val="0070C0"/>
               </a:solidFill>
@@ -8552,16 +8334,15 @@
           <a:p>
             <a:pPr eaLnBrk="1" hangingPunct="1"/>
             <a:r>
-              <a:rPr lang="en-US" dirty="0" smtClean="0"/>
+              <a:rPr lang="en-US" dirty="0"/>
               <a:t>You should follow the conventions!</a:t>
             </a:r>
-            <a:endParaRPr lang="en-US" dirty="0"/>
           </a:p>
           <a:p>
             <a:pPr marL="109537" indent="0" eaLnBrk="1" hangingPunct="1">
               <a:buNone/>
             </a:pPr>
-            <a:endParaRPr lang="en-US" b="1" dirty="0" smtClean="0">
+            <a:endParaRPr lang="en-US" b="1" dirty="0">
               <a:solidFill>
                 <a:srgbClr val="0070C0"/>
               </a:solidFill>
@@ -8571,7 +8352,7 @@
           </a:p>
           <a:p>
             <a:pPr eaLnBrk="1" hangingPunct="1"/>
-            <a:endParaRPr lang="en-US" dirty="0" smtClean="0"/>
+            <a:endParaRPr lang="en-US" dirty="0"/>
           </a:p>
         </p:txBody>
       </p:sp>
@@ -8585,13 +8366,6 @@
   <p:clrMapOvr>
     <a:masterClrMapping/>
   </p:clrMapOvr>
-  <p:timing>
-    <p:tnLst>
-      <p:par>
-        <p:cTn id="1" dur="indefinite" restart="never" nodeType="tmRoot"/>
-      </p:par>
-    </p:tnLst>
-  </p:timing>
 </p:sld>
 </file>
 
@@ -8729,7 +8503,7 @@
             <a:effectLst/>
             <a:extLst>
               <a:ext uri="{C572A759-6A51-4108-AA02-DFA0A04FC94B}">
-                <ma14:wrappingTextBoxFlag xmlns="" xmlns:ma14="http://schemas.microsoft.com/office/mac/drawingml/2011/main" val="1"/>
+                <ma14:wrappingTextBoxFlag xmlns:ma14="http://schemas.microsoft.com/office/mac/drawingml/2011/main" xmlns="" val="1"/>
               </a:ext>
             </a:extLst>
           </p:spPr>
@@ -9499,7 +9273,7 @@
           </a:ln>
           <a:extLst>
             <a:ext uri="{C572A759-6A51-4108-AA02-DFA0A04FC94B}">
-              <ma14:wrappingTextBoxFlag xmlns="" xmlns:ma14="http://schemas.microsoft.com/office/mac/drawingml/2011/main" val="1"/>
+              <ma14:wrappingTextBoxFlag xmlns:ma14="http://schemas.microsoft.com/office/mac/drawingml/2011/main" xmlns="" val="1"/>
             </a:ext>
           </a:extLst>
         </p:spPr>
@@ -9512,15 +9286,6 @@
             <a:pPr lvl="0" algn="l">
               <a:defRPr sz="1800"/>
             </a:pPr>
-            <a:r>
-              <a:rPr sz="2000" dirty="0" smtClean="0">
-                <a:latin typeface="Gill Sans"/>
-                <a:ea typeface="Gill Sans"/>
-                <a:cs typeface="Gill Sans"/>
-                <a:sym typeface="Gill Sans"/>
-              </a:rPr>
-              <a:t>Java </a:t>
-            </a:r>
             <a:r>
               <a:rPr sz="2000" dirty="0">
                 <a:latin typeface="Gill Sans"/>
@@ -9528,7 +9293,7 @@
                 <a:cs typeface="Gill Sans"/>
                 <a:sym typeface="Gill Sans"/>
               </a:rPr>
-              <a:t>provides Javadoc comments (they begin with </a:t>
+              <a:t>Java provides Javadoc comments (they begin with </a:t>
             </a:r>
             <a:r>
               <a:rPr sz="2000" dirty="0">
@@ -9610,21 +9375,6 @@
   <p:clrMapOvr>
     <a:masterClrMapping/>
   </p:clrMapOvr>
-  <mc:AlternateContent xmlns:mc="http://schemas.openxmlformats.org/markup-compatibility/2006" xmlns:p14="http://schemas.microsoft.com/office/powerpoint/2010/main">
-    <mc:Choice Requires="p14">
-      <p:transition spd="slow" p14:dur="2000"/>
-    </mc:Choice>
-    <mc:Fallback xmlns="">
-      <p:transition xmlns:p14="http://schemas.microsoft.com/office/powerpoint/2010/main" spd="slow"/>
-    </mc:Fallback>
-  </mc:AlternateContent>
-  <p:timing>
-    <p:tnLst>
-      <p:par>
-        <p:cTn id="1" dur="indefinite" restart="never" nodeType="tmRoot"/>
-      </p:par>
-    </p:tnLst>
-  </p:timing>
 </p:sld>
 </file>
 
@@ -9847,21 +9597,6 @@
   <p:clrMapOvr>
     <a:masterClrMapping/>
   </p:clrMapOvr>
-  <mc:AlternateContent xmlns:mc="http://schemas.openxmlformats.org/markup-compatibility/2006" xmlns:p14="http://schemas.microsoft.com/office/powerpoint/2010/main">
-    <mc:Choice Requires="p14">
-      <p:transition spd="slow" p14:dur="2000"/>
-    </mc:Choice>
-    <mc:Fallback xmlns="">
-      <p:transition xmlns:p14="http://schemas.microsoft.com/office/powerpoint/2010/main" spd="slow"/>
-    </mc:Fallback>
-  </mc:AlternateContent>
-  <p:timing>
-    <p:tnLst>
-      <p:par>
-        <p:cTn id="1" dur="indefinite" restart="never" nodeType="tmRoot"/>
-      </p:par>
-    </p:tnLst>
-  </p:timing>
 </p:sld>
 </file>
 
@@ -9948,23 +9683,13 @@
             </a:pPr>
             <a:r>
               <a:rPr lang="en-US" sz="2400" dirty="0"/>
-              <a:t>See </a:t>
+              <a:t>See: </a:t>
             </a:r>
             <a:r>
               <a:rPr lang="en-US" sz="2400" dirty="0">
                 <a:hlinkClick r:id="rId2"/>
               </a:rPr>
-              <a:t>http://</a:t>
-            </a:r>
-            <a:r>
-              <a:rPr lang="en-US" sz="2400" dirty="0" smtClean="0">
-                <a:hlinkClick r:id="rId2"/>
-              </a:rPr>
-              <a:t>www.rose-hulman.edu/class/csse/csse220/201830/Homework/programGrading.html</a:t>
-            </a:r>
-            <a:r>
-              <a:rPr lang="en-US" sz="2400" dirty="0" smtClean="0"/>
-              <a:t> </a:t>
+              <a:t>https://hewner.github.io/csse220/Docs/grading_guide.html</a:t>
             </a:r>
             <a:endParaRPr lang="en-US" sz="2400" dirty="0"/>
           </a:p>
@@ -9975,13 +9700,18 @@
               </a:spcBef>
               <a:defRPr sz="1800"/>
             </a:pPr>
-            <a:r>
-              <a:rPr sz="2400" dirty="0" smtClean="0"/>
-              <a:t>Write </a:t>
-            </a:r>
+            <a:endParaRPr lang="en-US" sz="2400" dirty="0"/>
+          </a:p>
+          <a:p>
+            <a:pPr marL="257175" lvl="0" indent="-257175">
+              <a:spcBef>
+                <a:spcPts val="500"/>
+              </a:spcBef>
+              <a:defRPr sz="1800"/>
+            </a:pPr>
             <a:r>
               <a:rPr sz="2400" dirty="0"/>
-              <a:t>appropriate comments:</a:t>
+              <a:t>Write appropriate comments:</a:t>
             </a:r>
           </a:p>
           <a:p>
@@ -9993,26 +9723,22 @@
             </a:pPr>
             <a:r>
               <a:rPr sz="2000" dirty="0"/>
-              <a:t>Javadoc </a:t>
-            </a:r>
-            <a:r>
-              <a:rPr sz="2000" dirty="0" smtClean="0"/>
-              <a:t>comments</a:t>
-            </a:r>
-            <a:r>
-              <a:rPr lang="en-US" sz="2000" dirty="0" smtClean="0"/>
+              <a:t>Javadoc comments</a:t>
+            </a:r>
+            <a:r>
+              <a:rPr lang="en-US" sz="2000" dirty="0"/>
               <a:t> primarily</a:t>
             </a:r>
             <a:r>
-              <a:rPr sz="2000" dirty="0" smtClean="0"/>
+              <a:rPr sz="2000" dirty="0"/>
               <a:t> for</a:t>
             </a:r>
             <a:r>
-              <a:rPr lang="en-US" sz="2000" dirty="0" smtClean="0"/>
+              <a:rPr lang="en-US" sz="2000" dirty="0"/>
               <a:t> classes</a:t>
             </a:r>
             <a:r>
-              <a:rPr sz="2000" dirty="0" smtClean="0"/>
+              <a:rPr sz="2000" dirty="0"/>
               <a:t>.</a:t>
             </a:r>
             <a:endParaRPr sz="2800" dirty="0"/>
@@ -10026,18 +9752,14 @@
             </a:pPr>
             <a:r>
               <a:rPr sz="2000" dirty="0"/>
-              <a:t>Explanations of anything else that is not </a:t>
-            </a:r>
-            <a:r>
-              <a:rPr sz="2000" dirty="0" smtClean="0"/>
-              <a:t>obvious</a:t>
-            </a:r>
-            <a:r>
-              <a:rPr lang="en-US" sz="2000" dirty="0" smtClean="0"/>
+              <a:t>Explanations of anything else that is not obvious</a:t>
+            </a:r>
+            <a:r>
+              <a:rPr lang="en-US" sz="2000" dirty="0"/>
               <a:t> in any spot</a:t>
             </a:r>
             <a:r>
-              <a:rPr sz="2000" dirty="0" smtClean="0"/>
+              <a:rPr sz="2000" dirty="0"/>
               <a:t>.</a:t>
             </a:r>
             <a:endParaRPr sz="2800" dirty="0"/>
@@ -10076,13 +9798,8 @@
             </a:pPr>
             <a:r>
               <a:rPr sz="2400" dirty="0"/>
-              <a:t>Use Ctrl-Shift-F in Eclipse to format your code</a:t>
-            </a:r>
-            <a:r>
-              <a:rPr sz="2400" dirty="0" smtClean="0"/>
-              <a:t>.</a:t>
-            </a:r>
-            <a:endParaRPr sz="2400" dirty="0"/>
+              <a:t>Use Ctrl-Shift-F in Eclipse to format your code.</a:t>
+            </a:r>
           </a:p>
         </p:txBody>
       </p:sp>
@@ -10219,7 +9936,7 @@
             <a:effectLst/>
             <a:extLst>
               <a:ext uri="{C572A759-6A51-4108-AA02-DFA0A04FC94B}">
-                <ma14:wrappingTextBoxFlag xmlns="" xmlns:ma14="http://schemas.microsoft.com/office/mac/drawingml/2011/main" val="1"/>
+                <ma14:wrappingTextBoxFlag xmlns:ma14="http://schemas.microsoft.com/office/mac/drawingml/2011/main" xmlns="" val="1"/>
               </a:ext>
             </a:extLst>
           </p:spPr>
@@ -10245,7 +9962,7 @@
                 </a:defRPr>
               </a:pPr>
               <a:r>
-                <a:rPr lang="en-US" sz="2000" dirty="0" smtClean="0">
+                <a:rPr lang="en-US" sz="2000" dirty="0">
                   <a:solidFill>
                     <a:srgbClr val="FFFFFF"/>
                   </a:solidFill>
@@ -10253,7 +9970,7 @@
                 <a:t>  </a:t>
               </a:r>
               <a:r>
-                <a:rPr sz="2000" dirty="0" smtClean="0">
+                <a:rPr sz="2000" dirty="0">
                   <a:solidFill>
                     <a:srgbClr val="FFFFFF"/>
                   </a:solidFill>
@@ -10283,21 +10000,6 @@
   <p:clrMapOvr>
     <a:masterClrMapping/>
   </p:clrMapOvr>
-  <mc:AlternateContent xmlns:mc="http://schemas.openxmlformats.org/markup-compatibility/2006" xmlns:p14="http://schemas.microsoft.com/office/powerpoint/2010/main">
-    <mc:Choice Requires="p14">
-      <p:transition spd="slow" p14:dur="2000"/>
-    </mc:Choice>
-    <mc:Fallback xmlns="">
-      <p:transition xmlns:p14="http://schemas.microsoft.com/office/powerpoint/2010/main" spd="slow"/>
-    </mc:Fallback>
-  </mc:AlternateContent>
-  <p:timing>
-    <p:tnLst>
-      <p:par>
-        <p:cTn id="1" dur="indefinite" restart="never" nodeType="tmRoot"/>
-      </p:par>
-    </p:tnLst>
-  </p:timing>
 </p:sld>
 </file>
 
@@ -10341,10 +10043,9 @@
               <a:defRPr sz="1800"/>
             </a:pPr>
             <a:r>
-              <a:rPr sz="4400" dirty="0" smtClean="0"/>
+              <a:rPr sz="4400" dirty="0"/>
               <a:t>Debugging</a:t>
             </a:r>
-            <a:endParaRPr sz="4400" dirty="0"/>
           </a:p>
         </p:txBody>
       </p:sp>
@@ -10377,21 +10078,6 @@
   <p:clrMapOvr>
     <a:masterClrMapping/>
   </p:clrMapOvr>
-  <mc:AlternateContent xmlns:mc="http://schemas.openxmlformats.org/markup-compatibility/2006" xmlns:p14="http://schemas.microsoft.com/office/powerpoint/2010/main">
-    <mc:Choice Requires="p14">
-      <p:transition spd="slow" p14:dur="2000"/>
-    </mc:Choice>
-    <mc:Fallback xmlns="">
-      <p:transition xmlns:p14="http://schemas.microsoft.com/office/powerpoint/2010/main" spd="slow"/>
-    </mc:Fallback>
-  </mc:AlternateContent>
-  <p:timing>
-    <p:tnLst>
-      <p:par>
-        <p:cTn id="1" dur="indefinite" restart="never" nodeType="tmRoot"/>
-      </p:par>
-    </p:tnLst>
-  </p:timing>
 </p:sld>
 </file>
 
@@ -10464,18 +10150,9 @@
               <a:defRPr sz="1800"/>
             </a:pPr>
             <a:r>
-              <a:rPr lang="en-US" sz="2500" dirty="0" smtClean="0"/>
-              <a:t>Set </a:t>
-            </a:r>
-            <a:r>
               <a:rPr lang="en-US" sz="2500" dirty="0"/>
-              <a:t>a </a:t>
-            </a:r>
-            <a:r>
-              <a:rPr lang="en-US" sz="2500" dirty="0" smtClean="0"/>
-              <a:t>breakpoint where you want to start</a:t>
-            </a:r>
-            <a:endParaRPr lang="en-US" sz="2500" dirty="0"/>
+              <a:t>Set a breakpoint where you want to start</a:t>
+            </a:r>
           </a:p>
           <a:p>
             <a:pPr marL="742950" lvl="1" indent="-285750">
@@ -10489,7 +10166,7 @@
               <a:buChar char="◦"/>
               <a:defRPr sz="1800"/>
             </a:pPr>
-            <a:endParaRPr lang="en-US" sz="2500" dirty="0" smtClean="0"/>
+            <a:endParaRPr lang="en-US" sz="2500" dirty="0"/>
           </a:p>
           <a:p>
             <a:pPr marL="742950" lvl="1" indent="-285750">
@@ -10504,15 +10181,11 @@
               <a:defRPr sz="1800"/>
             </a:pPr>
             <a:r>
-              <a:rPr sz="2500" dirty="0" smtClean="0"/>
-              <a:t>Launch </a:t>
-            </a:r>
-            <a:r>
               <a:rPr sz="2500" dirty="0"/>
-              <a:t>using the </a:t>
-            </a:r>
-            <a:r>
-              <a:rPr lang="en-US" sz="2500" dirty="0" smtClean="0"/>
+              <a:t>Launch using the </a:t>
+            </a:r>
+            <a:r>
+              <a:rPr lang="en-US" sz="2500" dirty="0"/>
               <a:t>bug icon</a:t>
             </a:r>
             <a:endParaRPr sz="2500" dirty="0"/>
@@ -10556,11 +10229,7 @@
             </a:r>
             <a:r>
               <a:rPr sz="2500" i="1" dirty="0"/>
-              <a:t>step </a:t>
-            </a:r>
-            <a:r>
-              <a:rPr sz="2500" i="1" dirty="0" smtClean="0"/>
-              <a:t>into</a:t>
+              <a:t>step into</a:t>
             </a:r>
             <a:endParaRPr sz="2500" dirty="0"/>
           </a:p>
@@ -10763,7 +10432,7 @@
             <a:effectLst/>
             <a:extLst>
               <a:ext uri="{C572A759-6A51-4108-AA02-DFA0A04FC94B}">
-                <ma14:wrappingTextBoxFlag xmlns="" xmlns:ma14="http://schemas.microsoft.com/office/mac/drawingml/2011/main" val="1"/>
+                <ma14:wrappingTextBoxFlag xmlns:ma14="http://schemas.microsoft.com/office/mac/drawingml/2011/main" xmlns="" val="1"/>
               </a:ext>
             </a:extLst>
           </p:spPr>
@@ -10789,7 +10458,7 @@
                 </a:defRPr>
               </a:pPr>
               <a:r>
-                <a:rPr lang="en-US" sz="2000" dirty="0" smtClean="0">
+                <a:rPr lang="en-US" sz="2000" dirty="0">
                   <a:solidFill>
                     <a:srgbClr val="FFFFFF"/>
                   </a:solidFill>
@@ -10797,7 +10466,7 @@
                 <a:t>  </a:t>
               </a:r>
               <a:r>
-                <a:rPr sz="2000" dirty="0" smtClean="0">
+                <a:rPr sz="2000" dirty="0">
                   <a:solidFill>
                     <a:srgbClr val="FFFFFF"/>
                   </a:solidFill>
@@ -10805,7 +10474,7 @@
                 <a:t>Q</a:t>
               </a:r>
               <a:r>
-                <a:rPr lang="en-US" dirty="0" smtClean="0"/>
+                <a:rPr lang="en-US" dirty="0"/>
                 <a:t>2-4</a:t>
               </a:r>
               <a:endParaRPr sz="2000" dirty="0">
@@ -10827,21 +10496,6 @@
   <p:clrMapOvr>
     <a:masterClrMapping/>
   </p:clrMapOvr>
-  <mc:AlternateContent xmlns:mc="http://schemas.openxmlformats.org/markup-compatibility/2006" xmlns:p14="http://schemas.microsoft.com/office/powerpoint/2010/main">
-    <mc:Choice Requires="p14">
-      <p:transition spd="slow" p14:dur="2000"/>
-    </mc:Choice>
-    <mc:Fallback xmlns="">
-      <p:transition xmlns:p14="http://schemas.microsoft.com/office/powerpoint/2010/main" spd="slow"/>
-    </mc:Fallback>
-  </mc:AlternateContent>
-  <p:timing>
-    <p:tnLst>
-      <p:par>
-        <p:cTn id="1" dur="indefinite" restart="never" nodeType="tmRoot"/>
-      </p:par>
-    </p:tnLst>
-  </p:timing>
 </p:sld>
 </file>
 

--- a/ClassMaterials/ObjectIntroAndMisc/Slides/ObjectIntroAndMisc.pptx
+++ b/ClassMaterials/ObjectIntroAndMisc/Slides/ObjectIntroAndMisc.pptx
@@ -228,7 +228,7 @@
           <a:p>
             <a:fld id="{73386005-8F80-1A49-87D1-22EBFA47E352}" type="datetimeFigureOut">
               <a:rPr lang="en-US" smtClean="0"/>
-              <a:t>9/6/2018</a:t>
+              <a:t>9/13/19</a:t>
             </a:fld>
             <a:endParaRPr lang="en-US"/>
           </a:p>
@@ -2278,7 +2278,7 @@
           <a:p>
             <a:fld id="{5B07E745-2C70-2943-8487-A8F6E88ADF5E}" type="datetimeFigureOut">
               <a:rPr lang="en-US" smtClean="0"/>
-              <a:t>9/6/2018</a:t>
+              <a:t>9/13/19</a:t>
             </a:fld>
             <a:endParaRPr lang="en-US"/>
           </a:p>
@@ -2446,7 +2446,7 @@
           <a:p>
             <a:fld id="{5B07E745-2C70-2943-8487-A8F6E88ADF5E}" type="datetimeFigureOut">
               <a:rPr lang="en-US" smtClean="0"/>
-              <a:t>9/6/2018</a:t>
+              <a:t>9/13/19</a:t>
             </a:fld>
             <a:endParaRPr lang="en-US"/>
           </a:p>
@@ -2624,7 +2624,7 @@
           <a:p>
             <a:fld id="{5B07E745-2C70-2943-8487-A8F6E88ADF5E}" type="datetimeFigureOut">
               <a:rPr lang="en-US" smtClean="0"/>
-              <a:t>9/6/2018</a:t>
+              <a:t>9/13/19</a:t>
             </a:fld>
             <a:endParaRPr lang="en-US"/>
           </a:p>
@@ -2792,7 +2792,7 @@
           <a:p>
             <a:fld id="{5B07E745-2C70-2943-8487-A8F6E88ADF5E}" type="datetimeFigureOut">
               <a:rPr lang="en-US" smtClean="0"/>
-              <a:t>9/6/2018</a:t>
+              <a:t>9/13/19</a:t>
             </a:fld>
             <a:endParaRPr lang="en-US"/>
           </a:p>
@@ -3037,7 +3037,7 @@
           <a:p>
             <a:fld id="{5B07E745-2C70-2943-8487-A8F6E88ADF5E}" type="datetimeFigureOut">
               <a:rPr lang="en-US" smtClean="0"/>
-              <a:t>9/6/2018</a:t>
+              <a:t>9/13/19</a:t>
             </a:fld>
             <a:endParaRPr lang="en-US"/>
           </a:p>
@@ -3322,7 +3322,7 @@
           <a:p>
             <a:fld id="{5B07E745-2C70-2943-8487-A8F6E88ADF5E}" type="datetimeFigureOut">
               <a:rPr lang="en-US" smtClean="0"/>
-              <a:t>9/6/2018</a:t>
+              <a:t>9/13/19</a:t>
             </a:fld>
             <a:endParaRPr lang="en-US"/>
           </a:p>
@@ -3741,7 +3741,7 @@
           <a:p>
             <a:fld id="{5B07E745-2C70-2943-8487-A8F6E88ADF5E}" type="datetimeFigureOut">
               <a:rPr lang="en-US" smtClean="0"/>
-              <a:t>9/6/2018</a:t>
+              <a:t>9/13/19</a:t>
             </a:fld>
             <a:endParaRPr lang="en-US"/>
           </a:p>
@@ -3858,7 +3858,7 @@
           <a:p>
             <a:fld id="{5B07E745-2C70-2943-8487-A8F6E88ADF5E}" type="datetimeFigureOut">
               <a:rPr lang="en-US" smtClean="0"/>
-              <a:t>9/6/2018</a:t>
+              <a:t>9/13/19</a:t>
             </a:fld>
             <a:endParaRPr lang="en-US"/>
           </a:p>
@@ -3953,7 +3953,7 @@
           <a:p>
             <a:fld id="{5B07E745-2C70-2943-8487-A8F6E88ADF5E}" type="datetimeFigureOut">
               <a:rPr lang="en-US" smtClean="0"/>
-              <a:t>9/6/2018</a:t>
+              <a:t>9/13/19</a:t>
             </a:fld>
             <a:endParaRPr lang="en-US"/>
           </a:p>
@@ -4228,7 +4228,7 @@
           <a:p>
             <a:fld id="{5B07E745-2C70-2943-8487-A8F6E88ADF5E}" type="datetimeFigureOut">
               <a:rPr lang="en-US" smtClean="0"/>
-              <a:t>9/6/2018</a:t>
+              <a:t>9/13/19</a:t>
             </a:fld>
             <a:endParaRPr lang="en-US"/>
           </a:p>
@@ -4480,7 +4480,7 @@
           <a:p>
             <a:fld id="{5B07E745-2C70-2943-8487-A8F6E88ADF5E}" type="datetimeFigureOut">
               <a:rPr lang="en-US" smtClean="0"/>
-              <a:t>9/6/2018</a:t>
+              <a:t>9/13/19</a:t>
             </a:fld>
             <a:endParaRPr lang="en-US"/>
           </a:p>
@@ -4691,7 +4691,7 @@
           <a:p>
             <a:fld id="{5B07E745-2C70-2943-8487-A8F6E88ADF5E}" type="datetimeFigureOut">
               <a:rPr lang="en-US" smtClean="0"/>
-              <a:t>9/6/2018</a:t>
+              <a:t>9/13/19</a:t>
             </a:fld>
             <a:endParaRPr lang="en-US"/>
           </a:p>
@@ -6853,7 +6853,7 @@
           </a:ln>
           <a:extLst>
             <a:ext uri="{C572A759-6A51-4108-AA02-DFA0A04FC94B}">
-              <ma14:wrappingTextBoxFlag xmlns:ma14="http://schemas.microsoft.com/office/mac/drawingml/2011/main" xmlns="" val="1"/>
+              <ma14:wrappingTextBoxFlag xmlns="" xmlns:ma14="http://schemas.microsoft.com/office/mac/drawingml/2011/main" val="1"/>
             </a:ext>
           </a:extLst>
         </p:spPr>
@@ -7075,7 +7075,7 @@
               <a:effectLst/>
               <a:extLst>
                 <a:ext uri="{C572A759-6A51-4108-AA02-DFA0A04FC94B}">
-                  <ma14:wrappingTextBoxFlag xmlns:ma14="http://schemas.microsoft.com/office/mac/drawingml/2011/main" xmlns="" val="1"/>
+                  <ma14:wrappingTextBoxFlag xmlns="" xmlns:ma14="http://schemas.microsoft.com/office/mac/drawingml/2011/main" val="1"/>
                 </a:ext>
               </a:extLst>
             </p:spPr>
@@ -7254,7 +7254,7 @@
               <a:effectLst/>
               <a:extLst>
                 <a:ext uri="{C572A759-6A51-4108-AA02-DFA0A04FC94B}">
-                  <ma14:wrappingTextBoxFlag xmlns:ma14="http://schemas.microsoft.com/office/mac/drawingml/2011/main" xmlns="" val="1"/>
+                  <ma14:wrappingTextBoxFlag xmlns="" xmlns:ma14="http://schemas.microsoft.com/office/mac/drawingml/2011/main" val="1"/>
                 </a:ext>
               </a:extLst>
             </p:spPr>
@@ -7424,7 +7424,7 @@
               <a:effectLst/>
               <a:extLst>
                 <a:ext uri="{C572A759-6A51-4108-AA02-DFA0A04FC94B}">
-                  <ma14:wrappingTextBoxFlag xmlns:ma14="http://schemas.microsoft.com/office/mac/drawingml/2011/main" xmlns="" val="1"/>
+                  <ma14:wrappingTextBoxFlag xmlns="" xmlns:ma14="http://schemas.microsoft.com/office/mac/drawingml/2011/main" val="1"/>
                 </a:ext>
               </a:extLst>
             </p:spPr>
@@ -7594,7 +7594,7 @@
               <a:effectLst/>
               <a:extLst>
                 <a:ext uri="{C572A759-6A51-4108-AA02-DFA0A04FC94B}">
-                  <ma14:wrappingTextBoxFlag xmlns:ma14="http://schemas.microsoft.com/office/mac/drawingml/2011/main" xmlns="" val="1"/>
+                  <ma14:wrappingTextBoxFlag xmlns="" xmlns:ma14="http://schemas.microsoft.com/office/mac/drawingml/2011/main" val="1"/>
                 </a:ext>
               </a:extLst>
             </p:spPr>
@@ -7739,7 +7739,7 @@
             <a:effectLst/>
             <a:extLst>
               <a:ext uri="{C572A759-6A51-4108-AA02-DFA0A04FC94B}">
-                <ma14:wrappingTextBoxFlag xmlns:ma14="http://schemas.microsoft.com/office/mac/drawingml/2011/main" xmlns="" val="1"/>
+                <ma14:wrappingTextBoxFlag xmlns="" xmlns:ma14="http://schemas.microsoft.com/office/mac/drawingml/2011/main" val="1"/>
               </a:ext>
             </a:extLst>
           </p:spPr>
@@ -8503,7 +8503,7 @@
             <a:effectLst/>
             <a:extLst>
               <a:ext uri="{C572A759-6A51-4108-AA02-DFA0A04FC94B}">
-                <ma14:wrappingTextBoxFlag xmlns:ma14="http://schemas.microsoft.com/office/mac/drawingml/2011/main" xmlns="" val="1"/>
+                <ma14:wrappingTextBoxFlag xmlns="" xmlns:ma14="http://schemas.microsoft.com/office/mac/drawingml/2011/main" val="1"/>
               </a:ext>
             </a:extLst>
           </p:spPr>
@@ -9273,7 +9273,7 @@
           </a:ln>
           <a:extLst>
             <a:ext uri="{C572A759-6A51-4108-AA02-DFA0A04FC94B}">
-              <ma14:wrappingTextBoxFlag xmlns:ma14="http://schemas.microsoft.com/office/mac/drawingml/2011/main" xmlns="" val="1"/>
+              <ma14:wrappingTextBoxFlag xmlns="" xmlns:ma14="http://schemas.microsoft.com/office/mac/drawingml/2011/main" val="1"/>
             </a:ext>
           </a:extLst>
         </p:spPr>
@@ -9689,7 +9689,13 @@
               <a:rPr lang="en-US" sz="2400" dirty="0">
                 <a:hlinkClick r:id="rId2"/>
               </a:rPr>
-              <a:t>https://hewner.github.io/csse220/Docs/grading_guide.html</a:t>
+              <a:t>https://github.com/RHIT-CSSE/csse220/blob/master/Docs/grading_guide</a:t>
+            </a:r>
+            <a:r>
+              <a:rPr lang="en-US" sz="2400">
+                <a:hlinkClick r:id="rId2"/>
+              </a:rPr>
+              <a:t>.md</a:t>
             </a:r>
             <a:endParaRPr lang="en-US" sz="2400" dirty="0"/>
           </a:p>
@@ -9810,9 +9816,7 @@
           <p:nvPr/>
         </p:nvPicPr>
         <p:blipFill>
-          <a:blip r:embed="rId3">
-            <a:extLst/>
-          </a:blip>
+          <a:blip r:embed="rId3"/>
           <a:stretch>
             <a:fillRect/>
           </a:stretch>
@@ -9837,9 +9841,7 @@
           <p:nvPr/>
         </p:nvPicPr>
         <p:blipFill>
-          <a:blip r:embed="rId4">
-            <a:extLst/>
-          </a:blip>
+          <a:blip r:embed="rId4"/>
           <a:stretch>
             <a:fillRect/>
           </a:stretch>
@@ -9936,7 +9938,7 @@
             <a:effectLst/>
             <a:extLst>
               <a:ext uri="{C572A759-6A51-4108-AA02-DFA0A04FC94B}">
-                <ma14:wrappingTextBoxFlag xmlns:ma14="http://schemas.microsoft.com/office/mac/drawingml/2011/main" xmlns="" val="1"/>
+                <ma14:wrappingTextBoxFlag xmlns="" xmlns:ma14="http://schemas.microsoft.com/office/mac/drawingml/2011/main" val="1"/>
               </a:ext>
             </a:extLst>
           </p:spPr>
@@ -10432,7 +10434,7 @@
             <a:effectLst/>
             <a:extLst>
               <a:ext uri="{C572A759-6A51-4108-AA02-DFA0A04FC94B}">
-                <ma14:wrappingTextBoxFlag xmlns:ma14="http://schemas.microsoft.com/office/mac/drawingml/2011/main" xmlns="" val="1"/>
+                <ma14:wrappingTextBoxFlag xmlns="" xmlns:ma14="http://schemas.microsoft.com/office/mac/drawingml/2011/main" val="1"/>
               </a:ext>
             </a:extLst>
           </p:spPr>

--- a/ClassMaterials/ObjectIntroAndMisc/Slides/ObjectIntroAndMisc.pptx
+++ b/ClassMaterials/ObjectIntroAndMisc/Slides/ObjectIntroAndMisc.pptx
@@ -5,7 +5,7 @@
     <p:sldMasterId id="2147483648" r:id="rId1"/>
   </p:sldMasterIdLst>
   <p:notesMasterIdLst>
-    <p:notesMasterId r:id="rId23"/>
+    <p:notesMasterId r:id="rId24"/>
   </p:notesMasterIdLst>
   <p:sldIdLst>
     <p:sldId id="256" r:id="rId2"/>
@@ -28,7 +28,8 @@
     <p:sldId id="297" r:id="rId19"/>
     <p:sldId id="295" r:id="rId20"/>
     <p:sldId id="296" r:id="rId21"/>
-    <p:sldId id="294" r:id="rId22"/>
+    <p:sldId id="309" r:id="rId22"/>
+    <p:sldId id="294" r:id="rId23"/>
   </p:sldIdLst>
   <p:sldSz cx="9144000" cy="6858000" type="screen4x3"/>
   <p:notesSz cx="6858000" cy="9144000"/>
@@ -1006,7 +1007,7 @@
               <a:pPr>
                 <a:defRPr/>
               </a:pPr>
-              <a:t>21</a:t>
+              <a:t>22</a:t>
             </a:fld>
             <a:endParaRPr lang="en-US"/>
           </a:p>
@@ -6853,7 +6854,7 @@
           </a:ln>
           <a:extLst>
             <a:ext uri="{C572A759-6A51-4108-AA02-DFA0A04FC94B}">
-              <ma14:wrappingTextBoxFlag xmlns="" xmlns:ma14="http://schemas.microsoft.com/office/mac/drawingml/2011/main" val="1"/>
+              <ma14:wrappingTextBoxFlag xmlns:ma14="http://schemas.microsoft.com/office/mac/drawingml/2011/main" xmlns="" val="1"/>
             </a:ext>
           </a:extLst>
         </p:spPr>
@@ -7075,7 +7076,7 @@
               <a:effectLst/>
               <a:extLst>
                 <a:ext uri="{C572A759-6A51-4108-AA02-DFA0A04FC94B}">
-                  <ma14:wrappingTextBoxFlag xmlns="" xmlns:ma14="http://schemas.microsoft.com/office/mac/drawingml/2011/main" val="1"/>
+                  <ma14:wrappingTextBoxFlag xmlns:ma14="http://schemas.microsoft.com/office/mac/drawingml/2011/main" xmlns="" val="1"/>
                 </a:ext>
               </a:extLst>
             </p:spPr>
@@ -7254,7 +7255,7 @@
               <a:effectLst/>
               <a:extLst>
                 <a:ext uri="{C572A759-6A51-4108-AA02-DFA0A04FC94B}">
-                  <ma14:wrappingTextBoxFlag xmlns="" xmlns:ma14="http://schemas.microsoft.com/office/mac/drawingml/2011/main" val="1"/>
+                  <ma14:wrappingTextBoxFlag xmlns:ma14="http://schemas.microsoft.com/office/mac/drawingml/2011/main" xmlns="" val="1"/>
                 </a:ext>
               </a:extLst>
             </p:spPr>
@@ -7424,7 +7425,7 @@
               <a:effectLst/>
               <a:extLst>
                 <a:ext uri="{C572A759-6A51-4108-AA02-DFA0A04FC94B}">
-                  <ma14:wrappingTextBoxFlag xmlns="" xmlns:ma14="http://schemas.microsoft.com/office/mac/drawingml/2011/main" val="1"/>
+                  <ma14:wrappingTextBoxFlag xmlns:ma14="http://schemas.microsoft.com/office/mac/drawingml/2011/main" xmlns="" val="1"/>
                 </a:ext>
               </a:extLst>
             </p:spPr>
@@ -7594,7 +7595,7 @@
               <a:effectLst/>
               <a:extLst>
                 <a:ext uri="{C572A759-6A51-4108-AA02-DFA0A04FC94B}">
-                  <ma14:wrappingTextBoxFlag xmlns="" xmlns:ma14="http://schemas.microsoft.com/office/mac/drawingml/2011/main" val="1"/>
+                  <ma14:wrappingTextBoxFlag xmlns:ma14="http://schemas.microsoft.com/office/mac/drawingml/2011/main" xmlns="" val="1"/>
                 </a:ext>
               </a:extLst>
             </p:spPr>
@@ -7739,7 +7740,7 @@
             <a:effectLst/>
             <a:extLst>
               <a:ext uri="{C572A759-6A51-4108-AA02-DFA0A04FC94B}">
-                <ma14:wrappingTextBoxFlag xmlns="" xmlns:ma14="http://schemas.microsoft.com/office/mac/drawingml/2011/main" val="1"/>
+                <ma14:wrappingTextBoxFlag xmlns:ma14="http://schemas.microsoft.com/office/mac/drawingml/2011/main" xmlns="" val="1"/>
               </a:ext>
             </a:extLst>
           </p:spPr>
@@ -7995,6 +7996,143 @@
       </p:grpSpPr>
       <p:sp>
         <p:nvSpPr>
+          <p:cNvPr id="2" name="Title 1">
+            <a:extLst>
+              <a:ext uri="{FF2B5EF4-FFF2-40B4-BE49-F238E27FC236}">
+                <a16:creationId xmlns:a16="http://schemas.microsoft.com/office/drawing/2014/main" id="{85FDD9F8-A62E-474D-9D52-0DCBBAD50BE2}"/>
+              </a:ext>
+            </a:extLst>
+          </p:cNvPr>
+          <p:cNvSpPr>
+            <a:spLocks noGrp="1"/>
+          </p:cNvSpPr>
+          <p:nvPr>
+            <p:ph type="title"/>
+          </p:nvPr>
+        </p:nvSpPr>
+        <p:spPr/>
+        <p:txBody>
+          <a:bodyPr/>
+          <a:lstStyle/>
+          <a:p>
+            <a:r>
+              <a:rPr lang="en-US" dirty="0"/>
+              <a:t>Practice</a:t>
+            </a:r>
+          </a:p>
+        </p:txBody>
+      </p:sp>
+      <p:sp>
+        <p:nvSpPr>
+          <p:cNvPr id="3" name="Content Placeholder 2">
+            <a:extLst>
+              <a:ext uri="{FF2B5EF4-FFF2-40B4-BE49-F238E27FC236}">
+                <a16:creationId xmlns:a16="http://schemas.microsoft.com/office/drawing/2014/main" id="{EFC74334-F80F-434C-B7F7-D161AEE72BAE}"/>
+              </a:ext>
+            </a:extLst>
+          </p:cNvPr>
+          <p:cNvSpPr>
+            <a:spLocks noGrp="1"/>
+          </p:cNvSpPr>
+          <p:nvPr>
+            <p:ph idx="1"/>
+          </p:nvPr>
+        </p:nvSpPr>
+        <p:spPr/>
+        <p:txBody>
+          <a:bodyPr/>
+          <a:lstStyle/>
+          <a:p>
+            <a:r>
+              <a:rPr lang="en-US" dirty="0"/>
+              <a:t>Work in </a:t>
+            </a:r>
+            <a:r>
+              <a:rPr lang="en-US" dirty="0" err="1"/>
+              <a:t>SmallClassProbs</a:t>
+            </a:r>
+            <a:r>
+              <a:rPr lang="en-US" dirty="0"/>
+              <a:t> filling out </a:t>
+            </a:r>
+            <a:r>
+              <a:rPr lang="en-US" dirty="0" err="1"/>
+              <a:t>ClassA.java</a:t>
+            </a:r>
+            <a:r>
+              <a:rPr lang="en-US" dirty="0"/>
+              <a:t>, </a:t>
+            </a:r>
+            <a:r>
+              <a:rPr lang="en-US" dirty="0" err="1"/>
+              <a:t>ClassB.java</a:t>
+            </a:r>
+            <a:r>
+              <a:rPr lang="en-US" dirty="0"/>
+              <a:t> and </a:t>
+            </a:r>
+            <a:r>
+              <a:rPr lang="en-US" dirty="0" err="1"/>
+              <a:t>ClassC.java</a:t>
+            </a:r>
+            <a:r>
+              <a:rPr lang="en-US" dirty="0"/>
+              <a:t> </a:t>
+            </a:r>
+          </a:p>
+          <a:p>
+            <a:pPr lvl="1"/>
+            <a:r>
+              <a:rPr lang="en-US" dirty="0"/>
+              <a:t>should work with the tests provided in </a:t>
+            </a:r>
+            <a:r>
+              <a:rPr lang="en-US" dirty="0" err="1"/>
+              <a:t>ClassTests</a:t>
+            </a:r>
+            <a:r>
+              <a:rPr lang="en-US" err="1"/>
+              <a:t>.</a:t>
+            </a:r>
+            <a:r>
+              <a:rPr lang="en-US"/>
+              <a:t>java</a:t>
+            </a:r>
+          </a:p>
+        </p:txBody>
+      </p:sp>
+    </p:spTree>
+    <p:extLst>
+      <p:ext uri="{BB962C8B-B14F-4D97-AF65-F5344CB8AC3E}">
+        <p14:creationId xmlns:p14="http://schemas.microsoft.com/office/powerpoint/2010/main" val="2875033241"/>
+      </p:ext>
+    </p:extLst>
+  </p:cSld>
+  <p:clrMapOvr>
+    <a:masterClrMapping/>
+  </p:clrMapOvr>
+</p:sld>
+</file>
+
+<file path=ppt/slides/slide22.xml><?xml version="1.0" encoding="utf-8"?>
+<p:sld xmlns:a="http://schemas.openxmlformats.org/drawingml/2006/main" xmlns:r="http://schemas.openxmlformats.org/officeDocument/2006/relationships" xmlns:p="http://schemas.openxmlformats.org/presentationml/2006/main">
+  <p:cSld>
+    <p:spTree>
+      <p:nvGrpSpPr>
+        <p:cNvPr id="1" name=""/>
+        <p:cNvGrpSpPr/>
+        <p:nvPr/>
+      </p:nvGrpSpPr>
+      <p:grpSpPr>
+        <a:xfrm>
+          <a:off x="0" y="0"/>
+          <a:ext cx="0" cy="0"/>
+          <a:chOff x="0" y="0"/>
+          <a:chExt cx="0" cy="0"/>
+        </a:xfrm>
+      </p:grpSpPr>
+      <p:sp>
+        <p:nvSpPr>
           <p:cNvPr id="2" name="Title 1"/>
           <p:cNvSpPr>
             <a:spLocks noGrp="1"/>
@@ -8503,7 +8641,7 @@
             <a:effectLst/>
             <a:extLst>
               <a:ext uri="{C572A759-6A51-4108-AA02-DFA0A04FC94B}">
-                <ma14:wrappingTextBoxFlag xmlns="" xmlns:ma14="http://schemas.microsoft.com/office/mac/drawingml/2011/main" val="1"/>
+                <ma14:wrappingTextBoxFlag xmlns:ma14="http://schemas.microsoft.com/office/mac/drawingml/2011/main" xmlns="" val="1"/>
               </a:ext>
             </a:extLst>
           </p:spPr>
@@ -9273,7 +9411,7 @@
           </a:ln>
           <a:extLst>
             <a:ext uri="{C572A759-6A51-4108-AA02-DFA0A04FC94B}">
-              <ma14:wrappingTextBoxFlag xmlns="" xmlns:ma14="http://schemas.microsoft.com/office/mac/drawingml/2011/main" val="1"/>
+              <ma14:wrappingTextBoxFlag xmlns:ma14="http://schemas.microsoft.com/office/mac/drawingml/2011/main" xmlns="" val="1"/>
             </a:ext>
           </a:extLst>
         </p:spPr>
@@ -9938,7 +10076,7 @@
             <a:effectLst/>
             <a:extLst>
               <a:ext uri="{C572A759-6A51-4108-AA02-DFA0A04FC94B}">
-                <ma14:wrappingTextBoxFlag xmlns="" xmlns:ma14="http://schemas.microsoft.com/office/mac/drawingml/2011/main" val="1"/>
+                <ma14:wrappingTextBoxFlag xmlns:ma14="http://schemas.microsoft.com/office/mac/drawingml/2011/main" xmlns="" val="1"/>
               </a:ext>
             </a:extLst>
           </p:spPr>
@@ -10434,7 +10572,7 @@
             <a:effectLst/>
             <a:extLst>
               <a:ext uri="{C572A759-6A51-4108-AA02-DFA0A04FC94B}">
-                <ma14:wrappingTextBoxFlag xmlns="" xmlns:ma14="http://schemas.microsoft.com/office/mac/drawingml/2011/main" val="1"/>
+                <ma14:wrappingTextBoxFlag xmlns:ma14="http://schemas.microsoft.com/office/mac/drawingml/2011/main" xmlns="" val="1"/>
               </a:ext>
             </a:extLst>
           </p:spPr>

--- a/ClassMaterials/ObjectIntroAndMisc/Slides/ObjectIntroAndMisc.pptx
+++ b/ClassMaterials/ObjectIntroAndMisc/Slides/ObjectIntroAndMisc.pptx
@@ -5,31 +5,34 @@
     <p:sldMasterId id="2147483648" r:id="rId1"/>
   </p:sldMasterIdLst>
   <p:notesMasterIdLst>
-    <p:notesMasterId r:id="rId24"/>
+    <p:notesMasterId r:id="rId27"/>
   </p:notesMasterIdLst>
   <p:sldIdLst>
     <p:sldId id="256" r:id="rId2"/>
-    <p:sldId id="302" r:id="rId3"/>
-    <p:sldId id="303" r:id="rId4"/>
-    <p:sldId id="304" r:id="rId5"/>
-    <p:sldId id="257" r:id="rId6"/>
-    <p:sldId id="258" r:id="rId7"/>
-    <p:sldId id="259" r:id="rId8"/>
-    <p:sldId id="260" r:id="rId9"/>
-    <p:sldId id="261" r:id="rId10"/>
-    <p:sldId id="306" r:id="rId11"/>
-    <p:sldId id="305" r:id="rId12"/>
-    <p:sldId id="307" r:id="rId13"/>
-    <p:sldId id="277" r:id="rId14"/>
-    <p:sldId id="278" r:id="rId15"/>
-    <p:sldId id="308" r:id="rId16"/>
-    <p:sldId id="279" r:id="rId17"/>
-    <p:sldId id="280" r:id="rId18"/>
-    <p:sldId id="297" r:id="rId19"/>
-    <p:sldId id="295" r:id="rId20"/>
-    <p:sldId id="296" r:id="rId21"/>
-    <p:sldId id="309" r:id="rId22"/>
-    <p:sldId id="294" r:id="rId23"/>
+    <p:sldId id="310" r:id="rId3"/>
+    <p:sldId id="302" r:id="rId4"/>
+    <p:sldId id="303" r:id="rId5"/>
+    <p:sldId id="304" r:id="rId6"/>
+    <p:sldId id="257" r:id="rId7"/>
+    <p:sldId id="258" r:id="rId8"/>
+    <p:sldId id="259" r:id="rId9"/>
+    <p:sldId id="311" r:id="rId10"/>
+    <p:sldId id="260" r:id="rId11"/>
+    <p:sldId id="261" r:id="rId12"/>
+    <p:sldId id="306" r:id="rId13"/>
+    <p:sldId id="305" r:id="rId14"/>
+    <p:sldId id="312" r:id="rId15"/>
+    <p:sldId id="307" r:id="rId16"/>
+    <p:sldId id="277" r:id="rId17"/>
+    <p:sldId id="278" r:id="rId18"/>
+    <p:sldId id="308" r:id="rId19"/>
+    <p:sldId id="279" r:id="rId20"/>
+    <p:sldId id="280" r:id="rId21"/>
+    <p:sldId id="297" r:id="rId22"/>
+    <p:sldId id="295" r:id="rId23"/>
+    <p:sldId id="296" r:id="rId24"/>
+    <p:sldId id="309" r:id="rId25"/>
+    <p:sldId id="294" r:id="rId26"/>
   </p:sldIdLst>
   <p:sldSz cx="9144000" cy="6858000" type="screen4x3"/>
   <p:notesSz cx="6858000" cy="9144000"/>
@@ -229,7 +232,7 @@
           <a:p>
             <a:fld id="{73386005-8F80-1A49-87D1-22EBFA47E352}" type="datetimeFigureOut">
               <a:rPr lang="en-US" smtClean="0"/>
-              <a:t>9/13/19</a:t>
+              <a:t>3/18/2020</a:t>
             </a:fld>
             <a:endParaRPr lang="en-US"/>
           </a:p>
@@ -579,7 +582,7 @@
                 <a:cs typeface="Arial" pitchFamily="34" charset="0"/>
               </a:rPr>
               <a:pPr/>
-              <a:t>3</a:t>
+              <a:t>4</a:t>
             </a:fld>
             <a:endParaRPr lang="en-US">
               <a:cs typeface="Arial" pitchFamily="34" charset="0"/>
@@ -683,7 +686,7 @@
                 <a:cs typeface="Arial" pitchFamily="34" charset="0"/>
               </a:rPr>
               <a:pPr/>
-              <a:t>15</a:t>
+              <a:t>18</a:t>
             </a:fld>
             <a:endParaRPr lang="en-US">
               <a:cs typeface="Arial" pitchFamily="34" charset="0"/>
@@ -775,7 +778,7 @@
               <a:pPr>
                 <a:defRPr/>
               </a:pPr>
-              <a:t>16</a:t>
+              <a:t>19</a:t>
             </a:fld>
             <a:endParaRPr lang="en-US"/>
           </a:p>
@@ -1007,7 +1010,7 @@
               <a:pPr>
                 <a:defRPr/>
               </a:pPr>
-              <a:t>22</a:t>
+              <a:t>25</a:t>
             </a:fld>
             <a:endParaRPr lang="en-US"/>
           </a:p>
@@ -1109,7 +1112,7 @@
                 <a:cs typeface="Arial" pitchFamily="34" charset="0"/>
               </a:rPr>
               <a:pPr/>
-              <a:t>4</a:t>
+              <a:t>5</a:t>
             </a:fld>
             <a:endParaRPr lang="en-US">
               <a:cs typeface="Arial" pitchFamily="34" charset="0"/>
@@ -1857,7 +1860,7 @@
           <a:p>
             <a:fld id="{9B5CF600-4147-7540-9DE4-6C8272E0EDC3}" type="slidenum">
               <a:rPr lang="en-US" smtClean="0"/>
-              <a:t>10</a:t>
+              <a:t>12</a:t>
             </a:fld>
             <a:endParaRPr lang="en-US"/>
           </a:p>
@@ -1991,7 +1994,7 @@
           <a:p>
             <a:fld id="{9B5CF600-4147-7540-9DE4-6C8272E0EDC3}" type="slidenum">
               <a:rPr lang="en-US" smtClean="0"/>
-              <a:t>11</a:t>
+              <a:t>13</a:t>
             </a:fld>
             <a:endParaRPr lang="en-US"/>
           </a:p>
@@ -2081,7 +2084,7 @@
               <a:pPr>
                 <a:defRPr/>
               </a:pPr>
-              <a:t>13</a:t>
+              <a:t>16</a:t>
             </a:fld>
             <a:endParaRPr lang="en-US"/>
           </a:p>
@@ -2279,7 +2282,7 @@
           <a:p>
             <a:fld id="{5B07E745-2C70-2943-8487-A8F6E88ADF5E}" type="datetimeFigureOut">
               <a:rPr lang="en-US" smtClean="0"/>
-              <a:t>9/13/19</a:t>
+              <a:t>3/18/2020</a:t>
             </a:fld>
             <a:endParaRPr lang="en-US"/>
           </a:p>
@@ -2447,7 +2450,7 @@
           <a:p>
             <a:fld id="{5B07E745-2C70-2943-8487-A8F6E88ADF5E}" type="datetimeFigureOut">
               <a:rPr lang="en-US" smtClean="0"/>
-              <a:t>9/13/19</a:t>
+              <a:t>3/18/2020</a:t>
             </a:fld>
             <a:endParaRPr lang="en-US"/>
           </a:p>
@@ -2625,7 +2628,7 @@
           <a:p>
             <a:fld id="{5B07E745-2C70-2943-8487-A8F6E88ADF5E}" type="datetimeFigureOut">
               <a:rPr lang="en-US" smtClean="0"/>
-              <a:t>9/13/19</a:t>
+              <a:t>3/18/2020</a:t>
             </a:fld>
             <a:endParaRPr lang="en-US"/>
           </a:p>
@@ -2793,7 +2796,7 @@
           <a:p>
             <a:fld id="{5B07E745-2C70-2943-8487-A8F6E88ADF5E}" type="datetimeFigureOut">
               <a:rPr lang="en-US" smtClean="0"/>
-              <a:t>9/13/19</a:t>
+              <a:t>3/18/2020</a:t>
             </a:fld>
             <a:endParaRPr lang="en-US"/>
           </a:p>
@@ -3038,7 +3041,7 @@
           <a:p>
             <a:fld id="{5B07E745-2C70-2943-8487-A8F6E88ADF5E}" type="datetimeFigureOut">
               <a:rPr lang="en-US" smtClean="0"/>
-              <a:t>9/13/19</a:t>
+              <a:t>3/18/2020</a:t>
             </a:fld>
             <a:endParaRPr lang="en-US"/>
           </a:p>
@@ -3323,7 +3326,7 @@
           <a:p>
             <a:fld id="{5B07E745-2C70-2943-8487-A8F6E88ADF5E}" type="datetimeFigureOut">
               <a:rPr lang="en-US" smtClean="0"/>
-              <a:t>9/13/19</a:t>
+              <a:t>3/18/2020</a:t>
             </a:fld>
             <a:endParaRPr lang="en-US"/>
           </a:p>
@@ -3742,7 +3745,7 @@
           <a:p>
             <a:fld id="{5B07E745-2C70-2943-8487-A8F6E88ADF5E}" type="datetimeFigureOut">
               <a:rPr lang="en-US" smtClean="0"/>
-              <a:t>9/13/19</a:t>
+              <a:t>3/18/2020</a:t>
             </a:fld>
             <a:endParaRPr lang="en-US"/>
           </a:p>
@@ -3859,7 +3862,7 @@
           <a:p>
             <a:fld id="{5B07E745-2C70-2943-8487-A8F6E88ADF5E}" type="datetimeFigureOut">
               <a:rPr lang="en-US" smtClean="0"/>
-              <a:t>9/13/19</a:t>
+              <a:t>3/18/2020</a:t>
             </a:fld>
             <a:endParaRPr lang="en-US"/>
           </a:p>
@@ -3954,7 +3957,7 @@
           <a:p>
             <a:fld id="{5B07E745-2C70-2943-8487-A8F6E88ADF5E}" type="datetimeFigureOut">
               <a:rPr lang="en-US" smtClean="0"/>
-              <a:t>9/13/19</a:t>
+              <a:t>3/18/2020</a:t>
             </a:fld>
             <a:endParaRPr lang="en-US"/>
           </a:p>
@@ -4229,7 +4232,7 @@
           <a:p>
             <a:fld id="{5B07E745-2C70-2943-8487-A8F6E88ADF5E}" type="datetimeFigureOut">
               <a:rPr lang="en-US" smtClean="0"/>
-              <a:t>9/13/19</a:t>
+              <a:t>3/18/2020</a:t>
             </a:fld>
             <a:endParaRPr lang="en-US"/>
           </a:p>
@@ -4481,7 +4484,7 @@
           <a:p>
             <a:fld id="{5B07E745-2C70-2943-8487-A8F6E88ADF5E}" type="datetimeFigureOut">
               <a:rPr lang="en-US" smtClean="0"/>
-              <a:t>9/13/19</a:t>
+              <a:t>3/18/2020</a:t>
             </a:fld>
             <a:endParaRPr lang="en-US"/>
           </a:p>
@@ -4692,7 +4695,7 @@
           <a:p>
             <a:fld id="{5B07E745-2C70-2943-8487-A8F6E88ADF5E}" type="datetimeFigureOut">
               <a:rPr lang="en-US" smtClean="0"/>
-              <a:t>9/13/19</a:t>
+              <a:t>3/18/2020</a:t>
             </a:fld>
             <a:endParaRPr lang="en-US"/>
           </a:p>
@@ -5204,6 +5207,502 @@
       </p:grpSpPr>
       <p:sp>
         <p:nvSpPr>
+          <p:cNvPr id="175" name="Shape 175"/>
+          <p:cNvSpPr>
+            <a:spLocks noGrp="1"/>
+          </p:cNvSpPr>
+          <p:nvPr>
+            <p:ph type="ctrTitle"/>
+          </p:nvPr>
+        </p:nvSpPr>
+        <p:spPr>
+          <a:prstGeom prst="rect">
+            <a:avLst/>
+          </a:prstGeom>
+        </p:spPr>
+        <p:txBody>
+          <a:bodyPr/>
+          <a:lstStyle/>
+          <a:p>
+            <a:pPr lvl="0">
+              <a:defRPr sz="1800"/>
+            </a:pPr>
+            <a:r>
+              <a:rPr sz="4400" dirty="0"/>
+              <a:t>Debugging</a:t>
+            </a:r>
+          </a:p>
+        </p:txBody>
+      </p:sp>
+      <p:sp>
+        <p:nvSpPr>
+          <p:cNvPr id="2" name="Subtitle 1"/>
+          <p:cNvSpPr>
+            <a:spLocks noGrp="1"/>
+          </p:cNvSpPr>
+          <p:nvPr>
+            <p:ph type="subTitle" idx="1"/>
+          </p:nvPr>
+        </p:nvSpPr>
+        <p:spPr/>
+        <p:txBody>
+          <a:bodyPr/>
+          <a:lstStyle/>
+          <a:p>
+            <a:endParaRPr lang="en-US"/>
+          </a:p>
+        </p:txBody>
+      </p:sp>
+    </p:spTree>
+    <p:extLst>
+      <p:ext uri="{BB962C8B-B14F-4D97-AF65-F5344CB8AC3E}">
+        <p14:creationId xmlns:p14="http://schemas.microsoft.com/office/powerpoint/2010/main" val="2755810600"/>
+      </p:ext>
+    </p:extLst>
+  </p:cSld>
+  <p:clrMapOvr>
+    <a:masterClrMapping/>
+  </p:clrMapOvr>
+</p:sld>
+</file>
+
+<file path=ppt/slides/slide11.xml><?xml version="1.0" encoding="utf-8"?>
+<p:sld xmlns:a="http://schemas.openxmlformats.org/drawingml/2006/main" xmlns:r="http://schemas.openxmlformats.org/officeDocument/2006/relationships" xmlns:p="http://schemas.openxmlformats.org/presentationml/2006/main">
+  <p:cSld>
+    <p:spTree>
+      <p:nvGrpSpPr>
+        <p:cNvPr id="1" name=""/>
+        <p:cNvGrpSpPr/>
+        <p:nvPr/>
+      </p:nvGrpSpPr>
+      <p:grpSpPr>
+        <a:xfrm>
+          <a:off x="0" y="0"/>
+          <a:ext cx="0" cy="0"/>
+          <a:chOff x="0" y="0"/>
+          <a:chExt cx="0" cy="0"/>
+        </a:xfrm>
+      </p:grpSpPr>
+      <p:sp>
+        <p:nvSpPr>
+          <p:cNvPr id="179" name="Shape 179"/>
+          <p:cNvSpPr>
+            <a:spLocks noGrp="1"/>
+          </p:cNvSpPr>
+          <p:nvPr>
+            <p:ph type="body" idx="1"/>
+          </p:nvPr>
+        </p:nvSpPr>
+        <p:spPr>
+          <a:xfrm>
+            <a:off x="457200" y="1600200"/>
+            <a:ext cx="8229600" cy="4525963"/>
+          </a:xfrm>
+          <a:prstGeom prst="rect">
+            <a:avLst/>
+          </a:prstGeom>
+        </p:spPr>
+        <p:txBody>
+          <a:bodyPr/>
+          <a:lstStyle/>
+          <a:p>
+            <a:pPr lvl="0">
+              <a:lnSpc>
+                <a:spcPct val="80000"/>
+              </a:lnSpc>
+              <a:spcBef>
+                <a:spcPts val="600"/>
+              </a:spcBef>
+              <a:buFont typeface="Wingdings 3"/>
+              <a:buChar char=""/>
+              <a:defRPr sz="1800"/>
+            </a:pPr>
+            <a:r>
+              <a:rPr sz="2900" dirty="0"/>
+              <a:t>Debugging Java programs in Eclipse:</a:t>
+            </a:r>
+          </a:p>
+          <a:p>
+            <a:pPr lvl="1">
+              <a:lnSpc>
+                <a:spcPct val="80000"/>
+              </a:lnSpc>
+              <a:spcBef>
+                <a:spcPts val="600"/>
+              </a:spcBef>
+              <a:buFont typeface="Verdana"/>
+              <a:buChar char="◦"/>
+              <a:defRPr sz="1800"/>
+            </a:pPr>
+            <a:r>
+              <a:rPr lang="en-US" sz="2500" dirty="0"/>
+              <a:t>Set a breakpoint where you want to start</a:t>
+            </a:r>
+          </a:p>
+          <a:p>
+            <a:pPr marL="742950" lvl="1" indent="-285750">
+              <a:lnSpc>
+                <a:spcPct val="80000"/>
+              </a:lnSpc>
+              <a:spcBef>
+                <a:spcPts val="600"/>
+              </a:spcBef>
+              <a:buFont typeface="Verdana"/>
+              <a:buChar char="◦"/>
+              <a:defRPr sz="1800"/>
+            </a:pPr>
+            <a:endParaRPr lang="en-US" sz="2500" dirty="0"/>
+          </a:p>
+          <a:p>
+            <a:pPr marL="742950" lvl="1" indent="-285750">
+              <a:lnSpc>
+                <a:spcPct val="80000"/>
+              </a:lnSpc>
+              <a:spcBef>
+                <a:spcPts val="600"/>
+              </a:spcBef>
+              <a:buFont typeface="Verdana"/>
+              <a:buChar char="◦"/>
+              <a:defRPr sz="1800"/>
+            </a:pPr>
+            <a:r>
+              <a:rPr sz="2500" dirty="0"/>
+              <a:t>Launch using the </a:t>
+            </a:r>
+            <a:r>
+              <a:rPr lang="en-US" sz="2500" dirty="0"/>
+              <a:t>bug icon</a:t>
+            </a:r>
+            <a:endParaRPr sz="2500" dirty="0"/>
+          </a:p>
+          <a:p>
+            <a:pPr marL="457200" lvl="1" indent="0">
+              <a:lnSpc>
+                <a:spcPct val="80000"/>
+              </a:lnSpc>
+              <a:spcBef>
+                <a:spcPts val="600"/>
+              </a:spcBef>
+              <a:buNone/>
+              <a:defRPr sz="1800"/>
+            </a:pPr>
+            <a:endParaRPr sz="2500" dirty="0"/>
+          </a:p>
+          <a:p>
+            <a:pPr marL="742950" lvl="1" indent="-285750">
+              <a:lnSpc>
+                <a:spcPct val="80000"/>
+              </a:lnSpc>
+              <a:spcBef>
+                <a:spcPts val="600"/>
+              </a:spcBef>
+              <a:buFont typeface="Verdana"/>
+              <a:buChar char="◦"/>
+              <a:defRPr sz="1800"/>
+            </a:pPr>
+            <a:r>
+              <a:rPr sz="2500" dirty="0"/>
+              <a:t>Single stepping: </a:t>
+            </a:r>
+            <a:r>
+              <a:rPr sz="2500" i="1" dirty="0"/>
+              <a:t>step over </a:t>
+            </a:r>
+            <a:r>
+              <a:rPr sz="2500" dirty="0"/>
+              <a:t>and </a:t>
+            </a:r>
+            <a:r>
+              <a:rPr sz="2500" i="1" dirty="0"/>
+              <a:t>step into</a:t>
+            </a:r>
+            <a:endParaRPr sz="2500" dirty="0"/>
+          </a:p>
+          <a:p>
+            <a:pPr marL="742950" lvl="1" indent="-285750">
+              <a:lnSpc>
+                <a:spcPct val="80000"/>
+              </a:lnSpc>
+              <a:spcBef>
+                <a:spcPts val="600"/>
+              </a:spcBef>
+              <a:buFont typeface="Verdana"/>
+              <a:buChar char="◦"/>
+              <a:defRPr sz="1800"/>
+            </a:pPr>
+            <a:endParaRPr sz="2500" i="1" dirty="0"/>
+          </a:p>
+          <a:p>
+            <a:pPr marL="742950" lvl="1" indent="-285750">
+              <a:lnSpc>
+                <a:spcPct val="80000"/>
+              </a:lnSpc>
+              <a:spcBef>
+                <a:spcPts val="600"/>
+              </a:spcBef>
+              <a:buFont typeface="Verdana"/>
+              <a:buChar char="◦"/>
+              <a:defRPr sz="1800"/>
+            </a:pPr>
+            <a:r>
+              <a:rPr sz="2500" dirty="0"/>
+              <a:t>Inspecting variables</a:t>
+            </a:r>
+          </a:p>
+          <a:p>
+            <a:pPr marL="0" lvl="0" indent="0">
+              <a:lnSpc>
+                <a:spcPct val="80000"/>
+              </a:lnSpc>
+              <a:spcBef>
+                <a:spcPts val="600"/>
+              </a:spcBef>
+              <a:buNone/>
+              <a:defRPr sz="1800"/>
+            </a:pPr>
+            <a:endParaRPr sz="2900" dirty="0"/>
+          </a:p>
+        </p:txBody>
+      </p:sp>
+      <p:sp>
+        <p:nvSpPr>
+          <p:cNvPr id="180" name="Shape 180"/>
+          <p:cNvSpPr>
+            <a:spLocks noGrp="1"/>
+          </p:cNvSpPr>
+          <p:nvPr>
+            <p:ph type="title"/>
+          </p:nvPr>
+        </p:nvSpPr>
+        <p:spPr>
+          <a:xfrm>
+            <a:off x="457200" y="188141"/>
+            <a:ext cx="8229600" cy="1143001"/>
+          </a:xfrm>
+          <a:prstGeom prst="rect">
+            <a:avLst/>
+          </a:prstGeom>
+        </p:spPr>
+        <p:txBody>
+          <a:bodyPr/>
+          <a:lstStyle/>
+          <a:p>
+            <a:pPr lvl="0">
+              <a:defRPr sz="1800"/>
+            </a:pPr>
+            <a:r>
+              <a:rPr sz="4400" dirty="0"/>
+              <a:t>Debugging—Demo</a:t>
+            </a:r>
+          </a:p>
+        </p:txBody>
+      </p:sp>
+      <p:pic>
+        <p:nvPicPr>
+          <p:cNvPr id="1026" name="Picture 2" descr="Image result for step over debug icon"/>
+          <p:cNvPicPr>
+            <a:picLocks noChangeAspect="1" noChangeArrowheads="1"/>
+          </p:cNvPicPr>
+          <p:nvPr/>
+        </p:nvPicPr>
+        <p:blipFill>
+          <a:blip r:embed="rId3">
+            <a:extLst>
+              <a:ext uri="{28A0092B-C50C-407E-A947-70E740481C1C}">
+                <a14:useLocalDpi xmlns:a14="http://schemas.microsoft.com/office/drawing/2010/main" val="0"/>
+              </a:ext>
+            </a:extLst>
+          </a:blip>
+          <a:srcRect/>
+          <a:stretch>
+            <a:fillRect/>
+          </a:stretch>
+        </p:blipFill>
+        <p:spPr bwMode="auto">
+          <a:xfrm>
+            <a:off x="3992609" y="4088262"/>
+            <a:ext cx="4948191" cy="2364624"/>
+          </a:xfrm>
+          <a:prstGeom prst="rect">
+            <a:avLst/>
+          </a:prstGeom>
+          <a:noFill/>
+          <a:extLst>
+            <a:ext uri="{909E8E84-426E-40DD-AFC4-6F175D3DCCD1}">
+              <a14:hiddenFill xmlns:a14="http://schemas.microsoft.com/office/drawing/2010/main">
+                <a:solidFill>
+                  <a:srgbClr val="FFFFFF"/>
+                </a:solidFill>
+              </a14:hiddenFill>
+            </a:ext>
+          </a:extLst>
+        </p:spPr>
+      </p:pic>
+      <p:grpSp>
+        <p:nvGrpSpPr>
+          <p:cNvPr id="5" name="Group 66"/>
+          <p:cNvGrpSpPr/>
+          <p:nvPr/>
+        </p:nvGrpSpPr>
+        <p:grpSpPr>
+          <a:xfrm>
+            <a:off x="228600" y="6243336"/>
+            <a:ext cx="939800" cy="419100"/>
+            <a:chOff x="0" y="0"/>
+            <a:chExt cx="939800" cy="419100"/>
+          </a:xfrm>
+        </p:grpSpPr>
+        <p:sp>
+          <p:nvSpPr>
+            <p:cNvPr id="6" name="Shape 64"/>
+            <p:cNvSpPr/>
+            <p:nvPr/>
+          </p:nvSpPr>
+          <p:spPr>
+            <a:xfrm>
+              <a:off x="0" y="0"/>
+              <a:ext cx="939800" cy="419100"/>
+            </a:xfrm>
+            <a:prstGeom prst="rect">
+              <a:avLst/>
+            </a:prstGeom>
+            <a:solidFill>
+              <a:srgbClr val="9BBB59"/>
+            </a:solidFill>
+            <a:ln w="25400" cap="flat">
+              <a:solidFill>
+                <a:srgbClr val="718841"/>
+              </a:solidFill>
+              <a:prstDash val="solid"/>
+              <a:bevel/>
+            </a:ln>
+            <a:effectLst/>
+          </p:spPr>
+          <p:txBody>
+            <a:bodyPr wrap="square" lIns="0" tIns="0" rIns="0" bIns="0" numCol="1" anchor="ctr">
+              <a:noAutofit/>
+            </a:bodyPr>
+            <a:lstStyle/>
+            <a:p>
+              <a:pPr lvl="0">
+                <a:defRPr sz="2000">
+                  <a:solidFill>
+                    <a:srgbClr val="FFFFFF"/>
+                  </a:solidFill>
+                </a:defRPr>
+              </a:pPr>
+              <a:endParaRPr/>
+            </a:p>
+          </p:txBody>
+        </p:sp>
+        <p:sp>
+          <p:nvSpPr>
+            <p:cNvPr id="7" name="Shape 65"/>
+            <p:cNvSpPr/>
+            <p:nvPr/>
+          </p:nvSpPr>
+          <p:spPr>
+            <a:xfrm>
+              <a:off x="0" y="55662"/>
+              <a:ext cx="939800" cy="307777"/>
+            </a:xfrm>
+            <a:prstGeom prst="rect">
+              <a:avLst/>
+            </a:prstGeom>
+            <a:noFill/>
+            <a:ln w="12700" cap="flat">
+              <a:noFill/>
+              <a:miter lim="400000"/>
+            </a:ln>
+            <a:effectLst/>
+            <a:extLst>
+              <a:ext uri="{C572A759-6A51-4108-AA02-DFA0A04FC94B}">
+                <ma14:wrappingTextBoxFlag xmlns="" xmlns:ma14="http://schemas.microsoft.com/office/mac/drawingml/2011/main" val="1"/>
+              </a:ext>
+            </a:extLst>
+          </p:spPr>
+          <p:txBody>
+            <a:bodyPr wrap="square" lIns="0" tIns="0" rIns="0" bIns="0" numCol="1" anchor="ctr">
+              <a:spAutoFit/>
+            </a:bodyPr>
+            <a:lstStyle>
+              <a:lvl1pPr>
+                <a:defRPr sz="2000">
+                  <a:solidFill>
+                    <a:srgbClr val="FFFFFF"/>
+                  </a:solidFill>
+                </a:defRPr>
+              </a:lvl1pPr>
+            </a:lstStyle>
+            <a:p>
+              <a:pPr lvl="0">
+                <a:defRPr sz="1800">
+                  <a:solidFill>
+                    <a:srgbClr val="000000"/>
+                  </a:solidFill>
+                </a:defRPr>
+              </a:pPr>
+              <a:r>
+                <a:rPr lang="en-US" sz="2000" dirty="0">
+                  <a:solidFill>
+                    <a:srgbClr val="FFFFFF"/>
+                  </a:solidFill>
+                </a:rPr>
+                <a:t>  </a:t>
+              </a:r>
+              <a:r>
+                <a:rPr sz="2000" dirty="0">
+                  <a:solidFill>
+                    <a:srgbClr val="FFFFFF"/>
+                  </a:solidFill>
+                </a:rPr>
+                <a:t>Q</a:t>
+              </a:r>
+              <a:r>
+                <a:rPr lang="en-US" dirty="0"/>
+                <a:t>2-4</a:t>
+              </a:r>
+              <a:endParaRPr sz="2000" dirty="0">
+                <a:solidFill>
+                  <a:srgbClr val="FFFFFF"/>
+                </a:solidFill>
+              </a:endParaRPr>
+            </a:p>
+          </p:txBody>
+        </p:sp>
+      </p:grpSp>
+    </p:spTree>
+    <p:extLst>
+      <p:ext uri="{BB962C8B-B14F-4D97-AF65-F5344CB8AC3E}">
+        <p14:creationId xmlns:p14="http://schemas.microsoft.com/office/powerpoint/2010/main" val="831071102"/>
+      </p:ext>
+    </p:extLst>
+  </p:cSld>
+  <p:clrMapOvr>
+    <a:masterClrMapping/>
+  </p:clrMapOvr>
+</p:sld>
+</file>
+
+<file path=ppt/slides/slide12.xml><?xml version="1.0" encoding="utf-8"?>
+<p:sld xmlns:a="http://schemas.openxmlformats.org/drawingml/2006/main" xmlns:r="http://schemas.openxmlformats.org/officeDocument/2006/relationships" xmlns:p="http://schemas.openxmlformats.org/presentationml/2006/main">
+  <p:cSld>
+    <p:spTree>
+      <p:nvGrpSpPr>
+        <p:cNvPr id="1" name=""/>
+        <p:cNvGrpSpPr/>
+        <p:nvPr/>
+      </p:nvGrpSpPr>
+      <p:grpSpPr>
+        <a:xfrm>
+          <a:off x="0" y="0"/>
+          <a:ext cx="0" cy="0"/>
+          <a:chOff x="0" y="0"/>
+          <a:chExt cx="0" cy="0"/>
+        </a:xfrm>
+      </p:grpSpPr>
+      <p:sp>
+        <p:nvSpPr>
           <p:cNvPr id="2" name="Title 1"/>
           <p:cNvSpPr>
             <a:spLocks noGrp="1"/>
@@ -5314,167 +5813,6 @@
 </p:sld>
 </file>
 
-<file path=ppt/slides/slide11.xml><?xml version="1.0" encoding="utf-8"?>
-<p:sld xmlns:a="http://schemas.openxmlformats.org/drawingml/2006/main" xmlns:r="http://schemas.openxmlformats.org/officeDocument/2006/relationships" xmlns:p="http://schemas.openxmlformats.org/presentationml/2006/main">
-  <p:cSld>
-    <p:spTree>
-      <p:nvGrpSpPr>
-        <p:cNvPr id="1" name=""/>
-        <p:cNvGrpSpPr/>
-        <p:nvPr/>
-      </p:nvGrpSpPr>
-      <p:grpSpPr>
-        <a:xfrm>
-          <a:off x="0" y="0"/>
-          <a:ext cx="0" cy="0"/>
-          <a:chOff x="0" y="0"/>
-          <a:chExt cx="0" cy="0"/>
-        </a:xfrm>
-      </p:grpSpPr>
-      <p:sp>
-        <p:nvSpPr>
-          <p:cNvPr id="2" name="Title 1"/>
-          <p:cNvSpPr>
-            <a:spLocks noGrp="1"/>
-          </p:cNvSpPr>
-          <p:nvPr>
-            <p:ph type="title"/>
-          </p:nvPr>
-        </p:nvSpPr>
-        <p:spPr/>
-        <p:txBody>
-          <a:bodyPr>
-            <a:normAutofit fontScale="90000"/>
-          </a:bodyPr>
-          <a:lstStyle/>
-          <a:p>
-            <a:r>
-              <a:rPr lang="en-US" dirty="0"/>
-              <a:t>Important </a:t>
-            </a:r>
-            <a:r>
-              <a:rPr lang="en-US" dirty="0" err="1"/>
-              <a:t>gotcha</a:t>
-            </a:r>
-            <a:r>
-              <a:rPr lang="en-US" dirty="0"/>
-              <a:t>: Strings in java are immutable</a:t>
-            </a:r>
-          </a:p>
-        </p:txBody>
-      </p:sp>
-      <p:sp>
-        <p:nvSpPr>
-          <p:cNvPr id="3" name="Content Placeholder 2"/>
-          <p:cNvSpPr>
-            <a:spLocks noGrp="1"/>
-          </p:cNvSpPr>
-          <p:nvPr>
-            <p:ph idx="1"/>
-          </p:nvPr>
-        </p:nvSpPr>
-        <p:spPr/>
-        <p:txBody>
-          <a:bodyPr/>
-          <a:lstStyle/>
-          <a:p>
-            <a:r>
-              <a:rPr lang="en-US" dirty="0"/>
-              <a:t>No method on the string class will modify the content of a string</a:t>
-            </a:r>
-          </a:p>
-          <a:p>
-            <a:r>
-              <a:rPr lang="en-US" dirty="0"/>
-              <a:t>All methods instead return a new string</a:t>
-            </a:r>
-          </a:p>
-        </p:txBody>
-      </p:sp>
-    </p:spTree>
-    <p:extLst>
-      <p:ext uri="{BB962C8B-B14F-4D97-AF65-F5344CB8AC3E}">
-        <p14:creationId xmlns:p14="http://schemas.microsoft.com/office/powerpoint/2010/main" val="982965375"/>
-      </p:ext>
-    </p:extLst>
-  </p:cSld>
-  <p:clrMapOvr>
-    <a:masterClrMapping/>
-  </p:clrMapOvr>
-</p:sld>
-</file>
-
-<file path=ppt/slides/slide12.xml><?xml version="1.0" encoding="utf-8"?>
-<p:sld xmlns:a="http://schemas.openxmlformats.org/drawingml/2006/main" xmlns:r="http://schemas.openxmlformats.org/officeDocument/2006/relationships" xmlns:p="http://schemas.openxmlformats.org/presentationml/2006/main">
-  <p:cSld>
-    <p:spTree>
-      <p:nvGrpSpPr>
-        <p:cNvPr id="1" name=""/>
-        <p:cNvGrpSpPr/>
-        <p:nvPr/>
-      </p:nvGrpSpPr>
-      <p:grpSpPr>
-        <a:xfrm>
-          <a:off x="0" y="0"/>
-          <a:ext cx="0" cy="0"/>
-          <a:chOff x="0" y="0"/>
-          <a:chExt cx="0" cy="0"/>
-        </a:xfrm>
-      </p:grpSpPr>
-      <p:sp>
-        <p:nvSpPr>
-          <p:cNvPr id="4" name="Title 3"/>
-          <p:cNvSpPr>
-            <a:spLocks noGrp="1"/>
-          </p:cNvSpPr>
-          <p:nvPr>
-            <p:ph type="ctrTitle"/>
-          </p:nvPr>
-        </p:nvSpPr>
-        <p:spPr/>
-        <p:txBody>
-          <a:bodyPr/>
-          <a:lstStyle/>
-          <a:p>
-            <a:r>
-              <a:rPr lang="en-US" dirty="0"/>
-              <a:t>Object Basics</a:t>
-            </a:r>
-          </a:p>
-        </p:txBody>
-      </p:sp>
-      <p:sp>
-        <p:nvSpPr>
-          <p:cNvPr id="5" name="Subtitle 4"/>
-          <p:cNvSpPr>
-            <a:spLocks noGrp="1"/>
-          </p:cNvSpPr>
-          <p:nvPr>
-            <p:ph type="subTitle" idx="1"/>
-          </p:nvPr>
-        </p:nvSpPr>
-        <p:spPr/>
-        <p:txBody>
-          <a:bodyPr/>
-          <a:lstStyle/>
-          <a:p>
-            <a:endParaRPr lang="en-US"/>
-          </a:p>
-        </p:txBody>
-      </p:sp>
-    </p:spTree>
-    <p:extLst>
-      <p:ext uri="{BB962C8B-B14F-4D97-AF65-F5344CB8AC3E}">
-        <p14:creationId xmlns:p14="http://schemas.microsoft.com/office/powerpoint/2010/main" val="3070909107"/>
-      </p:ext>
-    </p:extLst>
-  </p:cSld>
-  <p:clrMapOvr>
-    <a:masterClrMapping/>
-  </p:clrMapOvr>
-</p:sld>
-</file>
-
 <file path=ppt/slides/slide13.xml><?xml version="1.0" encoding="utf-8"?>
 <p:sld xmlns:a="http://schemas.openxmlformats.org/drawingml/2006/main" xmlns:r="http://schemas.openxmlformats.org/officeDocument/2006/relationships" xmlns:p="http://schemas.openxmlformats.org/presentationml/2006/main">
   <p:cSld>
@@ -5505,13 +5843,21 @@
         <p:spPr/>
         <p:txBody>
           <a:bodyPr>
-            <a:normAutofit/>
+            <a:normAutofit fontScale="90000"/>
           </a:bodyPr>
           <a:lstStyle/>
           <a:p>
             <a:r>
               <a:rPr lang="en-US" dirty="0"/>
-              <a:t>Class – What, When, Why, &amp; How?</a:t>
+              <a:t>Important </a:t>
+            </a:r>
+            <a:r>
+              <a:rPr lang="en-US" dirty="0" err="1"/>
+              <a:t>gotcha</a:t>
+            </a:r>
+            <a:r>
+              <a:rPr lang="en-US" dirty="0"/>
+              <a:t>: Strings in java are immutable</a:t>
             </a:r>
           </a:p>
         </p:txBody>
@@ -5531,44 +5877,15 @@
           <a:bodyPr/>
           <a:lstStyle/>
           <a:p>
-            <a:pPr marL="0" indent="0">
-              <a:buNone/>
-            </a:pPr>
             <a:r>
               <a:rPr lang="en-US" dirty="0"/>
-              <a:t>What:</a:t>
+              <a:t>No method on the string class will modify the content of a string</a:t>
             </a:r>
           </a:p>
           <a:p>
             <a:r>
               <a:rPr lang="en-US" dirty="0"/>
-              <a:t>A blueprint for a custom </a:t>
-            </a:r>
-            <a:r>
-              <a:rPr lang="en-US" b="1" dirty="0"/>
-              <a:t>type</a:t>
-            </a:r>
-            <a:endParaRPr lang="en-US" dirty="0"/>
-          </a:p>
-          <a:p>
-            <a:pPr marL="0" indent="0">
-              <a:buNone/>
-            </a:pPr>
-            <a:r>
-              <a:rPr lang="en-US" dirty="0"/>
-              <a:t>When:</a:t>
-            </a:r>
-          </a:p>
-          <a:p>
-            <a:r>
-              <a:rPr lang="en-US" dirty="0"/>
-              <a:t>Define a class when you’re representing a concept (think nouns)</a:t>
-            </a:r>
-          </a:p>
-          <a:p>
-            <a:r>
-              <a:rPr lang="en-US" dirty="0"/>
-              <a:t>When no other existing type can do what you want/need</a:t>
+              <a:t>All methods instead return a new string</a:t>
             </a:r>
           </a:p>
         </p:txBody>
@@ -5576,7 +5893,7 @@
     </p:spTree>
     <p:extLst>
       <p:ext uri="{BB962C8B-B14F-4D97-AF65-F5344CB8AC3E}">
-        <p14:creationId xmlns:p14="http://schemas.microsoft.com/office/powerpoint/2010/main" val="2434022835"/>
+        <p14:creationId xmlns:p14="http://schemas.microsoft.com/office/powerpoint/2010/main" val="982965375"/>
       </p:ext>
     </p:extLst>
   </p:cSld>
@@ -5619,6 +5936,276 @@
           <a:lstStyle/>
           <a:p>
             <a:r>
+              <a:rPr lang="en-US" dirty="0" smtClean="0"/>
+              <a:t>Agenda</a:t>
+            </a:r>
+            <a:endParaRPr lang="en-US" dirty="0"/>
+          </a:p>
+        </p:txBody>
+      </p:sp>
+      <p:sp>
+        <p:nvSpPr>
+          <p:cNvPr id="3" name="Content Placeholder 2"/>
+          <p:cNvSpPr>
+            <a:spLocks noGrp="1"/>
+          </p:cNvSpPr>
+          <p:nvPr>
+            <p:ph idx="1"/>
+          </p:nvPr>
+        </p:nvSpPr>
+        <p:spPr/>
+        <p:txBody>
+          <a:bodyPr/>
+          <a:lstStyle/>
+          <a:p>
+            <a:r>
+              <a:rPr lang="en-US" strike="sngStrike" dirty="0" smtClean="0"/>
+              <a:t>Coding Conventions, Style, Grading</a:t>
+            </a:r>
+          </a:p>
+          <a:p>
+            <a:r>
+              <a:rPr lang="en-US" strike="sngStrike" dirty="0" smtClean="0"/>
+              <a:t>Debugging</a:t>
+            </a:r>
+          </a:p>
+          <a:p>
+            <a:r>
+              <a:rPr lang="en-US" dirty="0" smtClean="0"/>
+              <a:t>Objects and Classes</a:t>
+            </a:r>
+            <a:endParaRPr lang="en-US" dirty="0"/>
+          </a:p>
+        </p:txBody>
+      </p:sp>
+    </p:spTree>
+    <p:extLst>
+      <p:ext uri="{BB962C8B-B14F-4D97-AF65-F5344CB8AC3E}">
+        <p14:creationId xmlns:p14="http://schemas.microsoft.com/office/powerpoint/2010/main" val="1338212096"/>
+      </p:ext>
+    </p:extLst>
+  </p:cSld>
+  <p:clrMapOvr>
+    <a:masterClrMapping/>
+  </p:clrMapOvr>
+</p:sld>
+</file>
+
+<file path=ppt/slides/slide15.xml><?xml version="1.0" encoding="utf-8"?>
+<p:sld xmlns:a="http://schemas.openxmlformats.org/drawingml/2006/main" xmlns:r="http://schemas.openxmlformats.org/officeDocument/2006/relationships" xmlns:p="http://schemas.openxmlformats.org/presentationml/2006/main">
+  <p:cSld>
+    <p:spTree>
+      <p:nvGrpSpPr>
+        <p:cNvPr id="1" name=""/>
+        <p:cNvGrpSpPr/>
+        <p:nvPr/>
+      </p:nvGrpSpPr>
+      <p:grpSpPr>
+        <a:xfrm>
+          <a:off x="0" y="0"/>
+          <a:ext cx="0" cy="0"/>
+          <a:chOff x="0" y="0"/>
+          <a:chExt cx="0" cy="0"/>
+        </a:xfrm>
+      </p:grpSpPr>
+      <p:sp>
+        <p:nvSpPr>
+          <p:cNvPr id="4" name="Title 3"/>
+          <p:cNvSpPr>
+            <a:spLocks noGrp="1"/>
+          </p:cNvSpPr>
+          <p:nvPr>
+            <p:ph type="ctrTitle"/>
+          </p:nvPr>
+        </p:nvSpPr>
+        <p:spPr/>
+        <p:txBody>
+          <a:bodyPr/>
+          <a:lstStyle/>
+          <a:p>
+            <a:r>
+              <a:rPr lang="en-US" dirty="0"/>
+              <a:t>Object Basics</a:t>
+            </a:r>
+          </a:p>
+        </p:txBody>
+      </p:sp>
+      <p:sp>
+        <p:nvSpPr>
+          <p:cNvPr id="5" name="Subtitle 4"/>
+          <p:cNvSpPr>
+            <a:spLocks noGrp="1"/>
+          </p:cNvSpPr>
+          <p:nvPr>
+            <p:ph type="subTitle" idx="1"/>
+          </p:nvPr>
+        </p:nvSpPr>
+        <p:spPr/>
+        <p:txBody>
+          <a:bodyPr/>
+          <a:lstStyle/>
+          <a:p>
+            <a:endParaRPr lang="en-US"/>
+          </a:p>
+        </p:txBody>
+      </p:sp>
+    </p:spTree>
+    <p:extLst>
+      <p:ext uri="{BB962C8B-B14F-4D97-AF65-F5344CB8AC3E}">
+        <p14:creationId xmlns:p14="http://schemas.microsoft.com/office/powerpoint/2010/main" val="3070909107"/>
+      </p:ext>
+    </p:extLst>
+  </p:cSld>
+  <p:clrMapOvr>
+    <a:masterClrMapping/>
+  </p:clrMapOvr>
+</p:sld>
+</file>
+
+<file path=ppt/slides/slide16.xml><?xml version="1.0" encoding="utf-8"?>
+<p:sld xmlns:a="http://schemas.openxmlformats.org/drawingml/2006/main" xmlns:r="http://schemas.openxmlformats.org/officeDocument/2006/relationships" xmlns:p="http://schemas.openxmlformats.org/presentationml/2006/main">
+  <p:cSld>
+    <p:spTree>
+      <p:nvGrpSpPr>
+        <p:cNvPr id="1" name=""/>
+        <p:cNvGrpSpPr/>
+        <p:nvPr/>
+      </p:nvGrpSpPr>
+      <p:grpSpPr>
+        <a:xfrm>
+          <a:off x="0" y="0"/>
+          <a:ext cx="0" cy="0"/>
+          <a:chOff x="0" y="0"/>
+          <a:chExt cx="0" cy="0"/>
+        </a:xfrm>
+      </p:grpSpPr>
+      <p:sp>
+        <p:nvSpPr>
+          <p:cNvPr id="2" name="Title 1"/>
+          <p:cNvSpPr>
+            <a:spLocks noGrp="1"/>
+          </p:cNvSpPr>
+          <p:nvPr>
+            <p:ph type="title"/>
+          </p:nvPr>
+        </p:nvSpPr>
+        <p:spPr/>
+        <p:txBody>
+          <a:bodyPr>
+            <a:normAutofit/>
+          </a:bodyPr>
+          <a:lstStyle/>
+          <a:p>
+            <a:r>
+              <a:rPr lang="en-US" dirty="0"/>
+              <a:t>Class – What, When, Why, &amp; How?</a:t>
+            </a:r>
+          </a:p>
+        </p:txBody>
+      </p:sp>
+      <p:sp>
+        <p:nvSpPr>
+          <p:cNvPr id="3" name="Content Placeholder 2"/>
+          <p:cNvSpPr>
+            <a:spLocks noGrp="1"/>
+          </p:cNvSpPr>
+          <p:nvPr>
+            <p:ph idx="1"/>
+          </p:nvPr>
+        </p:nvSpPr>
+        <p:spPr/>
+        <p:txBody>
+          <a:bodyPr/>
+          <a:lstStyle/>
+          <a:p>
+            <a:pPr marL="0" indent="0">
+              <a:buNone/>
+            </a:pPr>
+            <a:r>
+              <a:rPr lang="en-US" dirty="0"/>
+              <a:t>What:</a:t>
+            </a:r>
+          </a:p>
+          <a:p>
+            <a:r>
+              <a:rPr lang="en-US" dirty="0"/>
+              <a:t>A blueprint for a custom </a:t>
+            </a:r>
+            <a:r>
+              <a:rPr lang="en-US" b="1" dirty="0"/>
+              <a:t>type</a:t>
+            </a:r>
+            <a:endParaRPr lang="en-US" dirty="0"/>
+          </a:p>
+          <a:p>
+            <a:pPr marL="0" indent="0">
+              <a:buNone/>
+            </a:pPr>
+            <a:r>
+              <a:rPr lang="en-US" dirty="0"/>
+              <a:t>When:</a:t>
+            </a:r>
+          </a:p>
+          <a:p>
+            <a:r>
+              <a:rPr lang="en-US" dirty="0"/>
+              <a:t>Define a class when you’re representing a concept (think nouns)</a:t>
+            </a:r>
+          </a:p>
+          <a:p>
+            <a:r>
+              <a:rPr lang="en-US" dirty="0"/>
+              <a:t>When no other existing type can do what you want/need</a:t>
+            </a:r>
+          </a:p>
+        </p:txBody>
+      </p:sp>
+    </p:spTree>
+    <p:extLst>
+      <p:ext uri="{BB962C8B-B14F-4D97-AF65-F5344CB8AC3E}">
+        <p14:creationId xmlns:p14="http://schemas.microsoft.com/office/powerpoint/2010/main" val="2434022835"/>
+      </p:ext>
+    </p:extLst>
+  </p:cSld>
+  <p:clrMapOvr>
+    <a:masterClrMapping/>
+  </p:clrMapOvr>
+</p:sld>
+</file>
+
+<file path=ppt/slides/slide17.xml><?xml version="1.0" encoding="utf-8"?>
+<p:sld xmlns:a="http://schemas.openxmlformats.org/drawingml/2006/main" xmlns:r="http://schemas.openxmlformats.org/officeDocument/2006/relationships" xmlns:p="http://schemas.openxmlformats.org/presentationml/2006/main">
+  <p:cSld>
+    <p:spTree>
+      <p:nvGrpSpPr>
+        <p:cNvPr id="1" name=""/>
+        <p:cNvGrpSpPr/>
+        <p:nvPr/>
+      </p:nvGrpSpPr>
+      <p:grpSpPr>
+        <a:xfrm>
+          <a:off x="0" y="0"/>
+          <a:ext cx="0" cy="0"/>
+          <a:chOff x="0" y="0"/>
+          <a:chExt cx="0" cy="0"/>
+        </a:xfrm>
+      </p:grpSpPr>
+      <p:sp>
+        <p:nvSpPr>
+          <p:cNvPr id="2" name="Title 1"/>
+          <p:cNvSpPr>
+            <a:spLocks noGrp="1"/>
+          </p:cNvSpPr>
+          <p:nvPr>
+            <p:ph type="title"/>
+          </p:nvPr>
+        </p:nvSpPr>
+        <p:spPr/>
+        <p:txBody>
+          <a:bodyPr/>
+          <a:lstStyle/>
+          <a:p>
+            <a:r>
               <a:rPr lang="en-US" dirty="0"/>
               <a:t>Class – What, When, Why, &amp; How?</a:t>
             </a:r>
@@ -5730,7 +6317,7 @@
 </p:sld>
 </file>
 
-<file path=ppt/slides/slide15.xml><?xml version="1.0" encoding="utf-8"?>
+<file path=ppt/slides/slide18.xml><?xml version="1.0" encoding="utf-8"?>
 <p:sld xmlns:a="http://schemas.openxmlformats.org/drawingml/2006/main" xmlns:r="http://schemas.openxmlformats.org/officeDocument/2006/relationships" xmlns:p="http://schemas.openxmlformats.org/presentationml/2006/main">
   <p:cSld>
     <p:spTree>
@@ -6362,462 +6949,6 @@
 </p:sld>
 </file>
 
-<file path=ppt/slides/slide16.xml><?xml version="1.0" encoding="utf-8"?>
-<p:sld xmlns:a="http://schemas.openxmlformats.org/drawingml/2006/main" xmlns:r="http://schemas.openxmlformats.org/officeDocument/2006/relationships" xmlns:p="http://schemas.openxmlformats.org/presentationml/2006/main">
-  <p:cSld>
-    <p:spTree>
-      <p:nvGrpSpPr>
-        <p:cNvPr id="1" name=""/>
-        <p:cNvGrpSpPr/>
-        <p:nvPr/>
-      </p:nvGrpSpPr>
-      <p:grpSpPr>
-        <a:xfrm>
-          <a:off x="0" y="0"/>
-          <a:ext cx="0" cy="0"/>
-          <a:chOff x="0" y="0"/>
-          <a:chExt cx="0" cy="0"/>
-        </a:xfrm>
-      </p:grpSpPr>
-      <p:sp>
-        <p:nvSpPr>
-          <p:cNvPr id="2" name="Title 1"/>
-          <p:cNvSpPr>
-            <a:spLocks noGrp="1"/>
-          </p:cNvSpPr>
-          <p:nvPr>
-            <p:ph type="title"/>
-          </p:nvPr>
-        </p:nvSpPr>
-        <p:spPr/>
-        <p:txBody>
-          <a:bodyPr>
-            <a:normAutofit/>
-          </a:bodyPr>
-          <a:lstStyle/>
-          <a:p>
-            <a:r>
-              <a:rPr lang="en-US" sz="3600" dirty="0"/>
-              <a:t>Constructors – What, When, Why, How?</a:t>
-            </a:r>
-          </a:p>
-        </p:txBody>
-      </p:sp>
-      <p:sp>
-        <p:nvSpPr>
-          <p:cNvPr id="3" name="Content Placeholder 2"/>
-          <p:cNvSpPr>
-            <a:spLocks noGrp="1"/>
-          </p:cNvSpPr>
-          <p:nvPr>
-            <p:ph idx="1"/>
-          </p:nvPr>
-        </p:nvSpPr>
-        <p:spPr/>
-        <p:txBody>
-          <a:bodyPr>
-            <a:normAutofit fontScale="92500" lnSpcReduction="20000"/>
-          </a:bodyPr>
-          <a:lstStyle/>
-          <a:p>
-            <a:pPr marL="0" indent="0">
-              <a:buNone/>
-            </a:pPr>
-            <a:r>
-              <a:rPr lang="en-US" dirty="0"/>
-              <a:t>What:</a:t>
-            </a:r>
-          </a:p>
-          <a:p>
-            <a:r>
-              <a:rPr lang="en-US" dirty="0"/>
-              <a:t>Special method called when a new instance of a class is created</a:t>
-            </a:r>
-          </a:p>
-          <a:p>
-            <a:r>
-              <a:rPr lang="en-US" dirty="0"/>
-              <a:t>Initializes the new instance</a:t>
-            </a:r>
-          </a:p>
-          <a:p>
-            <a:r>
-              <a:rPr lang="en-US" dirty="0"/>
-              <a:t>Like the __</a:t>
-            </a:r>
-            <a:r>
-              <a:rPr lang="en-US" dirty="0" err="1"/>
-              <a:t>init</a:t>
-            </a:r>
-            <a:r>
-              <a:rPr lang="en-US" dirty="0"/>
-              <a:t>__ method in Python</a:t>
-            </a:r>
-          </a:p>
-          <a:p>
-            <a:pPr marL="0" indent="0">
-              <a:buNone/>
-            </a:pPr>
-            <a:r>
-              <a:rPr lang="en-US" dirty="0"/>
-              <a:t>When:</a:t>
-            </a:r>
-          </a:p>
-          <a:p>
-            <a:r>
-              <a:rPr lang="en-US" dirty="0"/>
-              <a:t>Define a constructor when special initialization of a class is required</a:t>
-            </a:r>
-          </a:p>
-          <a:p>
-            <a:r>
-              <a:rPr lang="en-US" dirty="0"/>
-              <a:t>Otherwise, Java implicitly creates a no-argument constructor if you don’t add one</a:t>
-            </a:r>
-          </a:p>
-        </p:txBody>
-      </p:sp>
-    </p:spTree>
-    <p:extLst>
-      <p:ext uri="{BB962C8B-B14F-4D97-AF65-F5344CB8AC3E}">
-        <p14:creationId xmlns:p14="http://schemas.microsoft.com/office/powerpoint/2010/main" val="4164257097"/>
-      </p:ext>
-    </p:extLst>
-  </p:cSld>
-  <p:clrMapOvr>
-    <a:masterClrMapping/>
-  </p:clrMapOvr>
-</p:sld>
-</file>
-
-<file path=ppt/slides/slide17.xml><?xml version="1.0" encoding="utf-8"?>
-<p:sld xmlns:a="http://schemas.openxmlformats.org/drawingml/2006/main" xmlns:r="http://schemas.openxmlformats.org/officeDocument/2006/relationships" xmlns:p="http://schemas.openxmlformats.org/presentationml/2006/main">
-  <p:cSld>
-    <p:spTree>
-      <p:nvGrpSpPr>
-        <p:cNvPr id="1" name=""/>
-        <p:cNvGrpSpPr/>
-        <p:nvPr/>
-      </p:nvGrpSpPr>
-      <p:grpSpPr>
-        <a:xfrm>
-          <a:off x="0" y="0"/>
-          <a:ext cx="0" cy="0"/>
-          <a:chOff x="0" y="0"/>
-          <a:chExt cx="0" cy="0"/>
-        </a:xfrm>
-      </p:grpSpPr>
-      <p:sp>
-        <p:nvSpPr>
-          <p:cNvPr id="2" name="Title 1"/>
-          <p:cNvSpPr>
-            <a:spLocks noGrp="1"/>
-          </p:cNvSpPr>
-          <p:nvPr>
-            <p:ph type="title"/>
-          </p:nvPr>
-        </p:nvSpPr>
-        <p:spPr/>
-        <p:txBody>
-          <a:bodyPr>
-            <a:noAutofit/>
-          </a:bodyPr>
-          <a:lstStyle/>
-          <a:p>
-            <a:r>
-              <a:rPr lang="en-US" sz="3600" dirty="0"/>
-              <a:t>Constructors – What, When, Why, How?</a:t>
-            </a:r>
-          </a:p>
-        </p:txBody>
-      </p:sp>
-      <p:sp>
-        <p:nvSpPr>
-          <p:cNvPr id="3" name="Content Placeholder 2"/>
-          <p:cNvSpPr>
-            <a:spLocks noGrp="1"/>
-          </p:cNvSpPr>
-          <p:nvPr>
-            <p:ph idx="1"/>
-          </p:nvPr>
-        </p:nvSpPr>
-        <p:spPr/>
-        <p:txBody>
-          <a:bodyPr>
-            <a:normAutofit fontScale="70000" lnSpcReduction="20000"/>
-          </a:bodyPr>
-          <a:lstStyle/>
-          <a:p>
-            <a:pPr marL="0" indent="0">
-              <a:buNone/>
-            </a:pPr>
-            <a:r>
-              <a:rPr lang="en-US" dirty="0"/>
-              <a:t>Why:</a:t>
-            </a:r>
-          </a:p>
-          <a:p>
-            <a:r>
-              <a:rPr lang="en-US" dirty="0"/>
-              <a:t>Allows you to ensure that a new instance of a class is a setup exactly how it needs to be before use of other methods/fields</a:t>
-            </a:r>
-          </a:p>
-          <a:p>
-            <a:r>
-              <a:rPr lang="en-US" dirty="0"/>
-              <a:t>Puts it in a good state</a:t>
-            </a:r>
-          </a:p>
-          <a:p>
-            <a:pPr marL="0" indent="0">
-              <a:buNone/>
-            </a:pPr>
-            <a:r>
-              <a:rPr lang="en-US" dirty="0"/>
-              <a:t>How: </a:t>
-            </a:r>
-            <a:r>
-              <a:rPr lang="en-US" b="1" dirty="0"/>
-              <a:t>always has the same name as the class</a:t>
-            </a:r>
-            <a:r>
-              <a:rPr lang="en-US" dirty="0"/>
-              <a:t>.</a:t>
-            </a:r>
-          </a:p>
-          <a:p>
-            <a:pPr marL="0" indent="0">
-              <a:buNone/>
-            </a:pPr>
-            <a:r>
-              <a:rPr lang="en-US" dirty="0"/>
-              <a:t>	public class </a:t>
-            </a:r>
-            <a:r>
-              <a:rPr lang="en-US" dirty="0" err="1"/>
-              <a:t>MyClass</a:t>
-            </a:r>
-            <a:r>
-              <a:rPr lang="en-US" dirty="0"/>
-              <a:t> {</a:t>
-            </a:r>
-          </a:p>
-          <a:p>
-            <a:pPr marL="0" indent="0">
-              <a:buNone/>
-            </a:pPr>
-            <a:r>
-              <a:rPr lang="en-US" dirty="0"/>
-              <a:t>		public </a:t>
-            </a:r>
-            <a:r>
-              <a:rPr lang="en-US" dirty="0" err="1"/>
-              <a:t>MyClass</a:t>
-            </a:r>
-            <a:r>
-              <a:rPr lang="en-US" dirty="0"/>
-              <a:t>() {</a:t>
-            </a:r>
-          </a:p>
-          <a:p>
-            <a:pPr marL="0" indent="0">
-              <a:buNone/>
-            </a:pPr>
-            <a:r>
-              <a:rPr lang="en-US" dirty="0"/>
-              <a:t>			//initialization code</a:t>
-            </a:r>
-          </a:p>
-          <a:p>
-            <a:pPr marL="0" indent="0">
-              <a:buNone/>
-            </a:pPr>
-            <a:r>
-              <a:rPr lang="en-US" dirty="0"/>
-              <a:t>		}</a:t>
-            </a:r>
-          </a:p>
-          <a:p>
-            <a:pPr marL="0" indent="0">
-              <a:buNone/>
-            </a:pPr>
-            <a:r>
-              <a:rPr lang="en-US" dirty="0"/>
-              <a:t>		public </a:t>
-            </a:r>
-            <a:r>
-              <a:rPr lang="en-US" dirty="0" err="1"/>
-              <a:t>MyClass</a:t>
-            </a:r>
-            <a:r>
-              <a:rPr lang="en-US" dirty="0"/>
-              <a:t>(</a:t>
-            </a:r>
-            <a:r>
-              <a:rPr lang="en-US" dirty="0" err="1"/>
-              <a:t>ParamType</a:t>
-            </a:r>
-            <a:r>
-              <a:rPr lang="en-US" dirty="0"/>
-              <a:t> </a:t>
-            </a:r>
-            <a:r>
-              <a:rPr lang="en-US" dirty="0" err="1"/>
-              <a:t>paramName</a:t>
-            </a:r>
-            <a:r>
-              <a:rPr lang="en-US" dirty="0"/>
-              <a:t>) {</a:t>
-            </a:r>
-          </a:p>
-          <a:p>
-            <a:pPr marL="0" indent="0">
-              <a:buNone/>
-            </a:pPr>
-            <a:r>
-              <a:rPr lang="en-US" dirty="0"/>
-              <a:t>			//initialization code</a:t>
-            </a:r>
-          </a:p>
-          <a:p>
-            <a:pPr marL="0" indent="0">
-              <a:buNone/>
-            </a:pPr>
-            <a:r>
-              <a:rPr lang="en-US" dirty="0"/>
-              <a:t>		}</a:t>
-            </a:r>
-          </a:p>
-          <a:p>
-            <a:pPr marL="0" indent="0">
-              <a:buNone/>
-            </a:pPr>
-            <a:r>
-              <a:rPr lang="en-US" dirty="0"/>
-              <a:t>	}</a:t>
-            </a:r>
-          </a:p>
-          <a:p>
-            <a:endParaRPr lang="en-US" dirty="0"/>
-          </a:p>
-        </p:txBody>
-      </p:sp>
-    </p:spTree>
-    <p:extLst>
-      <p:ext uri="{BB962C8B-B14F-4D97-AF65-F5344CB8AC3E}">
-        <p14:creationId xmlns:p14="http://schemas.microsoft.com/office/powerpoint/2010/main" val="709340337"/>
-      </p:ext>
-    </p:extLst>
-  </p:cSld>
-  <p:clrMapOvr>
-    <a:masterClrMapping/>
-  </p:clrMapOvr>
-</p:sld>
-</file>
-
-<file path=ppt/slides/slide18.xml><?xml version="1.0" encoding="utf-8"?>
-<p:sld xmlns:a="http://schemas.openxmlformats.org/drawingml/2006/main" xmlns:r="http://schemas.openxmlformats.org/officeDocument/2006/relationships" xmlns:p="http://schemas.openxmlformats.org/presentationml/2006/main">
-  <p:cSld>
-    <p:spTree>
-      <p:nvGrpSpPr>
-        <p:cNvPr id="1" name=""/>
-        <p:cNvGrpSpPr/>
-        <p:nvPr/>
-      </p:nvGrpSpPr>
-      <p:grpSpPr>
-        <a:xfrm>
-          <a:off x="0" y="0"/>
-          <a:ext cx="0" cy="0"/>
-          <a:chOff x="0" y="0"/>
-          <a:chExt cx="0" cy="0"/>
-        </a:xfrm>
-      </p:grpSpPr>
-      <p:sp>
-        <p:nvSpPr>
-          <p:cNvPr id="2" name="Title 1"/>
-          <p:cNvSpPr>
-            <a:spLocks noGrp="1"/>
-          </p:cNvSpPr>
-          <p:nvPr>
-            <p:ph type="title"/>
-          </p:nvPr>
-        </p:nvSpPr>
-        <p:spPr/>
-        <p:txBody>
-          <a:bodyPr/>
-          <a:lstStyle/>
-          <a:p>
-            <a:r>
-              <a:rPr lang="en-US" dirty="0"/>
-              <a:t>Object Constructors</a:t>
-            </a:r>
-          </a:p>
-        </p:txBody>
-      </p:sp>
-      <p:sp>
-        <p:nvSpPr>
-          <p:cNvPr id="3" name="Text Placeholder 2"/>
-          <p:cNvSpPr>
-            <a:spLocks noGrp="1"/>
-          </p:cNvSpPr>
-          <p:nvPr>
-            <p:ph type="body" idx="1"/>
-          </p:nvPr>
-        </p:nvSpPr>
-        <p:spPr/>
-        <p:txBody>
-          <a:bodyPr/>
-          <a:lstStyle/>
-          <a:p>
-            <a:r>
-              <a:rPr lang="en-US" dirty="0" err="1"/>
-              <a:t>int</a:t>
-            </a:r>
-            <a:r>
-              <a:rPr lang="en-US" dirty="0"/>
-              <a:t> </a:t>
-            </a:r>
-            <a:r>
-              <a:rPr lang="en-US" dirty="0" err="1"/>
-              <a:t>num</a:t>
-            </a:r>
-            <a:r>
-              <a:rPr lang="en-US" dirty="0"/>
-              <a:t> = 5;</a:t>
-            </a:r>
-          </a:p>
-          <a:p>
-            <a:pPr lvl="1"/>
-            <a:r>
-              <a:rPr lang="en-US" dirty="0"/>
-              <a:t>This works for primitive typed data</a:t>
-            </a:r>
-          </a:p>
-          <a:p>
-            <a:pPr lvl="1"/>
-            <a:endParaRPr lang="en-US" dirty="0"/>
-          </a:p>
-          <a:p>
-            <a:r>
-              <a:rPr lang="en-US" dirty="0"/>
-              <a:t>What about “objects” (made from classes)?</a:t>
-            </a:r>
-          </a:p>
-        </p:txBody>
-      </p:sp>
-    </p:spTree>
-    <p:extLst>
-      <p:ext uri="{BB962C8B-B14F-4D97-AF65-F5344CB8AC3E}">
-        <p14:creationId xmlns:p14="http://schemas.microsoft.com/office/powerpoint/2010/main" val="3649529972"/>
-      </p:ext>
-    </p:extLst>
-  </p:cSld>
-  <p:clrMapOvr>
-    <a:masterClrMapping/>
-  </p:clrMapOvr>
-</p:sld>
-</file>
-
 <file path=ppt/slides/slide19.xml><?xml version="1.0" encoding="utf-8"?>
 <p:sld xmlns:a="http://schemas.openxmlformats.org/drawingml/2006/main" xmlns:r="http://schemas.openxmlformats.org/officeDocument/2006/relationships" xmlns:p="http://schemas.openxmlformats.org/presentationml/2006/main">
   <p:cSld>
@@ -6837,6 +6968,550 @@
       </p:grpSpPr>
       <p:sp>
         <p:nvSpPr>
+          <p:cNvPr id="2" name="Title 1"/>
+          <p:cNvSpPr>
+            <a:spLocks noGrp="1"/>
+          </p:cNvSpPr>
+          <p:nvPr>
+            <p:ph type="title"/>
+          </p:nvPr>
+        </p:nvSpPr>
+        <p:spPr/>
+        <p:txBody>
+          <a:bodyPr>
+            <a:normAutofit/>
+          </a:bodyPr>
+          <a:lstStyle/>
+          <a:p>
+            <a:r>
+              <a:rPr lang="en-US" sz="3600" dirty="0"/>
+              <a:t>Constructors – What, When, Why, How?</a:t>
+            </a:r>
+          </a:p>
+        </p:txBody>
+      </p:sp>
+      <p:sp>
+        <p:nvSpPr>
+          <p:cNvPr id="3" name="Content Placeholder 2"/>
+          <p:cNvSpPr>
+            <a:spLocks noGrp="1"/>
+          </p:cNvSpPr>
+          <p:nvPr>
+            <p:ph idx="1"/>
+          </p:nvPr>
+        </p:nvSpPr>
+        <p:spPr/>
+        <p:txBody>
+          <a:bodyPr>
+            <a:normAutofit fontScale="92500" lnSpcReduction="20000"/>
+          </a:bodyPr>
+          <a:lstStyle/>
+          <a:p>
+            <a:pPr marL="0" indent="0">
+              <a:buNone/>
+            </a:pPr>
+            <a:r>
+              <a:rPr lang="en-US" dirty="0"/>
+              <a:t>What:</a:t>
+            </a:r>
+          </a:p>
+          <a:p>
+            <a:r>
+              <a:rPr lang="en-US" dirty="0"/>
+              <a:t>Special method called when a new instance of a class is created</a:t>
+            </a:r>
+          </a:p>
+          <a:p>
+            <a:r>
+              <a:rPr lang="en-US" dirty="0"/>
+              <a:t>Initializes the new instance</a:t>
+            </a:r>
+          </a:p>
+          <a:p>
+            <a:r>
+              <a:rPr lang="en-US" dirty="0"/>
+              <a:t>Like the __</a:t>
+            </a:r>
+            <a:r>
+              <a:rPr lang="en-US" dirty="0" err="1"/>
+              <a:t>init</a:t>
+            </a:r>
+            <a:r>
+              <a:rPr lang="en-US" dirty="0"/>
+              <a:t>__ method in Python</a:t>
+            </a:r>
+          </a:p>
+          <a:p>
+            <a:pPr marL="0" indent="0">
+              <a:buNone/>
+            </a:pPr>
+            <a:r>
+              <a:rPr lang="en-US" dirty="0"/>
+              <a:t>When:</a:t>
+            </a:r>
+          </a:p>
+          <a:p>
+            <a:r>
+              <a:rPr lang="en-US" dirty="0"/>
+              <a:t>Define a constructor when special initialization of a class is required</a:t>
+            </a:r>
+          </a:p>
+          <a:p>
+            <a:r>
+              <a:rPr lang="en-US" dirty="0"/>
+              <a:t>Otherwise, Java implicitly creates a no-argument constructor if you don’t add one</a:t>
+            </a:r>
+          </a:p>
+        </p:txBody>
+      </p:sp>
+    </p:spTree>
+    <p:extLst>
+      <p:ext uri="{BB962C8B-B14F-4D97-AF65-F5344CB8AC3E}">
+        <p14:creationId xmlns:p14="http://schemas.microsoft.com/office/powerpoint/2010/main" val="4164257097"/>
+      </p:ext>
+    </p:extLst>
+  </p:cSld>
+  <p:clrMapOvr>
+    <a:masterClrMapping/>
+  </p:clrMapOvr>
+</p:sld>
+</file>
+
+<file path=ppt/slides/slide2.xml><?xml version="1.0" encoding="utf-8"?>
+<p:sld xmlns:a="http://schemas.openxmlformats.org/drawingml/2006/main" xmlns:r="http://schemas.openxmlformats.org/officeDocument/2006/relationships" xmlns:p="http://schemas.openxmlformats.org/presentationml/2006/main">
+  <p:cSld>
+    <p:spTree>
+      <p:nvGrpSpPr>
+        <p:cNvPr id="1" name=""/>
+        <p:cNvGrpSpPr/>
+        <p:nvPr/>
+      </p:nvGrpSpPr>
+      <p:grpSpPr>
+        <a:xfrm>
+          <a:off x="0" y="0"/>
+          <a:ext cx="0" cy="0"/>
+          <a:chOff x="0" y="0"/>
+          <a:chExt cx="0" cy="0"/>
+        </a:xfrm>
+      </p:grpSpPr>
+      <p:sp>
+        <p:nvSpPr>
+          <p:cNvPr id="2" name="Title 1"/>
+          <p:cNvSpPr>
+            <a:spLocks noGrp="1"/>
+          </p:cNvSpPr>
+          <p:nvPr>
+            <p:ph type="title"/>
+          </p:nvPr>
+        </p:nvSpPr>
+        <p:spPr/>
+        <p:txBody>
+          <a:bodyPr/>
+          <a:lstStyle/>
+          <a:p>
+            <a:r>
+              <a:rPr lang="en-US" dirty="0" smtClean="0"/>
+              <a:t>Agenda</a:t>
+            </a:r>
+            <a:endParaRPr lang="en-US" dirty="0"/>
+          </a:p>
+        </p:txBody>
+      </p:sp>
+      <p:sp>
+        <p:nvSpPr>
+          <p:cNvPr id="3" name="Content Placeholder 2"/>
+          <p:cNvSpPr>
+            <a:spLocks noGrp="1"/>
+          </p:cNvSpPr>
+          <p:nvPr>
+            <p:ph idx="1"/>
+          </p:nvPr>
+        </p:nvSpPr>
+        <p:spPr/>
+        <p:txBody>
+          <a:bodyPr/>
+          <a:lstStyle/>
+          <a:p>
+            <a:r>
+              <a:rPr lang="en-US" dirty="0" smtClean="0"/>
+              <a:t>Coding Conventions, Style, Grading</a:t>
+            </a:r>
+          </a:p>
+          <a:p>
+            <a:r>
+              <a:rPr lang="en-US" dirty="0" smtClean="0"/>
+              <a:t>Debugging</a:t>
+            </a:r>
+          </a:p>
+          <a:p>
+            <a:r>
+              <a:rPr lang="en-US" dirty="0" smtClean="0"/>
+              <a:t>Objects and Classes</a:t>
+            </a:r>
+            <a:endParaRPr lang="en-US" dirty="0"/>
+          </a:p>
+        </p:txBody>
+      </p:sp>
+    </p:spTree>
+    <p:extLst>
+      <p:ext uri="{BB962C8B-B14F-4D97-AF65-F5344CB8AC3E}">
+        <p14:creationId xmlns:p14="http://schemas.microsoft.com/office/powerpoint/2010/main" val="4273818967"/>
+      </p:ext>
+    </p:extLst>
+  </p:cSld>
+  <p:clrMapOvr>
+    <a:masterClrMapping/>
+  </p:clrMapOvr>
+</p:sld>
+</file>
+
+<file path=ppt/slides/slide20.xml><?xml version="1.0" encoding="utf-8"?>
+<p:sld xmlns:a="http://schemas.openxmlformats.org/drawingml/2006/main" xmlns:r="http://schemas.openxmlformats.org/officeDocument/2006/relationships" xmlns:p="http://schemas.openxmlformats.org/presentationml/2006/main">
+  <p:cSld>
+    <p:spTree>
+      <p:nvGrpSpPr>
+        <p:cNvPr id="1" name=""/>
+        <p:cNvGrpSpPr/>
+        <p:nvPr/>
+      </p:nvGrpSpPr>
+      <p:grpSpPr>
+        <a:xfrm>
+          <a:off x="0" y="0"/>
+          <a:ext cx="0" cy="0"/>
+          <a:chOff x="0" y="0"/>
+          <a:chExt cx="0" cy="0"/>
+        </a:xfrm>
+      </p:grpSpPr>
+      <p:sp>
+        <p:nvSpPr>
+          <p:cNvPr id="2" name="Title 1"/>
+          <p:cNvSpPr>
+            <a:spLocks noGrp="1"/>
+          </p:cNvSpPr>
+          <p:nvPr>
+            <p:ph type="title"/>
+          </p:nvPr>
+        </p:nvSpPr>
+        <p:spPr/>
+        <p:txBody>
+          <a:bodyPr>
+            <a:noAutofit/>
+          </a:bodyPr>
+          <a:lstStyle/>
+          <a:p>
+            <a:r>
+              <a:rPr lang="en-US" sz="3600" dirty="0"/>
+              <a:t>Constructors – What, When, Why, How?</a:t>
+            </a:r>
+          </a:p>
+        </p:txBody>
+      </p:sp>
+      <p:sp>
+        <p:nvSpPr>
+          <p:cNvPr id="3" name="Content Placeholder 2"/>
+          <p:cNvSpPr>
+            <a:spLocks noGrp="1"/>
+          </p:cNvSpPr>
+          <p:nvPr>
+            <p:ph idx="1"/>
+          </p:nvPr>
+        </p:nvSpPr>
+        <p:spPr/>
+        <p:txBody>
+          <a:bodyPr>
+            <a:normAutofit fontScale="70000" lnSpcReduction="20000"/>
+          </a:bodyPr>
+          <a:lstStyle/>
+          <a:p>
+            <a:pPr marL="0" indent="0">
+              <a:buNone/>
+            </a:pPr>
+            <a:r>
+              <a:rPr lang="en-US" dirty="0"/>
+              <a:t>Why:</a:t>
+            </a:r>
+          </a:p>
+          <a:p>
+            <a:r>
+              <a:rPr lang="en-US" dirty="0"/>
+              <a:t>Allows you to ensure that a new instance of a class is a setup exactly how it needs to be before use of other methods/fields</a:t>
+            </a:r>
+          </a:p>
+          <a:p>
+            <a:r>
+              <a:rPr lang="en-US" dirty="0"/>
+              <a:t>Puts it in a good state</a:t>
+            </a:r>
+          </a:p>
+          <a:p>
+            <a:pPr marL="0" indent="0">
+              <a:buNone/>
+            </a:pPr>
+            <a:r>
+              <a:rPr lang="en-US" dirty="0"/>
+              <a:t>How: </a:t>
+            </a:r>
+            <a:r>
+              <a:rPr lang="en-US" b="1" dirty="0"/>
+              <a:t>always has the same name as the class</a:t>
+            </a:r>
+            <a:r>
+              <a:rPr lang="en-US" dirty="0"/>
+              <a:t>.</a:t>
+            </a:r>
+          </a:p>
+          <a:p>
+            <a:pPr marL="0" indent="0">
+              <a:buNone/>
+            </a:pPr>
+            <a:r>
+              <a:rPr lang="en-US" dirty="0"/>
+              <a:t>	public class </a:t>
+            </a:r>
+            <a:r>
+              <a:rPr lang="en-US" dirty="0" err="1"/>
+              <a:t>MyClass</a:t>
+            </a:r>
+            <a:r>
+              <a:rPr lang="en-US" dirty="0"/>
+              <a:t> {</a:t>
+            </a:r>
+          </a:p>
+          <a:p>
+            <a:pPr marL="0" indent="0">
+              <a:buNone/>
+            </a:pPr>
+            <a:r>
+              <a:rPr lang="en-US" dirty="0"/>
+              <a:t>		public </a:t>
+            </a:r>
+            <a:r>
+              <a:rPr lang="en-US" dirty="0" err="1"/>
+              <a:t>MyClass</a:t>
+            </a:r>
+            <a:r>
+              <a:rPr lang="en-US" dirty="0"/>
+              <a:t>() {</a:t>
+            </a:r>
+          </a:p>
+          <a:p>
+            <a:pPr marL="0" indent="0">
+              <a:buNone/>
+            </a:pPr>
+            <a:r>
+              <a:rPr lang="en-US" dirty="0"/>
+              <a:t>			//initialization code</a:t>
+            </a:r>
+          </a:p>
+          <a:p>
+            <a:pPr marL="0" indent="0">
+              <a:buNone/>
+            </a:pPr>
+            <a:r>
+              <a:rPr lang="en-US" dirty="0"/>
+              <a:t>		}</a:t>
+            </a:r>
+          </a:p>
+          <a:p>
+            <a:pPr marL="0" indent="0">
+              <a:buNone/>
+            </a:pPr>
+            <a:r>
+              <a:rPr lang="en-US" dirty="0"/>
+              <a:t>		public </a:t>
+            </a:r>
+            <a:r>
+              <a:rPr lang="en-US" dirty="0" err="1"/>
+              <a:t>MyClass</a:t>
+            </a:r>
+            <a:r>
+              <a:rPr lang="en-US" dirty="0"/>
+              <a:t>(</a:t>
+            </a:r>
+            <a:r>
+              <a:rPr lang="en-US" dirty="0" err="1"/>
+              <a:t>ParamType</a:t>
+            </a:r>
+            <a:r>
+              <a:rPr lang="en-US" dirty="0"/>
+              <a:t> </a:t>
+            </a:r>
+            <a:r>
+              <a:rPr lang="en-US" dirty="0" err="1"/>
+              <a:t>paramName</a:t>
+            </a:r>
+            <a:r>
+              <a:rPr lang="en-US" dirty="0"/>
+              <a:t>) {</a:t>
+            </a:r>
+          </a:p>
+          <a:p>
+            <a:pPr marL="0" indent="0">
+              <a:buNone/>
+            </a:pPr>
+            <a:r>
+              <a:rPr lang="en-US" dirty="0"/>
+              <a:t>			//initialization code</a:t>
+            </a:r>
+          </a:p>
+          <a:p>
+            <a:pPr marL="0" indent="0">
+              <a:buNone/>
+            </a:pPr>
+            <a:r>
+              <a:rPr lang="en-US" dirty="0"/>
+              <a:t>		}</a:t>
+            </a:r>
+          </a:p>
+          <a:p>
+            <a:pPr marL="0" indent="0">
+              <a:buNone/>
+            </a:pPr>
+            <a:r>
+              <a:rPr lang="en-US" dirty="0"/>
+              <a:t>	}</a:t>
+            </a:r>
+          </a:p>
+          <a:p>
+            <a:endParaRPr lang="en-US" dirty="0"/>
+          </a:p>
+        </p:txBody>
+      </p:sp>
+    </p:spTree>
+    <p:extLst>
+      <p:ext uri="{BB962C8B-B14F-4D97-AF65-F5344CB8AC3E}">
+        <p14:creationId xmlns:p14="http://schemas.microsoft.com/office/powerpoint/2010/main" val="709340337"/>
+      </p:ext>
+    </p:extLst>
+  </p:cSld>
+  <p:clrMapOvr>
+    <a:masterClrMapping/>
+  </p:clrMapOvr>
+</p:sld>
+</file>
+
+<file path=ppt/slides/slide21.xml><?xml version="1.0" encoding="utf-8"?>
+<p:sld xmlns:a="http://schemas.openxmlformats.org/drawingml/2006/main" xmlns:r="http://schemas.openxmlformats.org/officeDocument/2006/relationships" xmlns:p="http://schemas.openxmlformats.org/presentationml/2006/main">
+  <p:cSld>
+    <p:spTree>
+      <p:nvGrpSpPr>
+        <p:cNvPr id="1" name=""/>
+        <p:cNvGrpSpPr/>
+        <p:nvPr/>
+      </p:nvGrpSpPr>
+      <p:grpSpPr>
+        <a:xfrm>
+          <a:off x="0" y="0"/>
+          <a:ext cx="0" cy="0"/>
+          <a:chOff x="0" y="0"/>
+          <a:chExt cx="0" cy="0"/>
+        </a:xfrm>
+      </p:grpSpPr>
+      <p:sp>
+        <p:nvSpPr>
+          <p:cNvPr id="2" name="Title 1"/>
+          <p:cNvSpPr>
+            <a:spLocks noGrp="1"/>
+          </p:cNvSpPr>
+          <p:nvPr>
+            <p:ph type="title"/>
+          </p:nvPr>
+        </p:nvSpPr>
+        <p:spPr/>
+        <p:txBody>
+          <a:bodyPr/>
+          <a:lstStyle/>
+          <a:p>
+            <a:r>
+              <a:rPr lang="en-US" dirty="0"/>
+              <a:t>Object Constructors</a:t>
+            </a:r>
+          </a:p>
+        </p:txBody>
+      </p:sp>
+      <p:sp>
+        <p:nvSpPr>
+          <p:cNvPr id="3" name="Text Placeholder 2"/>
+          <p:cNvSpPr>
+            <a:spLocks noGrp="1"/>
+          </p:cNvSpPr>
+          <p:nvPr>
+            <p:ph type="body" idx="1"/>
+          </p:nvPr>
+        </p:nvSpPr>
+        <p:spPr/>
+        <p:txBody>
+          <a:bodyPr/>
+          <a:lstStyle/>
+          <a:p>
+            <a:r>
+              <a:rPr lang="en-US" dirty="0" err="1"/>
+              <a:t>int</a:t>
+            </a:r>
+            <a:r>
+              <a:rPr lang="en-US" dirty="0"/>
+              <a:t> </a:t>
+            </a:r>
+            <a:r>
+              <a:rPr lang="en-US" dirty="0" err="1"/>
+              <a:t>num</a:t>
+            </a:r>
+            <a:r>
+              <a:rPr lang="en-US" dirty="0"/>
+              <a:t> = 5;</a:t>
+            </a:r>
+          </a:p>
+          <a:p>
+            <a:pPr lvl="1"/>
+            <a:r>
+              <a:rPr lang="en-US" dirty="0"/>
+              <a:t>This works for primitive typed data</a:t>
+            </a:r>
+          </a:p>
+          <a:p>
+            <a:pPr lvl="1"/>
+            <a:endParaRPr lang="en-US" dirty="0"/>
+          </a:p>
+          <a:p>
+            <a:r>
+              <a:rPr lang="en-US" dirty="0"/>
+              <a:t>What about “objects” (made from classes)?</a:t>
+            </a:r>
+          </a:p>
+        </p:txBody>
+      </p:sp>
+    </p:spTree>
+    <p:extLst>
+      <p:ext uri="{BB962C8B-B14F-4D97-AF65-F5344CB8AC3E}">
+        <p14:creationId xmlns:p14="http://schemas.microsoft.com/office/powerpoint/2010/main" val="3649529972"/>
+      </p:ext>
+    </p:extLst>
+  </p:cSld>
+  <p:clrMapOvr>
+    <a:masterClrMapping/>
+  </p:clrMapOvr>
+</p:sld>
+</file>
+
+<file path=ppt/slides/slide22.xml><?xml version="1.0" encoding="utf-8"?>
+<p:sld xmlns:a="http://schemas.openxmlformats.org/drawingml/2006/main" xmlns:r="http://schemas.openxmlformats.org/officeDocument/2006/relationships" xmlns:p="http://schemas.openxmlformats.org/presentationml/2006/main">
+  <p:cSld>
+    <p:spTree>
+      <p:nvGrpSpPr>
+        <p:cNvPr id="1" name=""/>
+        <p:cNvGrpSpPr/>
+        <p:nvPr/>
+      </p:nvGrpSpPr>
+      <p:grpSpPr>
+        <a:xfrm>
+          <a:off x="0" y="0"/>
+          <a:ext cx="0" cy="0"/>
+          <a:chOff x="0" y="0"/>
+          <a:chExt cx="0" cy="0"/>
+        </a:xfrm>
+      </p:grpSpPr>
+      <p:sp>
+        <p:nvSpPr>
           <p:cNvPr id="102" name="Shape 102"/>
           <p:cNvSpPr/>
           <p:nvPr/>
@@ -6854,7 +7529,7 @@
           </a:ln>
           <a:extLst>
             <a:ext uri="{C572A759-6A51-4108-AA02-DFA0A04FC94B}">
-              <ma14:wrappingTextBoxFlag xmlns:ma14="http://schemas.microsoft.com/office/mac/drawingml/2011/main" xmlns="" val="1"/>
+              <ma14:wrappingTextBoxFlag xmlns="" xmlns:ma14="http://schemas.microsoft.com/office/mac/drawingml/2011/main" val="1"/>
             </a:ext>
           </a:extLst>
         </p:spPr>
@@ -7076,7 +7751,7 @@
               <a:effectLst/>
               <a:extLst>
                 <a:ext uri="{C572A759-6A51-4108-AA02-DFA0A04FC94B}">
-                  <ma14:wrappingTextBoxFlag xmlns:ma14="http://schemas.microsoft.com/office/mac/drawingml/2011/main" xmlns="" val="1"/>
+                  <ma14:wrappingTextBoxFlag xmlns="" xmlns:ma14="http://schemas.microsoft.com/office/mac/drawingml/2011/main" val="1"/>
                 </a:ext>
               </a:extLst>
             </p:spPr>
@@ -7255,7 +7930,7 @@
               <a:effectLst/>
               <a:extLst>
                 <a:ext uri="{C572A759-6A51-4108-AA02-DFA0A04FC94B}">
-                  <ma14:wrappingTextBoxFlag xmlns:ma14="http://schemas.microsoft.com/office/mac/drawingml/2011/main" xmlns="" val="1"/>
+                  <ma14:wrappingTextBoxFlag xmlns="" xmlns:ma14="http://schemas.microsoft.com/office/mac/drawingml/2011/main" val="1"/>
                 </a:ext>
               </a:extLst>
             </p:spPr>
@@ -7425,7 +8100,7 @@
               <a:effectLst/>
               <a:extLst>
                 <a:ext uri="{C572A759-6A51-4108-AA02-DFA0A04FC94B}">
-                  <ma14:wrappingTextBoxFlag xmlns:ma14="http://schemas.microsoft.com/office/mac/drawingml/2011/main" xmlns="" val="1"/>
+                  <ma14:wrappingTextBoxFlag xmlns="" xmlns:ma14="http://schemas.microsoft.com/office/mac/drawingml/2011/main" val="1"/>
                 </a:ext>
               </a:extLst>
             </p:spPr>
@@ -7595,7 +8270,7 @@
               <a:effectLst/>
               <a:extLst>
                 <a:ext uri="{C572A759-6A51-4108-AA02-DFA0A04FC94B}">
-                  <ma14:wrappingTextBoxFlag xmlns:ma14="http://schemas.microsoft.com/office/mac/drawingml/2011/main" xmlns="" val="1"/>
+                  <ma14:wrappingTextBoxFlag xmlns="" xmlns:ma14="http://schemas.microsoft.com/office/mac/drawingml/2011/main" val="1"/>
                 </a:ext>
               </a:extLst>
             </p:spPr>
@@ -7740,7 +8415,7 @@
             <a:effectLst/>
             <a:extLst>
               <a:ext uri="{C572A759-6A51-4108-AA02-DFA0A04FC94B}">
-                <ma14:wrappingTextBoxFlag xmlns:ma14="http://schemas.microsoft.com/office/mac/drawingml/2011/main" xmlns="" val="1"/>
+                <ma14:wrappingTextBoxFlag xmlns="" xmlns:ma14="http://schemas.microsoft.com/office/mac/drawingml/2011/main" val="1"/>
               </a:ext>
             </a:extLst>
           </p:spPr>
@@ -7811,7 +8486,7 @@
 </p:sld>
 </file>
 
-<file path=ppt/slides/slide2.xml><?xml version="1.0" encoding="utf-8"?>
+<file path=ppt/slides/slide23.xml><?xml version="1.0" encoding="utf-8"?>
 <p:sld xmlns:a="http://schemas.openxmlformats.org/drawingml/2006/main" xmlns:r="http://schemas.openxmlformats.org/officeDocument/2006/relationships" xmlns:p="http://schemas.openxmlformats.org/presentationml/2006/main">
   <p:cSld>
     <p:spTree>
@@ -7830,12 +8505,12 @@
       </p:grpSpPr>
       <p:sp>
         <p:nvSpPr>
-          <p:cNvPr id="4" name="Title 3"/>
-          <p:cNvSpPr>
-            <a:spLocks noGrp="1"/>
-          </p:cNvSpPr>
-          <p:nvPr>
-            <p:ph type="ctrTitle"/>
+          <p:cNvPr id="2" name="Title 1"/>
+          <p:cNvSpPr>
+            <a:spLocks noGrp="1"/>
+          </p:cNvSpPr>
+          <p:nvPr>
+            <p:ph type="title"/>
           </p:nvPr>
         </p:nvSpPr>
         <p:spPr/>
@@ -7845,19 +8520,19 @@
           <a:p>
             <a:r>
               <a:rPr lang="en-US" dirty="0"/>
-              <a:t>Writing clean code</a:t>
-            </a:r>
-          </a:p>
-        </p:txBody>
-      </p:sp>
-      <p:sp>
-        <p:nvSpPr>
-          <p:cNvPr id="5" name="Subtitle 4"/>
-          <p:cNvSpPr>
-            <a:spLocks noGrp="1"/>
-          </p:cNvSpPr>
-          <p:nvPr>
-            <p:ph type="subTitle" idx="1"/>
+              <a:t>Object Constructors</a:t>
+            </a:r>
+          </a:p>
+        </p:txBody>
+      </p:sp>
+      <p:sp>
+        <p:nvSpPr>
+          <p:cNvPr id="3" name="Text Placeholder 2"/>
+          <p:cNvSpPr>
+            <a:spLocks noGrp="1"/>
+          </p:cNvSpPr>
+          <p:nvPr>
+            <p:ph type="body" idx="1"/>
           </p:nvPr>
         </p:nvSpPr>
         <p:spPr/>
@@ -7867,15 +8542,33 @@
           <a:p>
             <a:r>
               <a:rPr lang="en-US" dirty="0"/>
-              <a:t>Comments are only the last resort</a:t>
-            </a:r>
+              <a:t>Open BankAccount.java</a:t>
+            </a:r>
+          </a:p>
+          <a:p>
+            <a:pPr lvl="1"/>
+            <a:r>
+              <a:rPr lang="en-US" dirty="0"/>
+              <a:t>Let’s do the first few, then work on your own</a:t>
+            </a:r>
+          </a:p>
+          <a:p>
+            <a:pPr lvl="1"/>
+            <a:r>
+              <a:rPr lang="en-US" dirty="0"/>
+              <a:t>When you’re done and it works, solve the last quiz question</a:t>
+            </a:r>
+          </a:p>
+          <a:p>
+            <a:pPr lvl="1"/>
+            <a:endParaRPr lang="en-US" dirty="0"/>
           </a:p>
         </p:txBody>
       </p:sp>
     </p:spTree>
     <p:extLst>
       <p:ext uri="{BB962C8B-B14F-4D97-AF65-F5344CB8AC3E}">
-        <p14:creationId xmlns:p14="http://schemas.microsoft.com/office/powerpoint/2010/main" val="103186050"/>
+        <p14:creationId xmlns:p14="http://schemas.microsoft.com/office/powerpoint/2010/main" val="3093067597"/>
       </p:ext>
     </p:extLst>
   </p:cSld>
@@ -7885,7 +8578,7 @@
 </p:sld>
 </file>
 
-<file path=ppt/slides/slide20.xml><?xml version="1.0" encoding="utf-8"?>
+<file path=ppt/slides/slide24.xml><?xml version="1.0" encoding="utf-8"?>
 <p:sld xmlns:a="http://schemas.openxmlformats.org/drawingml/2006/main" xmlns:r="http://schemas.openxmlformats.org/officeDocument/2006/relationships" xmlns:p="http://schemas.openxmlformats.org/presentationml/2006/main">
   <p:cSld>
     <p:spTree>
@@ -7904,98 +8597,6 @@
       </p:grpSpPr>
       <p:sp>
         <p:nvSpPr>
-          <p:cNvPr id="2" name="Title 1"/>
-          <p:cNvSpPr>
-            <a:spLocks noGrp="1"/>
-          </p:cNvSpPr>
-          <p:nvPr>
-            <p:ph type="title"/>
-          </p:nvPr>
-        </p:nvSpPr>
-        <p:spPr/>
-        <p:txBody>
-          <a:bodyPr/>
-          <a:lstStyle/>
-          <a:p>
-            <a:r>
-              <a:rPr lang="en-US" dirty="0"/>
-              <a:t>Object Constructors</a:t>
-            </a:r>
-          </a:p>
-        </p:txBody>
-      </p:sp>
-      <p:sp>
-        <p:nvSpPr>
-          <p:cNvPr id="3" name="Text Placeholder 2"/>
-          <p:cNvSpPr>
-            <a:spLocks noGrp="1"/>
-          </p:cNvSpPr>
-          <p:nvPr>
-            <p:ph type="body" idx="1"/>
-          </p:nvPr>
-        </p:nvSpPr>
-        <p:spPr/>
-        <p:txBody>
-          <a:bodyPr/>
-          <a:lstStyle/>
-          <a:p>
-            <a:r>
-              <a:rPr lang="en-US" dirty="0"/>
-              <a:t>Open BankAccount.java</a:t>
-            </a:r>
-          </a:p>
-          <a:p>
-            <a:pPr lvl="1"/>
-            <a:r>
-              <a:rPr lang="en-US" dirty="0"/>
-              <a:t>Let’s do the first few, then work on your own</a:t>
-            </a:r>
-          </a:p>
-          <a:p>
-            <a:pPr lvl="1"/>
-            <a:r>
-              <a:rPr lang="en-US" dirty="0"/>
-              <a:t>When you’re done and it works, solve the last quiz question</a:t>
-            </a:r>
-          </a:p>
-          <a:p>
-            <a:pPr lvl="1"/>
-            <a:endParaRPr lang="en-US" dirty="0"/>
-          </a:p>
-        </p:txBody>
-      </p:sp>
-    </p:spTree>
-    <p:extLst>
-      <p:ext uri="{BB962C8B-B14F-4D97-AF65-F5344CB8AC3E}">
-        <p14:creationId xmlns:p14="http://schemas.microsoft.com/office/powerpoint/2010/main" val="3093067597"/>
-      </p:ext>
-    </p:extLst>
-  </p:cSld>
-  <p:clrMapOvr>
-    <a:masterClrMapping/>
-  </p:clrMapOvr>
-</p:sld>
-</file>
-
-<file path=ppt/slides/slide21.xml><?xml version="1.0" encoding="utf-8"?>
-<p:sld xmlns:a="http://schemas.openxmlformats.org/drawingml/2006/main" xmlns:r="http://schemas.openxmlformats.org/officeDocument/2006/relationships" xmlns:p="http://schemas.openxmlformats.org/presentationml/2006/main">
-  <p:cSld>
-    <p:spTree>
-      <p:nvGrpSpPr>
-        <p:cNvPr id="1" name=""/>
-        <p:cNvGrpSpPr/>
-        <p:nvPr/>
-      </p:nvGrpSpPr>
-      <p:grpSpPr>
-        <a:xfrm>
-          <a:off x="0" y="0"/>
-          <a:ext cx="0" cy="0"/>
-          <a:chOff x="0" y="0"/>
-          <a:chExt cx="0" cy="0"/>
-        </a:xfrm>
-      </p:grpSpPr>
-      <p:sp>
-        <p:nvSpPr>
           <p:cNvPr id="2" name="Title 1">
             <a:extLst>
               <a:ext uri="{FF2B5EF4-FFF2-40B4-BE49-F238E27FC236}">
@@ -8114,7 +8715,7 @@
 </p:sld>
 </file>
 
-<file path=ppt/slides/slide22.xml><?xml version="1.0" encoding="utf-8"?>
+<file path=ppt/slides/slide25.xml><?xml version="1.0" encoding="utf-8"?>
 <p:sld xmlns:a="http://schemas.openxmlformats.org/drawingml/2006/main" xmlns:r="http://schemas.openxmlformats.org/officeDocument/2006/relationships" xmlns:p="http://schemas.openxmlformats.org/presentationml/2006/main">
   <p:cSld>
     <p:spTree>
@@ -8237,12 +8838,12 @@
       </p:grpSpPr>
       <p:sp>
         <p:nvSpPr>
-          <p:cNvPr id="3" name="Title 2"/>
-          <p:cNvSpPr>
-            <a:spLocks noGrp="1"/>
-          </p:cNvSpPr>
-          <p:nvPr>
-            <p:ph type="title"/>
+          <p:cNvPr id="4" name="Title 3"/>
+          <p:cNvSpPr>
+            <a:spLocks noGrp="1"/>
+          </p:cNvSpPr>
+          <p:nvPr>
+            <p:ph type="ctrTitle"/>
           </p:nvPr>
         </p:nvSpPr>
         <p:spPr/>
@@ -8250,78 +8851,39 @@
           <a:bodyPr/>
           <a:lstStyle/>
           <a:p>
-            <a:pPr eaLnBrk="1" fontAlgn="auto" hangingPunct="1">
-              <a:spcAft>
-                <a:spcPts val="0"/>
-              </a:spcAft>
-              <a:defRPr/>
-            </a:pPr>
             <a:r>
               <a:rPr lang="en-US" dirty="0"/>
-              <a:t>Functions</a:t>
-            </a:r>
-          </a:p>
-        </p:txBody>
-      </p:sp>
-      <p:sp>
-        <p:nvSpPr>
-          <p:cNvPr id="18434" name="Content Placeholder 1"/>
-          <p:cNvSpPr>
-            <a:spLocks noGrp="1"/>
-          </p:cNvSpPr>
-          <p:nvPr>
-            <p:ph idx="1"/>
+              <a:t>Writing clean code</a:t>
+            </a:r>
+          </a:p>
+        </p:txBody>
+      </p:sp>
+      <p:sp>
+        <p:nvSpPr>
+          <p:cNvPr id="5" name="Subtitle 4"/>
+          <p:cNvSpPr>
+            <a:spLocks noGrp="1"/>
+          </p:cNvSpPr>
+          <p:nvPr>
+            <p:ph type="subTitle" idx="1"/>
           </p:nvPr>
         </p:nvSpPr>
         <p:spPr/>
         <p:txBody>
-          <a:bodyPr>
-            <a:normAutofit/>
-          </a:bodyPr>
-          <a:lstStyle/>
-          <a:p>
-            <a:pPr eaLnBrk="1" hangingPunct="1"/>
+          <a:bodyPr/>
+          <a:lstStyle/>
+          <a:p>
             <a:r>
               <a:rPr lang="en-US" dirty="0"/>
-              <a:t>Give functions descriptive names</a:t>
-            </a:r>
-          </a:p>
-          <a:p>
-            <a:pPr eaLnBrk="1" hangingPunct="1"/>
-            <a:r>
-              <a:rPr lang="en-US" dirty="0"/>
-              <a:t>Don’t make functions too long</a:t>
-            </a:r>
-          </a:p>
-          <a:p>
-            <a:pPr eaLnBrk="1" hangingPunct="1"/>
-            <a:r>
-              <a:rPr lang="en-US" dirty="0"/>
-              <a:t>Rather than commenting an unclear function, modify the code so it is clear</a:t>
-            </a:r>
-          </a:p>
-          <a:p>
-            <a:pPr marL="109537" indent="0" eaLnBrk="1" hangingPunct="1">
-              <a:buNone/>
-            </a:pPr>
-            <a:endParaRPr lang="en-US" b="1" dirty="0">
-              <a:solidFill>
-                <a:srgbClr val="0070C0"/>
-              </a:solidFill>
-              <a:latin typeface="Courier New" pitchFamily="49" charset="0"/>
-              <a:cs typeface="Courier New" pitchFamily="49" charset="0"/>
-            </a:endParaRPr>
-          </a:p>
-          <a:p>
-            <a:pPr eaLnBrk="1" hangingPunct="1"/>
-            <a:endParaRPr lang="en-US" dirty="0"/>
+              <a:t>Comments are only the last resort</a:t>
+            </a:r>
           </a:p>
         </p:txBody>
       </p:sp>
     </p:spTree>
     <p:extLst>
       <p:ext uri="{BB962C8B-B14F-4D97-AF65-F5344CB8AC3E}">
-        <p14:creationId xmlns:p14="http://schemas.microsoft.com/office/powerpoint/2010/main" val="3439116799"/>
+        <p14:creationId xmlns:p14="http://schemas.microsoft.com/office/powerpoint/2010/main" val="103186050"/>
       </p:ext>
     </p:extLst>
   </p:cSld>
@@ -8371,7 +8933,7 @@
             </a:pPr>
             <a:r>
               <a:rPr lang="en-US" dirty="0"/>
-              <a:t>Naming in Java</a:t>
+              <a:t>Functions</a:t>
             </a:r>
           </a:p>
         </p:txBody>
@@ -8390,6 +8952,119 @@
         <p:txBody>
           <a:bodyPr>
             <a:normAutofit/>
+          </a:bodyPr>
+          <a:lstStyle/>
+          <a:p>
+            <a:pPr eaLnBrk="1" hangingPunct="1"/>
+            <a:r>
+              <a:rPr lang="en-US" dirty="0"/>
+              <a:t>Give functions descriptive names</a:t>
+            </a:r>
+          </a:p>
+          <a:p>
+            <a:pPr eaLnBrk="1" hangingPunct="1"/>
+            <a:r>
+              <a:rPr lang="en-US" dirty="0"/>
+              <a:t>Don’t make functions too long</a:t>
+            </a:r>
+          </a:p>
+          <a:p>
+            <a:pPr eaLnBrk="1" hangingPunct="1"/>
+            <a:r>
+              <a:rPr lang="en-US" dirty="0"/>
+              <a:t>Rather than commenting an unclear function, modify the code so it is clear</a:t>
+            </a:r>
+          </a:p>
+          <a:p>
+            <a:pPr marL="109537" indent="0" eaLnBrk="1" hangingPunct="1">
+              <a:buNone/>
+            </a:pPr>
+            <a:endParaRPr lang="en-US" b="1" dirty="0">
+              <a:solidFill>
+                <a:srgbClr val="0070C0"/>
+              </a:solidFill>
+              <a:latin typeface="Courier New" pitchFamily="49" charset="0"/>
+              <a:cs typeface="Courier New" pitchFamily="49" charset="0"/>
+            </a:endParaRPr>
+          </a:p>
+          <a:p>
+            <a:pPr eaLnBrk="1" hangingPunct="1"/>
+            <a:endParaRPr lang="en-US" dirty="0"/>
+          </a:p>
+        </p:txBody>
+      </p:sp>
+    </p:spTree>
+    <p:extLst>
+      <p:ext uri="{BB962C8B-B14F-4D97-AF65-F5344CB8AC3E}">
+        <p14:creationId xmlns:p14="http://schemas.microsoft.com/office/powerpoint/2010/main" val="3439116799"/>
+      </p:ext>
+    </p:extLst>
+  </p:cSld>
+  <p:clrMapOvr>
+    <a:masterClrMapping/>
+  </p:clrMapOvr>
+</p:sld>
+</file>
+
+<file path=ppt/slides/slide5.xml><?xml version="1.0" encoding="utf-8"?>
+<p:sld xmlns:a="http://schemas.openxmlformats.org/drawingml/2006/main" xmlns:r="http://schemas.openxmlformats.org/officeDocument/2006/relationships" xmlns:p="http://schemas.openxmlformats.org/presentationml/2006/main">
+  <p:cSld>
+    <p:spTree>
+      <p:nvGrpSpPr>
+        <p:cNvPr id="1" name=""/>
+        <p:cNvGrpSpPr/>
+        <p:nvPr/>
+      </p:nvGrpSpPr>
+      <p:grpSpPr>
+        <a:xfrm>
+          <a:off x="0" y="0"/>
+          <a:ext cx="0" cy="0"/>
+          <a:chOff x="0" y="0"/>
+          <a:chExt cx="0" cy="0"/>
+        </a:xfrm>
+      </p:grpSpPr>
+      <p:sp>
+        <p:nvSpPr>
+          <p:cNvPr id="3" name="Title 2"/>
+          <p:cNvSpPr>
+            <a:spLocks noGrp="1"/>
+          </p:cNvSpPr>
+          <p:nvPr>
+            <p:ph type="title"/>
+          </p:nvPr>
+        </p:nvSpPr>
+        <p:spPr/>
+        <p:txBody>
+          <a:bodyPr/>
+          <a:lstStyle/>
+          <a:p>
+            <a:pPr eaLnBrk="1" fontAlgn="auto" hangingPunct="1">
+              <a:spcAft>
+                <a:spcPts val="0"/>
+              </a:spcAft>
+              <a:defRPr/>
+            </a:pPr>
+            <a:r>
+              <a:rPr lang="en-US" dirty="0"/>
+              <a:t>Naming in Java</a:t>
+            </a:r>
+          </a:p>
+        </p:txBody>
+      </p:sp>
+      <p:sp>
+        <p:nvSpPr>
+          <p:cNvPr id="18434" name="Content Placeholder 1"/>
+          <p:cNvSpPr>
+            <a:spLocks noGrp="1"/>
+          </p:cNvSpPr>
+          <p:nvPr>
+            <p:ph idx="1"/>
+          </p:nvPr>
+        </p:nvSpPr>
+        <p:spPr/>
+        <p:txBody>
+          <a:bodyPr>
+            <a:normAutofit lnSpcReduction="10000"/>
           </a:bodyPr>
           <a:lstStyle/>
           <a:p>
@@ -8452,6 +9127,16 @@
           <a:p>
             <a:pPr lvl="1" eaLnBrk="1" hangingPunct="1"/>
             <a:r>
+              <a:rPr lang="en-US" sz="4400" b="1" dirty="0" err="1">
+                <a:solidFill>
+                  <a:srgbClr val="0070C0"/>
+                </a:solidFill>
+                <a:latin typeface="Courier New" pitchFamily="49" charset="0"/>
+                <a:cs typeface="Courier New" pitchFamily="49" charset="0"/>
+              </a:rPr>
+              <a:t>C</a:t>
+            </a:r>
+            <a:r>
               <a:rPr lang="en-US" b="1" dirty="0" err="1">
                 <a:solidFill>
                   <a:srgbClr val="0070C0"/>
@@ -8459,7 +9144,7 @@
                 <a:latin typeface="Courier New" pitchFamily="49" charset="0"/>
                 <a:cs typeface="Courier New" pitchFamily="49" charset="0"/>
               </a:rPr>
-              <a:t>ClassNamesLikeThis</a:t>
+              <a:t>lassNamesLikeThis</a:t>
             </a:r>
             <a:endParaRPr lang="en-US" b="1" dirty="0">
               <a:solidFill>
@@ -8507,7 +9192,7 @@
 </p:sld>
 </file>
 
-<file path=ppt/slides/slide5.xml><?xml version="1.0" encoding="utf-8"?>
+<file path=ppt/slides/slide6.xml><?xml version="1.0" encoding="utf-8"?>
 <p:sld xmlns:a="http://schemas.openxmlformats.org/drawingml/2006/main" xmlns:r="http://schemas.openxmlformats.org/officeDocument/2006/relationships" xmlns:p="http://schemas.openxmlformats.org/presentationml/2006/main">
   <p:cSld>
     <p:spTree>
@@ -8641,7 +9326,7 @@
             <a:effectLst/>
             <a:extLst>
               <a:ext uri="{C572A759-6A51-4108-AA02-DFA0A04FC94B}">
-                <ma14:wrappingTextBoxFlag xmlns:ma14="http://schemas.microsoft.com/office/mac/drawingml/2011/main" xmlns="" val="1"/>
+                <ma14:wrappingTextBoxFlag xmlns="" xmlns:ma14="http://schemas.microsoft.com/office/mac/drawingml/2011/main" val="1"/>
               </a:ext>
             </a:extLst>
           </p:spPr>
@@ -9411,7 +10096,7 @@
           </a:ln>
           <a:extLst>
             <a:ext uri="{C572A759-6A51-4108-AA02-DFA0A04FC94B}">
-              <ma14:wrappingTextBoxFlag xmlns:ma14="http://schemas.microsoft.com/office/mac/drawingml/2011/main" xmlns="" val="1"/>
+              <ma14:wrappingTextBoxFlag xmlns="" xmlns:ma14="http://schemas.microsoft.com/office/mac/drawingml/2011/main" val="1"/>
             </a:ext>
           </a:extLst>
         </p:spPr>
@@ -9507,228 +10192,6 @@
     <p:extLst>
       <p:ext uri="{BB962C8B-B14F-4D97-AF65-F5344CB8AC3E}">
         <p14:creationId xmlns:p14="http://schemas.microsoft.com/office/powerpoint/2010/main" val="3327082852"/>
-      </p:ext>
-    </p:extLst>
-  </p:cSld>
-  <p:clrMapOvr>
-    <a:masterClrMapping/>
-  </p:clrMapOvr>
-</p:sld>
-</file>
-
-<file path=ppt/slides/slide6.xml><?xml version="1.0" encoding="utf-8"?>
-<p:sld xmlns:a="http://schemas.openxmlformats.org/drawingml/2006/main" xmlns:r="http://schemas.openxmlformats.org/officeDocument/2006/relationships" xmlns:p="http://schemas.openxmlformats.org/presentationml/2006/main">
-  <p:cSld>
-    <p:spTree>
-      <p:nvGrpSpPr>
-        <p:cNvPr id="1" name=""/>
-        <p:cNvGrpSpPr/>
-        <p:nvPr/>
-      </p:nvGrpSpPr>
-      <p:grpSpPr>
-        <a:xfrm>
-          <a:off x="0" y="0"/>
-          <a:ext cx="0" cy="0"/>
-          <a:chOff x="0" y="0"/>
-          <a:chExt cx="0" cy="0"/>
-        </a:xfrm>
-      </p:grpSpPr>
-      <p:sp>
-        <p:nvSpPr>
-          <p:cNvPr id="167" name="Shape 167"/>
-          <p:cNvSpPr>
-            <a:spLocks noGrp="1"/>
-          </p:cNvSpPr>
-          <p:nvPr>
-            <p:ph type="title"/>
-          </p:nvPr>
-        </p:nvSpPr>
-        <p:spPr>
-          <a:xfrm>
-            <a:off x="457200" y="274638"/>
-            <a:ext cx="8229600" cy="1143001"/>
-          </a:xfrm>
-          <a:prstGeom prst="rect">
-            <a:avLst/>
-          </a:prstGeom>
-        </p:spPr>
-        <p:txBody>
-          <a:bodyPr/>
-          <a:lstStyle/>
-          <a:p>
-            <a:pPr lvl="0">
-              <a:defRPr sz="1800"/>
-            </a:pPr>
-            <a:r>
-              <a:rPr sz="4400"/>
-              <a:t>Writing Javadocs</a:t>
-            </a:r>
-          </a:p>
-        </p:txBody>
-      </p:sp>
-      <p:sp>
-        <p:nvSpPr>
-          <p:cNvPr id="168" name="Shape 168"/>
-          <p:cNvSpPr>
-            <a:spLocks noGrp="1"/>
-          </p:cNvSpPr>
-          <p:nvPr>
-            <p:ph type="body" idx="1"/>
-          </p:nvPr>
-        </p:nvSpPr>
-        <p:spPr>
-          <a:xfrm>
-            <a:off x="457200" y="1600200"/>
-            <a:ext cx="8229600" cy="4525963"/>
-          </a:xfrm>
-          <a:prstGeom prst="rect">
-            <a:avLst/>
-          </a:prstGeom>
-        </p:spPr>
-        <p:txBody>
-          <a:bodyPr/>
-          <a:lstStyle/>
-          <a:p>
-            <a:pPr lvl="0">
-              <a:lnSpc>
-                <a:spcPct val="90000"/>
-              </a:lnSpc>
-              <a:spcBef>
-                <a:spcPts val="600"/>
-              </a:spcBef>
-              <a:defRPr sz="1800"/>
-            </a:pPr>
-            <a:r>
-              <a:rPr sz="2900"/>
-              <a:t>Written in special comments: /** … */</a:t>
-            </a:r>
-          </a:p>
-          <a:p>
-            <a:pPr lvl="0">
-              <a:lnSpc>
-                <a:spcPct val="90000"/>
-              </a:lnSpc>
-              <a:spcBef>
-                <a:spcPts val="600"/>
-              </a:spcBef>
-              <a:defRPr sz="1800"/>
-            </a:pPr>
-            <a:r>
-              <a:rPr sz="2900"/>
-              <a:t>Can come before:</a:t>
-            </a:r>
-          </a:p>
-          <a:p>
-            <a:pPr marL="742950" lvl="1" indent="-285750">
-              <a:lnSpc>
-                <a:spcPct val="90000"/>
-              </a:lnSpc>
-              <a:spcBef>
-                <a:spcPts val="600"/>
-              </a:spcBef>
-              <a:defRPr sz="1800"/>
-            </a:pPr>
-            <a:r>
-              <a:rPr sz="2500"/>
-              <a:t>Class declarations</a:t>
-            </a:r>
-          </a:p>
-          <a:p>
-            <a:pPr marL="742950" lvl="1" indent="-285750">
-              <a:lnSpc>
-                <a:spcPct val="90000"/>
-              </a:lnSpc>
-              <a:spcBef>
-                <a:spcPts val="600"/>
-              </a:spcBef>
-              <a:defRPr sz="1800"/>
-            </a:pPr>
-            <a:r>
-              <a:rPr sz="2500"/>
-              <a:t>Field declarations</a:t>
-            </a:r>
-          </a:p>
-          <a:p>
-            <a:pPr marL="742950" lvl="1" indent="-285750">
-              <a:lnSpc>
-                <a:spcPct val="90000"/>
-              </a:lnSpc>
-              <a:spcBef>
-                <a:spcPts val="600"/>
-              </a:spcBef>
-              <a:defRPr sz="1800"/>
-            </a:pPr>
-            <a:r>
-              <a:rPr sz="2500"/>
-              <a:t>Constructor declarations</a:t>
-            </a:r>
-          </a:p>
-          <a:p>
-            <a:pPr marL="742950" lvl="1" indent="-285750">
-              <a:lnSpc>
-                <a:spcPct val="90000"/>
-              </a:lnSpc>
-              <a:spcBef>
-                <a:spcPts val="600"/>
-              </a:spcBef>
-              <a:defRPr sz="1800"/>
-            </a:pPr>
-            <a:r>
-              <a:rPr sz="2500"/>
-              <a:t>Method declarations</a:t>
-            </a:r>
-          </a:p>
-          <a:p>
-            <a:pPr lvl="0">
-              <a:lnSpc>
-                <a:spcPct val="90000"/>
-              </a:lnSpc>
-              <a:spcBef>
-                <a:spcPts val="600"/>
-              </a:spcBef>
-              <a:defRPr sz="1800"/>
-            </a:pPr>
-            <a:r>
-              <a:rPr sz="2900"/>
-              <a:t>Eclipse is your friend!</a:t>
-            </a:r>
-          </a:p>
-          <a:p>
-            <a:pPr marL="742950" lvl="1" indent="-285750">
-              <a:lnSpc>
-                <a:spcPct val="90000"/>
-              </a:lnSpc>
-              <a:spcBef>
-                <a:spcPts val="600"/>
-              </a:spcBef>
-              <a:defRPr sz="1800"/>
-            </a:pPr>
-            <a:r>
-              <a:rPr sz="2500"/>
-              <a:t>It will generate Javadoc comments automatically</a:t>
-            </a:r>
-          </a:p>
-          <a:p>
-            <a:pPr marL="742950" lvl="1" indent="-285750">
-              <a:lnSpc>
-                <a:spcPct val="90000"/>
-              </a:lnSpc>
-              <a:spcBef>
-                <a:spcPts val="600"/>
-              </a:spcBef>
-              <a:defRPr sz="1800"/>
-            </a:pPr>
-            <a:r>
-              <a:rPr sz="2500"/>
-              <a:t>It will notice when you start typing a Javadoc comment</a:t>
-            </a:r>
-          </a:p>
-        </p:txBody>
-      </p:sp>
-    </p:spTree>
-    <p:extLst>
-      <p:ext uri="{BB962C8B-B14F-4D97-AF65-F5344CB8AC3E}">
-        <p14:creationId xmlns:p14="http://schemas.microsoft.com/office/powerpoint/2010/main" val="2637307479"/>
       </p:ext>
     </p:extLst>
   </p:cSld>
@@ -9757,7 +10220,7 @@
       </p:grpSpPr>
       <p:sp>
         <p:nvSpPr>
-          <p:cNvPr id="172" name="Shape 172"/>
+          <p:cNvPr id="167" name="Shape 167"/>
           <p:cNvSpPr>
             <a:spLocks noGrp="1"/>
           </p:cNvSpPr>
@@ -9783,14 +10246,14 @@
             </a:pPr>
             <a:r>
               <a:rPr sz="4400"/>
-              <a:t>In all your code:</a:t>
-            </a:r>
-          </a:p>
-        </p:txBody>
-      </p:sp>
-      <p:sp>
-        <p:nvSpPr>
-          <p:cNvPr id="173" name="Shape 173"/>
+              <a:t>Writing Javadocs</a:t>
+            </a:r>
+          </a:p>
+        </p:txBody>
+      </p:sp>
+      <p:sp>
+        <p:nvSpPr>
+          <p:cNvPr id="168" name="Shape 168"/>
           <p:cNvSpPr>
             <a:spLocks noGrp="1"/>
           </p:cNvSpPr>
@@ -9808,6 +10271,228 @@
           </a:prstGeom>
         </p:spPr>
         <p:txBody>
+          <a:bodyPr/>
+          <a:lstStyle/>
+          <a:p>
+            <a:pPr lvl="0">
+              <a:lnSpc>
+                <a:spcPct val="90000"/>
+              </a:lnSpc>
+              <a:spcBef>
+                <a:spcPts val="600"/>
+              </a:spcBef>
+              <a:defRPr sz="1800"/>
+            </a:pPr>
+            <a:r>
+              <a:rPr sz="2900"/>
+              <a:t>Written in special comments: /** … */</a:t>
+            </a:r>
+          </a:p>
+          <a:p>
+            <a:pPr lvl="0">
+              <a:lnSpc>
+                <a:spcPct val="90000"/>
+              </a:lnSpc>
+              <a:spcBef>
+                <a:spcPts val="600"/>
+              </a:spcBef>
+              <a:defRPr sz="1800"/>
+            </a:pPr>
+            <a:r>
+              <a:rPr sz="2900"/>
+              <a:t>Can come before:</a:t>
+            </a:r>
+          </a:p>
+          <a:p>
+            <a:pPr marL="742950" lvl="1" indent="-285750">
+              <a:lnSpc>
+                <a:spcPct val="90000"/>
+              </a:lnSpc>
+              <a:spcBef>
+                <a:spcPts val="600"/>
+              </a:spcBef>
+              <a:defRPr sz="1800"/>
+            </a:pPr>
+            <a:r>
+              <a:rPr sz="2500"/>
+              <a:t>Class declarations</a:t>
+            </a:r>
+          </a:p>
+          <a:p>
+            <a:pPr marL="742950" lvl="1" indent="-285750">
+              <a:lnSpc>
+                <a:spcPct val="90000"/>
+              </a:lnSpc>
+              <a:spcBef>
+                <a:spcPts val="600"/>
+              </a:spcBef>
+              <a:defRPr sz="1800"/>
+            </a:pPr>
+            <a:r>
+              <a:rPr sz="2500"/>
+              <a:t>Field declarations</a:t>
+            </a:r>
+          </a:p>
+          <a:p>
+            <a:pPr marL="742950" lvl="1" indent="-285750">
+              <a:lnSpc>
+                <a:spcPct val="90000"/>
+              </a:lnSpc>
+              <a:spcBef>
+                <a:spcPts val="600"/>
+              </a:spcBef>
+              <a:defRPr sz="1800"/>
+            </a:pPr>
+            <a:r>
+              <a:rPr sz="2500"/>
+              <a:t>Constructor declarations</a:t>
+            </a:r>
+          </a:p>
+          <a:p>
+            <a:pPr marL="742950" lvl="1" indent="-285750">
+              <a:lnSpc>
+                <a:spcPct val="90000"/>
+              </a:lnSpc>
+              <a:spcBef>
+                <a:spcPts val="600"/>
+              </a:spcBef>
+              <a:defRPr sz="1800"/>
+            </a:pPr>
+            <a:r>
+              <a:rPr sz="2500"/>
+              <a:t>Method declarations</a:t>
+            </a:r>
+          </a:p>
+          <a:p>
+            <a:pPr lvl="0">
+              <a:lnSpc>
+                <a:spcPct val="90000"/>
+              </a:lnSpc>
+              <a:spcBef>
+                <a:spcPts val="600"/>
+              </a:spcBef>
+              <a:defRPr sz="1800"/>
+            </a:pPr>
+            <a:r>
+              <a:rPr sz="2900"/>
+              <a:t>Eclipse is your friend!</a:t>
+            </a:r>
+          </a:p>
+          <a:p>
+            <a:pPr marL="742950" lvl="1" indent="-285750">
+              <a:lnSpc>
+                <a:spcPct val="90000"/>
+              </a:lnSpc>
+              <a:spcBef>
+                <a:spcPts val="600"/>
+              </a:spcBef>
+              <a:defRPr sz="1800"/>
+            </a:pPr>
+            <a:r>
+              <a:rPr sz="2500"/>
+              <a:t>It will generate Javadoc comments automatically</a:t>
+            </a:r>
+          </a:p>
+          <a:p>
+            <a:pPr marL="742950" lvl="1" indent="-285750">
+              <a:lnSpc>
+                <a:spcPct val="90000"/>
+              </a:lnSpc>
+              <a:spcBef>
+                <a:spcPts val="600"/>
+              </a:spcBef>
+              <a:defRPr sz="1800"/>
+            </a:pPr>
+            <a:r>
+              <a:rPr sz="2500"/>
+              <a:t>It will notice when you start typing a Javadoc comment</a:t>
+            </a:r>
+          </a:p>
+        </p:txBody>
+      </p:sp>
+    </p:spTree>
+    <p:extLst>
+      <p:ext uri="{BB962C8B-B14F-4D97-AF65-F5344CB8AC3E}">
+        <p14:creationId xmlns:p14="http://schemas.microsoft.com/office/powerpoint/2010/main" val="2637307479"/>
+      </p:ext>
+    </p:extLst>
+  </p:cSld>
+  <p:clrMapOvr>
+    <a:masterClrMapping/>
+  </p:clrMapOvr>
+</p:sld>
+</file>
+
+<file path=ppt/slides/slide8.xml><?xml version="1.0" encoding="utf-8"?>
+<p:sld xmlns:a="http://schemas.openxmlformats.org/drawingml/2006/main" xmlns:r="http://schemas.openxmlformats.org/officeDocument/2006/relationships" xmlns:p="http://schemas.openxmlformats.org/presentationml/2006/main">
+  <p:cSld>
+    <p:spTree>
+      <p:nvGrpSpPr>
+        <p:cNvPr id="1" name=""/>
+        <p:cNvGrpSpPr/>
+        <p:nvPr/>
+      </p:nvGrpSpPr>
+      <p:grpSpPr>
+        <a:xfrm>
+          <a:off x="0" y="0"/>
+          <a:ext cx="0" cy="0"/>
+          <a:chOff x="0" y="0"/>
+          <a:chExt cx="0" cy="0"/>
+        </a:xfrm>
+      </p:grpSpPr>
+      <p:sp>
+        <p:nvSpPr>
+          <p:cNvPr id="172" name="Shape 172"/>
+          <p:cNvSpPr>
+            <a:spLocks noGrp="1"/>
+          </p:cNvSpPr>
+          <p:nvPr>
+            <p:ph type="title"/>
+          </p:nvPr>
+        </p:nvSpPr>
+        <p:spPr>
+          <a:xfrm>
+            <a:off x="457200" y="274638"/>
+            <a:ext cx="8229600" cy="1143001"/>
+          </a:xfrm>
+          <a:prstGeom prst="rect">
+            <a:avLst/>
+          </a:prstGeom>
+        </p:spPr>
+        <p:txBody>
+          <a:bodyPr/>
+          <a:lstStyle/>
+          <a:p>
+            <a:pPr lvl="0">
+              <a:defRPr sz="1800"/>
+            </a:pPr>
+            <a:r>
+              <a:rPr sz="4400"/>
+              <a:t>In all your code:</a:t>
+            </a:r>
+          </a:p>
+        </p:txBody>
+      </p:sp>
+      <p:sp>
+        <p:nvSpPr>
+          <p:cNvPr id="173" name="Shape 173"/>
+          <p:cNvSpPr>
+            <a:spLocks noGrp="1"/>
+          </p:cNvSpPr>
+          <p:nvPr>
+            <p:ph type="body" idx="1"/>
+          </p:nvPr>
+        </p:nvSpPr>
+        <p:spPr>
+          <a:xfrm>
+            <a:off x="457200" y="1600200"/>
+            <a:ext cx="8229600" cy="4525963"/>
+          </a:xfrm>
+          <a:prstGeom prst="rect">
+            <a:avLst/>
+          </a:prstGeom>
+        </p:spPr>
+        <p:txBody>
           <a:bodyPr>
             <a:normAutofit/>
           </a:bodyPr>
@@ -9827,13 +10512,7 @@
               <a:rPr lang="en-US" sz="2400" dirty="0">
                 <a:hlinkClick r:id="rId2"/>
               </a:rPr>
-              <a:t>https://github.com/RHIT-CSSE/csse220/blob/master/Docs/grading_guide</a:t>
-            </a:r>
-            <a:r>
-              <a:rPr lang="en-US" sz="2400">
-                <a:hlinkClick r:id="rId2"/>
-              </a:rPr>
-              <a:t>.md</a:t>
+              <a:t>https://github.com/RHIT-CSSE/csse220/blob/master/Docs/grading_guide.md</a:t>
             </a:r>
             <a:endParaRPr lang="en-US" sz="2400" dirty="0"/>
           </a:p>
@@ -10076,7 +10755,7 @@
             <a:effectLst/>
             <a:extLst>
               <a:ext uri="{C572A759-6A51-4108-AA02-DFA0A04FC94B}">
-                <ma14:wrappingTextBoxFlag xmlns:ma14="http://schemas.microsoft.com/office/mac/drawingml/2011/main" xmlns="" val="1"/>
+                <ma14:wrappingTextBoxFlag xmlns="" xmlns:ma14="http://schemas.microsoft.com/office/mac/drawingml/2011/main" val="1"/>
               </a:ext>
             </a:extLst>
           </p:spPr>
@@ -10143,84 +10822,6 @@
 </p:sld>
 </file>
 
-<file path=ppt/slides/slide8.xml><?xml version="1.0" encoding="utf-8"?>
-<p:sld xmlns:a="http://schemas.openxmlformats.org/drawingml/2006/main" xmlns:r="http://schemas.openxmlformats.org/officeDocument/2006/relationships" xmlns:p="http://schemas.openxmlformats.org/presentationml/2006/main">
-  <p:cSld>
-    <p:spTree>
-      <p:nvGrpSpPr>
-        <p:cNvPr id="1" name=""/>
-        <p:cNvGrpSpPr/>
-        <p:nvPr/>
-      </p:nvGrpSpPr>
-      <p:grpSpPr>
-        <a:xfrm>
-          <a:off x="0" y="0"/>
-          <a:ext cx="0" cy="0"/>
-          <a:chOff x="0" y="0"/>
-          <a:chExt cx="0" cy="0"/>
-        </a:xfrm>
-      </p:grpSpPr>
-      <p:sp>
-        <p:nvSpPr>
-          <p:cNvPr id="175" name="Shape 175"/>
-          <p:cNvSpPr>
-            <a:spLocks noGrp="1"/>
-          </p:cNvSpPr>
-          <p:nvPr>
-            <p:ph type="ctrTitle"/>
-          </p:nvPr>
-        </p:nvSpPr>
-        <p:spPr>
-          <a:prstGeom prst="rect">
-            <a:avLst/>
-          </a:prstGeom>
-        </p:spPr>
-        <p:txBody>
-          <a:bodyPr/>
-          <a:lstStyle/>
-          <a:p>
-            <a:pPr lvl="0">
-              <a:defRPr sz="1800"/>
-            </a:pPr>
-            <a:r>
-              <a:rPr sz="4400" dirty="0"/>
-              <a:t>Debugging</a:t>
-            </a:r>
-          </a:p>
-        </p:txBody>
-      </p:sp>
-      <p:sp>
-        <p:nvSpPr>
-          <p:cNvPr id="2" name="Subtitle 1"/>
-          <p:cNvSpPr>
-            <a:spLocks noGrp="1"/>
-          </p:cNvSpPr>
-          <p:nvPr>
-            <p:ph type="subTitle" idx="1"/>
-          </p:nvPr>
-        </p:nvSpPr>
-        <p:spPr/>
-        <p:txBody>
-          <a:bodyPr/>
-          <a:lstStyle/>
-          <a:p>
-            <a:endParaRPr lang="en-US"/>
-          </a:p>
-        </p:txBody>
-      </p:sp>
-    </p:spTree>
-    <p:extLst>
-      <p:ext uri="{BB962C8B-B14F-4D97-AF65-F5344CB8AC3E}">
-        <p14:creationId xmlns:p14="http://schemas.microsoft.com/office/powerpoint/2010/main" val="2755810600"/>
-      </p:ext>
-    </p:extLst>
-  </p:cSld>
-  <p:clrMapOvr>
-    <a:masterClrMapping/>
-  </p:clrMapOvr>
-</p:sld>
-</file>
-
 <file path=ppt/slides/slide9.xml><?xml version="1.0" encoding="utf-8"?>
 <p:sld xmlns:a="http://schemas.openxmlformats.org/drawingml/2006/main" xmlns:r="http://schemas.openxmlformats.org/officeDocument/2006/relationships" xmlns:p="http://schemas.openxmlformats.org/presentationml/2006/main">
   <p:cSld>
@@ -10240,396 +10841,66 @@
       </p:grpSpPr>
       <p:sp>
         <p:nvSpPr>
-          <p:cNvPr id="179" name="Shape 179"/>
-          <p:cNvSpPr>
-            <a:spLocks noGrp="1"/>
-          </p:cNvSpPr>
-          <p:nvPr>
-            <p:ph type="body" idx="1"/>
-          </p:nvPr>
-        </p:nvSpPr>
-        <p:spPr>
-          <a:xfrm>
-            <a:off x="457200" y="1600200"/>
-            <a:ext cx="8229600" cy="4525963"/>
-          </a:xfrm>
-          <a:prstGeom prst="rect">
-            <a:avLst/>
-          </a:prstGeom>
-        </p:spPr>
+          <p:cNvPr id="2" name="Title 1"/>
+          <p:cNvSpPr>
+            <a:spLocks noGrp="1"/>
+          </p:cNvSpPr>
+          <p:nvPr>
+            <p:ph type="title"/>
+          </p:nvPr>
+        </p:nvSpPr>
+        <p:spPr/>
         <p:txBody>
           <a:bodyPr/>
           <a:lstStyle/>
           <a:p>
-            <a:pPr lvl="0">
-              <a:lnSpc>
-                <a:spcPct val="80000"/>
-              </a:lnSpc>
-              <a:spcBef>
-                <a:spcPts val="600"/>
-              </a:spcBef>
-              <a:buFont typeface="Wingdings 3"/>
-              <a:buChar char=""/>
-              <a:defRPr sz="1800"/>
-            </a:pPr>
-            <a:r>
-              <a:rPr sz="2900" dirty="0"/>
-              <a:t>Debugging Java programs in Eclipse:</a:t>
-            </a:r>
-          </a:p>
-          <a:p>
-            <a:pPr lvl="1">
-              <a:lnSpc>
-                <a:spcPct val="80000"/>
-              </a:lnSpc>
-              <a:spcBef>
-                <a:spcPts val="600"/>
-              </a:spcBef>
-              <a:buFont typeface="Verdana"/>
-              <a:buChar char="◦"/>
-              <a:defRPr sz="1800"/>
-            </a:pPr>
-            <a:r>
-              <a:rPr lang="en-US" sz="2500" dirty="0"/>
-              <a:t>Set a breakpoint where you want to start</a:t>
-            </a:r>
-          </a:p>
-          <a:p>
-            <a:pPr marL="742950" lvl="1" indent="-285750">
-              <a:lnSpc>
-                <a:spcPct val="80000"/>
-              </a:lnSpc>
-              <a:spcBef>
-                <a:spcPts val="600"/>
-              </a:spcBef>
-              <a:buFont typeface="Verdana"/>
-              <a:buChar char="◦"/>
-              <a:defRPr sz="1800"/>
-            </a:pPr>
-            <a:endParaRPr lang="en-US" sz="2500" dirty="0"/>
-          </a:p>
-          <a:p>
-            <a:pPr marL="742950" lvl="1" indent="-285750">
-              <a:lnSpc>
-                <a:spcPct val="80000"/>
-              </a:lnSpc>
-              <a:spcBef>
-                <a:spcPts val="600"/>
-              </a:spcBef>
-              <a:buFont typeface="Verdana"/>
-              <a:buChar char="◦"/>
-              <a:defRPr sz="1800"/>
-            </a:pPr>
-            <a:r>
-              <a:rPr sz="2500" dirty="0"/>
-              <a:t>Launch using the </a:t>
-            </a:r>
-            <a:r>
-              <a:rPr lang="en-US" sz="2500" dirty="0"/>
-              <a:t>bug icon</a:t>
-            </a:r>
-            <a:endParaRPr sz="2500" dirty="0"/>
-          </a:p>
-          <a:p>
-            <a:pPr marL="457200" lvl="1" indent="0">
-              <a:lnSpc>
-                <a:spcPct val="80000"/>
-              </a:lnSpc>
-              <a:spcBef>
-                <a:spcPts val="600"/>
-              </a:spcBef>
-              <a:buNone/>
-              <a:defRPr sz="1800"/>
-            </a:pPr>
-            <a:endParaRPr sz="2500" dirty="0"/>
-          </a:p>
-          <a:p>
-            <a:pPr marL="742950" lvl="1" indent="-285750">
-              <a:lnSpc>
-                <a:spcPct val="80000"/>
-              </a:lnSpc>
-              <a:spcBef>
-                <a:spcPts val="600"/>
-              </a:spcBef>
-              <a:buFont typeface="Verdana"/>
-              <a:buChar char="◦"/>
-              <a:defRPr sz="1800"/>
-            </a:pPr>
-            <a:r>
-              <a:rPr sz="2500" dirty="0"/>
-              <a:t>Single stepping: </a:t>
-            </a:r>
-            <a:r>
-              <a:rPr sz="2500" i="1" dirty="0"/>
-              <a:t>step over </a:t>
-            </a:r>
-            <a:r>
-              <a:rPr sz="2500" dirty="0"/>
-              <a:t>and </a:t>
-            </a:r>
-            <a:r>
-              <a:rPr sz="2500" i="1" dirty="0"/>
-              <a:t>step into</a:t>
-            </a:r>
-            <a:endParaRPr sz="2500" dirty="0"/>
-          </a:p>
-          <a:p>
-            <a:pPr marL="742950" lvl="1" indent="-285750">
-              <a:lnSpc>
-                <a:spcPct val="80000"/>
-              </a:lnSpc>
-              <a:spcBef>
-                <a:spcPts val="600"/>
-              </a:spcBef>
-              <a:buFont typeface="Verdana"/>
-              <a:buChar char="◦"/>
-              <a:defRPr sz="1800"/>
-            </a:pPr>
-            <a:endParaRPr sz="2500" i="1" dirty="0"/>
-          </a:p>
-          <a:p>
-            <a:pPr marL="742950" lvl="1" indent="-285750">
-              <a:lnSpc>
-                <a:spcPct val="80000"/>
-              </a:lnSpc>
-              <a:spcBef>
-                <a:spcPts val="600"/>
-              </a:spcBef>
-              <a:buFont typeface="Verdana"/>
-              <a:buChar char="◦"/>
-              <a:defRPr sz="1800"/>
-            </a:pPr>
-            <a:r>
-              <a:rPr sz="2500" dirty="0"/>
-              <a:t>Inspecting variables</a:t>
-            </a:r>
-          </a:p>
-          <a:p>
-            <a:pPr marL="0" lvl="0" indent="0">
-              <a:lnSpc>
-                <a:spcPct val="80000"/>
-              </a:lnSpc>
-              <a:spcBef>
-                <a:spcPts val="600"/>
-              </a:spcBef>
-              <a:buNone/>
-              <a:defRPr sz="1800"/>
-            </a:pPr>
-            <a:endParaRPr sz="2900" dirty="0"/>
-          </a:p>
-        </p:txBody>
-      </p:sp>
-      <p:sp>
-        <p:nvSpPr>
-          <p:cNvPr id="180" name="Shape 180"/>
-          <p:cNvSpPr>
-            <a:spLocks noGrp="1"/>
-          </p:cNvSpPr>
-          <p:nvPr>
-            <p:ph type="title"/>
-          </p:nvPr>
-        </p:nvSpPr>
-        <p:spPr>
-          <a:xfrm>
-            <a:off x="457200" y="188141"/>
-            <a:ext cx="8229600" cy="1143001"/>
-          </a:xfrm>
-          <a:prstGeom prst="rect">
-            <a:avLst/>
-          </a:prstGeom>
-        </p:spPr>
+            <a:r>
+              <a:rPr lang="en-US" dirty="0" smtClean="0"/>
+              <a:t>Agenda</a:t>
+            </a:r>
+            <a:endParaRPr lang="en-US" dirty="0"/>
+          </a:p>
+        </p:txBody>
+      </p:sp>
+      <p:sp>
+        <p:nvSpPr>
+          <p:cNvPr id="3" name="Content Placeholder 2"/>
+          <p:cNvSpPr>
+            <a:spLocks noGrp="1"/>
+          </p:cNvSpPr>
+          <p:nvPr>
+            <p:ph idx="1"/>
+          </p:nvPr>
+        </p:nvSpPr>
+        <p:spPr/>
         <p:txBody>
           <a:bodyPr/>
           <a:lstStyle/>
           <a:p>
-            <a:pPr lvl="0">
-              <a:defRPr sz="1800"/>
-            </a:pPr>
-            <a:r>
-              <a:rPr sz="4400" dirty="0"/>
-              <a:t>Debugging—Demo</a:t>
-            </a:r>
-          </a:p>
-        </p:txBody>
-      </p:sp>
-      <p:pic>
-        <p:nvPicPr>
-          <p:cNvPr id="1026" name="Picture 2" descr="Image result for step over debug icon"/>
-          <p:cNvPicPr>
-            <a:picLocks noChangeAspect="1" noChangeArrowheads="1"/>
-          </p:cNvPicPr>
-          <p:nvPr/>
-        </p:nvPicPr>
-        <p:blipFill>
-          <a:blip r:embed="rId3">
-            <a:extLst>
-              <a:ext uri="{28A0092B-C50C-407E-A947-70E740481C1C}">
-                <a14:useLocalDpi xmlns:a14="http://schemas.microsoft.com/office/drawing/2010/main" val="0"/>
-              </a:ext>
-            </a:extLst>
-          </a:blip>
-          <a:srcRect/>
-          <a:stretch>
-            <a:fillRect/>
-          </a:stretch>
-        </p:blipFill>
-        <p:spPr bwMode="auto">
-          <a:xfrm>
-            <a:off x="3992609" y="4088262"/>
-            <a:ext cx="4948191" cy="2364624"/>
-          </a:xfrm>
-          <a:prstGeom prst="rect">
-            <a:avLst/>
-          </a:prstGeom>
-          <a:noFill/>
-          <a:extLst>
-            <a:ext uri="{909E8E84-426E-40DD-AFC4-6F175D3DCCD1}">
-              <a14:hiddenFill xmlns:a14="http://schemas.microsoft.com/office/drawing/2010/main">
-                <a:solidFill>
-                  <a:srgbClr val="FFFFFF"/>
-                </a:solidFill>
-              </a14:hiddenFill>
-            </a:ext>
-          </a:extLst>
-        </p:spPr>
-      </p:pic>
-      <p:grpSp>
-        <p:nvGrpSpPr>
-          <p:cNvPr id="5" name="Group 66"/>
-          <p:cNvGrpSpPr/>
-          <p:nvPr/>
-        </p:nvGrpSpPr>
-        <p:grpSpPr>
-          <a:xfrm>
-            <a:off x="228600" y="6243336"/>
-            <a:ext cx="939800" cy="419100"/>
-            <a:chOff x="0" y="0"/>
-            <a:chExt cx="939800" cy="419100"/>
-          </a:xfrm>
-        </p:grpSpPr>
-        <p:sp>
-          <p:nvSpPr>
-            <p:cNvPr id="6" name="Shape 64"/>
-            <p:cNvSpPr/>
-            <p:nvPr/>
-          </p:nvSpPr>
-          <p:spPr>
-            <a:xfrm>
-              <a:off x="0" y="0"/>
-              <a:ext cx="939800" cy="419100"/>
-            </a:xfrm>
-            <a:prstGeom prst="rect">
-              <a:avLst/>
-            </a:prstGeom>
-            <a:solidFill>
-              <a:srgbClr val="9BBB59"/>
-            </a:solidFill>
-            <a:ln w="25400" cap="flat">
-              <a:solidFill>
-                <a:srgbClr val="718841"/>
-              </a:solidFill>
-              <a:prstDash val="solid"/>
-              <a:bevel/>
-            </a:ln>
-            <a:effectLst/>
-          </p:spPr>
-          <p:txBody>
-            <a:bodyPr wrap="square" lIns="0" tIns="0" rIns="0" bIns="0" numCol="1" anchor="ctr">
-              <a:noAutofit/>
-            </a:bodyPr>
-            <a:lstStyle/>
-            <a:p>
-              <a:pPr lvl="0">
-                <a:defRPr sz="2000">
-                  <a:solidFill>
-                    <a:srgbClr val="FFFFFF"/>
-                  </a:solidFill>
-                </a:defRPr>
-              </a:pPr>
-              <a:endParaRPr/>
-            </a:p>
-          </p:txBody>
-        </p:sp>
-        <p:sp>
-          <p:nvSpPr>
-            <p:cNvPr id="7" name="Shape 65"/>
-            <p:cNvSpPr/>
-            <p:nvPr/>
-          </p:nvSpPr>
-          <p:spPr>
-            <a:xfrm>
-              <a:off x="0" y="55662"/>
-              <a:ext cx="939800" cy="307777"/>
-            </a:xfrm>
-            <a:prstGeom prst="rect">
-              <a:avLst/>
-            </a:prstGeom>
-            <a:noFill/>
-            <a:ln w="12700" cap="flat">
-              <a:noFill/>
-              <a:miter lim="400000"/>
-            </a:ln>
-            <a:effectLst/>
-            <a:extLst>
-              <a:ext uri="{C572A759-6A51-4108-AA02-DFA0A04FC94B}">
-                <ma14:wrappingTextBoxFlag xmlns:ma14="http://schemas.microsoft.com/office/mac/drawingml/2011/main" xmlns="" val="1"/>
-              </a:ext>
-            </a:extLst>
-          </p:spPr>
-          <p:txBody>
-            <a:bodyPr wrap="square" lIns="0" tIns="0" rIns="0" bIns="0" numCol="1" anchor="ctr">
-              <a:spAutoFit/>
-            </a:bodyPr>
-            <a:lstStyle>
-              <a:lvl1pPr>
-                <a:defRPr sz="2000">
-                  <a:solidFill>
-                    <a:srgbClr val="FFFFFF"/>
-                  </a:solidFill>
-                </a:defRPr>
-              </a:lvl1pPr>
-            </a:lstStyle>
-            <a:p>
-              <a:pPr lvl="0">
-                <a:defRPr sz="1800">
-                  <a:solidFill>
-                    <a:srgbClr val="000000"/>
-                  </a:solidFill>
-                </a:defRPr>
-              </a:pPr>
-              <a:r>
-                <a:rPr lang="en-US" sz="2000" dirty="0">
-                  <a:solidFill>
-                    <a:srgbClr val="FFFFFF"/>
-                  </a:solidFill>
-                </a:rPr>
-                <a:t>  </a:t>
-              </a:r>
-              <a:r>
-                <a:rPr sz="2000" dirty="0">
-                  <a:solidFill>
-                    <a:srgbClr val="FFFFFF"/>
-                  </a:solidFill>
-                </a:rPr>
-                <a:t>Q</a:t>
-              </a:r>
-              <a:r>
-                <a:rPr lang="en-US" dirty="0"/>
-                <a:t>2-4</a:t>
-              </a:r>
-              <a:endParaRPr sz="2000" dirty="0">
-                <a:solidFill>
-                  <a:srgbClr val="FFFFFF"/>
-                </a:solidFill>
-              </a:endParaRPr>
-            </a:p>
-          </p:txBody>
-        </p:sp>
-      </p:grpSp>
+            <a:r>
+              <a:rPr lang="en-US" strike="sngStrike" dirty="0" smtClean="0"/>
+              <a:t>Coding Conventions, Style, Grading</a:t>
+            </a:r>
+          </a:p>
+          <a:p>
+            <a:r>
+              <a:rPr lang="en-US" dirty="0" smtClean="0"/>
+              <a:t>Debugging</a:t>
+            </a:r>
+          </a:p>
+          <a:p>
+            <a:r>
+              <a:rPr lang="en-US" dirty="0" smtClean="0"/>
+              <a:t>Objects and Classes</a:t>
+            </a:r>
+            <a:endParaRPr lang="en-US" dirty="0"/>
+          </a:p>
+        </p:txBody>
+      </p:sp>
     </p:spTree>
     <p:extLst>
       <p:ext uri="{BB962C8B-B14F-4D97-AF65-F5344CB8AC3E}">
-        <p14:creationId xmlns:p14="http://schemas.microsoft.com/office/powerpoint/2010/main" val="831071102"/>
+        <p14:creationId xmlns:p14="http://schemas.microsoft.com/office/powerpoint/2010/main" val="20828598"/>
       </p:ext>
     </p:extLst>
   </p:cSld>

--- a/ClassMaterials/ObjectIntroAndMisc/Slides/ObjectIntroAndMisc.pptx
+++ b/ClassMaterials/ObjectIntroAndMisc/Slides/ObjectIntroAndMisc.pptx
@@ -232,7 +232,7 @@
           <a:p>
             <a:fld id="{73386005-8F80-1A49-87D1-22EBFA47E352}" type="datetimeFigureOut">
               <a:rPr lang="en-US" smtClean="0"/>
-              <a:t>3/18/2020</a:t>
+              <a:t>2/24/22</a:t>
             </a:fld>
             <a:endParaRPr lang="en-US"/>
           </a:p>
@@ -2282,7 +2282,7 @@
           <a:p>
             <a:fld id="{5B07E745-2C70-2943-8487-A8F6E88ADF5E}" type="datetimeFigureOut">
               <a:rPr lang="en-US" smtClean="0"/>
-              <a:t>3/18/2020</a:t>
+              <a:t>2/24/22</a:t>
             </a:fld>
             <a:endParaRPr lang="en-US"/>
           </a:p>
@@ -2450,7 +2450,7 @@
           <a:p>
             <a:fld id="{5B07E745-2C70-2943-8487-A8F6E88ADF5E}" type="datetimeFigureOut">
               <a:rPr lang="en-US" smtClean="0"/>
-              <a:t>3/18/2020</a:t>
+              <a:t>2/24/22</a:t>
             </a:fld>
             <a:endParaRPr lang="en-US"/>
           </a:p>
@@ -2628,7 +2628,7 @@
           <a:p>
             <a:fld id="{5B07E745-2C70-2943-8487-A8F6E88ADF5E}" type="datetimeFigureOut">
               <a:rPr lang="en-US" smtClean="0"/>
-              <a:t>3/18/2020</a:t>
+              <a:t>2/24/22</a:t>
             </a:fld>
             <a:endParaRPr lang="en-US"/>
           </a:p>
@@ -2796,7 +2796,7 @@
           <a:p>
             <a:fld id="{5B07E745-2C70-2943-8487-A8F6E88ADF5E}" type="datetimeFigureOut">
               <a:rPr lang="en-US" smtClean="0"/>
-              <a:t>3/18/2020</a:t>
+              <a:t>2/24/22</a:t>
             </a:fld>
             <a:endParaRPr lang="en-US"/>
           </a:p>
@@ -3041,7 +3041,7 @@
           <a:p>
             <a:fld id="{5B07E745-2C70-2943-8487-A8F6E88ADF5E}" type="datetimeFigureOut">
               <a:rPr lang="en-US" smtClean="0"/>
-              <a:t>3/18/2020</a:t>
+              <a:t>2/24/22</a:t>
             </a:fld>
             <a:endParaRPr lang="en-US"/>
           </a:p>
@@ -3326,7 +3326,7 @@
           <a:p>
             <a:fld id="{5B07E745-2C70-2943-8487-A8F6E88ADF5E}" type="datetimeFigureOut">
               <a:rPr lang="en-US" smtClean="0"/>
-              <a:t>3/18/2020</a:t>
+              <a:t>2/24/22</a:t>
             </a:fld>
             <a:endParaRPr lang="en-US"/>
           </a:p>
@@ -3745,7 +3745,7 @@
           <a:p>
             <a:fld id="{5B07E745-2C70-2943-8487-A8F6E88ADF5E}" type="datetimeFigureOut">
               <a:rPr lang="en-US" smtClean="0"/>
-              <a:t>3/18/2020</a:t>
+              <a:t>2/24/22</a:t>
             </a:fld>
             <a:endParaRPr lang="en-US"/>
           </a:p>
@@ -3862,7 +3862,7 @@
           <a:p>
             <a:fld id="{5B07E745-2C70-2943-8487-A8F6E88ADF5E}" type="datetimeFigureOut">
               <a:rPr lang="en-US" smtClean="0"/>
-              <a:t>3/18/2020</a:t>
+              <a:t>2/24/22</a:t>
             </a:fld>
             <a:endParaRPr lang="en-US"/>
           </a:p>
@@ -3957,7 +3957,7 @@
           <a:p>
             <a:fld id="{5B07E745-2C70-2943-8487-A8F6E88ADF5E}" type="datetimeFigureOut">
               <a:rPr lang="en-US" smtClean="0"/>
-              <a:t>3/18/2020</a:t>
+              <a:t>2/24/22</a:t>
             </a:fld>
             <a:endParaRPr lang="en-US"/>
           </a:p>
@@ -4232,7 +4232,7 @@
           <a:p>
             <a:fld id="{5B07E745-2C70-2943-8487-A8F6E88ADF5E}" type="datetimeFigureOut">
               <a:rPr lang="en-US" smtClean="0"/>
-              <a:t>3/18/2020</a:t>
+              <a:t>2/24/22</a:t>
             </a:fld>
             <a:endParaRPr lang="en-US"/>
           </a:p>
@@ -4484,7 +4484,7 @@
           <a:p>
             <a:fld id="{5B07E745-2C70-2943-8487-A8F6E88ADF5E}" type="datetimeFigureOut">
               <a:rPr lang="en-US" smtClean="0"/>
-              <a:t>3/18/2020</a:t>
+              <a:t>2/24/22</a:t>
             </a:fld>
             <a:endParaRPr lang="en-US"/>
           </a:p>
@@ -4695,7 +4695,7 @@
           <a:p>
             <a:fld id="{5B07E745-2C70-2943-8487-A8F6E88ADF5E}" type="datetimeFigureOut">
               <a:rPr lang="en-US" smtClean="0"/>
-              <a:t>3/18/2020</a:t>
+              <a:t>2/24/22</a:t>
             </a:fld>
             <a:endParaRPr lang="en-US"/>
           </a:p>
@@ -5118,14 +5118,20 @@
       </p:sp>
       <p:sp>
         <p:nvSpPr>
-          <p:cNvPr id="4" name="TextBox 3"/>
-          <p:cNvSpPr txBox="1"/>
+          <p:cNvPr id="5" name="Rectangle 4">
+            <a:extLst>
+              <a:ext uri="{FF2B5EF4-FFF2-40B4-BE49-F238E27FC236}">
+                <a16:creationId xmlns:a16="http://schemas.microsoft.com/office/drawing/2014/main" id="{A6FFB523-6A09-C647-919C-C45B0A94A5E0}"/>
+              </a:ext>
+            </a:extLst>
+          </p:cNvPr>
+          <p:cNvSpPr/>
           <p:nvPr/>
         </p:nvSpPr>
         <p:spPr>
           <a:xfrm>
-            <a:off x="285750" y="6242050"/>
-            <a:ext cx="7785806" cy="369332"/>
+            <a:off x="304800" y="5276850"/>
+            <a:ext cx="8534400" cy="1295400"/>
           </a:xfrm>
           <a:prstGeom prst="rect">
             <a:avLst/>
@@ -5133,45 +5139,70 @@
         </p:spPr>
         <p:style>
           <a:lnRef idx="2">
-            <a:schemeClr val="accent4">
+            <a:schemeClr val="accent3">
               <a:shade val="50000"/>
             </a:schemeClr>
           </a:lnRef>
           <a:fillRef idx="1">
-            <a:schemeClr val="accent4"/>
+            <a:schemeClr val="accent3"/>
           </a:fillRef>
           <a:effectRef idx="0">
-            <a:schemeClr val="accent4"/>
+            <a:schemeClr val="accent3"/>
           </a:effectRef>
           <a:fontRef idx="minor">
             <a:schemeClr val="lt1"/>
           </a:fontRef>
         </p:style>
         <p:txBody>
-          <a:bodyPr wrap="square">
-            <a:spAutoFit/>
-          </a:bodyPr>
-          <a:lstStyle/>
-          <a:p>
-            <a:pPr>
-              <a:defRPr/>
+          <a:bodyPr rtlCol="0" anchor="ctr"/>
+          <a:lstStyle/>
+          <a:p>
+            <a:r>
+              <a:rPr lang="en-US" sz="2400" dirty="0">
+                <a:solidFill>
+                  <a:srgbClr val="FFFFFF"/>
+                </a:solidFill>
+              </a:rPr>
+              <a:t>The </a:t>
+            </a:r>
+            <a:r>
+              <a:rPr lang="en-US" sz="2400" i="1" dirty="0">
+                <a:solidFill>
+                  <a:srgbClr val="FFFFFF"/>
+                </a:solidFill>
+              </a:rPr>
+              <a:t>git</a:t>
+            </a:r>
+            <a:r>
+              <a:rPr lang="en-US" sz="2400" dirty="0">
+                <a:solidFill>
+                  <a:srgbClr val="FFFFFF"/>
+                </a:solidFill>
+              </a:rPr>
+              <a:t> projects for today are:</a:t>
+            </a:r>
+          </a:p>
+          <a:p>
+            <a:pPr marL="342900" indent="-342900">
+              <a:buFont typeface="Arial" panose="020B0604020202020204" pitchFamily="34" charset="0"/>
+              <a:buChar char="•"/>
             </a:pPr>
             <a:r>
-              <a:rPr lang="en-US" dirty="0"/>
-              <a:t>Import </a:t>
-            </a:r>
-            <a:r>
-              <a:rPr lang="en-US" i="1" dirty="0" err="1"/>
-              <a:t>ObjectIntroAndMiscPractice</a:t>
-            </a:r>
-            <a:r>
-              <a:rPr lang="en-US" i="1" dirty="0"/>
-              <a:t> </a:t>
-            </a:r>
-            <a:r>
-              <a:rPr lang="en-US" dirty="0"/>
-              <a:t>project from git repo</a:t>
-            </a:r>
+              <a:rPr lang="en-US" sz="2400" i="1" dirty="0" err="1"/>
+              <a:t>PracticeObjectIntroAndMisc</a:t>
+            </a:r>
+            <a:endParaRPr lang="en-US" sz="2400" i="1" dirty="0"/>
+          </a:p>
+          <a:p>
+            <a:pPr marL="342900" indent="-342900">
+              <a:buFont typeface="Arial" panose="020B0604020202020204" pitchFamily="34" charset="0"/>
+              <a:buChar char="•"/>
+            </a:pPr>
+            <a:r>
+              <a:rPr lang="en-US" sz="2400" i="1" dirty="0" err="1"/>
+              <a:t>PracticeObjectIntroAndMiscSolution</a:t>
+            </a:r>
+            <a:endParaRPr lang="en-US" sz="2400" i="1" dirty="0"/>
           </a:p>
         </p:txBody>
       </p:sp>
@@ -5617,7 +5648,7 @@
             <a:effectLst/>
             <a:extLst>
               <a:ext uri="{C572A759-6A51-4108-AA02-DFA0A04FC94B}">
-                <ma14:wrappingTextBoxFlag xmlns="" xmlns:ma14="http://schemas.microsoft.com/office/mac/drawingml/2011/main" val="1"/>
+                <ma14:wrappingTextBoxFlag xmlns:ma14="http://schemas.microsoft.com/office/mac/drawingml/2011/main" xmlns="" val="1"/>
               </a:ext>
             </a:extLst>
           </p:spPr>
@@ -5936,10 +5967,9 @@
           <a:lstStyle/>
           <a:p>
             <a:r>
-              <a:rPr lang="en-US" dirty="0" smtClean="0"/>
+              <a:rPr lang="en-US" dirty="0"/>
               <a:t>Agenda</a:t>
             </a:r>
-            <a:endParaRPr lang="en-US" dirty="0"/>
           </a:p>
         </p:txBody>
       </p:sp>
@@ -5959,22 +5989,21 @@
           <a:lstStyle/>
           <a:p>
             <a:r>
-              <a:rPr lang="en-US" strike="sngStrike" dirty="0" smtClean="0"/>
+              <a:rPr lang="en-US" strike="sngStrike" dirty="0"/>
               <a:t>Coding Conventions, Style, Grading</a:t>
             </a:r>
           </a:p>
           <a:p>
             <a:r>
-              <a:rPr lang="en-US" strike="sngStrike" dirty="0" smtClean="0"/>
+              <a:rPr lang="en-US" strike="sngStrike" dirty="0"/>
               <a:t>Debugging</a:t>
             </a:r>
           </a:p>
           <a:p>
             <a:r>
-              <a:rPr lang="en-US" dirty="0" smtClean="0"/>
+              <a:rPr lang="en-US" dirty="0"/>
               <a:t>Objects and Classes</a:t>
             </a:r>
-            <a:endParaRPr lang="en-US" dirty="0"/>
           </a:p>
         </p:txBody>
       </p:sp>
@@ -7110,10 +7139,9 @@
           <a:lstStyle/>
           <a:p>
             <a:r>
-              <a:rPr lang="en-US" dirty="0" smtClean="0"/>
+              <a:rPr lang="en-US" dirty="0"/>
               <a:t>Agenda</a:t>
             </a:r>
-            <a:endParaRPr lang="en-US" dirty="0"/>
           </a:p>
         </p:txBody>
       </p:sp>
@@ -7133,22 +7161,21 @@
           <a:lstStyle/>
           <a:p>
             <a:r>
-              <a:rPr lang="en-US" dirty="0" smtClean="0"/>
+              <a:rPr lang="en-US" dirty="0"/>
               <a:t>Coding Conventions, Style, Grading</a:t>
             </a:r>
           </a:p>
           <a:p>
             <a:r>
-              <a:rPr lang="en-US" dirty="0" smtClean="0"/>
+              <a:rPr lang="en-US" dirty="0"/>
               <a:t>Debugging</a:t>
             </a:r>
           </a:p>
           <a:p>
             <a:r>
-              <a:rPr lang="en-US" dirty="0" smtClean="0"/>
+              <a:rPr lang="en-US" dirty="0"/>
               <a:t>Objects and Classes</a:t>
             </a:r>
-            <a:endParaRPr lang="en-US" dirty="0"/>
           </a:p>
         </p:txBody>
       </p:sp>
@@ -7529,7 +7556,7 @@
           </a:ln>
           <a:extLst>
             <a:ext uri="{C572A759-6A51-4108-AA02-DFA0A04FC94B}">
-              <ma14:wrappingTextBoxFlag xmlns="" xmlns:ma14="http://schemas.microsoft.com/office/mac/drawingml/2011/main" val="1"/>
+              <ma14:wrappingTextBoxFlag xmlns:ma14="http://schemas.microsoft.com/office/mac/drawingml/2011/main" xmlns="" val="1"/>
             </a:ext>
           </a:extLst>
         </p:spPr>
@@ -7751,7 +7778,7 @@
               <a:effectLst/>
               <a:extLst>
                 <a:ext uri="{C572A759-6A51-4108-AA02-DFA0A04FC94B}">
-                  <ma14:wrappingTextBoxFlag xmlns="" xmlns:ma14="http://schemas.microsoft.com/office/mac/drawingml/2011/main" val="1"/>
+                  <ma14:wrappingTextBoxFlag xmlns:ma14="http://schemas.microsoft.com/office/mac/drawingml/2011/main" xmlns="" val="1"/>
                 </a:ext>
               </a:extLst>
             </p:spPr>
@@ -7930,7 +7957,7 @@
               <a:effectLst/>
               <a:extLst>
                 <a:ext uri="{C572A759-6A51-4108-AA02-DFA0A04FC94B}">
-                  <ma14:wrappingTextBoxFlag xmlns="" xmlns:ma14="http://schemas.microsoft.com/office/mac/drawingml/2011/main" val="1"/>
+                  <ma14:wrappingTextBoxFlag xmlns:ma14="http://schemas.microsoft.com/office/mac/drawingml/2011/main" xmlns="" val="1"/>
                 </a:ext>
               </a:extLst>
             </p:spPr>
@@ -8100,7 +8127,7 @@
               <a:effectLst/>
               <a:extLst>
                 <a:ext uri="{C572A759-6A51-4108-AA02-DFA0A04FC94B}">
-                  <ma14:wrappingTextBoxFlag xmlns="" xmlns:ma14="http://schemas.microsoft.com/office/mac/drawingml/2011/main" val="1"/>
+                  <ma14:wrappingTextBoxFlag xmlns:ma14="http://schemas.microsoft.com/office/mac/drawingml/2011/main" xmlns="" val="1"/>
                 </a:ext>
               </a:extLst>
             </p:spPr>
@@ -8270,7 +8297,7 @@
               <a:effectLst/>
               <a:extLst>
                 <a:ext uri="{C572A759-6A51-4108-AA02-DFA0A04FC94B}">
-                  <ma14:wrappingTextBoxFlag xmlns="" xmlns:ma14="http://schemas.microsoft.com/office/mac/drawingml/2011/main" val="1"/>
+                  <ma14:wrappingTextBoxFlag xmlns:ma14="http://schemas.microsoft.com/office/mac/drawingml/2011/main" xmlns="" val="1"/>
                 </a:ext>
               </a:extLst>
             </p:spPr>
@@ -8415,7 +8442,7 @@
             <a:effectLst/>
             <a:extLst>
               <a:ext uri="{C572A759-6A51-4108-AA02-DFA0A04FC94B}">
-                <ma14:wrappingTextBoxFlag xmlns="" xmlns:ma14="http://schemas.microsoft.com/office/mac/drawingml/2011/main" val="1"/>
+                <ma14:wrappingTextBoxFlag xmlns:ma14="http://schemas.microsoft.com/office/mac/drawingml/2011/main" xmlns="" val="1"/>
               </a:ext>
             </a:extLst>
           </p:spPr>
@@ -9326,7 +9353,7 @@
             <a:effectLst/>
             <a:extLst>
               <a:ext uri="{C572A759-6A51-4108-AA02-DFA0A04FC94B}">
-                <ma14:wrappingTextBoxFlag xmlns="" xmlns:ma14="http://schemas.microsoft.com/office/mac/drawingml/2011/main" val="1"/>
+                <ma14:wrappingTextBoxFlag xmlns:ma14="http://schemas.microsoft.com/office/mac/drawingml/2011/main" xmlns="" val="1"/>
               </a:ext>
             </a:extLst>
           </p:spPr>
@@ -10096,7 +10123,7 @@
           </a:ln>
           <a:extLst>
             <a:ext uri="{C572A759-6A51-4108-AA02-DFA0A04FC94B}">
-              <ma14:wrappingTextBoxFlag xmlns="" xmlns:ma14="http://schemas.microsoft.com/office/mac/drawingml/2011/main" val="1"/>
+              <ma14:wrappingTextBoxFlag xmlns:ma14="http://schemas.microsoft.com/office/mac/drawingml/2011/main" xmlns="" val="1"/>
             </a:ext>
           </a:extLst>
         </p:spPr>
@@ -10755,7 +10782,7 @@
             <a:effectLst/>
             <a:extLst>
               <a:ext uri="{C572A759-6A51-4108-AA02-DFA0A04FC94B}">
-                <ma14:wrappingTextBoxFlag xmlns="" xmlns:ma14="http://schemas.microsoft.com/office/mac/drawingml/2011/main" val="1"/>
+                <ma14:wrappingTextBoxFlag xmlns:ma14="http://schemas.microsoft.com/office/mac/drawingml/2011/main" xmlns="" val="1"/>
               </a:ext>
             </a:extLst>
           </p:spPr>
@@ -10855,10 +10882,9 @@
           <a:lstStyle/>
           <a:p>
             <a:r>
-              <a:rPr lang="en-US" dirty="0" smtClean="0"/>
+              <a:rPr lang="en-US" dirty="0"/>
               <a:t>Agenda</a:t>
             </a:r>
-            <a:endParaRPr lang="en-US" dirty="0"/>
           </a:p>
         </p:txBody>
       </p:sp>
@@ -10878,22 +10904,21 @@
           <a:lstStyle/>
           <a:p>
             <a:r>
-              <a:rPr lang="en-US" strike="sngStrike" dirty="0" smtClean="0"/>
+              <a:rPr lang="en-US" strike="sngStrike" dirty="0"/>
               <a:t>Coding Conventions, Style, Grading</a:t>
             </a:r>
           </a:p>
           <a:p>
             <a:r>
-              <a:rPr lang="en-US" dirty="0" smtClean="0"/>
+              <a:rPr lang="en-US" dirty="0"/>
               <a:t>Debugging</a:t>
             </a:r>
           </a:p>
           <a:p>
             <a:r>
-              <a:rPr lang="en-US" dirty="0" smtClean="0"/>
+              <a:rPr lang="en-US" dirty="0"/>
               <a:t>Objects and Classes</a:t>
             </a:r>
-            <a:endParaRPr lang="en-US" dirty="0"/>
           </a:p>
         </p:txBody>
       </p:sp>

--- a/ClassMaterials/ObjectIntroAndMisc/Slides/ObjectIntroAndMisc.pptx
+++ b/ClassMaterials/ObjectIntroAndMisc/Slides/ObjectIntroAndMisc.pptx
@@ -5,7 +5,7 @@
     <p:sldMasterId id="2147483648" r:id="rId1"/>
   </p:sldMasterIdLst>
   <p:notesMasterIdLst>
-    <p:notesMasterId r:id="rId27"/>
+    <p:notesMasterId r:id="rId32"/>
   </p:notesMasterIdLst>
   <p:sldIdLst>
     <p:sldId id="256" r:id="rId2"/>
@@ -16,23 +16,28 @@
     <p:sldId id="257" r:id="rId7"/>
     <p:sldId id="258" r:id="rId8"/>
     <p:sldId id="259" r:id="rId9"/>
-    <p:sldId id="311" r:id="rId10"/>
-    <p:sldId id="260" r:id="rId11"/>
-    <p:sldId id="261" r:id="rId12"/>
-    <p:sldId id="306" r:id="rId13"/>
-    <p:sldId id="305" r:id="rId14"/>
-    <p:sldId id="312" r:id="rId15"/>
-    <p:sldId id="307" r:id="rId16"/>
-    <p:sldId id="277" r:id="rId17"/>
-    <p:sldId id="278" r:id="rId18"/>
-    <p:sldId id="308" r:id="rId19"/>
-    <p:sldId id="279" r:id="rId20"/>
-    <p:sldId id="280" r:id="rId21"/>
-    <p:sldId id="297" r:id="rId22"/>
-    <p:sldId id="295" r:id="rId23"/>
-    <p:sldId id="296" r:id="rId24"/>
-    <p:sldId id="309" r:id="rId25"/>
-    <p:sldId id="294" r:id="rId26"/>
+    <p:sldId id="313" r:id="rId10"/>
+    <p:sldId id="311" r:id="rId11"/>
+    <p:sldId id="260" r:id="rId12"/>
+    <p:sldId id="314" r:id="rId13"/>
+    <p:sldId id="315" r:id="rId14"/>
+    <p:sldId id="316" r:id="rId15"/>
+    <p:sldId id="317" r:id="rId16"/>
+    <p:sldId id="318" r:id="rId17"/>
+    <p:sldId id="319" r:id="rId18"/>
+    <p:sldId id="312" r:id="rId19"/>
+    <p:sldId id="307" r:id="rId20"/>
+    <p:sldId id="277" r:id="rId21"/>
+    <p:sldId id="320" r:id="rId22"/>
+    <p:sldId id="321" r:id="rId23"/>
+    <p:sldId id="279" r:id="rId24"/>
+    <p:sldId id="322" r:id="rId25"/>
+    <p:sldId id="323" r:id="rId26"/>
+    <p:sldId id="324" r:id="rId27"/>
+    <p:sldId id="325" r:id="rId28"/>
+    <p:sldId id="326" r:id="rId29"/>
+    <p:sldId id="327" r:id="rId30"/>
+    <p:sldId id="294" r:id="rId31"/>
   </p:sldIdLst>
   <p:sldSz cx="9144000" cy="6858000" type="screen4x3"/>
   <p:notesSz cx="6858000" cy="9144000"/>
@@ -232,7 +237,7 @@
           <a:p>
             <a:fld id="{73386005-8F80-1A49-87D1-22EBFA47E352}" type="datetimeFigureOut">
               <a:rPr lang="en-US" smtClean="0"/>
-              <a:t>2/24/22</a:t>
+              <a:t>3/1/22</a:t>
             </a:fld>
             <a:endParaRPr lang="en-US"/>
           </a:p>
@@ -622,29 +627,19 @@
       </p:grpSpPr>
       <p:sp>
         <p:nvSpPr>
-          <p:cNvPr id="41986" name="Slide Image Placeholder 1"/>
-          <p:cNvSpPr>
-            <a:spLocks noGrp="1" noRot="1" noChangeAspect="1" noTextEdit="1"/>
+          <p:cNvPr id="2" name="Slide Image Placeholder 1"/>
+          <p:cNvSpPr>
+            <a:spLocks noGrp="1" noRot="1" noChangeAspect="1"/>
           </p:cNvSpPr>
           <p:nvPr>
             <p:ph type="sldImg"/>
           </p:nvPr>
         </p:nvSpPr>
-        <p:spPr bwMode="auto">
-          <a:noFill/>
-          <a:ln>
-            <a:solidFill>
-              <a:srgbClr val="000000"/>
-            </a:solidFill>
-            <a:miter lim="800000"/>
-            <a:headEnd/>
-            <a:tailEnd/>
-          </a:ln>
-        </p:spPr>
-      </p:sp>
-      <p:sp>
-        <p:nvSpPr>
-          <p:cNvPr id="41987" name="Notes Placeholder 2"/>
+        <p:spPr/>
+      </p:sp>
+      <p:sp>
+        <p:nvSpPr>
+          <p:cNvPr id="3" name="Notes Placeholder 2"/>
           <p:cNvSpPr>
             <a:spLocks noGrp="1"/>
           </p:cNvSpPr>
@@ -652,10 +647,7 @@
             <p:ph type="body" idx="1"/>
           </p:nvPr>
         </p:nvSpPr>
-        <p:spPr>
-          <a:noFill/>
-          <a:ln/>
-        </p:spPr>
+        <p:spPr/>
         <p:txBody>
           <a:bodyPr/>
           <a:lstStyle/>
@@ -666,38 +658,31 @@
       </p:sp>
       <p:sp>
         <p:nvSpPr>
-          <p:cNvPr id="41988" name="Slide Number Placeholder 3"/>
-          <p:cNvSpPr>
-            <a:spLocks noGrp="1"/>
-          </p:cNvSpPr>
-          <p:nvPr>
-            <p:ph type="sldNum" sz="quarter" idx="5"/>
-          </p:nvPr>
-        </p:nvSpPr>
-        <p:spPr>
-          <a:noFill/>
-        </p:spPr>
+          <p:cNvPr id="4" name="Slide Number Placeholder 3"/>
+          <p:cNvSpPr>
+            <a:spLocks noGrp="1"/>
+          </p:cNvSpPr>
+          <p:nvPr>
+            <p:ph type="sldNum" sz="quarter" idx="10"/>
+          </p:nvPr>
+        </p:nvSpPr>
+        <p:spPr/>
         <p:txBody>
           <a:bodyPr/>
           <a:lstStyle/>
           <a:p>
-            <a:fld id="{21494292-921C-426B-9C45-35E1E1C6101A}" type="slidenum">
-              <a:rPr lang="en-US" smtClean="0">
-                <a:cs typeface="Arial" pitchFamily="34" charset="0"/>
-              </a:rPr>
-              <a:pPr/>
-              <a:t>18</a:t>
+            <a:fld id="{9B5CF600-4147-7540-9DE4-6C8272E0EDC3}" type="slidenum">
+              <a:rPr lang="en-US" smtClean="0"/>
+              <a:t>16</a:t>
             </a:fld>
-            <a:endParaRPr lang="en-US">
-              <a:cs typeface="Arial" pitchFamily="34" charset="0"/>
-            </a:endParaRPr>
+            <a:endParaRPr lang="en-US"/>
           </a:p>
         </p:txBody>
       </p:sp>
     </p:spTree>
     <p:extLst>
       <p:ext uri="{BB962C8B-B14F-4D97-AF65-F5344CB8AC3E}">
-        <p14:creationId xmlns:p14="http://schemas.microsoft.com/office/powerpoint/2010/main" val="2624089889"/>
+        <p14:creationId xmlns:p14="http://schemas.microsoft.com/office/powerpoint/2010/main" val="983935836"/>
       </p:ext>
     </p:extLst>
   </p:cSld>
@@ -751,34 +736,78 @@
           <a:bodyPr/>
           <a:lstStyle/>
           <a:p>
-            <a:endParaRPr lang="en-US"/>
-          </a:p>
-        </p:txBody>
-      </p:sp>
-      <p:sp>
-        <p:nvSpPr>
-          <p:cNvPr id="4" name="Slide Number Placeholder 3"/>
-          <p:cNvSpPr>
-            <a:spLocks noGrp="1"/>
-          </p:cNvSpPr>
-          <p:nvPr>
-            <p:ph type="sldNum" sz="quarter" idx="10"/>
-          </p:nvPr>
-        </p:nvSpPr>
-        <p:spPr/>
-        <p:txBody>
-          <a:bodyPr/>
-          <a:lstStyle/>
-          <a:p>
-            <a:pPr>
+            <a:pPr marL="0" marR="0" lvl="0" indent="0" algn="l" defTabSz="457200" rtl="0" eaLnBrk="1" fontAlgn="auto" latinLnBrk="0" hangingPunct="1">
+              <a:lnSpc>
+                <a:spcPct val="100000"/>
+              </a:lnSpc>
+              <a:spcBef>
+                <a:spcPts val="0"/>
+              </a:spcBef>
+              <a:spcAft>
+                <a:spcPts val="0"/>
+              </a:spcAft>
+              <a:buClrTx/>
+              <a:buSzTx/>
+              <a:buFontTx/>
+              <a:buNone/>
+              <a:tabLst/>
               <a:defRPr/>
             </a:pPr>
-            <a:fld id="{F3BF035C-C190-4FBE-9474-8535FCFBFED8}" type="slidenum">
+            <a:r>
+              <a:rPr lang="en-US" sz="1200" kern="1200" dirty="0" err="1">
+                <a:solidFill>
+                  <a:schemeClr val="tx1"/>
+                </a:solidFill>
+                <a:latin typeface="+mn-lt"/>
+                <a:ea typeface="+mn-ea"/>
+                <a:cs typeface="+mn-cs"/>
+              </a:rPr>
+              <a:t>uppercaseIfExclaimation</a:t>
+            </a:r>
+            <a:r>
+              <a:rPr lang="en-US" sz="1200" kern="1200" dirty="0">
+                <a:solidFill>
+                  <a:schemeClr val="tx1"/>
+                </a:solidFill>
+                <a:latin typeface="+mn-lt"/>
+                <a:ea typeface="+mn-ea"/>
+                <a:cs typeface="+mn-cs"/>
+              </a:rPr>
+              <a:t> ends up showing</a:t>
+            </a:r>
+            <a:r>
+              <a:rPr lang="en-US" sz="1200" kern="1200" baseline="0" dirty="0">
+                <a:solidFill>
+                  <a:schemeClr val="tx1"/>
+                </a:solidFill>
+                <a:latin typeface="+mn-lt"/>
+                <a:ea typeface="+mn-ea"/>
+                <a:cs typeface="+mn-cs"/>
+              </a:rPr>
+              <a:t> this</a:t>
+            </a:r>
+            <a:endParaRPr lang="en-US" dirty="0"/>
+          </a:p>
+        </p:txBody>
+      </p:sp>
+      <p:sp>
+        <p:nvSpPr>
+          <p:cNvPr id="4" name="Slide Number Placeholder 3"/>
+          <p:cNvSpPr>
+            <a:spLocks noGrp="1"/>
+          </p:cNvSpPr>
+          <p:nvPr>
+            <p:ph type="sldNum" sz="quarter" idx="10"/>
+          </p:nvPr>
+        </p:nvSpPr>
+        <p:spPr/>
+        <p:txBody>
+          <a:bodyPr/>
+          <a:lstStyle/>
+          <a:p>
+            <a:fld id="{9B5CF600-4147-7540-9DE4-6C8272E0EDC3}" type="slidenum">
               <a:rPr lang="en-US" smtClean="0"/>
-              <a:pPr>
-                <a:defRPr/>
-              </a:pPr>
-              <a:t>19</a:t>
+              <a:t>17</a:t>
             </a:fld>
             <a:endParaRPr lang="en-US"/>
           </a:p>
@@ -787,7 +816,7 @@
     </p:spTree>
     <p:extLst>
       <p:ext uri="{BB962C8B-B14F-4D97-AF65-F5344CB8AC3E}">
-        <p14:creationId xmlns:p14="http://schemas.microsoft.com/office/powerpoint/2010/main" val="4268954980"/>
+        <p14:creationId xmlns:p14="http://schemas.microsoft.com/office/powerpoint/2010/main" val="2214325646"/>
       </p:ext>
     </p:extLst>
   </p:cSld>
@@ -816,7 +845,7 @@
       </p:grpSpPr>
       <p:sp>
         <p:nvSpPr>
-          <p:cNvPr id="127" name="Shape 127"/>
+          <p:cNvPr id="2" name="Slide Image Placeholder 1"/>
           <p:cNvSpPr>
             <a:spLocks noGrp="1" noRot="1" noChangeAspect="1"/>
           </p:cNvSpPr>
@@ -824,104 +853,60 @@
             <p:ph type="sldImg"/>
           </p:nvPr>
         </p:nvSpPr>
-        <p:spPr>
-          <a:prstGeom prst="rect">
-            <a:avLst/>
-          </a:prstGeom>
-        </p:spPr>
+        <p:spPr/>
+      </p:sp>
+      <p:sp>
+        <p:nvSpPr>
+          <p:cNvPr id="3" name="Notes Placeholder 2"/>
+          <p:cNvSpPr>
+            <a:spLocks noGrp="1"/>
+          </p:cNvSpPr>
+          <p:nvPr>
+            <p:ph type="body" idx="1"/>
+          </p:nvPr>
+        </p:nvSpPr>
+        <p:spPr/>
         <p:txBody>
           <a:bodyPr/>
           <a:lstStyle/>
           <a:p>
-            <a:pPr lvl="0"/>
-            <a:endParaRPr/>
-          </a:p>
-        </p:txBody>
-      </p:sp>
-      <p:sp>
-        <p:nvSpPr>
-          <p:cNvPr id="128" name="Shape 128"/>
-          <p:cNvSpPr>
-            <a:spLocks noGrp="1"/>
-          </p:cNvSpPr>
-          <p:nvPr>
-            <p:ph type="body" sz="quarter" idx="1"/>
-          </p:nvPr>
-        </p:nvSpPr>
-        <p:spPr>
-          <a:prstGeom prst="rect">
-            <a:avLst/>
-          </a:prstGeom>
-        </p:spPr>
+            <a:endParaRPr lang="en-US" dirty="0"/>
+          </a:p>
+        </p:txBody>
+      </p:sp>
+      <p:sp>
+        <p:nvSpPr>
+          <p:cNvPr id="4" name="Slide Number Placeholder 3"/>
+          <p:cNvSpPr>
+            <a:spLocks noGrp="1"/>
+          </p:cNvSpPr>
+          <p:nvPr>
+            <p:ph type="sldNum" sz="quarter" idx="10"/>
+          </p:nvPr>
+        </p:nvSpPr>
+        <p:spPr/>
         <p:txBody>
           <a:bodyPr/>
           <a:lstStyle/>
           <a:p>
-            <a:pPr lvl="0" defTabSz="914400">
-              <a:lnSpc>
-                <a:spcPct val="100000"/>
-              </a:lnSpc>
-              <a:defRPr sz="1800"/>
+            <a:pPr>
+              <a:defRPr/>
             </a:pPr>
-            <a:r>
-              <a:rPr sz="1200" b="1">
-                <a:latin typeface="Lucida Sans"/>
-                <a:ea typeface="Lucida Sans"/>
-                <a:cs typeface="Lucida Sans"/>
-                <a:sym typeface="Lucida Sans"/>
-              </a:rPr>
-              <a:t>Argument for main </a:t>
-            </a:r>
-            <a:r>
-              <a:rPr sz="1200">
-                <a:latin typeface="Lucida Sans"/>
-                <a:ea typeface="Lucida Sans"/>
-                <a:cs typeface="Lucida Sans"/>
-                <a:sym typeface="Lucida Sans"/>
-              </a:rPr>
-              <a:t>is not optional.  Must be there.</a:t>
-            </a:r>
-            <a:endParaRPr sz="1200">
-              <a:latin typeface="Gill Sans"/>
-              <a:ea typeface="Gill Sans"/>
-              <a:cs typeface="Gill Sans"/>
-              <a:sym typeface="Gill Sans"/>
-            </a:endParaRPr>
-          </a:p>
-          <a:p>
-            <a:pPr lvl="0" defTabSz="914400">
-              <a:lnSpc>
-                <a:spcPct val="100000"/>
-              </a:lnSpc>
-              <a:defRPr sz="1800"/>
-            </a:pPr>
-            <a:endParaRPr sz="1200">
-              <a:latin typeface="Lucida Sans"/>
-              <a:ea typeface="Lucida Sans"/>
-              <a:cs typeface="Lucida Sans"/>
-              <a:sym typeface="Lucida Sans"/>
-            </a:endParaRPr>
-          </a:p>
-          <a:p>
-            <a:pPr lvl="0" defTabSz="914400">
-              <a:lnSpc>
-                <a:spcPct val="100000"/>
-              </a:lnSpc>
-              <a:defRPr sz="1800"/>
-            </a:pPr>
-            <a:endParaRPr sz="1200">
-              <a:latin typeface="Lucida Sans"/>
-              <a:ea typeface="Lucida Sans"/>
-              <a:cs typeface="Lucida Sans"/>
-              <a:sym typeface="Lucida Sans"/>
-            </a:endParaRPr>
+            <a:fld id="{F3BF035C-C190-4FBE-9474-8535FCFBFED8}" type="slidenum">
+              <a:rPr lang="en-US" smtClean="0"/>
+              <a:pPr>
+                <a:defRPr/>
+              </a:pPr>
+              <a:t>20</a:t>
+            </a:fld>
+            <a:endParaRPr lang="en-US"/>
           </a:p>
         </p:txBody>
       </p:sp>
     </p:spTree>
     <p:extLst>
       <p:ext uri="{BB962C8B-B14F-4D97-AF65-F5344CB8AC3E}">
-        <p14:creationId xmlns:p14="http://schemas.microsoft.com/office/powerpoint/2010/main" val="3443566566"/>
+        <p14:creationId xmlns:p14="http://schemas.microsoft.com/office/powerpoint/2010/main" val="140127366"/>
       </p:ext>
     </p:extLst>
   </p:cSld>
@@ -950,6 +935,110 @@
       </p:grpSpPr>
       <p:sp>
         <p:nvSpPr>
+          <p:cNvPr id="41986" name="Slide Image Placeholder 1"/>
+          <p:cNvSpPr>
+            <a:spLocks noGrp="1" noRot="1" noChangeAspect="1" noTextEdit="1"/>
+          </p:cNvSpPr>
+          <p:nvPr>
+            <p:ph type="sldImg"/>
+          </p:nvPr>
+        </p:nvSpPr>
+        <p:spPr bwMode="auto">
+          <a:noFill/>
+          <a:ln>
+            <a:solidFill>
+              <a:srgbClr val="000000"/>
+            </a:solidFill>
+            <a:miter lim="800000"/>
+            <a:headEnd/>
+            <a:tailEnd/>
+          </a:ln>
+        </p:spPr>
+      </p:sp>
+      <p:sp>
+        <p:nvSpPr>
+          <p:cNvPr id="41987" name="Notes Placeholder 2"/>
+          <p:cNvSpPr>
+            <a:spLocks noGrp="1"/>
+          </p:cNvSpPr>
+          <p:nvPr>
+            <p:ph type="body" idx="1"/>
+          </p:nvPr>
+        </p:nvSpPr>
+        <p:spPr>
+          <a:noFill/>
+          <a:ln/>
+        </p:spPr>
+        <p:txBody>
+          <a:bodyPr/>
+          <a:lstStyle/>
+          <a:p>
+            <a:endParaRPr lang="en-US" dirty="0"/>
+          </a:p>
+        </p:txBody>
+      </p:sp>
+      <p:sp>
+        <p:nvSpPr>
+          <p:cNvPr id="41988" name="Slide Number Placeholder 3"/>
+          <p:cNvSpPr>
+            <a:spLocks noGrp="1"/>
+          </p:cNvSpPr>
+          <p:nvPr>
+            <p:ph type="sldNum" sz="quarter" idx="5"/>
+          </p:nvPr>
+        </p:nvSpPr>
+        <p:spPr>
+          <a:noFill/>
+        </p:spPr>
+        <p:txBody>
+          <a:bodyPr/>
+          <a:lstStyle/>
+          <a:p>
+            <a:fld id="{21494292-921C-426B-9C45-35E1E1C6101A}" type="slidenum">
+              <a:rPr lang="en-US" smtClean="0">
+                <a:cs typeface="Arial" pitchFamily="34" charset="0"/>
+              </a:rPr>
+              <a:pPr/>
+              <a:t>22</a:t>
+            </a:fld>
+            <a:endParaRPr lang="en-US">
+              <a:cs typeface="Arial" pitchFamily="34" charset="0"/>
+            </a:endParaRPr>
+          </a:p>
+        </p:txBody>
+      </p:sp>
+    </p:spTree>
+    <p:extLst>
+      <p:ext uri="{BB962C8B-B14F-4D97-AF65-F5344CB8AC3E}">
+        <p14:creationId xmlns:p14="http://schemas.microsoft.com/office/powerpoint/2010/main" val="2624089889"/>
+      </p:ext>
+    </p:extLst>
+  </p:cSld>
+  <p:clrMapOvr>
+    <a:masterClrMapping/>
+  </p:clrMapOvr>
+</p:notes>
+</file>
+
+<file path=ppt/notesSlides/notesSlide14.xml><?xml version="1.0" encoding="utf-8"?>
+<p:notes xmlns:a="http://schemas.openxmlformats.org/drawingml/2006/main" xmlns:r="http://schemas.openxmlformats.org/officeDocument/2006/relationships" xmlns:p="http://schemas.openxmlformats.org/presentationml/2006/main">
+  <p:cSld>
+    <p:spTree>
+      <p:nvGrpSpPr>
+        <p:cNvPr id="1" name=""/>
+        <p:cNvGrpSpPr/>
+        <p:nvPr/>
+      </p:nvGrpSpPr>
+      <p:grpSpPr>
+        <a:xfrm>
+          <a:off x="0" y="0"/>
+          <a:ext cx="0" cy="0"/>
+          <a:chOff x="0" y="0"/>
+          <a:chExt cx="0" cy="0"/>
+        </a:xfrm>
+      </p:grpSpPr>
+      <p:sp>
+        <p:nvSpPr>
           <p:cNvPr id="2" name="Slide Image Placeholder 1"/>
           <p:cNvSpPr>
             <a:spLocks noGrp="1" noRot="1" noChangeAspect="1"/>
@@ -975,15 +1064,7 @@
           <a:bodyPr/>
           <a:lstStyle/>
           <a:p>
-            <a:r>
-              <a:rPr lang="en-US" dirty="0"/>
-              <a:t>Do</a:t>
-            </a:r>
-            <a:r>
-              <a:rPr lang="en-US" baseline="0" dirty="0"/>
-              <a:t> not spend too much time on this since students will need time outside of class to complete this.  Be sure to reserve time for the rest of the material and for students to complete the quiz.</a:t>
-            </a:r>
-            <a:endParaRPr lang="en-US" dirty="0"/>
+            <a:endParaRPr lang="en-US"/>
           </a:p>
         </p:txBody>
       </p:sp>
@@ -1010,7 +1091,337 @@
               <a:pPr>
                 <a:defRPr/>
               </a:pPr>
-              <a:t>25</a:t>
+              <a:t>23</a:t>
+            </a:fld>
+            <a:endParaRPr lang="en-US"/>
+          </a:p>
+        </p:txBody>
+      </p:sp>
+    </p:spTree>
+    <p:extLst>
+      <p:ext uri="{BB962C8B-B14F-4D97-AF65-F5344CB8AC3E}">
+        <p14:creationId xmlns:p14="http://schemas.microsoft.com/office/powerpoint/2010/main" val="4268954980"/>
+      </p:ext>
+    </p:extLst>
+  </p:cSld>
+  <p:clrMapOvr>
+    <a:masterClrMapping/>
+  </p:clrMapOvr>
+</p:notes>
+</file>
+
+<file path=ppt/notesSlides/notesSlide15.xml><?xml version="1.0" encoding="utf-8"?>
+<p:notes xmlns:a="http://schemas.openxmlformats.org/drawingml/2006/main" xmlns:r="http://schemas.openxmlformats.org/officeDocument/2006/relationships" xmlns:p="http://schemas.openxmlformats.org/presentationml/2006/main">
+  <p:cSld>
+    <p:spTree>
+      <p:nvGrpSpPr>
+        <p:cNvPr id="1" name=""/>
+        <p:cNvGrpSpPr/>
+        <p:nvPr/>
+      </p:nvGrpSpPr>
+      <p:grpSpPr>
+        <a:xfrm>
+          <a:off x="0" y="0"/>
+          <a:ext cx="0" cy="0"/>
+          <a:chOff x="0" y="0"/>
+          <a:chExt cx="0" cy="0"/>
+        </a:xfrm>
+      </p:grpSpPr>
+      <p:sp>
+        <p:nvSpPr>
+          <p:cNvPr id="127" name="Shape 127"/>
+          <p:cNvSpPr>
+            <a:spLocks noGrp="1" noRot="1" noChangeAspect="1"/>
+          </p:cNvSpPr>
+          <p:nvPr>
+            <p:ph type="sldImg"/>
+          </p:nvPr>
+        </p:nvSpPr>
+        <p:spPr>
+          <a:prstGeom prst="rect">
+            <a:avLst/>
+          </a:prstGeom>
+        </p:spPr>
+        <p:txBody>
+          <a:bodyPr/>
+          <a:lstStyle/>
+          <a:p>
+            <a:pPr lvl="0"/>
+            <a:endParaRPr/>
+          </a:p>
+        </p:txBody>
+      </p:sp>
+      <p:sp>
+        <p:nvSpPr>
+          <p:cNvPr id="128" name="Shape 128"/>
+          <p:cNvSpPr>
+            <a:spLocks noGrp="1"/>
+          </p:cNvSpPr>
+          <p:nvPr>
+            <p:ph type="body" sz="quarter" idx="1"/>
+          </p:nvPr>
+        </p:nvSpPr>
+        <p:spPr>
+          <a:prstGeom prst="rect">
+            <a:avLst/>
+          </a:prstGeom>
+        </p:spPr>
+        <p:txBody>
+          <a:bodyPr/>
+          <a:lstStyle/>
+          <a:p>
+            <a:pPr lvl="0" defTabSz="914400">
+              <a:lnSpc>
+                <a:spcPct val="100000"/>
+              </a:lnSpc>
+              <a:defRPr sz="1800"/>
+            </a:pPr>
+            <a:r>
+              <a:rPr sz="1200" b="1">
+                <a:latin typeface="Lucida Sans"/>
+                <a:ea typeface="Lucida Sans"/>
+                <a:cs typeface="Lucida Sans"/>
+                <a:sym typeface="Lucida Sans"/>
+              </a:rPr>
+              <a:t>Argument for main </a:t>
+            </a:r>
+            <a:r>
+              <a:rPr sz="1200">
+                <a:latin typeface="Lucida Sans"/>
+                <a:ea typeface="Lucida Sans"/>
+                <a:cs typeface="Lucida Sans"/>
+                <a:sym typeface="Lucida Sans"/>
+              </a:rPr>
+              <a:t>is not optional.  Must be there.</a:t>
+            </a:r>
+            <a:endParaRPr sz="1200">
+              <a:latin typeface="Gill Sans"/>
+              <a:ea typeface="Gill Sans"/>
+              <a:cs typeface="Gill Sans"/>
+              <a:sym typeface="Gill Sans"/>
+            </a:endParaRPr>
+          </a:p>
+          <a:p>
+            <a:pPr lvl="0" defTabSz="914400">
+              <a:lnSpc>
+                <a:spcPct val="100000"/>
+              </a:lnSpc>
+              <a:defRPr sz="1800"/>
+            </a:pPr>
+            <a:endParaRPr sz="1200">
+              <a:latin typeface="Lucida Sans"/>
+              <a:ea typeface="Lucida Sans"/>
+              <a:cs typeface="Lucida Sans"/>
+              <a:sym typeface="Lucida Sans"/>
+            </a:endParaRPr>
+          </a:p>
+          <a:p>
+            <a:pPr lvl="0" defTabSz="914400">
+              <a:lnSpc>
+                <a:spcPct val="100000"/>
+              </a:lnSpc>
+              <a:defRPr sz="1800"/>
+            </a:pPr>
+            <a:endParaRPr sz="1200">
+              <a:latin typeface="Lucida Sans"/>
+              <a:ea typeface="Lucida Sans"/>
+              <a:cs typeface="Lucida Sans"/>
+              <a:sym typeface="Lucida Sans"/>
+            </a:endParaRPr>
+          </a:p>
+        </p:txBody>
+      </p:sp>
+    </p:spTree>
+    <p:extLst>
+      <p:ext uri="{BB962C8B-B14F-4D97-AF65-F5344CB8AC3E}">
+        <p14:creationId xmlns:p14="http://schemas.microsoft.com/office/powerpoint/2010/main" val="3443566566"/>
+      </p:ext>
+    </p:extLst>
+  </p:cSld>
+  <p:clrMapOvr>
+    <a:masterClrMapping/>
+  </p:clrMapOvr>
+</p:notes>
+</file>
+
+<file path=ppt/notesSlides/notesSlide16.xml><?xml version="1.0" encoding="utf-8"?>
+<p:notes xmlns:a="http://schemas.openxmlformats.org/drawingml/2006/main" xmlns:r="http://schemas.openxmlformats.org/officeDocument/2006/relationships" xmlns:p="http://schemas.openxmlformats.org/presentationml/2006/main">
+  <p:cSld>
+    <p:spTree>
+      <p:nvGrpSpPr>
+        <p:cNvPr id="1" name=""/>
+        <p:cNvGrpSpPr/>
+        <p:nvPr/>
+      </p:nvGrpSpPr>
+      <p:grpSpPr>
+        <a:xfrm>
+          <a:off x="0" y="0"/>
+          <a:ext cx="0" cy="0"/>
+          <a:chOff x="0" y="0"/>
+          <a:chExt cx="0" cy="0"/>
+        </a:xfrm>
+      </p:grpSpPr>
+      <p:sp>
+        <p:nvSpPr>
+          <p:cNvPr id="2" name="Slide Image Placeholder 1"/>
+          <p:cNvSpPr>
+            <a:spLocks noGrp="1" noRot="1" noChangeAspect="1"/>
+          </p:cNvSpPr>
+          <p:nvPr>
+            <p:ph type="sldImg"/>
+          </p:nvPr>
+        </p:nvSpPr>
+        <p:spPr/>
+      </p:sp>
+      <p:sp>
+        <p:nvSpPr>
+          <p:cNvPr id="3" name="Notes Placeholder 2"/>
+          <p:cNvSpPr>
+            <a:spLocks noGrp="1"/>
+          </p:cNvSpPr>
+          <p:nvPr>
+            <p:ph type="body" idx="1"/>
+          </p:nvPr>
+        </p:nvSpPr>
+        <p:spPr/>
+        <p:txBody>
+          <a:bodyPr/>
+          <a:lstStyle/>
+          <a:p>
+            <a:r>
+              <a:rPr lang="en-US" dirty="0"/>
+              <a:t>Do</a:t>
+            </a:r>
+            <a:r>
+              <a:rPr lang="en-US" baseline="0" dirty="0"/>
+              <a:t> not spend too much time on this since students will need time outside of class to complete this.  Be sure to reserve time for the rest of the material and for students to complete the quiz.</a:t>
+            </a:r>
+            <a:endParaRPr lang="en-US" dirty="0"/>
+          </a:p>
+        </p:txBody>
+      </p:sp>
+      <p:sp>
+        <p:nvSpPr>
+          <p:cNvPr id="4" name="Slide Number Placeholder 3"/>
+          <p:cNvSpPr>
+            <a:spLocks noGrp="1"/>
+          </p:cNvSpPr>
+          <p:nvPr>
+            <p:ph type="sldNum" sz="quarter" idx="10"/>
+          </p:nvPr>
+        </p:nvSpPr>
+        <p:spPr/>
+        <p:txBody>
+          <a:bodyPr/>
+          <a:lstStyle/>
+          <a:p>
+            <a:pPr>
+              <a:defRPr/>
+            </a:pPr>
+            <a:fld id="{F3BF035C-C190-4FBE-9474-8535FCFBFED8}" type="slidenum">
+              <a:rPr lang="en-US" smtClean="0"/>
+              <a:pPr>
+                <a:defRPr/>
+              </a:pPr>
+              <a:t>29</a:t>
+            </a:fld>
+            <a:endParaRPr lang="en-US"/>
+          </a:p>
+        </p:txBody>
+      </p:sp>
+    </p:spTree>
+    <p:extLst>
+      <p:ext uri="{BB962C8B-B14F-4D97-AF65-F5344CB8AC3E}">
+        <p14:creationId xmlns:p14="http://schemas.microsoft.com/office/powerpoint/2010/main" val="1834661279"/>
+      </p:ext>
+    </p:extLst>
+  </p:cSld>
+  <p:clrMapOvr>
+    <a:masterClrMapping/>
+  </p:clrMapOvr>
+</p:notes>
+</file>
+
+<file path=ppt/notesSlides/notesSlide17.xml><?xml version="1.0" encoding="utf-8"?>
+<p:notes xmlns:a="http://schemas.openxmlformats.org/drawingml/2006/main" xmlns:r="http://schemas.openxmlformats.org/officeDocument/2006/relationships" xmlns:p="http://schemas.openxmlformats.org/presentationml/2006/main">
+  <p:cSld>
+    <p:spTree>
+      <p:nvGrpSpPr>
+        <p:cNvPr id="1" name=""/>
+        <p:cNvGrpSpPr/>
+        <p:nvPr/>
+      </p:nvGrpSpPr>
+      <p:grpSpPr>
+        <a:xfrm>
+          <a:off x="0" y="0"/>
+          <a:ext cx="0" cy="0"/>
+          <a:chOff x="0" y="0"/>
+          <a:chExt cx="0" cy="0"/>
+        </a:xfrm>
+      </p:grpSpPr>
+      <p:sp>
+        <p:nvSpPr>
+          <p:cNvPr id="2" name="Slide Image Placeholder 1"/>
+          <p:cNvSpPr>
+            <a:spLocks noGrp="1" noRot="1" noChangeAspect="1"/>
+          </p:cNvSpPr>
+          <p:nvPr>
+            <p:ph type="sldImg"/>
+          </p:nvPr>
+        </p:nvSpPr>
+        <p:spPr/>
+      </p:sp>
+      <p:sp>
+        <p:nvSpPr>
+          <p:cNvPr id="3" name="Notes Placeholder 2"/>
+          <p:cNvSpPr>
+            <a:spLocks noGrp="1"/>
+          </p:cNvSpPr>
+          <p:nvPr>
+            <p:ph type="body" idx="1"/>
+          </p:nvPr>
+        </p:nvSpPr>
+        <p:spPr/>
+        <p:txBody>
+          <a:bodyPr/>
+          <a:lstStyle/>
+          <a:p>
+            <a:r>
+              <a:rPr lang="en-US" dirty="0"/>
+              <a:t>Do</a:t>
+            </a:r>
+            <a:r>
+              <a:rPr lang="en-US" baseline="0" dirty="0"/>
+              <a:t> not spend too much time on this since students will need time outside of class to complete this.  Be sure to reserve time for the rest of the material and for students to complete the quiz.</a:t>
+            </a:r>
+            <a:endParaRPr lang="en-US" dirty="0"/>
+          </a:p>
+        </p:txBody>
+      </p:sp>
+      <p:sp>
+        <p:nvSpPr>
+          <p:cNvPr id="4" name="Slide Number Placeholder 3"/>
+          <p:cNvSpPr>
+            <a:spLocks noGrp="1"/>
+          </p:cNvSpPr>
+          <p:nvPr>
+            <p:ph type="sldNum" sz="quarter" idx="10"/>
+          </p:nvPr>
+        </p:nvSpPr>
+        <p:spPr/>
+        <p:txBody>
+          <a:bodyPr/>
+          <a:lstStyle/>
+          <a:p>
+            <a:pPr>
+              <a:defRPr/>
+            </a:pPr>
+            <a:fld id="{F3BF035C-C190-4FBE-9474-8535FCFBFED8}" type="slidenum">
+              <a:rPr lang="en-US" smtClean="0"/>
+              <a:pPr>
+                <a:defRPr/>
+              </a:pPr>
+              <a:t>30</a:t>
             </a:fld>
             <a:endParaRPr lang="en-US"/>
           </a:p>
@@ -1798,7 +2209,7 @@
       </p:grpSpPr>
       <p:sp>
         <p:nvSpPr>
-          <p:cNvPr id="2" name="Slide Image Placeholder 1"/>
+          <p:cNvPr id="181" name="Shape 181"/>
           <p:cNvSpPr>
             <a:spLocks noGrp="1" noRot="1" noChangeAspect="1"/>
           </p:cNvSpPr>
@@ -1806,70 +2217,61 @@
             <p:ph type="sldImg"/>
           </p:nvPr>
         </p:nvSpPr>
-        <p:spPr/>
-      </p:sp>
-      <p:sp>
-        <p:nvSpPr>
-          <p:cNvPr id="3" name="Notes Placeholder 2"/>
-          <p:cNvSpPr>
-            <a:spLocks noGrp="1"/>
-          </p:cNvSpPr>
-          <p:nvPr>
-            <p:ph type="body" idx="1"/>
-          </p:nvPr>
-        </p:nvSpPr>
-        <p:spPr/>
+        <p:spPr>
+          <a:prstGeom prst="rect">
+            <a:avLst/>
+          </a:prstGeom>
+        </p:spPr>
         <p:txBody>
           <a:bodyPr/>
           <a:lstStyle/>
           <a:p>
-            <a:r>
-              <a:rPr lang="en-US" dirty="0"/>
-              <a:t>Only spend time on this if you want to show the </a:t>
-            </a:r>
-            <a:r>
-              <a:rPr lang="en-US" dirty="0" err="1"/>
-              <a:t>DebugMeTest</a:t>
-            </a:r>
-            <a:r>
-              <a:rPr lang="en-US" dirty="0"/>
-              <a:t> examples,</a:t>
-            </a:r>
-            <a:r>
-              <a:rPr lang="en-US" baseline="0" dirty="0"/>
-              <a:t> in particular the final test which you can use to demonstrate this approach.</a:t>
-            </a:r>
-            <a:endParaRPr lang="en-US" dirty="0"/>
-          </a:p>
-        </p:txBody>
-      </p:sp>
-      <p:sp>
-        <p:nvSpPr>
-          <p:cNvPr id="4" name="Slide Number Placeholder 3"/>
-          <p:cNvSpPr>
-            <a:spLocks noGrp="1"/>
-          </p:cNvSpPr>
-          <p:nvPr>
-            <p:ph type="sldNum" sz="quarter" idx="10"/>
-          </p:nvPr>
-        </p:nvSpPr>
-        <p:spPr/>
+            <a:pPr lvl="0"/>
+            <a:endParaRPr/>
+          </a:p>
+        </p:txBody>
+      </p:sp>
+      <p:sp>
+        <p:nvSpPr>
+          <p:cNvPr id="182" name="Shape 182"/>
+          <p:cNvSpPr>
+            <a:spLocks noGrp="1"/>
+          </p:cNvSpPr>
+          <p:nvPr>
+            <p:ph type="body" sz="quarter" idx="1"/>
+          </p:nvPr>
+        </p:nvSpPr>
+        <p:spPr>
+          <a:prstGeom prst="rect">
+            <a:avLst/>
+          </a:prstGeom>
+        </p:spPr>
         <p:txBody>
           <a:bodyPr/>
           <a:lstStyle/>
           <a:p>
-            <a:fld id="{9B5CF600-4147-7540-9DE4-6C8272E0EDC3}" type="slidenum">
-              <a:rPr lang="en-US" smtClean="0"/>
-              <a:t>12</a:t>
-            </a:fld>
-            <a:endParaRPr lang="en-US"/>
+            <a:pPr lvl="0" defTabSz="914400">
+              <a:lnSpc>
+                <a:spcPct val="100000"/>
+              </a:lnSpc>
+              <a:spcBef>
+                <a:spcPts val="400"/>
+              </a:spcBef>
+              <a:defRPr sz="1800"/>
+            </a:pPr>
+            <a:endParaRPr sz="1200" dirty="0">
+              <a:latin typeface="Calibri"/>
+              <a:ea typeface="Calibri"/>
+              <a:cs typeface="Calibri"/>
+              <a:sym typeface="Calibri"/>
+            </a:endParaRPr>
           </a:p>
         </p:txBody>
       </p:sp>
     </p:spTree>
     <p:extLst>
       <p:ext uri="{BB962C8B-B14F-4D97-AF65-F5344CB8AC3E}">
-        <p14:creationId xmlns:p14="http://schemas.microsoft.com/office/powerpoint/2010/main" val="3263308297"/>
+        <p14:creationId xmlns:p14="http://schemas.microsoft.com/office/powerpoint/2010/main" val="609212922"/>
       </p:ext>
     </p:extLst>
   </p:cSld>
@@ -1898,7 +2300,7 @@
       </p:grpSpPr>
       <p:sp>
         <p:nvSpPr>
-          <p:cNvPr id="2" name="Slide Image Placeholder 1"/>
+          <p:cNvPr id="181" name="Shape 181"/>
           <p:cNvSpPr>
             <a:spLocks noGrp="1" noRot="1" noChangeAspect="1"/>
           </p:cNvSpPr>
@@ -1906,104 +2308,61 @@
             <p:ph type="sldImg"/>
           </p:nvPr>
         </p:nvSpPr>
-        <p:spPr/>
-      </p:sp>
-      <p:sp>
-        <p:nvSpPr>
-          <p:cNvPr id="3" name="Notes Placeholder 2"/>
-          <p:cNvSpPr>
-            <a:spLocks noGrp="1"/>
-          </p:cNvSpPr>
-          <p:nvPr>
-            <p:ph type="body" idx="1"/>
-          </p:nvPr>
-        </p:nvSpPr>
-        <p:spPr/>
+        <p:spPr>
+          <a:prstGeom prst="rect">
+            <a:avLst/>
+          </a:prstGeom>
+        </p:spPr>
         <p:txBody>
           <a:bodyPr/>
           <a:lstStyle/>
           <a:p>
-            <a:pPr marL="0" marR="0" lvl="0" indent="0" algn="l" defTabSz="457200" rtl="0" eaLnBrk="1" fontAlgn="auto" latinLnBrk="0" hangingPunct="1">
+            <a:pPr lvl="0"/>
+            <a:endParaRPr/>
+          </a:p>
+        </p:txBody>
+      </p:sp>
+      <p:sp>
+        <p:nvSpPr>
+          <p:cNvPr id="182" name="Shape 182"/>
+          <p:cNvSpPr>
+            <a:spLocks noGrp="1"/>
+          </p:cNvSpPr>
+          <p:nvPr>
+            <p:ph type="body" sz="quarter" idx="1"/>
+          </p:nvPr>
+        </p:nvSpPr>
+        <p:spPr>
+          <a:prstGeom prst="rect">
+            <a:avLst/>
+          </a:prstGeom>
+        </p:spPr>
+        <p:txBody>
+          <a:bodyPr/>
+          <a:lstStyle/>
+          <a:p>
+            <a:pPr lvl="0" defTabSz="914400">
               <a:lnSpc>
                 <a:spcPct val="100000"/>
               </a:lnSpc>
               <a:spcBef>
-                <a:spcPts val="0"/>
+                <a:spcPts val="400"/>
               </a:spcBef>
-              <a:spcAft>
-                <a:spcPts val="0"/>
-              </a:spcAft>
-              <a:buClrTx/>
-              <a:buSzTx/>
-              <a:buFontTx/>
-              <a:buNone/>
-              <a:tabLst/>
-              <a:defRPr/>
+              <a:defRPr sz="1800"/>
             </a:pPr>
-            <a:r>
-              <a:rPr lang="en-US" sz="1200" kern="1200" dirty="0" err="1">
-                <a:solidFill>
-                  <a:schemeClr val="tx1"/>
-                </a:solidFill>
-                <a:latin typeface="+mn-lt"/>
-                <a:ea typeface="+mn-ea"/>
-                <a:cs typeface="+mn-cs"/>
-              </a:rPr>
-              <a:t>uppercaseIfExclaimation</a:t>
-            </a:r>
-            <a:r>
-              <a:rPr lang="en-US" sz="1200" kern="1200" dirty="0">
-                <a:solidFill>
-                  <a:schemeClr val="tx1"/>
-                </a:solidFill>
-                <a:latin typeface="+mn-lt"/>
-                <a:ea typeface="+mn-ea"/>
-                <a:cs typeface="+mn-cs"/>
-              </a:rPr>
-              <a:t> ends up showing</a:t>
-            </a:r>
-            <a:r>
-              <a:rPr lang="en-US" sz="1200" kern="1200" baseline="0" dirty="0">
-                <a:solidFill>
-                  <a:schemeClr val="tx1"/>
-                </a:solidFill>
-                <a:latin typeface="+mn-lt"/>
-                <a:ea typeface="+mn-ea"/>
-                <a:cs typeface="+mn-cs"/>
-              </a:rPr>
-              <a:t> this</a:t>
-            </a:r>
-            <a:endParaRPr lang="en-US" dirty="0"/>
-          </a:p>
-        </p:txBody>
-      </p:sp>
-      <p:sp>
-        <p:nvSpPr>
-          <p:cNvPr id="4" name="Slide Number Placeholder 3"/>
-          <p:cNvSpPr>
-            <a:spLocks noGrp="1"/>
-          </p:cNvSpPr>
-          <p:nvPr>
-            <p:ph type="sldNum" sz="quarter" idx="10"/>
-          </p:nvPr>
-        </p:nvSpPr>
-        <p:spPr/>
-        <p:txBody>
-          <a:bodyPr/>
-          <a:lstStyle/>
-          <a:p>
-            <a:fld id="{9B5CF600-4147-7540-9DE4-6C8272E0EDC3}" type="slidenum">
-              <a:rPr lang="en-US" smtClean="0"/>
-              <a:t>13</a:t>
-            </a:fld>
-            <a:endParaRPr lang="en-US"/>
+            <a:endParaRPr sz="1200" dirty="0">
+              <a:latin typeface="Calibri"/>
+              <a:ea typeface="Calibri"/>
+              <a:cs typeface="Calibri"/>
+              <a:sym typeface="Calibri"/>
+            </a:endParaRPr>
           </a:p>
         </p:txBody>
       </p:sp>
     </p:spTree>
     <p:extLst>
       <p:ext uri="{BB962C8B-B14F-4D97-AF65-F5344CB8AC3E}">
-        <p14:creationId xmlns:p14="http://schemas.microsoft.com/office/powerpoint/2010/main" val="2214325646"/>
+        <p14:creationId xmlns:p14="http://schemas.microsoft.com/office/powerpoint/2010/main" val="1261416685"/>
       </p:ext>
     </p:extLst>
   </p:cSld>
@@ -2057,6 +2416,22 @@
           <a:bodyPr/>
           <a:lstStyle/>
           <a:p>
+            <a:r>
+              <a:rPr lang="en-US" dirty="0"/>
+              <a:t>Only spend time on this if you want to show the </a:t>
+            </a:r>
+            <a:r>
+              <a:rPr lang="en-US" dirty="0" err="1"/>
+              <a:t>DebugMeTest</a:t>
+            </a:r>
+            <a:r>
+              <a:rPr lang="en-US" dirty="0"/>
+              <a:t> examples,</a:t>
+            </a:r>
+            <a:r>
+              <a:rPr lang="en-US" baseline="0" dirty="0"/>
+              <a:t> in particular the final test which you can use to demonstrate this approach.</a:t>
+            </a:r>
             <a:endParaRPr lang="en-US" dirty="0"/>
           </a:p>
         </p:txBody>
@@ -2076,15 +2451,9 @@
           <a:bodyPr/>
           <a:lstStyle/>
           <a:p>
-            <a:pPr>
-              <a:defRPr/>
-            </a:pPr>
-            <a:fld id="{F3BF035C-C190-4FBE-9474-8535FCFBFED8}" type="slidenum">
+            <a:fld id="{9B5CF600-4147-7540-9DE4-6C8272E0EDC3}" type="slidenum">
               <a:rPr lang="en-US" smtClean="0"/>
-              <a:pPr>
-                <a:defRPr/>
-              </a:pPr>
-              <a:t>16</a:t>
+              <a:t>15</a:t>
             </a:fld>
             <a:endParaRPr lang="en-US"/>
           </a:p>
@@ -2093,7 +2462,7 @@
     </p:spTree>
     <p:extLst>
       <p:ext uri="{BB962C8B-B14F-4D97-AF65-F5344CB8AC3E}">
-        <p14:creationId xmlns:p14="http://schemas.microsoft.com/office/powerpoint/2010/main" val="140127366"/>
+        <p14:creationId xmlns:p14="http://schemas.microsoft.com/office/powerpoint/2010/main" val="3263308297"/>
       </p:ext>
     </p:extLst>
   </p:cSld>
@@ -2282,7 +2651,7 @@
           <a:p>
             <a:fld id="{5B07E745-2C70-2943-8487-A8F6E88ADF5E}" type="datetimeFigureOut">
               <a:rPr lang="en-US" smtClean="0"/>
-              <a:t>2/24/22</a:t>
+              <a:t>3/1/22</a:t>
             </a:fld>
             <a:endParaRPr lang="en-US"/>
           </a:p>
@@ -2450,7 +2819,7 @@
           <a:p>
             <a:fld id="{5B07E745-2C70-2943-8487-A8F6E88ADF5E}" type="datetimeFigureOut">
               <a:rPr lang="en-US" smtClean="0"/>
-              <a:t>2/24/22</a:t>
+              <a:t>3/1/22</a:t>
             </a:fld>
             <a:endParaRPr lang="en-US"/>
           </a:p>
@@ -2628,7 +2997,7 @@
           <a:p>
             <a:fld id="{5B07E745-2C70-2943-8487-A8F6E88ADF5E}" type="datetimeFigureOut">
               <a:rPr lang="en-US" smtClean="0"/>
-              <a:t>2/24/22</a:t>
+              <a:t>3/1/22</a:t>
             </a:fld>
             <a:endParaRPr lang="en-US"/>
           </a:p>
@@ -2796,7 +3165,7 @@
           <a:p>
             <a:fld id="{5B07E745-2C70-2943-8487-A8F6E88ADF5E}" type="datetimeFigureOut">
               <a:rPr lang="en-US" smtClean="0"/>
-              <a:t>2/24/22</a:t>
+              <a:t>3/1/22</a:t>
             </a:fld>
             <a:endParaRPr lang="en-US"/>
           </a:p>
@@ -3041,7 +3410,7 @@
           <a:p>
             <a:fld id="{5B07E745-2C70-2943-8487-A8F6E88ADF5E}" type="datetimeFigureOut">
               <a:rPr lang="en-US" smtClean="0"/>
-              <a:t>2/24/22</a:t>
+              <a:t>3/1/22</a:t>
             </a:fld>
             <a:endParaRPr lang="en-US"/>
           </a:p>
@@ -3326,7 +3695,7 @@
           <a:p>
             <a:fld id="{5B07E745-2C70-2943-8487-A8F6E88ADF5E}" type="datetimeFigureOut">
               <a:rPr lang="en-US" smtClean="0"/>
-              <a:t>2/24/22</a:t>
+              <a:t>3/1/22</a:t>
             </a:fld>
             <a:endParaRPr lang="en-US"/>
           </a:p>
@@ -3745,7 +4114,7 @@
           <a:p>
             <a:fld id="{5B07E745-2C70-2943-8487-A8F6E88ADF5E}" type="datetimeFigureOut">
               <a:rPr lang="en-US" smtClean="0"/>
-              <a:t>2/24/22</a:t>
+              <a:t>3/1/22</a:t>
             </a:fld>
             <a:endParaRPr lang="en-US"/>
           </a:p>
@@ -3862,7 +4231,7 @@
           <a:p>
             <a:fld id="{5B07E745-2C70-2943-8487-A8F6E88ADF5E}" type="datetimeFigureOut">
               <a:rPr lang="en-US" smtClean="0"/>
-              <a:t>2/24/22</a:t>
+              <a:t>3/1/22</a:t>
             </a:fld>
             <a:endParaRPr lang="en-US"/>
           </a:p>
@@ -3957,7 +4326,7 @@
           <a:p>
             <a:fld id="{5B07E745-2C70-2943-8487-A8F6E88ADF5E}" type="datetimeFigureOut">
               <a:rPr lang="en-US" smtClean="0"/>
-              <a:t>2/24/22</a:t>
+              <a:t>3/1/22</a:t>
             </a:fld>
             <a:endParaRPr lang="en-US"/>
           </a:p>
@@ -4232,7 +4601,7 @@
           <a:p>
             <a:fld id="{5B07E745-2C70-2943-8487-A8F6E88ADF5E}" type="datetimeFigureOut">
               <a:rPr lang="en-US" smtClean="0"/>
-              <a:t>2/24/22</a:t>
+              <a:t>3/1/22</a:t>
             </a:fld>
             <a:endParaRPr lang="en-US"/>
           </a:p>
@@ -4484,7 +4853,7 @@
           <a:p>
             <a:fld id="{5B07E745-2C70-2943-8487-A8F6E88ADF5E}" type="datetimeFigureOut">
               <a:rPr lang="en-US" smtClean="0"/>
-              <a:t>2/24/22</a:t>
+              <a:t>3/1/22</a:t>
             </a:fld>
             <a:endParaRPr lang="en-US"/>
           </a:p>
@@ -4695,7 +5064,7 @@
           <a:p>
             <a:fld id="{5B07E745-2C70-2943-8487-A8F6E88ADF5E}" type="datetimeFigureOut">
               <a:rPr lang="en-US" smtClean="0"/>
-              <a:t>2/24/22</a:t>
+              <a:t>3/1/22</a:t>
             </a:fld>
             <a:endParaRPr lang="en-US"/>
           </a:p>
@@ -5238,6 +5607,92 @@
       </p:grpSpPr>
       <p:sp>
         <p:nvSpPr>
+          <p:cNvPr id="2" name="Title 1"/>
+          <p:cNvSpPr>
+            <a:spLocks noGrp="1"/>
+          </p:cNvSpPr>
+          <p:nvPr>
+            <p:ph type="title"/>
+          </p:nvPr>
+        </p:nvSpPr>
+        <p:spPr/>
+        <p:txBody>
+          <a:bodyPr/>
+          <a:lstStyle/>
+          <a:p>
+            <a:r>
+              <a:rPr lang="en-US" dirty="0"/>
+              <a:t>Agenda</a:t>
+            </a:r>
+          </a:p>
+        </p:txBody>
+      </p:sp>
+      <p:sp>
+        <p:nvSpPr>
+          <p:cNvPr id="3" name="Content Placeholder 2"/>
+          <p:cNvSpPr>
+            <a:spLocks noGrp="1"/>
+          </p:cNvSpPr>
+          <p:nvPr>
+            <p:ph idx="1"/>
+          </p:nvPr>
+        </p:nvSpPr>
+        <p:spPr/>
+        <p:txBody>
+          <a:bodyPr/>
+          <a:lstStyle/>
+          <a:p>
+            <a:r>
+              <a:rPr lang="en-US" strike="sngStrike" dirty="0"/>
+              <a:t>Coding Conventions, Style, Grading</a:t>
+            </a:r>
+          </a:p>
+          <a:p>
+            <a:r>
+              <a:rPr lang="en-US" dirty="0"/>
+              <a:t>Debugging</a:t>
+            </a:r>
+          </a:p>
+          <a:p>
+            <a:r>
+              <a:rPr lang="en-US" dirty="0"/>
+              <a:t>Objects and Classes</a:t>
+            </a:r>
+          </a:p>
+        </p:txBody>
+      </p:sp>
+    </p:spTree>
+    <p:extLst>
+      <p:ext uri="{BB962C8B-B14F-4D97-AF65-F5344CB8AC3E}">
+        <p14:creationId xmlns:p14="http://schemas.microsoft.com/office/powerpoint/2010/main" val="20828598"/>
+      </p:ext>
+    </p:extLst>
+  </p:cSld>
+  <p:clrMapOvr>
+    <a:masterClrMapping/>
+  </p:clrMapOvr>
+</p:sld>
+</file>
+
+<file path=ppt/slides/slide11.xml><?xml version="1.0" encoding="utf-8"?>
+<p:sld xmlns:a="http://schemas.openxmlformats.org/drawingml/2006/main" xmlns:r="http://schemas.openxmlformats.org/officeDocument/2006/relationships" xmlns:p="http://schemas.openxmlformats.org/presentationml/2006/main">
+  <p:cSld>
+    <p:spTree>
+      <p:nvGrpSpPr>
+        <p:cNvPr id="1" name=""/>
+        <p:cNvGrpSpPr/>
+        <p:nvPr/>
+      </p:nvGrpSpPr>
+      <p:grpSpPr>
+        <a:xfrm>
+          <a:off x="0" y="0"/>
+          <a:ext cx="0" cy="0"/>
+          <a:chOff x="0" y="0"/>
+          <a:chExt cx="0" cy="0"/>
+        </a:xfrm>
+      </p:grpSpPr>
+      <p:sp>
+        <p:nvSpPr>
           <p:cNvPr id="175" name="Shape 175"/>
           <p:cNvSpPr>
             <a:spLocks noGrp="1"/>
@@ -5297,7 +5752,7 @@
 </p:sld>
 </file>
 
-<file path=ppt/slides/slide11.xml><?xml version="1.0" encoding="utf-8"?>
+<file path=ppt/slides/slide12.xml><?xml version="1.0" encoding="utf-8"?>
 <p:sld xmlns:a="http://schemas.openxmlformats.org/drawingml/2006/main" xmlns:r="http://schemas.openxmlformats.org/officeDocument/2006/relationships" xmlns:p="http://schemas.openxmlformats.org/presentationml/2006/main">
   <p:cSld>
     <p:spTree>
@@ -5648,7 +6103,7 @@
             <a:effectLst/>
             <a:extLst>
               <a:ext uri="{C572A759-6A51-4108-AA02-DFA0A04FC94B}">
-                <ma14:wrappingTextBoxFlag xmlns:ma14="http://schemas.microsoft.com/office/mac/drawingml/2011/main" xmlns="" val="1"/>
+                <ma14:wrappingTextBoxFlag xmlns="" xmlns:ma14="http://schemas.microsoft.com/office/mac/drawingml/2011/main" val="1"/>
               </a:ext>
             </a:extLst>
           </p:spPr>
@@ -5705,7 +6160,7 @@
     </p:spTree>
     <p:extLst>
       <p:ext uri="{BB962C8B-B14F-4D97-AF65-F5344CB8AC3E}">
-        <p14:creationId xmlns:p14="http://schemas.microsoft.com/office/powerpoint/2010/main" val="831071102"/>
+        <p14:creationId xmlns:p14="http://schemas.microsoft.com/office/powerpoint/2010/main" val="3396354233"/>
       </p:ext>
     </p:extLst>
   </p:cSld>
@@ -5715,7 +6170,234 @@
 </p:sld>
 </file>
 
-<file path=ppt/slides/slide12.xml><?xml version="1.0" encoding="utf-8"?>
+<file path=ppt/slides/slide13.xml><?xml version="1.0" encoding="utf-8"?>
+<p:sld xmlns:a="http://schemas.openxmlformats.org/drawingml/2006/main" xmlns:r="http://schemas.openxmlformats.org/officeDocument/2006/relationships" xmlns:p="http://schemas.openxmlformats.org/presentationml/2006/main">
+  <p:cSld>
+    <p:spTree>
+      <p:nvGrpSpPr>
+        <p:cNvPr id="1" name=""/>
+        <p:cNvGrpSpPr/>
+        <p:nvPr/>
+      </p:nvGrpSpPr>
+      <p:grpSpPr>
+        <a:xfrm>
+          <a:off x="0" y="0"/>
+          <a:ext cx="0" cy="0"/>
+          <a:chOff x="0" y="0"/>
+          <a:chExt cx="0" cy="0"/>
+        </a:xfrm>
+      </p:grpSpPr>
+      <p:sp>
+        <p:nvSpPr>
+          <p:cNvPr id="180" name="Shape 180"/>
+          <p:cNvSpPr>
+            <a:spLocks noGrp="1"/>
+          </p:cNvSpPr>
+          <p:nvPr>
+            <p:ph type="title"/>
+          </p:nvPr>
+        </p:nvSpPr>
+        <p:spPr>
+          <a:xfrm>
+            <a:off x="481584" y="1"/>
+            <a:ext cx="8229600" cy="682752"/>
+          </a:xfrm>
+          <a:prstGeom prst="rect">
+            <a:avLst/>
+          </a:prstGeom>
+        </p:spPr>
+        <p:txBody>
+          <a:bodyPr>
+            <a:normAutofit fontScale="90000"/>
+          </a:bodyPr>
+          <a:lstStyle/>
+          <a:p>
+            <a:pPr lvl="0">
+              <a:defRPr sz="1800"/>
+            </a:pPr>
+            <a:r>
+              <a:rPr lang="en-US" sz="4400" dirty="0"/>
+              <a:t>Running in Debug Mode</a:t>
+            </a:r>
+            <a:endParaRPr sz="4400" dirty="0"/>
+          </a:p>
+        </p:txBody>
+      </p:sp>
+      <p:pic>
+        <p:nvPicPr>
+          <p:cNvPr id="8" name="Picture 7" descr="Graphical user interface&#10;&#10;Description automatically generated with low confidence">
+            <a:extLst>
+              <a:ext uri="{FF2B5EF4-FFF2-40B4-BE49-F238E27FC236}">
+                <a16:creationId xmlns:a16="http://schemas.microsoft.com/office/drawing/2014/main" id="{F5805A82-B52F-0B42-A535-946683B08C5A}"/>
+              </a:ext>
+            </a:extLst>
+          </p:cNvPr>
+          <p:cNvPicPr>
+            <a:picLocks noChangeAspect="1"/>
+          </p:cNvPicPr>
+          <p:nvPr/>
+        </p:nvPicPr>
+        <p:blipFill>
+          <a:blip r:embed="rId3"/>
+          <a:stretch>
+            <a:fillRect/>
+          </a:stretch>
+        </p:blipFill>
+        <p:spPr>
+          <a:xfrm>
+            <a:off x="1299566" y="658368"/>
+            <a:ext cx="6247281" cy="6007528"/>
+          </a:xfrm>
+          <a:prstGeom prst="rect">
+            <a:avLst/>
+          </a:prstGeom>
+        </p:spPr>
+      </p:pic>
+    </p:spTree>
+    <p:extLst>
+      <p:ext uri="{BB962C8B-B14F-4D97-AF65-F5344CB8AC3E}">
+        <p14:creationId xmlns:p14="http://schemas.microsoft.com/office/powerpoint/2010/main" val="1816151128"/>
+      </p:ext>
+    </p:extLst>
+  </p:cSld>
+  <p:clrMapOvr>
+    <a:masterClrMapping/>
+  </p:clrMapOvr>
+</p:sld>
+</file>
+
+<file path=ppt/slides/slide14.xml><?xml version="1.0" encoding="utf-8"?>
+<p:sld xmlns:a="http://schemas.openxmlformats.org/drawingml/2006/main" xmlns:r="http://schemas.openxmlformats.org/officeDocument/2006/relationships" xmlns:p="http://schemas.openxmlformats.org/presentationml/2006/main">
+  <p:cSld>
+    <p:spTree>
+      <p:nvGrpSpPr>
+        <p:cNvPr id="1" name=""/>
+        <p:cNvGrpSpPr/>
+        <p:nvPr/>
+      </p:nvGrpSpPr>
+      <p:grpSpPr>
+        <a:xfrm>
+          <a:off x="0" y="0"/>
+          <a:ext cx="0" cy="0"/>
+          <a:chOff x="0" y="0"/>
+          <a:chExt cx="0" cy="0"/>
+        </a:xfrm>
+      </p:grpSpPr>
+      <p:sp>
+        <p:nvSpPr>
+          <p:cNvPr id="179" name="Shape 179"/>
+          <p:cNvSpPr>
+            <a:spLocks noGrp="1"/>
+          </p:cNvSpPr>
+          <p:nvPr>
+            <p:ph type="body" idx="1"/>
+          </p:nvPr>
+        </p:nvSpPr>
+        <p:spPr>
+          <a:xfrm>
+            <a:off x="457200" y="1600200"/>
+            <a:ext cx="8229600" cy="4525963"/>
+          </a:xfrm>
+          <a:prstGeom prst="rect">
+            <a:avLst/>
+          </a:prstGeom>
+        </p:spPr>
+        <p:txBody>
+          <a:bodyPr/>
+          <a:lstStyle/>
+          <a:p>
+            <a:pPr marL="0" lvl="0" indent="0">
+              <a:lnSpc>
+                <a:spcPct val="80000"/>
+              </a:lnSpc>
+              <a:spcBef>
+                <a:spcPts val="600"/>
+              </a:spcBef>
+              <a:buNone/>
+              <a:defRPr sz="1800"/>
+            </a:pPr>
+            <a:endParaRPr sz="2900" dirty="0"/>
+          </a:p>
+        </p:txBody>
+      </p:sp>
+      <p:sp>
+        <p:nvSpPr>
+          <p:cNvPr id="180" name="Shape 180"/>
+          <p:cNvSpPr>
+            <a:spLocks noGrp="1"/>
+          </p:cNvSpPr>
+          <p:nvPr>
+            <p:ph type="title"/>
+          </p:nvPr>
+        </p:nvSpPr>
+        <p:spPr>
+          <a:xfrm>
+            <a:off x="457200" y="188141"/>
+            <a:ext cx="8229600" cy="1143001"/>
+          </a:xfrm>
+          <a:prstGeom prst="rect">
+            <a:avLst/>
+          </a:prstGeom>
+        </p:spPr>
+        <p:txBody>
+          <a:bodyPr/>
+          <a:lstStyle/>
+          <a:p>
+            <a:pPr lvl="0">
+              <a:defRPr sz="1800"/>
+            </a:pPr>
+            <a:r>
+              <a:rPr lang="en-US" sz="4400" dirty="0"/>
+              <a:t>Setting Breakpoint</a:t>
+            </a:r>
+            <a:endParaRPr sz="4400" dirty="0"/>
+          </a:p>
+        </p:txBody>
+      </p:sp>
+      <p:pic>
+        <p:nvPicPr>
+          <p:cNvPr id="3" name="Picture 2" descr="Graphical user interface, text, application&#10;&#10;Description automatically generated">
+            <a:extLst>
+              <a:ext uri="{FF2B5EF4-FFF2-40B4-BE49-F238E27FC236}">
+                <a16:creationId xmlns:a16="http://schemas.microsoft.com/office/drawing/2014/main" id="{3EB711E5-5E8F-8C41-9E08-C37051877EDA}"/>
+              </a:ext>
+            </a:extLst>
+          </p:cNvPr>
+          <p:cNvPicPr>
+            <a:picLocks noChangeAspect="1"/>
+          </p:cNvPicPr>
+          <p:nvPr/>
+        </p:nvPicPr>
+        <p:blipFill>
+          <a:blip r:embed="rId3"/>
+          <a:stretch>
+            <a:fillRect/>
+          </a:stretch>
+        </p:blipFill>
+        <p:spPr>
+          <a:xfrm>
+            <a:off x="0" y="2074942"/>
+            <a:ext cx="9144000" cy="2708115"/>
+          </a:xfrm>
+          <a:prstGeom prst="rect">
+            <a:avLst/>
+          </a:prstGeom>
+        </p:spPr>
+      </p:pic>
+    </p:spTree>
+    <p:extLst>
+      <p:ext uri="{BB962C8B-B14F-4D97-AF65-F5344CB8AC3E}">
+        <p14:creationId xmlns:p14="http://schemas.microsoft.com/office/powerpoint/2010/main" val="1088218387"/>
+      </p:ext>
+    </p:extLst>
+  </p:cSld>
+  <p:clrMapOvr>
+    <a:masterClrMapping/>
+  </p:clrMapOvr>
+</p:sld>
+</file>
+
+<file path=ppt/slides/slide15.xml><?xml version="1.0" encoding="utf-8"?>
 <p:sld xmlns:a="http://schemas.openxmlformats.org/drawingml/2006/main" xmlns:r="http://schemas.openxmlformats.org/officeDocument/2006/relationships" xmlns:p="http://schemas.openxmlformats.org/presentationml/2006/main">
   <p:cSld>
     <p:spTree>
@@ -5834,254 +6516,7 @@
     </p:spTree>
     <p:extLst>
       <p:ext uri="{BB962C8B-B14F-4D97-AF65-F5344CB8AC3E}">
-        <p14:creationId xmlns:p14="http://schemas.microsoft.com/office/powerpoint/2010/main" val="2752612510"/>
-      </p:ext>
-    </p:extLst>
-  </p:cSld>
-  <p:clrMapOvr>
-    <a:masterClrMapping/>
-  </p:clrMapOvr>
-</p:sld>
-</file>
-
-<file path=ppt/slides/slide13.xml><?xml version="1.0" encoding="utf-8"?>
-<p:sld xmlns:a="http://schemas.openxmlformats.org/drawingml/2006/main" xmlns:r="http://schemas.openxmlformats.org/officeDocument/2006/relationships" xmlns:p="http://schemas.openxmlformats.org/presentationml/2006/main">
-  <p:cSld>
-    <p:spTree>
-      <p:nvGrpSpPr>
-        <p:cNvPr id="1" name=""/>
-        <p:cNvGrpSpPr/>
-        <p:nvPr/>
-      </p:nvGrpSpPr>
-      <p:grpSpPr>
-        <a:xfrm>
-          <a:off x="0" y="0"/>
-          <a:ext cx="0" cy="0"/>
-          <a:chOff x="0" y="0"/>
-          <a:chExt cx="0" cy="0"/>
-        </a:xfrm>
-      </p:grpSpPr>
-      <p:sp>
-        <p:nvSpPr>
-          <p:cNvPr id="2" name="Title 1"/>
-          <p:cNvSpPr>
-            <a:spLocks noGrp="1"/>
-          </p:cNvSpPr>
-          <p:nvPr>
-            <p:ph type="title"/>
-          </p:nvPr>
-        </p:nvSpPr>
-        <p:spPr/>
-        <p:txBody>
-          <a:bodyPr>
-            <a:normAutofit fontScale="90000"/>
-          </a:bodyPr>
-          <a:lstStyle/>
-          <a:p>
-            <a:r>
-              <a:rPr lang="en-US" dirty="0"/>
-              <a:t>Important </a:t>
-            </a:r>
-            <a:r>
-              <a:rPr lang="en-US" dirty="0" err="1"/>
-              <a:t>gotcha</a:t>
-            </a:r>
-            <a:r>
-              <a:rPr lang="en-US" dirty="0"/>
-              <a:t>: Strings in java are immutable</a:t>
-            </a:r>
-          </a:p>
-        </p:txBody>
-      </p:sp>
-      <p:sp>
-        <p:nvSpPr>
-          <p:cNvPr id="3" name="Content Placeholder 2"/>
-          <p:cNvSpPr>
-            <a:spLocks noGrp="1"/>
-          </p:cNvSpPr>
-          <p:nvPr>
-            <p:ph idx="1"/>
-          </p:nvPr>
-        </p:nvSpPr>
-        <p:spPr/>
-        <p:txBody>
-          <a:bodyPr/>
-          <a:lstStyle/>
-          <a:p>
-            <a:r>
-              <a:rPr lang="en-US" dirty="0"/>
-              <a:t>No method on the string class will modify the content of a string</a:t>
-            </a:r>
-          </a:p>
-          <a:p>
-            <a:r>
-              <a:rPr lang="en-US" dirty="0"/>
-              <a:t>All methods instead return a new string</a:t>
-            </a:r>
-          </a:p>
-        </p:txBody>
-      </p:sp>
-    </p:spTree>
-    <p:extLst>
-      <p:ext uri="{BB962C8B-B14F-4D97-AF65-F5344CB8AC3E}">
-        <p14:creationId xmlns:p14="http://schemas.microsoft.com/office/powerpoint/2010/main" val="982965375"/>
-      </p:ext>
-    </p:extLst>
-  </p:cSld>
-  <p:clrMapOvr>
-    <a:masterClrMapping/>
-  </p:clrMapOvr>
-</p:sld>
-</file>
-
-<file path=ppt/slides/slide14.xml><?xml version="1.0" encoding="utf-8"?>
-<p:sld xmlns:a="http://schemas.openxmlformats.org/drawingml/2006/main" xmlns:r="http://schemas.openxmlformats.org/officeDocument/2006/relationships" xmlns:p="http://schemas.openxmlformats.org/presentationml/2006/main">
-  <p:cSld>
-    <p:spTree>
-      <p:nvGrpSpPr>
-        <p:cNvPr id="1" name=""/>
-        <p:cNvGrpSpPr/>
-        <p:nvPr/>
-      </p:nvGrpSpPr>
-      <p:grpSpPr>
-        <a:xfrm>
-          <a:off x="0" y="0"/>
-          <a:ext cx="0" cy="0"/>
-          <a:chOff x="0" y="0"/>
-          <a:chExt cx="0" cy="0"/>
-        </a:xfrm>
-      </p:grpSpPr>
-      <p:sp>
-        <p:nvSpPr>
-          <p:cNvPr id="2" name="Title 1"/>
-          <p:cNvSpPr>
-            <a:spLocks noGrp="1"/>
-          </p:cNvSpPr>
-          <p:nvPr>
-            <p:ph type="title"/>
-          </p:nvPr>
-        </p:nvSpPr>
-        <p:spPr/>
-        <p:txBody>
-          <a:bodyPr/>
-          <a:lstStyle/>
-          <a:p>
-            <a:r>
-              <a:rPr lang="en-US" dirty="0"/>
-              <a:t>Agenda</a:t>
-            </a:r>
-          </a:p>
-        </p:txBody>
-      </p:sp>
-      <p:sp>
-        <p:nvSpPr>
-          <p:cNvPr id="3" name="Content Placeholder 2"/>
-          <p:cNvSpPr>
-            <a:spLocks noGrp="1"/>
-          </p:cNvSpPr>
-          <p:nvPr>
-            <p:ph idx="1"/>
-          </p:nvPr>
-        </p:nvSpPr>
-        <p:spPr/>
-        <p:txBody>
-          <a:bodyPr/>
-          <a:lstStyle/>
-          <a:p>
-            <a:r>
-              <a:rPr lang="en-US" strike="sngStrike" dirty="0"/>
-              <a:t>Coding Conventions, Style, Grading</a:t>
-            </a:r>
-          </a:p>
-          <a:p>
-            <a:r>
-              <a:rPr lang="en-US" strike="sngStrike" dirty="0"/>
-              <a:t>Debugging</a:t>
-            </a:r>
-          </a:p>
-          <a:p>
-            <a:r>
-              <a:rPr lang="en-US" dirty="0"/>
-              <a:t>Objects and Classes</a:t>
-            </a:r>
-          </a:p>
-        </p:txBody>
-      </p:sp>
-    </p:spTree>
-    <p:extLst>
-      <p:ext uri="{BB962C8B-B14F-4D97-AF65-F5344CB8AC3E}">
-        <p14:creationId xmlns:p14="http://schemas.microsoft.com/office/powerpoint/2010/main" val="1338212096"/>
-      </p:ext>
-    </p:extLst>
-  </p:cSld>
-  <p:clrMapOvr>
-    <a:masterClrMapping/>
-  </p:clrMapOvr>
-</p:sld>
-</file>
-
-<file path=ppt/slides/slide15.xml><?xml version="1.0" encoding="utf-8"?>
-<p:sld xmlns:a="http://schemas.openxmlformats.org/drawingml/2006/main" xmlns:r="http://schemas.openxmlformats.org/officeDocument/2006/relationships" xmlns:p="http://schemas.openxmlformats.org/presentationml/2006/main">
-  <p:cSld>
-    <p:spTree>
-      <p:nvGrpSpPr>
-        <p:cNvPr id="1" name=""/>
-        <p:cNvGrpSpPr/>
-        <p:nvPr/>
-      </p:nvGrpSpPr>
-      <p:grpSpPr>
-        <a:xfrm>
-          <a:off x="0" y="0"/>
-          <a:ext cx="0" cy="0"/>
-          <a:chOff x="0" y="0"/>
-          <a:chExt cx="0" cy="0"/>
-        </a:xfrm>
-      </p:grpSpPr>
-      <p:sp>
-        <p:nvSpPr>
-          <p:cNvPr id="4" name="Title 3"/>
-          <p:cNvSpPr>
-            <a:spLocks noGrp="1"/>
-          </p:cNvSpPr>
-          <p:nvPr>
-            <p:ph type="ctrTitle"/>
-          </p:nvPr>
-        </p:nvSpPr>
-        <p:spPr/>
-        <p:txBody>
-          <a:bodyPr/>
-          <a:lstStyle/>
-          <a:p>
-            <a:r>
-              <a:rPr lang="en-US" dirty="0"/>
-              <a:t>Object Basics</a:t>
-            </a:r>
-          </a:p>
-        </p:txBody>
-      </p:sp>
-      <p:sp>
-        <p:nvSpPr>
-          <p:cNvPr id="5" name="Subtitle 4"/>
-          <p:cNvSpPr>
-            <a:spLocks noGrp="1"/>
-          </p:cNvSpPr>
-          <p:nvPr>
-            <p:ph type="subTitle" idx="1"/>
-          </p:nvPr>
-        </p:nvSpPr>
-        <p:spPr/>
-        <p:txBody>
-          <a:bodyPr/>
-          <a:lstStyle/>
-          <a:p>
-            <a:endParaRPr lang="en-US"/>
-          </a:p>
-        </p:txBody>
-      </p:sp>
-    </p:spTree>
-    <p:extLst>
-      <p:ext uri="{BB962C8B-B14F-4D97-AF65-F5344CB8AC3E}">
-        <p14:creationId xmlns:p14="http://schemas.microsoft.com/office/powerpoint/2010/main" val="3070909107"/>
+        <p14:creationId xmlns:p14="http://schemas.microsoft.com/office/powerpoint/2010/main" val="2339469140"/>
       </p:ext>
     </p:extLst>
   </p:cSld>
@@ -6118,81 +6553,56 @@
             <p:ph type="title"/>
           </p:nvPr>
         </p:nvSpPr>
-        <p:spPr/>
-        <p:txBody>
-          <a:bodyPr>
-            <a:normAutofit/>
-          </a:bodyPr>
+        <p:spPr>
+          <a:xfrm>
+            <a:off x="457200" y="0"/>
+            <a:ext cx="8229600" cy="851770"/>
+          </a:xfrm>
+        </p:spPr>
+        <p:txBody>
+          <a:bodyPr/>
           <a:lstStyle/>
           <a:p>
             <a:r>
               <a:rPr lang="en-US" dirty="0"/>
-              <a:t>Class – What, When, Why, &amp; How?</a:t>
-            </a:r>
-          </a:p>
-        </p:txBody>
-      </p:sp>
-      <p:sp>
-        <p:nvSpPr>
-          <p:cNvPr id="3" name="Content Placeholder 2"/>
-          <p:cNvSpPr>
-            <a:spLocks noGrp="1"/>
-          </p:cNvSpPr>
+              <a:t>Interpreting a JUnit Test Failure</a:t>
+            </a:r>
+          </a:p>
+        </p:txBody>
+      </p:sp>
+      <p:pic>
+        <p:nvPicPr>
+          <p:cNvPr id="6" name="Content Placeholder 5" descr="Text&#10;&#10;Description automatically generated">
+            <a:extLst>
+              <a:ext uri="{FF2B5EF4-FFF2-40B4-BE49-F238E27FC236}">
+                <a16:creationId xmlns:a16="http://schemas.microsoft.com/office/drawing/2014/main" id="{CE5397F3-8D2F-904C-8EC3-781843287773}"/>
+              </a:ext>
+            </a:extLst>
+          </p:cNvPr>
+          <p:cNvPicPr>
+            <a:picLocks noGrp="1" noChangeAspect="1"/>
+          </p:cNvPicPr>
           <p:nvPr>
             <p:ph idx="1"/>
           </p:nvPr>
-        </p:nvSpPr>
-        <p:spPr/>
-        <p:txBody>
-          <a:bodyPr/>
-          <a:lstStyle/>
-          <a:p>
-            <a:pPr marL="0" indent="0">
-              <a:buNone/>
-            </a:pPr>
-            <a:r>
-              <a:rPr lang="en-US" dirty="0"/>
-              <a:t>What:</a:t>
-            </a:r>
-          </a:p>
-          <a:p>
-            <a:r>
-              <a:rPr lang="en-US" dirty="0"/>
-              <a:t>A blueprint for a custom </a:t>
-            </a:r>
-            <a:r>
-              <a:rPr lang="en-US" b="1" dirty="0"/>
-              <a:t>type</a:t>
-            </a:r>
-            <a:endParaRPr lang="en-US" dirty="0"/>
-          </a:p>
-          <a:p>
-            <a:pPr marL="0" indent="0">
-              <a:buNone/>
-            </a:pPr>
-            <a:r>
-              <a:rPr lang="en-US" dirty="0"/>
-              <a:t>When:</a:t>
-            </a:r>
-          </a:p>
-          <a:p>
-            <a:r>
-              <a:rPr lang="en-US" dirty="0"/>
-              <a:t>Define a class when you’re representing a concept (think nouns)</a:t>
-            </a:r>
-          </a:p>
-          <a:p>
-            <a:r>
-              <a:rPr lang="en-US" dirty="0"/>
-              <a:t>When no other existing type can do what you want/need</a:t>
-            </a:r>
-          </a:p>
-        </p:txBody>
-      </p:sp>
+        </p:nvPicPr>
+        <p:blipFill>
+          <a:blip r:embed="rId3"/>
+          <a:stretch>
+            <a:fillRect/>
+          </a:stretch>
+        </p:blipFill>
+        <p:spPr>
+          <a:xfrm>
+            <a:off x="407807" y="868495"/>
+            <a:ext cx="8435568" cy="5989505"/>
+          </a:xfrm>
+        </p:spPr>
+      </p:pic>
     </p:spTree>
     <p:extLst>
       <p:ext uri="{BB962C8B-B14F-4D97-AF65-F5344CB8AC3E}">
-        <p14:creationId xmlns:p14="http://schemas.microsoft.com/office/powerpoint/2010/main" val="2434022835"/>
+        <p14:creationId xmlns:p14="http://schemas.microsoft.com/office/powerpoint/2010/main" val="1404785762"/>
       </p:ext>
     </p:extLst>
   </p:cSld>
@@ -6231,112 +6641,303 @@
         </p:nvSpPr>
         <p:spPr/>
         <p:txBody>
+          <a:bodyPr>
+            <a:normAutofit fontScale="90000"/>
+          </a:bodyPr>
+          <a:lstStyle/>
+          <a:p>
+            <a:r>
+              <a:rPr lang="en-US" dirty="0"/>
+              <a:t>Important </a:t>
+            </a:r>
+            <a:r>
+              <a:rPr lang="en-US" dirty="0" err="1"/>
+              <a:t>gotcha</a:t>
+            </a:r>
+            <a:r>
+              <a:rPr lang="en-US" dirty="0"/>
+              <a:t>: Strings in java are immutable</a:t>
+            </a:r>
+          </a:p>
+        </p:txBody>
+      </p:sp>
+      <p:sp>
+        <p:nvSpPr>
+          <p:cNvPr id="3" name="Content Placeholder 2"/>
+          <p:cNvSpPr>
+            <a:spLocks noGrp="1"/>
+          </p:cNvSpPr>
+          <p:nvPr>
+            <p:ph idx="1"/>
+          </p:nvPr>
+        </p:nvSpPr>
+        <p:spPr>
+          <a:xfrm>
+            <a:off x="457200" y="1600200"/>
+            <a:ext cx="8378042" cy="4525963"/>
+          </a:xfrm>
+        </p:spPr>
+        <p:txBody>
           <a:bodyPr/>
           <a:lstStyle/>
           <a:p>
             <a:r>
               <a:rPr lang="en-US" dirty="0"/>
-              <a:t>Class – What, When, Why, &amp; How?</a:t>
-            </a:r>
-          </a:p>
-        </p:txBody>
-      </p:sp>
-      <p:sp>
-        <p:nvSpPr>
-          <p:cNvPr id="3" name="Content Placeholder 2"/>
-          <p:cNvSpPr>
-            <a:spLocks noGrp="1"/>
-          </p:cNvSpPr>
-          <p:nvPr>
-            <p:ph idx="1"/>
-          </p:nvPr>
-        </p:nvSpPr>
-        <p:spPr/>
-        <p:txBody>
-          <a:bodyPr>
-            <a:normAutofit lnSpcReduction="10000"/>
-          </a:bodyPr>
-          <a:lstStyle/>
+              <a:t>No method on the string class will modify the content of a String variable</a:t>
+            </a:r>
+          </a:p>
+          <a:p>
+            <a:r>
+              <a:rPr lang="en-US" dirty="0"/>
+              <a:t>All methods instead </a:t>
+            </a:r>
+            <a:r>
+              <a:rPr lang="en-US" i="1" dirty="0"/>
+              <a:t>return</a:t>
+            </a:r>
+            <a:r>
+              <a:rPr lang="en-US" dirty="0"/>
+              <a:t> a reference to a new String object</a:t>
+            </a:r>
+          </a:p>
           <a:p>
             <a:pPr marL="0" indent="0">
               <a:buNone/>
             </a:pPr>
             <a:r>
+              <a:rPr lang="en-US" sz="2400" dirty="0">
+                <a:latin typeface="Courier New" panose="02070309020205020404" pitchFamily="49" charset="0"/>
+                <a:cs typeface="Courier New" panose="02070309020205020404" pitchFamily="49" charset="0"/>
+              </a:rPr>
+              <a:t>String </a:t>
+            </a:r>
+            <a:r>
+              <a:rPr lang="en-US" sz="2400" dirty="0" err="1">
+                <a:latin typeface="Courier New" panose="02070309020205020404" pitchFamily="49" charset="0"/>
+                <a:cs typeface="Courier New" panose="02070309020205020404" pitchFamily="49" charset="0"/>
+              </a:rPr>
+              <a:t>newSentence</a:t>
+            </a:r>
+            <a:r>
+              <a:rPr lang="en-US" sz="2400" dirty="0">
+                <a:latin typeface="Courier New" panose="02070309020205020404" pitchFamily="49" charset="0"/>
+                <a:cs typeface="Courier New" panose="02070309020205020404" pitchFamily="49" charset="0"/>
+              </a:rPr>
+              <a:t> = </a:t>
+            </a:r>
+            <a:r>
+              <a:rPr lang="en-US" sz="2400" dirty="0" err="1">
+                <a:latin typeface="Courier New" panose="02070309020205020404" pitchFamily="49" charset="0"/>
+                <a:cs typeface="Courier New" panose="02070309020205020404" pitchFamily="49" charset="0"/>
+              </a:rPr>
+              <a:t>sentence.toUpperCase</a:t>
+            </a:r>
+            <a:r>
+              <a:rPr lang="en-US" sz="2400" dirty="0">
+                <a:latin typeface="Courier New" panose="02070309020205020404" pitchFamily="49" charset="0"/>
+                <a:cs typeface="Courier New" panose="02070309020205020404" pitchFamily="49" charset="0"/>
+              </a:rPr>
+              <a:t>();</a:t>
+            </a:r>
+          </a:p>
+          <a:p>
+            <a:endParaRPr lang="en-US" dirty="0"/>
+          </a:p>
+        </p:txBody>
+      </p:sp>
+      <p:sp>
+        <p:nvSpPr>
+          <p:cNvPr id="4" name="TextBox 3">
+            <a:extLst>
+              <a:ext uri="{FF2B5EF4-FFF2-40B4-BE49-F238E27FC236}">
+                <a16:creationId xmlns:a16="http://schemas.microsoft.com/office/drawing/2014/main" id="{DD20567E-A284-DA45-84C8-2E97F57399C5}"/>
+              </a:ext>
+            </a:extLst>
+          </p:cNvPr>
+          <p:cNvSpPr txBox="1"/>
+          <p:nvPr/>
+        </p:nvSpPr>
+        <p:spPr>
+          <a:xfrm>
+            <a:off x="3574473" y="4690753"/>
+            <a:ext cx="4358245" cy="646331"/>
+          </a:xfrm>
+          <a:prstGeom prst="rect">
+            <a:avLst/>
+          </a:prstGeom>
+          <a:noFill/>
+        </p:spPr>
+        <p:txBody>
+          <a:bodyPr wrap="square" rtlCol="0">
+            <a:spAutoFit/>
+          </a:bodyPr>
+          <a:lstStyle/>
+          <a:p>
+            <a:r>
               <a:rPr lang="en-US" dirty="0"/>
-              <a:t>Why:</a:t>
+              <a:t>Declare a new String variable</a:t>
             </a:r>
           </a:p>
           <a:p>
             <a:r>
               <a:rPr lang="en-US" dirty="0"/>
-              <a:t>Keep similar concepts together</a:t>
-            </a:r>
-          </a:p>
-          <a:p>
+              <a:t>Have new variable </a:t>
+            </a:r>
+            <a:r>
+              <a:rPr lang="en-US" i="1" dirty="0"/>
+              <a:t>catch</a:t>
+            </a:r>
             <a:r>
               <a:rPr lang="en-US" dirty="0"/>
-              <a:t>Encapsulation (we’ll expand on this next time)</a:t>
-            </a:r>
-          </a:p>
-          <a:p>
-            <a:pPr marL="0" indent="0">
-              <a:buNone/>
-            </a:pPr>
-            <a:r>
-              <a:rPr lang="en-US" dirty="0"/>
-              <a:t>How:</a:t>
-            </a:r>
-          </a:p>
-          <a:p>
-            <a:pPr marL="0" indent="0">
-              <a:buNone/>
-            </a:pPr>
-            <a:r>
-              <a:rPr lang="en-US" dirty="0"/>
-              <a:t>	public class </a:t>
-            </a:r>
-            <a:r>
-              <a:rPr lang="en-US" dirty="0" err="1"/>
-              <a:t>ClassName</a:t>
-            </a:r>
-            <a:r>
-              <a:rPr lang="en-US" dirty="0"/>
-              <a:t> {</a:t>
-            </a:r>
-          </a:p>
-          <a:p>
-            <a:pPr marL="0" indent="0">
-              <a:buNone/>
-            </a:pPr>
-            <a:r>
-              <a:rPr lang="en-US" dirty="0"/>
-              <a:t>		//fields</a:t>
-            </a:r>
-          </a:p>
-          <a:p>
-            <a:pPr marL="0" indent="0">
-              <a:buNone/>
-            </a:pPr>
-            <a:r>
-              <a:rPr lang="en-US" dirty="0"/>
-              <a:t>		//methods</a:t>
-            </a:r>
-          </a:p>
-          <a:p>
-            <a:pPr marL="0" indent="0">
-              <a:buNone/>
-            </a:pPr>
-            <a:r>
-              <a:rPr lang="en-US" dirty="0"/>
-              <a:t>	}</a:t>
-            </a:r>
+              <a:t> the returned String</a:t>
+            </a:r>
+          </a:p>
+        </p:txBody>
+      </p:sp>
+      <p:sp>
+        <p:nvSpPr>
+          <p:cNvPr id="6" name="Freeform 5">
+            <a:extLst>
+              <a:ext uri="{FF2B5EF4-FFF2-40B4-BE49-F238E27FC236}">
+                <a16:creationId xmlns:a16="http://schemas.microsoft.com/office/drawing/2014/main" id="{91B56161-2CD4-2749-A29F-5B591F4B79E2}"/>
+              </a:ext>
+            </a:extLst>
+          </p:cNvPr>
+          <p:cNvSpPr/>
+          <p:nvPr/>
+        </p:nvSpPr>
+        <p:spPr>
+          <a:xfrm>
+            <a:off x="2600696" y="4322618"/>
+            <a:ext cx="938150" cy="785672"/>
+          </a:xfrm>
+          <a:custGeom>
+            <a:avLst/>
+            <a:gdLst>
+              <a:gd name="connsiteX0" fmla="*/ 938150 w 938150"/>
+              <a:gd name="connsiteY0" fmla="*/ 748146 h 785672"/>
+              <a:gd name="connsiteX1" fmla="*/ 308758 w 938150"/>
+              <a:gd name="connsiteY1" fmla="*/ 700644 h 785672"/>
+              <a:gd name="connsiteX2" fmla="*/ 0 w 938150"/>
+              <a:gd name="connsiteY2" fmla="*/ 0 h 785672"/>
+            </a:gdLst>
+            <a:ahLst/>
+            <a:cxnLst>
+              <a:cxn ang="0">
+                <a:pos x="connsiteX0" y="connsiteY0"/>
+              </a:cxn>
+              <a:cxn ang="0">
+                <a:pos x="connsiteX1" y="connsiteY1"/>
+              </a:cxn>
+              <a:cxn ang="0">
+                <a:pos x="connsiteX2" y="connsiteY2"/>
+              </a:cxn>
+            </a:cxnLst>
+            <a:rect l="l" t="t" r="r" b="b"/>
+            <a:pathLst>
+              <a:path w="938150" h="785672">
+                <a:moveTo>
+                  <a:pt x="938150" y="748146"/>
+                </a:moveTo>
+                <a:cubicBezTo>
+                  <a:pt x="701633" y="786740"/>
+                  <a:pt x="465116" y="825335"/>
+                  <a:pt x="308758" y="700644"/>
+                </a:cubicBezTo>
+                <a:cubicBezTo>
+                  <a:pt x="152400" y="575953"/>
+                  <a:pt x="76200" y="287976"/>
+                  <a:pt x="0" y="0"/>
+                </a:cubicBezTo>
+              </a:path>
+            </a:pathLst>
+          </a:custGeom>
+          <a:noFill/>
+          <a:ln w="38100">
+            <a:solidFill>
+              <a:srgbClr val="FF0000"/>
+            </a:solidFill>
+            <a:headEnd type="none" w="med" len="med"/>
+            <a:tailEnd type="arrow" w="med" len="med"/>
+          </a:ln>
+        </p:spPr>
+        <p:style>
+          <a:lnRef idx="1">
+            <a:schemeClr val="accent1"/>
+          </a:lnRef>
+          <a:fillRef idx="3">
+            <a:schemeClr val="accent1"/>
+          </a:fillRef>
+          <a:effectRef idx="2">
+            <a:schemeClr val="accent1"/>
+          </a:effectRef>
+          <a:fontRef idx="minor">
+            <a:schemeClr val="lt1"/>
+          </a:fontRef>
+        </p:style>
+        <p:txBody>
+          <a:bodyPr rtlCol="0" anchor="ctr"/>
+          <a:lstStyle/>
+          <a:p>
+            <a:pPr algn="ctr"/>
+            <a:endParaRPr lang="en-US"/>
+          </a:p>
+        </p:txBody>
+      </p:sp>
+      <p:sp>
+        <p:nvSpPr>
+          <p:cNvPr id="7" name="Rounded Rectangle 6">
+            <a:extLst>
+              <a:ext uri="{FF2B5EF4-FFF2-40B4-BE49-F238E27FC236}">
+                <a16:creationId xmlns:a16="http://schemas.microsoft.com/office/drawing/2014/main" id="{C73643A2-C2F9-0341-A5FB-FC645440D0B8}"/>
+              </a:ext>
+            </a:extLst>
+          </p:cNvPr>
+          <p:cNvSpPr/>
+          <p:nvPr/>
+        </p:nvSpPr>
+        <p:spPr>
+          <a:xfrm>
+            <a:off x="3538847" y="4702629"/>
+            <a:ext cx="4239491" cy="605641"/>
+          </a:xfrm>
+          <a:prstGeom prst="roundRect">
+            <a:avLst/>
+          </a:prstGeom>
+          <a:noFill/>
+          <a:ln w="12700">
+            <a:solidFill>
+              <a:srgbClr val="FF0000"/>
+            </a:solidFill>
+          </a:ln>
+        </p:spPr>
+        <p:style>
+          <a:lnRef idx="1">
+            <a:schemeClr val="accent1"/>
+          </a:lnRef>
+          <a:fillRef idx="3">
+            <a:schemeClr val="accent1"/>
+          </a:fillRef>
+          <a:effectRef idx="2">
+            <a:schemeClr val="accent1"/>
+          </a:effectRef>
+          <a:fontRef idx="minor">
+            <a:schemeClr val="lt1"/>
+          </a:fontRef>
+        </p:style>
+        <p:txBody>
+          <a:bodyPr rtlCol="0" anchor="ctr"/>
+          <a:lstStyle/>
+          <a:p>
+            <a:pPr algn="ctr"/>
+            <a:endParaRPr lang="en-US"/>
           </a:p>
         </p:txBody>
       </p:sp>
     </p:spTree>
     <p:extLst>
       <p:ext uri="{BB962C8B-B14F-4D97-AF65-F5344CB8AC3E}">
-        <p14:creationId xmlns:p14="http://schemas.microsoft.com/office/powerpoint/2010/main" val="358212777"/>
+        <p14:creationId xmlns:p14="http://schemas.microsoft.com/office/powerpoint/2010/main" val="3589803863"/>
       </p:ext>
     </p:extLst>
   </p:cSld>
@@ -6365,7 +6966,7 @@
       </p:grpSpPr>
       <p:sp>
         <p:nvSpPr>
-          <p:cNvPr id="3" name="Title 2"/>
+          <p:cNvPr id="2" name="Title 1"/>
           <p:cNvSpPr>
             <a:spLocks noGrp="1"/>
           </p:cNvSpPr>
@@ -6378,22 +6979,16 @@
           <a:bodyPr/>
           <a:lstStyle/>
           <a:p>
-            <a:pPr eaLnBrk="1" fontAlgn="auto" hangingPunct="1">
-              <a:spcAft>
-                <a:spcPts val="0"/>
-              </a:spcAft>
-              <a:defRPr/>
-            </a:pPr>
             <a:r>
               <a:rPr lang="en-US" dirty="0"/>
-              <a:t>Using Objects and Methods</a:t>
-            </a:r>
-          </a:p>
-        </p:txBody>
-      </p:sp>
-      <p:sp>
-        <p:nvSpPr>
-          <p:cNvPr id="2" name="Content Placeholder 1"/>
+              <a:t>Agenda</a:t>
+            </a:r>
+          </a:p>
+        </p:txBody>
+      </p:sp>
+      <p:sp>
+        <p:nvSpPr>
+          <p:cNvPr id="3" name="Content Placeholder 2"/>
           <p:cNvSpPr>
             <a:spLocks noGrp="1"/>
           </p:cNvSpPr>
@@ -6403,564 +6998,24 @@
         </p:nvSpPr>
         <p:spPr/>
         <p:txBody>
-          <a:bodyPr>
-            <a:normAutofit/>
-          </a:bodyPr>
-          <a:lstStyle/>
-          <a:p>
-            <a:pPr marL="365760" indent="-256032" eaLnBrk="1" fontAlgn="auto" hangingPunct="1">
-              <a:spcAft>
-                <a:spcPts val="0"/>
-              </a:spcAft>
-              <a:buFont typeface="Wingdings 3"/>
-              <a:buChar char=""/>
-              <a:defRPr/>
-            </a:pPr>
+          <a:bodyPr/>
+          <a:lstStyle/>
+          <a:p>
+            <a:r>
+              <a:rPr lang="en-US" strike="sngStrike" dirty="0"/>
+              <a:t>Coding Conventions, Style, Grading</a:t>
+            </a:r>
+          </a:p>
+          <a:p>
+            <a:r>
+              <a:rPr lang="en-US" strike="sngStrike" dirty="0"/>
+              <a:t>Debugging</a:t>
+            </a:r>
+          </a:p>
+          <a:p>
             <a:r>
               <a:rPr lang="en-US" dirty="0"/>
-              <a:t>Works just like Python:</a:t>
-            </a:r>
-          </a:p>
-          <a:p>
-            <a:pPr marL="621792" lvl="1" eaLnBrk="1" fontAlgn="auto" hangingPunct="1">
-              <a:spcBef>
-                <a:spcPts val="324"/>
-              </a:spcBef>
-              <a:spcAft>
-                <a:spcPts val="0"/>
-              </a:spcAft>
-              <a:buFont typeface="Verdana"/>
-              <a:buChar char="◦"/>
-              <a:defRPr/>
-            </a:pPr>
-            <a:r>
-              <a:rPr lang="en-US" i="1" dirty="0" err="1">
-                <a:solidFill>
-                  <a:schemeClr val="accent4"/>
-                </a:solidFill>
-                <a:latin typeface="Consolas" pitchFamily="49" charset="0"/>
-              </a:rPr>
-              <a:t>object</a:t>
-            </a:r>
-            <a:r>
-              <a:rPr lang="en-US" dirty="0" err="1">
-                <a:solidFill>
-                  <a:schemeClr val="accent4"/>
-                </a:solidFill>
-                <a:latin typeface="Consolas" pitchFamily="49" charset="0"/>
-              </a:rPr>
-              <a:t>.</a:t>
-            </a:r>
-            <a:r>
-              <a:rPr lang="en-US" i="1" dirty="0" err="1">
-                <a:solidFill>
-                  <a:schemeClr val="accent4"/>
-                </a:solidFill>
-                <a:latin typeface="Consolas" pitchFamily="49" charset="0"/>
-              </a:rPr>
-              <a:t>method</a:t>
-            </a:r>
-            <a:r>
-              <a:rPr lang="en-US" dirty="0">
-                <a:solidFill>
-                  <a:schemeClr val="accent4"/>
-                </a:solidFill>
-                <a:latin typeface="Consolas" pitchFamily="49" charset="0"/>
-              </a:rPr>
-              <a:t>(</a:t>
-            </a:r>
-            <a:r>
-              <a:rPr lang="en-US" i="1" dirty="0">
-                <a:solidFill>
-                  <a:schemeClr val="accent4"/>
-                </a:solidFill>
-                <a:latin typeface="Consolas" pitchFamily="49" charset="0"/>
-              </a:rPr>
-              <a:t>argument</a:t>
-            </a:r>
-            <a:r>
-              <a:rPr lang="en-US" dirty="0">
-                <a:solidFill>
-                  <a:schemeClr val="accent4"/>
-                </a:solidFill>
-                <a:latin typeface="Consolas" pitchFamily="49" charset="0"/>
-              </a:rPr>
-              <a:t>, ...)</a:t>
-            </a:r>
-          </a:p>
-          <a:p>
-            <a:pPr marL="365760" indent="-256032" eaLnBrk="1" fontAlgn="auto" hangingPunct="1">
-              <a:spcAft>
-                <a:spcPts val="0"/>
-              </a:spcAft>
-              <a:buFont typeface="Wingdings 3"/>
-              <a:buChar char=""/>
-              <a:defRPr/>
-            </a:pPr>
-            <a:endParaRPr lang="en-US" dirty="0"/>
-          </a:p>
-          <a:p>
-            <a:pPr marL="365760" indent="-256032" eaLnBrk="1" fontAlgn="auto" hangingPunct="1">
-              <a:spcAft>
-                <a:spcPts val="0"/>
-              </a:spcAft>
-              <a:buFont typeface="Wingdings 3"/>
-              <a:buNone/>
-              <a:defRPr/>
-            </a:pPr>
-            <a:endParaRPr lang="en-US" dirty="0"/>
-          </a:p>
-          <a:p>
-            <a:pPr marL="365760" indent="-256032" eaLnBrk="1" fontAlgn="auto" hangingPunct="1">
-              <a:spcAft>
-                <a:spcPts val="0"/>
-              </a:spcAft>
-              <a:buFont typeface="Wingdings 3"/>
-              <a:buChar char=""/>
-              <a:defRPr/>
-            </a:pPr>
-            <a:endParaRPr lang="en-US" dirty="0"/>
-          </a:p>
-          <a:p>
-            <a:pPr marL="365760" indent="-256032" eaLnBrk="1" fontAlgn="auto" hangingPunct="1">
-              <a:spcAft>
-                <a:spcPts val="0"/>
-              </a:spcAft>
-              <a:buFont typeface="Wingdings 3"/>
-              <a:buChar char=""/>
-              <a:defRPr/>
-            </a:pPr>
-            <a:r>
-              <a:rPr lang="en-US" dirty="0"/>
-              <a:t>You’ve been using this in Java:</a:t>
-            </a:r>
-          </a:p>
-        </p:txBody>
-      </p:sp>
-      <p:cxnSp>
-        <p:nvCxnSpPr>
-          <p:cNvPr id="4" name="Straight Arrow Connector 3"/>
-          <p:cNvCxnSpPr>
-            <a:endCxn id="5" idx="0"/>
-          </p:cNvCxnSpPr>
-          <p:nvPr/>
-        </p:nvCxnSpPr>
-        <p:spPr>
-          <a:xfrm rot="5400000">
-            <a:off x="1344103" y="2913572"/>
-            <a:ext cx="628650" cy="228600"/>
-          </a:xfrm>
-          <a:prstGeom prst="straightConnector1">
-            <a:avLst/>
-          </a:prstGeom>
-          <a:ln w="28575">
-            <a:headEnd type="arrow" w="med" len="med"/>
-            <a:tailEnd type="none" w="med" len="med"/>
-          </a:ln>
-        </p:spPr>
-        <p:style>
-          <a:lnRef idx="1">
-            <a:schemeClr val="accent1"/>
-          </a:lnRef>
-          <a:fillRef idx="0">
-            <a:schemeClr val="accent1"/>
-          </a:fillRef>
-          <a:effectRef idx="0">
-            <a:schemeClr val="accent1"/>
-          </a:effectRef>
-          <a:fontRef idx="minor">
-            <a:schemeClr val="tx1"/>
-          </a:fontRef>
-        </p:style>
-      </p:cxnSp>
-      <p:sp>
-        <p:nvSpPr>
-          <p:cNvPr id="5" name="TextBox 4"/>
-          <p:cNvSpPr txBox="1"/>
-          <p:nvPr/>
-        </p:nvSpPr>
-        <p:spPr>
-          <a:xfrm>
-            <a:off x="886903" y="3342197"/>
-            <a:ext cx="1314450" cy="646113"/>
-          </a:xfrm>
-          <a:prstGeom prst="rect">
-            <a:avLst/>
-          </a:prstGeom>
-        </p:spPr>
-        <p:style>
-          <a:lnRef idx="2">
-            <a:schemeClr val="accent3">
-              <a:shade val="50000"/>
-            </a:schemeClr>
-          </a:lnRef>
-          <a:fillRef idx="1">
-            <a:schemeClr val="accent3"/>
-          </a:fillRef>
-          <a:effectRef idx="0">
-            <a:schemeClr val="accent3"/>
-          </a:effectRef>
-          <a:fontRef idx="minor">
-            <a:schemeClr val="lt1"/>
-          </a:fontRef>
-        </p:style>
-        <p:txBody>
-          <a:bodyPr>
-            <a:spAutoFit/>
-          </a:bodyPr>
-          <a:lstStyle/>
-          <a:p>
-            <a:pPr algn="ctr">
-              <a:defRPr/>
-            </a:pPr>
-            <a:r>
-              <a:rPr lang="en-US" i="1" dirty="0"/>
-              <a:t>Implicit</a:t>
-            </a:r>
-            <a:r>
-              <a:rPr lang="en-US" dirty="0"/>
-              <a:t> argument</a:t>
-            </a:r>
-          </a:p>
-        </p:txBody>
-      </p:sp>
-      <p:cxnSp>
-        <p:nvCxnSpPr>
-          <p:cNvPr id="10" name="Straight Arrow Connector 9"/>
-          <p:cNvCxnSpPr>
-            <a:endCxn id="11" idx="0"/>
-          </p:cNvCxnSpPr>
-          <p:nvPr/>
-        </p:nvCxnSpPr>
-        <p:spPr>
-          <a:xfrm rot="16200000" flipH="1">
-            <a:off x="4386264" y="2899284"/>
-            <a:ext cx="628650" cy="257175"/>
-          </a:xfrm>
-          <a:prstGeom prst="straightConnector1">
-            <a:avLst/>
-          </a:prstGeom>
-          <a:ln w="28575">
-            <a:headEnd type="arrow" w="med" len="med"/>
-            <a:tailEnd type="none" w="med" len="med"/>
-          </a:ln>
-        </p:spPr>
-        <p:style>
-          <a:lnRef idx="1">
-            <a:schemeClr val="accent1"/>
-          </a:lnRef>
-          <a:fillRef idx="0">
-            <a:schemeClr val="accent1"/>
-          </a:fillRef>
-          <a:effectRef idx="0">
-            <a:schemeClr val="accent1"/>
-          </a:effectRef>
-          <a:fontRef idx="minor">
-            <a:schemeClr val="tx1"/>
-          </a:fontRef>
-        </p:style>
-      </p:cxnSp>
-      <p:sp>
-        <p:nvSpPr>
-          <p:cNvPr id="11" name="TextBox 10"/>
-          <p:cNvSpPr txBox="1"/>
-          <p:nvPr/>
-        </p:nvSpPr>
-        <p:spPr>
-          <a:xfrm>
-            <a:off x="4057651" y="3342197"/>
-            <a:ext cx="1543050" cy="646113"/>
-          </a:xfrm>
-          <a:prstGeom prst="rect">
-            <a:avLst/>
-          </a:prstGeom>
-        </p:spPr>
-        <p:style>
-          <a:lnRef idx="2">
-            <a:schemeClr val="accent3">
-              <a:shade val="50000"/>
-            </a:schemeClr>
-          </a:lnRef>
-          <a:fillRef idx="1">
-            <a:schemeClr val="accent3"/>
-          </a:fillRef>
-          <a:effectRef idx="0">
-            <a:schemeClr val="accent3"/>
-          </a:effectRef>
-          <a:fontRef idx="minor">
-            <a:schemeClr val="lt1"/>
-          </a:fontRef>
-        </p:style>
-        <p:txBody>
-          <a:bodyPr>
-            <a:spAutoFit/>
-          </a:bodyPr>
-          <a:lstStyle/>
-          <a:p>
-            <a:pPr algn="ctr">
-              <a:defRPr/>
-            </a:pPr>
-            <a:r>
-              <a:rPr lang="en-US" i="1" dirty="0"/>
-              <a:t>Explicit </a:t>
-            </a:r>
-            <a:r>
-              <a:rPr lang="en-US" dirty="0"/>
-              <a:t>arguments</a:t>
-            </a:r>
-          </a:p>
-        </p:txBody>
-      </p:sp>
-      <p:sp>
-        <p:nvSpPr>
-          <p:cNvPr id="20488" name="TextBox 14"/>
-          <p:cNvSpPr txBox="1">
-            <a:spLocks noChangeArrowheads="1"/>
-          </p:cNvSpPr>
-          <p:nvPr/>
-        </p:nvSpPr>
-        <p:spPr bwMode="auto">
-          <a:xfrm>
-            <a:off x="557212" y="4913312"/>
-            <a:ext cx="8029575" cy="1754326"/>
-          </a:xfrm>
-          <a:prstGeom prst="rect">
-            <a:avLst/>
-          </a:prstGeom>
-          <a:noFill/>
-          <a:ln w="9525">
-            <a:noFill/>
-            <a:miter lim="800000"/>
-            <a:headEnd/>
-            <a:tailEnd/>
-          </a:ln>
-        </p:spPr>
-        <p:txBody>
-          <a:bodyPr>
-            <a:spAutoFit/>
-          </a:bodyPr>
-          <a:lstStyle/>
-          <a:p>
-            <a:r>
-              <a:rPr lang="en-US" b="1" dirty="0" err="1">
-                <a:solidFill>
-                  <a:srgbClr val="0070C0"/>
-                </a:solidFill>
-                <a:latin typeface="Courier New" pitchFamily="49" charset="0"/>
-                <a:cs typeface="Courier New" pitchFamily="49" charset="0"/>
-              </a:rPr>
-              <a:t>HashMap</a:t>
-            </a:r>
-            <a:r>
-              <a:rPr lang="en-US" b="1" dirty="0">
-                <a:solidFill>
-                  <a:srgbClr val="0070C0"/>
-                </a:solidFill>
-                <a:latin typeface="Courier New" pitchFamily="49" charset="0"/>
-                <a:cs typeface="Courier New" pitchFamily="49" charset="0"/>
-              </a:rPr>
-              <a:t>&lt;String, Integer&gt; scores = new </a:t>
-            </a:r>
-            <a:r>
-              <a:rPr lang="en-US" b="1" dirty="0" err="1">
-                <a:solidFill>
-                  <a:srgbClr val="0070C0"/>
-                </a:solidFill>
-                <a:latin typeface="Courier New" pitchFamily="49" charset="0"/>
-                <a:cs typeface="Courier New" pitchFamily="49" charset="0"/>
-              </a:rPr>
-              <a:t>HashMap</a:t>
-            </a:r>
-            <a:r>
-              <a:rPr lang="en-US" b="1" dirty="0">
-                <a:solidFill>
-                  <a:srgbClr val="0070C0"/>
-                </a:solidFill>
-                <a:latin typeface="Courier New" pitchFamily="49" charset="0"/>
-                <a:cs typeface="Courier New" pitchFamily="49" charset="0"/>
-              </a:rPr>
-              <a:t>&lt;&gt;();</a:t>
-            </a:r>
-          </a:p>
-          <a:p>
-            <a:r>
-              <a:rPr lang="en-US" b="1" dirty="0" err="1">
-                <a:solidFill>
-                  <a:srgbClr val="0070C0"/>
-                </a:solidFill>
-                <a:latin typeface="Courier New" pitchFamily="49" charset="0"/>
-                <a:cs typeface="Courier New" pitchFamily="49" charset="0"/>
-              </a:rPr>
-              <a:t>scores.put</a:t>
-            </a:r>
-            <a:r>
-              <a:rPr lang="en-US" b="1" dirty="0">
-                <a:solidFill>
-                  <a:srgbClr val="0070C0"/>
-                </a:solidFill>
-                <a:latin typeface="Courier New" pitchFamily="49" charset="0"/>
-                <a:cs typeface="Courier New" pitchFamily="49" charset="0"/>
-              </a:rPr>
-              <a:t>(“Bob”, 78);</a:t>
-            </a:r>
-          </a:p>
-          <a:p>
-            <a:endParaRPr lang="en-US" b="1" dirty="0">
-              <a:solidFill>
-                <a:srgbClr val="0070C0"/>
-              </a:solidFill>
-              <a:latin typeface="Courier New" pitchFamily="49" charset="0"/>
-              <a:cs typeface="Courier New" pitchFamily="49" charset="0"/>
-            </a:endParaRPr>
-          </a:p>
-          <a:p>
-            <a:r>
-              <a:rPr lang="en-US" b="1" dirty="0">
-                <a:solidFill>
-                  <a:srgbClr val="0070C0"/>
-                </a:solidFill>
-                <a:latin typeface="Courier New" pitchFamily="49" charset="0"/>
-                <a:cs typeface="Courier New" pitchFamily="49" charset="0"/>
-              </a:rPr>
-              <a:t>String name = "Bob </a:t>
-            </a:r>
-            <a:r>
-              <a:rPr lang="en-US" b="1" dirty="0" err="1">
-                <a:solidFill>
-                  <a:srgbClr val="0070C0"/>
-                </a:solidFill>
-                <a:latin typeface="Courier New" pitchFamily="49" charset="0"/>
-                <a:cs typeface="Courier New" pitchFamily="49" charset="0"/>
-              </a:rPr>
-              <a:t>Forapples</a:t>
-            </a:r>
-            <a:r>
-              <a:rPr lang="en-US" b="1" dirty="0">
-                <a:solidFill>
-                  <a:srgbClr val="0070C0"/>
-                </a:solidFill>
-                <a:latin typeface="Courier New" pitchFamily="49" charset="0"/>
-                <a:cs typeface="Courier New" pitchFamily="49" charset="0"/>
-              </a:rPr>
-              <a:t>";</a:t>
-            </a:r>
-          </a:p>
-          <a:p>
-            <a:r>
-              <a:rPr lang="en-US" b="1" dirty="0" err="1">
-                <a:solidFill>
-                  <a:srgbClr val="0070C0"/>
-                </a:solidFill>
-                <a:latin typeface="Courier New" pitchFamily="49" charset="0"/>
-                <a:cs typeface="Courier New" pitchFamily="49" charset="0"/>
-              </a:rPr>
-              <a:t>int</a:t>
-            </a:r>
-            <a:r>
-              <a:rPr lang="en-US" b="1" dirty="0">
-                <a:solidFill>
-                  <a:srgbClr val="0070C0"/>
-                </a:solidFill>
-                <a:latin typeface="Courier New" pitchFamily="49" charset="0"/>
-                <a:cs typeface="Courier New" pitchFamily="49" charset="0"/>
-              </a:rPr>
-              <a:t> </a:t>
-            </a:r>
-            <a:r>
-              <a:rPr lang="en-US" b="1" dirty="0" err="1">
-                <a:solidFill>
-                  <a:srgbClr val="0070C0"/>
-                </a:solidFill>
-                <a:latin typeface="Courier New" pitchFamily="49" charset="0"/>
-                <a:cs typeface="Courier New" pitchFamily="49" charset="0"/>
-              </a:rPr>
-              <a:t>nameLen</a:t>
-            </a:r>
-            <a:r>
-              <a:rPr lang="en-US" b="1" dirty="0">
-                <a:solidFill>
-                  <a:srgbClr val="0070C0"/>
-                </a:solidFill>
-                <a:latin typeface="Courier New" pitchFamily="49" charset="0"/>
-                <a:cs typeface="Courier New" pitchFamily="49" charset="0"/>
-              </a:rPr>
-              <a:t> = </a:t>
-            </a:r>
-            <a:r>
-              <a:rPr lang="en-US" b="1" dirty="0" err="1">
-                <a:solidFill>
-                  <a:srgbClr val="0070C0"/>
-                </a:solidFill>
-                <a:latin typeface="Courier New" pitchFamily="49" charset="0"/>
-                <a:cs typeface="Courier New" pitchFamily="49" charset="0"/>
-              </a:rPr>
-              <a:t>name.length</a:t>
-            </a:r>
-            <a:r>
-              <a:rPr lang="en-US" b="1" dirty="0">
-                <a:solidFill>
-                  <a:srgbClr val="0070C0"/>
-                </a:solidFill>
-                <a:latin typeface="Courier New" pitchFamily="49" charset="0"/>
-                <a:cs typeface="Courier New" pitchFamily="49" charset="0"/>
-              </a:rPr>
-              <a:t>();</a:t>
-            </a:r>
-          </a:p>
-          <a:p>
-            <a:endParaRPr lang="en-US" b="1" dirty="0">
-              <a:solidFill>
-                <a:srgbClr val="0070C0"/>
-              </a:solidFill>
-              <a:latin typeface="Courier New" pitchFamily="49" charset="0"/>
-              <a:cs typeface="Courier New" pitchFamily="49" charset="0"/>
-            </a:endParaRPr>
-          </a:p>
-        </p:txBody>
-      </p:sp>
-      <p:sp>
-        <p:nvSpPr>
-          <p:cNvPr id="13" name="TextBox 12"/>
-          <p:cNvSpPr txBox="1"/>
-          <p:nvPr/>
-        </p:nvSpPr>
-        <p:spPr>
-          <a:xfrm>
-            <a:off x="6343650" y="1417638"/>
-            <a:ext cx="2343150" cy="646331"/>
-          </a:xfrm>
-          <a:prstGeom prst="rect">
-            <a:avLst/>
-          </a:prstGeom>
-        </p:spPr>
-        <p:style>
-          <a:lnRef idx="2">
-            <a:schemeClr val="accent3">
-              <a:shade val="50000"/>
-            </a:schemeClr>
-          </a:lnRef>
-          <a:fillRef idx="1">
-            <a:schemeClr val="accent3"/>
-          </a:fillRef>
-          <a:effectRef idx="0">
-            <a:schemeClr val="accent3"/>
-          </a:effectRef>
-          <a:fontRef idx="minor">
-            <a:schemeClr val="lt1"/>
-          </a:fontRef>
-        </p:style>
-        <p:txBody>
-          <a:bodyPr wrap="square">
-            <a:spAutoFit/>
-          </a:bodyPr>
-          <a:lstStyle/>
-          <a:p>
-            <a:pPr algn="ctr">
-              <a:defRPr/>
-            </a:pPr>
-            <a:r>
-              <a:rPr lang="en-US" dirty="0"/>
-              <a:t>“Who does what, with what?”</a:t>
+              <a:t>Objects and Classes</a:t>
             </a:r>
           </a:p>
         </p:txBody>
@@ -6968,7 +7023,7 @@
     </p:spTree>
     <p:extLst>
       <p:ext uri="{BB962C8B-B14F-4D97-AF65-F5344CB8AC3E}">
-        <p14:creationId xmlns:p14="http://schemas.microsoft.com/office/powerpoint/2010/main" val="2008419628"/>
+        <p14:creationId xmlns:p14="http://schemas.microsoft.com/office/powerpoint/2010/main" val="1338212096"/>
       </p:ext>
     </p:extLst>
   </p:cSld>
@@ -6997,106 +7052,49 @@
       </p:grpSpPr>
       <p:sp>
         <p:nvSpPr>
-          <p:cNvPr id="2" name="Title 1"/>
-          <p:cNvSpPr>
-            <a:spLocks noGrp="1"/>
-          </p:cNvSpPr>
-          <p:nvPr>
-            <p:ph type="title"/>
+          <p:cNvPr id="4" name="Title 3"/>
+          <p:cNvSpPr>
+            <a:spLocks noGrp="1"/>
+          </p:cNvSpPr>
+          <p:nvPr>
+            <p:ph type="ctrTitle"/>
           </p:nvPr>
         </p:nvSpPr>
         <p:spPr/>
         <p:txBody>
-          <a:bodyPr>
-            <a:normAutofit/>
-          </a:bodyPr>
-          <a:lstStyle/>
-          <a:p>
-            <a:r>
-              <a:rPr lang="en-US" sz="3600" dirty="0"/>
-              <a:t>Constructors – What, When, Why, How?</a:t>
-            </a:r>
-          </a:p>
-        </p:txBody>
-      </p:sp>
-      <p:sp>
-        <p:nvSpPr>
-          <p:cNvPr id="3" name="Content Placeholder 2"/>
-          <p:cNvSpPr>
-            <a:spLocks noGrp="1"/>
-          </p:cNvSpPr>
-          <p:nvPr>
-            <p:ph idx="1"/>
+          <a:bodyPr/>
+          <a:lstStyle/>
+          <a:p>
+            <a:r>
+              <a:rPr lang="en-US" dirty="0"/>
+              <a:t>Object Basics</a:t>
+            </a:r>
+          </a:p>
+        </p:txBody>
+      </p:sp>
+      <p:sp>
+        <p:nvSpPr>
+          <p:cNvPr id="5" name="Subtitle 4"/>
+          <p:cNvSpPr>
+            <a:spLocks noGrp="1"/>
+          </p:cNvSpPr>
+          <p:nvPr>
+            <p:ph type="subTitle" idx="1"/>
           </p:nvPr>
         </p:nvSpPr>
         <p:spPr/>
         <p:txBody>
-          <a:bodyPr>
-            <a:normAutofit fontScale="92500" lnSpcReduction="20000"/>
-          </a:bodyPr>
-          <a:lstStyle/>
-          <a:p>
-            <a:pPr marL="0" indent="0">
-              <a:buNone/>
-            </a:pPr>
-            <a:r>
-              <a:rPr lang="en-US" dirty="0"/>
-              <a:t>What:</a:t>
-            </a:r>
-          </a:p>
-          <a:p>
-            <a:r>
-              <a:rPr lang="en-US" dirty="0"/>
-              <a:t>Special method called when a new instance of a class is created</a:t>
-            </a:r>
-          </a:p>
-          <a:p>
-            <a:r>
-              <a:rPr lang="en-US" dirty="0"/>
-              <a:t>Initializes the new instance</a:t>
-            </a:r>
-          </a:p>
-          <a:p>
-            <a:r>
-              <a:rPr lang="en-US" dirty="0"/>
-              <a:t>Like the __</a:t>
-            </a:r>
-            <a:r>
-              <a:rPr lang="en-US" dirty="0" err="1"/>
-              <a:t>init</a:t>
-            </a:r>
-            <a:r>
-              <a:rPr lang="en-US" dirty="0"/>
-              <a:t>__ method in Python</a:t>
-            </a:r>
-          </a:p>
-          <a:p>
-            <a:pPr marL="0" indent="0">
-              <a:buNone/>
-            </a:pPr>
-            <a:r>
-              <a:rPr lang="en-US" dirty="0"/>
-              <a:t>When:</a:t>
-            </a:r>
-          </a:p>
-          <a:p>
-            <a:r>
-              <a:rPr lang="en-US" dirty="0"/>
-              <a:t>Define a constructor when special initialization of a class is required</a:t>
-            </a:r>
-          </a:p>
-          <a:p>
-            <a:r>
-              <a:rPr lang="en-US" dirty="0"/>
-              <a:t>Otherwise, Java implicitly creates a no-argument constructor if you don’t add one</a:t>
-            </a:r>
+          <a:bodyPr/>
+          <a:lstStyle/>
+          <a:p>
+            <a:endParaRPr lang="en-US"/>
           </a:p>
         </p:txBody>
       </p:sp>
     </p:spTree>
     <p:extLst>
       <p:ext uri="{BB962C8B-B14F-4D97-AF65-F5344CB8AC3E}">
-        <p14:creationId xmlns:p14="http://schemas.microsoft.com/office/powerpoint/2010/main" val="4164257097"/>
+        <p14:creationId xmlns:p14="http://schemas.microsoft.com/office/powerpoint/2010/main" val="3070909107"/>
       </p:ext>
     </p:extLst>
   </p:cSld>
@@ -7222,13 +7220,13 @@
         <p:spPr/>
         <p:txBody>
           <a:bodyPr>
-            <a:noAutofit/>
+            <a:normAutofit/>
           </a:bodyPr>
           <a:lstStyle/>
           <a:p>
             <a:r>
-              <a:rPr lang="en-US" sz="3600" dirty="0"/>
-              <a:t>Constructors – What, When, Why, How?</a:t>
+              <a:rPr lang="en-US" dirty="0"/>
+              <a:t>Class – What, When, Why, &amp; How?</a:t>
             </a:r>
           </a:p>
         </p:txBody>
@@ -7245,9 +7243,7 @@
         </p:nvSpPr>
         <p:spPr/>
         <p:txBody>
-          <a:bodyPr>
-            <a:normAutofit fontScale="70000" lnSpcReduction="20000"/>
-          </a:bodyPr>
+          <a:bodyPr/>
           <a:lstStyle/>
           <a:p>
             <a:pPr marL="0" indent="0">
@@ -7255,20 +7251,19 @@
             </a:pPr>
             <a:r>
               <a:rPr lang="en-US" dirty="0"/>
-              <a:t>Why:</a:t>
+              <a:t>What:</a:t>
             </a:r>
           </a:p>
           <a:p>
             <a:r>
               <a:rPr lang="en-US" dirty="0"/>
-              <a:t>Allows you to ensure that a new instance of a class is a setup exactly how it needs to be before use of other methods/fields</a:t>
-            </a:r>
-          </a:p>
-          <a:p>
-            <a:r>
-              <a:rPr lang="en-US" dirty="0"/>
-              <a:t>Puts it in a good state</a:t>
-            </a:r>
+              <a:t>A blueprint for a custom </a:t>
+            </a:r>
+            <a:r>
+              <a:rPr lang="en-US" b="1" dirty="0"/>
+              <a:t>type</a:t>
+            </a:r>
+            <a:endParaRPr lang="en-US" dirty="0"/>
           </a:p>
           <a:p>
             <a:pPr marL="0" indent="0">
@@ -7276,138 +7271,27 @@
             </a:pPr>
             <a:r>
               <a:rPr lang="en-US" dirty="0"/>
-              <a:t>How: </a:t>
-            </a:r>
-            <a:r>
-              <a:rPr lang="en-US" b="1" dirty="0"/>
-              <a:t>always has the same name as the class</a:t>
-            </a:r>
+              <a:t>When:</a:t>
+            </a:r>
+          </a:p>
+          <a:p>
             <a:r>
               <a:rPr lang="en-US" dirty="0"/>
-              <a:t>.</a:t>
-            </a:r>
-          </a:p>
-          <a:p>
-            <a:pPr marL="0" indent="0">
-              <a:buNone/>
-            </a:pPr>
+              <a:t>Define a class when you’re representing a concept (think nouns)</a:t>
+            </a:r>
+          </a:p>
+          <a:p>
             <a:r>
               <a:rPr lang="en-US" dirty="0"/>
-              <a:t>	public class </a:t>
-            </a:r>
-            <a:r>
-              <a:rPr lang="en-US" dirty="0" err="1"/>
-              <a:t>MyClass</a:t>
-            </a:r>
-            <a:r>
-              <a:rPr lang="en-US" dirty="0"/>
-              <a:t> {</a:t>
-            </a:r>
-          </a:p>
-          <a:p>
-            <a:pPr marL="0" indent="0">
-              <a:buNone/>
-            </a:pPr>
-            <a:r>
-              <a:rPr lang="en-US" dirty="0"/>
-              <a:t>		public </a:t>
-            </a:r>
-            <a:r>
-              <a:rPr lang="en-US" dirty="0" err="1"/>
-              <a:t>MyClass</a:t>
-            </a:r>
-            <a:r>
-              <a:rPr lang="en-US" dirty="0"/>
-              <a:t>() {</a:t>
-            </a:r>
-          </a:p>
-          <a:p>
-            <a:pPr marL="0" indent="0">
-              <a:buNone/>
-            </a:pPr>
-            <a:r>
-              <a:rPr lang="en-US" dirty="0"/>
-              <a:t>			//initialization code</a:t>
-            </a:r>
-          </a:p>
-          <a:p>
-            <a:pPr marL="0" indent="0">
-              <a:buNone/>
-            </a:pPr>
-            <a:r>
-              <a:rPr lang="en-US" dirty="0"/>
-              <a:t>		}</a:t>
-            </a:r>
-          </a:p>
-          <a:p>
-            <a:pPr marL="0" indent="0">
-              <a:buNone/>
-            </a:pPr>
-            <a:r>
-              <a:rPr lang="en-US" dirty="0"/>
-              <a:t>		public </a:t>
-            </a:r>
-            <a:r>
-              <a:rPr lang="en-US" dirty="0" err="1"/>
-              <a:t>MyClass</a:t>
-            </a:r>
-            <a:r>
-              <a:rPr lang="en-US" dirty="0"/>
-              <a:t>(</a:t>
-            </a:r>
-            <a:r>
-              <a:rPr lang="en-US" dirty="0" err="1"/>
-              <a:t>ParamType</a:t>
-            </a:r>
-            <a:r>
-              <a:rPr lang="en-US" dirty="0"/>
-              <a:t> </a:t>
-            </a:r>
-            <a:r>
-              <a:rPr lang="en-US" dirty="0" err="1"/>
-              <a:t>paramName</a:t>
-            </a:r>
-            <a:r>
-              <a:rPr lang="en-US" dirty="0"/>
-              <a:t>) {</a:t>
-            </a:r>
-          </a:p>
-          <a:p>
-            <a:pPr marL="0" indent="0">
-              <a:buNone/>
-            </a:pPr>
-            <a:r>
-              <a:rPr lang="en-US" dirty="0"/>
-              <a:t>			//initialization code</a:t>
-            </a:r>
-          </a:p>
-          <a:p>
-            <a:pPr marL="0" indent="0">
-              <a:buNone/>
-            </a:pPr>
-            <a:r>
-              <a:rPr lang="en-US" dirty="0"/>
-              <a:t>		}</a:t>
-            </a:r>
-          </a:p>
-          <a:p>
-            <a:pPr marL="0" indent="0">
-              <a:buNone/>
-            </a:pPr>
-            <a:r>
-              <a:rPr lang="en-US" dirty="0"/>
-              <a:t>	}</a:t>
-            </a:r>
-          </a:p>
-          <a:p>
-            <a:endParaRPr lang="en-US" dirty="0"/>
+              <a:t>When no other existing type can do what you want/need</a:t>
+            </a:r>
           </a:p>
         </p:txBody>
       </p:sp>
     </p:spTree>
     <p:extLst>
       <p:ext uri="{BB962C8B-B14F-4D97-AF65-F5344CB8AC3E}">
-        <p14:creationId xmlns:p14="http://schemas.microsoft.com/office/powerpoint/2010/main" val="709340337"/>
+        <p14:creationId xmlns:p14="http://schemas.microsoft.com/office/powerpoint/2010/main" val="2434022835"/>
       </p:ext>
     </p:extLst>
   </p:cSld>
@@ -7451,58 +7335,145 @@
           <a:p>
             <a:r>
               <a:rPr lang="en-US" dirty="0"/>
-              <a:t>Object Constructors</a:t>
-            </a:r>
-          </a:p>
-        </p:txBody>
-      </p:sp>
-      <p:sp>
-        <p:nvSpPr>
-          <p:cNvPr id="3" name="Text Placeholder 2"/>
-          <p:cNvSpPr>
-            <a:spLocks noGrp="1"/>
-          </p:cNvSpPr>
-          <p:nvPr>
-            <p:ph type="body" idx="1"/>
+              <a:t>Class – What, When, Why, &amp; How?</a:t>
+            </a:r>
+          </a:p>
+        </p:txBody>
+      </p:sp>
+      <p:sp>
+        <p:nvSpPr>
+          <p:cNvPr id="3" name="Content Placeholder 2"/>
+          <p:cNvSpPr>
+            <a:spLocks noGrp="1"/>
+          </p:cNvSpPr>
+          <p:nvPr>
+            <p:ph idx="1"/>
           </p:nvPr>
         </p:nvSpPr>
         <p:spPr/>
         <p:txBody>
-          <a:bodyPr/>
-          <a:lstStyle/>
-          <a:p>
-            <a:r>
-              <a:rPr lang="en-US" dirty="0" err="1"/>
-              <a:t>int</a:t>
-            </a:r>
+          <a:bodyPr>
+            <a:normAutofit lnSpcReduction="10000"/>
+          </a:bodyPr>
+          <a:lstStyle/>
+          <a:p>
+            <a:pPr marL="0" indent="0">
+              <a:buNone/>
+            </a:pPr>
             <a:r>
               <a:rPr lang="en-US" dirty="0"/>
+              <a:t>Why:</a:t>
+            </a:r>
+          </a:p>
+          <a:p>
+            <a:r>
+              <a:rPr lang="en-US" dirty="0"/>
+              <a:t>Keep similar concepts together</a:t>
+            </a:r>
+          </a:p>
+          <a:p>
+            <a:r>
+              <a:rPr lang="en-US" dirty="0"/>
+              <a:t>Encapsulation (we’ll expand on this next time)</a:t>
+            </a:r>
+          </a:p>
+          <a:p>
+            <a:pPr marL="0" indent="0">
+              <a:buNone/>
+            </a:pPr>
+            <a:r>
+              <a:rPr lang="en-US" dirty="0"/>
+              <a:t>How:</a:t>
+            </a:r>
+          </a:p>
+          <a:p>
+            <a:pPr marL="0" indent="0">
+              <a:buNone/>
+            </a:pPr>
+            <a:r>
+              <a:rPr lang="en-US" dirty="0">
+                <a:latin typeface="Courier New" panose="02070309020205020404" pitchFamily="49" charset="0"/>
+                <a:cs typeface="Courier New" panose="02070309020205020404" pitchFamily="49" charset="0"/>
+              </a:rPr>
+              <a:t>	</a:t>
+            </a:r>
+            <a:r>
+              <a:rPr lang="en-US" b="1" dirty="0">
+                <a:latin typeface="Courier New" panose="02070309020205020404" pitchFamily="49" charset="0"/>
+                <a:cs typeface="Courier New" panose="02070309020205020404" pitchFamily="49" charset="0"/>
+              </a:rPr>
+              <a:t>public</a:t>
+            </a:r>
+            <a:r>
+              <a:rPr lang="en-US" dirty="0">
+                <a:latin typeface="Courier New" panose="02070309020205020404" pitchFamily="49" charset="0"/>
+                <a:cs typeface="Courier New" panose="02070309020205020404" pitchFamily="49" charset="0"/>
+              </a:rPr>
               <a:t> </a:t>
             </a:r>
             <a:r>
-              <a:rPr lang="en-US" dirty="0" err="1"/>
-              <a:t>num</a:t>
-            </a:r>
-            <a:r>
-              <a:rPr lang="en-US" dirty="0"/>
-              <a:t> = 5;</a:t>
-            </a:r>
-          </a:p>
-          <a:p>
-            <a:pPr lvl="1"/>
-            <a:r>
-              <a:rPr lang="en-US" dirty="0"/>
-              <a:t>This works for primitive typed data</a:t>
-            </a:r>
-          </a:p>
-          <a:p>
-            <a:pPr lvl="1"/>
-            <a:endParaRPr lang="en-US" dirty="0"/>
-          </a:p>
-          <a:p>
-            <a:r>
-              <a:rPr lang="en-US" dirty="0"/>
-              <a:t>What about “objects” (made from classes)?</a:t>
+              <a:rPr lang="en-US" b="1" dirty="0">
+                <a:latin typeface="Courier New" panose="02070309020205020404" pitchFamily="49" charset="0"/>
+                <a:cs typeface="Courier New" panose="02070309020205020404" pitchFamily="49" charset="0"/>
+              </a:rPr>
+              <a:t>class</a:t>
+            </a:r>
+            <a:r>
+              <a:rPr lang="en-US" dirty="0">
+                <a:latin typeface="Courier New" panose="02070309020205020404" pitchFamily="49" charset="0"/>
+                <a:cs typeface="Courier New" panose="02070309020205020404" pitchFamily="49" charset="0"/>
+              </a:rPr>
+              <a:t> </a:t>
+            </a:r>
+            <a:r>
+              <a:rPr lang="en-US" dirty="0" err="1">
+                <a:latin typeface="Courier New" panose="02070309020205020404" pitchFamily="49" charset="0"/>
+                <a:cs typeface="Courier New" panose="02070309020205020404" pitchFamily="49" charset="0"/>
+              </a:rPr>
+              <a:t>ClassName</a:t>
+            </a:r>
+            <a:r>
+              <a:rPr lang="en-US" dirty="0">
+                <a:latin typeface="Courier New" panose="02070309020205020404" pitchFamily="49" charset="0"/>
+                <a:cs typeface="Courier New" panose="02070309020205020404" pitchFamily="49" charset="0"/>
+              </a:rPr>
+              <a:t> {</a:t>
+            </a:r>
+          </a:p>
+          <a:p>
+            <a:pPr marL="0" indent="0">
+              <a:buNone/>
+            </a:pPr>
+            <a:r>
+              <a:rPr lang="en-US" dirty="0">
+                <a:latin typeface="Courier New" panose="02070309020205020404" pitchFamily="49" charset="0"/>
+                <a:cs typeface="Courier New" panose="02070309020205020404" pitchFamily="49" charset="0"/>
+              </a:rPr>
+              <a:t>		//fields – appear here</a:t>
+            </a:r>
+          </a:p>
+          <a:p>
+            <a:pPr marL="0" indent="0">
+              <a:buNone/>
+            </a:pPr>
+            <a:r>
+              <a:rPr lang="en-US" dirty="0">
+                <a:latin typeface="Courier New" panose="02070309020205020404" pitchFamily="49" charset="0"/>
+                <a:cs typeface="Courier New" panose="02070309020205020404" pitchFamily="49" charset="0"/>
+              </a:rPr>
+              <a:t>		//methods – come next</a:t>
+            </a:r>
+          </a:p>
+          <a:p>
+            <a:pPr marL="0" indent="0">
+              <a:buNone/>
+            </a:pPr>
+            <a:r>
+              <a:rPr lang="en-US" dirty="0">
+                <a:latin typeface="Courier New" panose="02070309020205020404" pitchFamily="49" charset="0"/>
+                <a:cs typeface="Courier New" panose="02070309020205020404" pitchFamily="49" charset="0"/>
+              </a:rPr>
+              <a:t>	}</a:t>
             </a:r>
           </a:p>
         </p:txBody>
@@ -7510,7 +7481,7 @@
     </p:spTree>
     <p:extLst>
       <p:ext uri="{BB962C8B-B14F-4D97-AF65-F5344CB8AC3E}">
-        <p14:creationId xmlns:p14="http://schemas.microsoft.com/office/powerpoint/2010/main" val="3649529972"/>
+        <p14:creationId xmlns:p14="http://schemas.microsoft.com/office/powerpoint/2010/main" val="4003067220"/>
       </p:ext>
     </p:extLst>
   </p:cSld>
@@ -7521,6 +7492,1374 @@
 </file>
 
 <file path=ppt/slides/slide22.xml><?xml version="1.0" encoding="utf-8"?>
+<p:sld xmlns:a="http://schemas.openxmlformats.org/drawingml/2006/main" xmlns:r="http://schemas.openxmlformats.org/officeDocument/2006/relationships" xmlns:p="http://schemas.openxmlformats.org/presentationml/2006/main">
+  <p:cSld>
+    <p:spTree>
+      <p:nvGrpSpPr>
+        <p:cNvPr id="1" name=""/>
+        <p:cNvGrpSpPr/>
+        <p:nvPr/>
+      </p:nvGrpSpPr>
+      <p:grpSpPr>
+        <a:xfrm>
+          <a:off x="0" y="0"/>
+          <a:ext cx="0" cy="0"/>
+          <a:chOff x="0" y="0"/>
+          <a:chExt cx="0" cy="0"/>
+        </a:xfrm>
+      </p:grpSpPr>
+      <p:sp>
+        <p:nvSpPr>
+          <p:cNvPr id="3" name="Title 2"/>
+          <p:cNvSpPr>
+            <a:spLocks noGrp="1"/>
+          </p:cNvSpPr>
+          <p:nvPr>
+            <p:ph type="title"/>
+          </p:nvPr>
+        </p:nvSpPr>
+        <p:spPr/>
+        <p:txBody>
+          <a:bodyPr/>
+          <a:lstStyle/>
+          <a:p>
+            <a:pPr eaLnBrk="1" fontAlgn="auto" hangingPunct="1">
+              <a:spcAft>
+                <a:spcPts val="0"/>
+              </a:spcAft>
+              <a:defRPr/>
+            </a:pPr>
+            <a:r>
+              <a:rPr lang="en-US" dirty="0"/>
+              <a:t>Using Objects and Methods</a:t>
+            </a:r>
+          </a:p>
+        </p:txBody>
+      </p:sp>
+      <p:sp>
+        <p:nvSpPr>
+          <p:cNvPr id="2" name="Content Placeholder 1"/>
+          <p:cNvSpPr>
+            <a:spLocks noGrp="1"/>
+          </p:cNvSpPr>
+          <p:nvPr>
+            <p:ph idx="1"/>
+          </p:nvPr>
+        </p:nvSpPr>
+        <p:spPr>
+          <a:xfrm>
+            <a:off x="444674" y="1374732"/>
+            <a:ext cx="8229600" cy="5163854"/>
+          </a:xfrm>
+        </p:spPr>
+        <p:txBody>
+          <a:bodyPr>
+            <a:normAutofit/>
+          </a:bodyPr>
+          <a:lstStyle/>
+          <a:p>
+            <a:pPr marL="365760" indent="-256032" eaLnBrk="1" fontAlgn="auto" hangingPunct="1">
+              <a:spcAft>
+                <a:spcPts val="0"/>
+              </a:spcAft>
+              <a:buFont typeface="Wingdings 3"/>
+              <a:buChar char=""/>
+              <a:defRPr/>
+            </a:pPr>
+            <a:r>
+              <a:rPr lang="en-US" dirty="0"/>
+              <a:t>Works just like Python:</a:t>
+            </a:r>
+          </a:p>
+          <a:p>
+            <a:pPr marL="621792" lvl="1" eaLnBrk="1" fontAlgn="auto" hangingPunct="1">
+              <a:spcBef>
+                <a:spcPts val="324"/>
+              </a:spcBef>
+              <a:spcAft>
+                <a:spcPts val="0"/>
+              </a:spcAft>
+              <a:buFont typeface="Verdana"/>
+              <a:buChar char="◦"/>
+              <a:defRPr/>
+            </a:pPr>
+            <a:r>
+              <a:rPr lang="en-US" i="1" dirty="0" err="1">
+                <a:solidFill>
+                  <a:schemeClr val="accent4"/>
+                </a:solidFill>
+                <a:latin typeface="Consolas" pitchFamily="49" charset="0"/>
+              </a:rPr>
+              <a:t>object</a:t>
+            </a:r>
+            <a:r>
+              <a:rPr lang="en-US" dirty="0" err="1">
+                <a:solidFill>
+                  <a:schemeClr val="accent4"/>
+                </a:solidFill>
+                <a:latin typeface="Consolas" pitchFamily="49" charset="0"/>
+              </a:rPr>
+              <a:t>.</a:t>
+            </a:r>
+            <a:r>
+              <a:rPr lang="en-US" i="1" dirty="0" err="1">
+                <a:solidFill>
+                  <a:schemeClr val="accent4"/>
+                </a:solidFill>
+                <a:latin typeface="Consolas" pitchFamily="49" charset="0"/>
+              </a:rPr>
+              <a:t>method</a:t>
+            </a:r>
+            <a:r>
+              <a:rPr lang="en-US" dirty="0">
+                <a:solidFill>
+                  <a:schemeClr val="accent4"/>
+                </a:solidFill>
+                <a:latin typeface="Consolas" pitchFamily="49" charset="0"/>
+              </a:rPr>
+              <a:t>(</a:t>
+            </a:r>
+            <a:r>
+              <a:rPr lang="en-US" i="1" dirty="0">
+                <a:solidFill>
+                  <a:schemeClr val="accent4"/>
+                </a:solidFill>
+                <a:latin typeface="Consolas" pitchFamily="49" charset="0"/>
+              </a:rPr>
+              <a:t>argument</a:t>
+            </a:r>
+            <a:r>
+              <a:rPr lang="en-US" dirty="0">
+                <a:solidFill>
+                  <a:schemeClr val="accent4"/>
+                </a:solidFill>
+                <a:latin typeface="Consolas" pitchFamily="49" charset="0"/>
+              </a:rPr>
+              <a:t>, ...)</a:t>
+            </a:r>
+          </a:p>
+          <a:p>
+            <a:pPr marL="365760" indent="-256032" eaLnBrk="1" fontAlgn="auto" hangingPunct="1">
+              <a:spcAft>
+                <a:spcPts val="0"/>
+              </a:spcAft>
+              <a:buFont typeface="Wingdings 3"/>
+              <a:buNone/>
+              <a:defRPr/>
+            </a:pPr>
+            <a:endParaRPr lang="en-US" dirty="0"/>
+          </a:p>
+          <a:p>
+            <a:pPr marL="365760" indent="-256032" eaLnBrk="1" fontAlgn="auto" hangingPunct="1">
+              <a:spcAft>
+                <a:spcPts val="0"/>
+              </a:spcAft>
+              <a:buFont typeface="Wingdings 3"/>
+              <a:buNone/>
+              <a:defRPr/>
+            </a:pPr>
+            <a:endParaRPr lang="en-US" dirty="0"/>
+          </a:p>
+          <a:p>
+            <a:pPr marL="365760" indent="-256032" eaLnBrk="1" fontAlgn="auto" hangingPunct="1">
+              <a:spcAft>
+                <a:spcPts val="0"/>
+              </a:spcAft>
+              <a:buFont typeface="Wingdings 3"/>
+              <a:buChar char=""/>
+              <a:defRPr/>
+            </a:pPr>
+            <a:endParaRPr lang="en-US" dirty="0"/>
+          </a:p>
+          <a:p>
+            <a:pPr marL="365760" indent="-256032" eaLnBrk="1" fontAlgn="auto" hangingPunct="1">
+              <a:spcAft>
+                <a:spcPts val="0"/>
+              </a:spcAft>
+              <a:buFont typeface="Wingdings 3"/>
+              <a:buChar char=""/>
+              <a:defRPr/>
+            </a:pPr>
+            <a:r>
+              <a:rPr lang="en-US" dirty="0"/>
+              <a:t>Two examples in Java:</a:t>
+            </a:r>
+          </a:p>
+        </p:txBody>
+      </p:sp>
+      <p:cxnSp>
+        <p:nvCxnSpPr>
+          <p:cNvPr id="4" name="Straight Arrow Connector 3"/>
+          <p:cNvCxnSpPr>
+            <a:cxnSpLocks/>
+            <a:endCxn id="5" idx="0"/>
+          </p:cNvCxnSpPr>
+          <p:nvPr/>
+        </p:nvCxnSpPr>
+        <p:spPr>
+          <a:xfrm>
+            <a:off x="1872936" y="2362819"/>
+            <a:ext cx="405578" cy="628650"/>
+          </a:xfrm>
+          <a:prstGeom prst="straightConnector1">
+            <a:avLst/>
+          </a:prstGeom>
+          <a:ln w="28575">
+            <a:headEnd type="arrow" w="med" len="med"/>
+            <a:tailEnd type="none" w="med" len="med"/>
+          </a:ln>
+        </p:spPr>
+        <p:style>
+          <a:lnRef idx="1">
+            <a:schemeClr val="accent1"/>
+          </a:lnRef>
+          <a:fillRef idx="0">
+            <a:schemeClr val="accent1"/>
+          </a:fillRef>
+          <a:effectRef idx="0">
+            <a:schemeClr val="accent1"/>
+          </a:effectRef>
+          <a:fontRef idx="minor">
+            <a:schemeClr val="tx1"/>
+          </a:fontRef>
+        </p:style>
+      </p:cxnSp>
+      <p:sp>
+        <p:nvSpPr>
+          <p:cNvPr id="5" name="TextBox 4"/>
+          <p:cNvSpPr txBox="1"/>
+          <p:nvPr/>
+        </p:nvSpPr>
+        <p:spPr>
+          <a:xfrm>
+            <a:off x="987110" y="2991469"/>
+            <a:ext cx="2582807" cy="923330"/>
+          </a:xfrm>
+          <a:prstGeom prst="rect">
+            <a:avLst/>
+          </a:prstGeom>
+        </p:spPr>
+        <p:style>
+          <a:lnRef idx="2">
+            <a:schemeClr val="accent3">
+              <a:shade val="50000"/>
+            </a:schemeClr>
+          </a:lnRef>
+          <a:fillRef idx="1">
+            <a:schemeClr val="accent3"/>
+          </a:fillRef>
+          <a:effectRef idx="0">
+            <a:schemeClr val="accent3"/>
+          </a:effectRef>
+          <a:fontRef idx="minor">
+            <a:schemeClr val="lt1"/>
+          </a:fontRef>
+        </p:style>
+        <p:txBody>
+          <a:bodyPr wrap="square">
+            <a:spAutoFit/>
+          </a:bodyPr>
+          <a:lstStyle/>
+          <a:p>
+            <a:pPr algn="ctr">
+              <a:defRPr/>
+            </a:pPr>
+            <a:r>
+              <a:rPr lang="en-US" dirty="0"/>
+              <a:t>The controlling object</a:t>
+            </a:r>
+          </a:p>
+          <a:p>
+            <a:pPr algn="ctr">
+              <a:defRPr/>
+            </a:pPr>
+            <a:r>
+              <a:rPr lang="en-US" dirty="0"/>
+              <a:t>is an </a:t>
+            </a:r>
+            <a:r>
+              <a:rPr lang="en-US" i="1" dirty="0"/>
+              <a:t>implicit</a:t>
+            </a:r>
+            <a:r>
+              <a:rPr lang="en-US" dirty="0"/>
+              <a:t> argument</a:t>
+            </a:r>
+          </a:p>
+          <a:p>
+            <a:pPr algn="ctr">
+              <a:defRPr/>
+            </a:pPr>
+            <a:r>
+              <a:rPr lang="en-US" dirty="0"/>
+              <a:t>passed to method</a:t>
+            </a:r>
+          </a:p>
+        </p:txBody>
+      </p:sp>
+      <p:cxnSp>
+        <p:nvCxnSpPr>
+          <p:cNvPr id="10" name="Straight Arrow Connector 9"/>
+          <p:cNvCxnSpPr>
+            <a:cxnSpLocks/>
+            <a:endCxn id="11" idx="0"/>
+          </p:cNvCxnSpPr>
+          <p:nvPr/>
+        </p:nvCxnSpPr>
+        <p:spPr>
+          <a:xfrm>
+            <a:off x="4709787" y="2337766"/>
+            <a:ext cx="1108161" cy="628650"/>
+          </a:xfrm>
+          <a:prstGeom prst="straightConnector1">
+            <a:avLst/>
+          </a:prstGeom>
+          <a:ln w="28575">
+            <a:headEnd type="arrow" w="med" len="med"/>
+            <a:tailEnd type="none" w="med" len="med"/>
+          </a:ln>
+        </p:spPr>
+        <p:style>
+          <a:lnRef idx="1">
+            <a:schemeClr val="accent1"/>
+          </a:lnRef>
+          <a:fillRef idx="0">
+            <a:schemeClr val="accent1"/>
+          </a:fillRef>
+          <a:effectRef idx="0">
+            <a:schemeClr val="accent1"/>
+          </a:effectRef>
+          <a:fontRef idx="minor">
+            <a:schemeClr val="tx1"/>
+          </a:fontRef>
+        </p:style>
+      </p:cxnSp>
+      <p:sp>
+        <p:nvSpPr>
+          <p:cNvPr id="11" name="TextBox 10"/>
+          <p:cNvSpPr txBox="1"/>
+          <p:nvPr/>
+        </p:nvSpPr>
+        <p:spPr>
+          <a:xfrm>
+            <a:off x="4195436" y="2966416"/>
+            <a:ext cx="3245023" cy="646331"/>
+          </a:xfrm>
+          <a:prstGeom prst="rect">
+            <a:avLst/>
+          </a:prstGeom>
+        </p:spPr>
+        <p:style>
+          <a:lnRef idx="2">
+            <a:schemeClr val="accent3">
+              <a:shade val="50000"/>
+            </a:schemeClr>
+          </a:lnRef>
+          <a:fillRef idx="1">
+            <a:schemeClr val="accent3"/>
+          </a:fillRef>
+          <a:effectRef idx="0">
+            <a:schemeClr val="accent3"/>
+          </a:effectRef>
+          <a:fontRef idx="minor">
+            <a:schemeClr val="lt1"/>
+          </a:fontRef>
+        </p:style>
+        <p:txBody>
+          <a:bodyPr wrap="square">
+            <a:spAutoFit/>
+          </a:bodyPr>
+          <a:lstStyle/>
+          <a:p>
+            <a:pPr algn="ctr">
+              <a:defRPr/>
+            </a:pPr>
+            <a:r>
+              <a:rPr lang="en-US" i="1" dirty="0"/>
+              <a:t>Explicit </a:t>
+            </a:r>
+            <a:r>
+              <a:rPr lang="en-US" dirty="0"/>
+              <a:t>arguments always appear inside the (  and  )</a:t>
+            </a:r>
+          </a:p>
+        </p:txBody>
+      </p:sp>
+      <p:sp>
+        <p:nvSpPr>
+          <p:cNvPr id="20488" name="TextBox 14"/>
+          <p:cNvSpPr txBox="1">
+            <a:spLocks noChangeArrowheads="1"/>
+          </p:cNvSpPr>
+          <p:nvPr/>
+        </p:nvSpPr>
+        <p:spPr bwMode="auto">
+          <a:xfrm>
+            <a:off x="338204" y="4913312"/>
+            <a:ext cx="8248584" cy="1754326"/>
+          </a:xfrm>
+          <a:prstGeom prst="rect">
+            <a:avLst/>
+          </a:prstGeom>
+          <a:noFill/>
+          <a:ln w="9525">
+            <a:noFill/>
+            <a:miter lim="800000"/>
+            <a:headEnd/>
+            <a:tailEnd/>
+          </a:ln>
+        </p:spPr>
+        <p:txBody>
+          <a:bodyPr wrap="square">
+            <a:spAutoFit/>
+          </a:bodyPr>
+          <a:lstStyle/>
+          <a:p>
+            <a:r>
+              <a:rPr lang="en-US" b="1" dirty="0" err="1">
+                <a:solidFill>
+                  <a:srgbClr val="0070C0"/>
+                </a:solidFill>
+                <a:latin typeface="Courier New" pitchFamily="49" charset="0"/>
+                <a:cs typeface="Courier New" pitchFamily="49" charset="0"/>
+              </a:rPr>
+              <a:t>HashMap</a:t>
+            </a:r>
+            <a:r>
+              <a:rPr lang="en-US" b="1" dirty="0">
+                <a:solidFill>
+                  <a:srgbClr val="0070C0"/>
+                </a:solidFill>
+                <a:latin typeface="Courier New" pitchFamily="49" charset="0"/>
+                <a:cs typeface="Courier New" pitchFamily="49" charset="0"/>
+              </a:rPr>
+              <a:t>&lt;String, Integer&gt; scores = new </a:t>
+            </a:r>
+            <a:r>
+              <a:rPr lang="en-US" b="1" dirty="0" err="1">
+                <a:solidFill>
+                  <a:srgbClr val="0070C0"/>
+                </a:solidFill>
+                <a:latin typeface="Courier New" pitchFamily="49" charset="0"/>
+                <a:cs typeface="Courier New" pitchFamily="49" charset="0"/>
+              </a:rPr>
+              <a:t>HashMap</a:t>
+            </a:r>
+            <a:r>
+              <a:rPr lang="en-US" b="1" dirty="0">
+                <a:solidFill>
+                  <a:srgbClr val="0070C0"/>
+                </a:solidFill>
+                <a:latin typeface="Courier New" pitchFamily="49" charset="0"/>
+                <a:cs typeface="Courier New" pitchFamily="49" charset="0"/>
+              </a:rPr>
+              <a:t>&lt;&gt;();</a:t>
+            </a:r>
+          </a:p>
+          <a:p>
+            <a:r>
+              <a:rPr lang="en-US" b="1" dirty="0" err="1">
+                <a:solidFill>
+                  <a:srgbClr val="0070C0"/>
+                </a:solidFill>
+                <a:latin typeface="Courier New" pitchFamily="49" charset="0"/>
+                <a:cs typeface="Courier New" pitchFamily="49" charset="0"/>
+              </a:rPr>
+              <a:t>scores.put</a:t>
+            </a:r>
+            <a:r>
+              <a:rPr lang="en-US" b="1" dirty="0">
+                <a:solidFill>
+                  <a:srgbClr val="0070C0"/>
+                </a:solidFill>
+                <a:latin typeface="Courier New" pitchFamily="49" charset="0"/>
+                <a:cs typeface="Courier New" pitchFamily="49" charset="0"/>
+              </a:rPr>
+              <a:t>(“Bob”, 78); // </a:t>
+            </a:r>
+            <a:r>
+              <a:rPr lang="en-US" b="1" i="1" dirty="0">
+                <a:solidFill>
+                  <a:srgbClr val="0070C0"/>
+                </a:solidFill>
+                <a:latin typeface="Courier New" pitchFamily="49" charset="0"/>
+                <a:cs typeface="Courier New" pitchFamily="49" charset="0"/>
+              </a:rPr>
+              <a:t>scores</a:t>
+            </a:r>
+            <a:r>
+              <a:rPr lang="en-US" b="1" dirty="0">
+                <a:solidFill>
+                  <a:srgbClr val="0070C0"/>
+                </a:solidFill>
+                <a:latin typeface="Courier New" pitchFamily="49" charset="0"/>
+                <a:cs typeface="Courier New" pitchFamily="49" charset="0"/>
+              </a:rPr>
+              <a:t> is controlling object</a:t>
+            </a:r>
+          </a:p>
+          <a:p>
+            <a:endParaRPr lang="en-US" b="1" dirty="0">
+              <a:solidFill>
+                <a:srgbClr val="0070C0"/>
+              </a:solidFill>
+              <a:latin typeface="Courier New" pitchFamily="49" charset="0"/>
+              <a:cs typeface="Courier New" pitchFamily="49" charset="0"/>
+            </a:endParaRPr>
+          </a:p>
+          <a:p>
+            <a:r>
+              <a:rPr lang="en-US" b="1" dirty="0">
+                <a:solidFill>
+                  <a:srgbClr val="0070C0"/>
+                </a:solidFill>
+                <a:latin typeface="Courier New" pitchFamily="49" charset="0"/>
+                <a:cs typeface="Courier New" pitchFamily="49" charset="0"/>
+              </a:rPr>
+              <a:t>String name = "Bob </a:t>
+            </a:r>
+            <a:r>
+              <a:rPr lang="en-US" b="1" dirty="0" err="1">
+                <a:solidFill>
+                  <a:srgbClr val="0070C0"/>
+                </a:solidFill>
+                <a:latin typeface="Courier New" pitchFamily="49" charset="0"/>
+                <a:cs typeface="Courier New" pitchFamily="49" charset="0"/>
+              </a:rPr>
+              <a:t>Forapples</a:t>
+            </a:r>
+            <a:r>
+              <a:rPr lang="en-US" b="1" dirty="0">
+                <a:solidFill>
+                  <a:srgbClr val="0070C0"/>
+                </a:solidFill>
+                <a:latin typeface="Courier New" pitchFamily="49" charset="0"/>
+                <a:cs typeface="Courier New" pitchFamily="49" charset="0"/>
+              </a:rPr>
+              <a:t>";</a:t>
+            </a:r>
+          </a:p>
+          <a:p>
+            <a:r>
+              <a:rPr lang="en-US" b="1" dirty="0">
+                <a:solidFill>
+                  <a:srgbClr val="0070C0"/>
+                </a:solidFill>
+                <a:latin typeface="Courier New" pitchFamily="49" charset="0"/>
+                <a:cs typeface="Courier New" pitchFamily="49" charset="0"/>
+              </a:rPr>
+              <a:t>int </a:t>
+            </a:r>
+            <a:r>
+              <a:rPr lang="en-US" b="1" dirty="0" err="1">
+                <a:solidFill>
+                  <a:srgbClr val="0070C0"/>
+                </a:solidFill>
+                <a:latin typeface="Courier New" pitchFamily="49" charset="0"/>
+                <a:cs typeface="Courier New" pitchFamily="49" charset="0"/>
+              </a:rPr>
+              <a:t>nameLen</a:t>
+            </a:r>
+            <a:r>
+              <a:rPr lang="en-US" b="1" dirty="0">
+                <a:solidFill>
+                  <a:srgbClr val="0070C0"/>
+                </a:solidFill>
+                <a:latin typeface="Courier New" pitchFamily="49" charset="0"/>
+                <a:cs typeface="Courier New" pitchFamily="49" charset="0"/>
+              </a:rPr>
+              <a:t> = </a:t>
+            </a:r>
+            <a:r>
+              <a:rPr lang="en-US" b="1" dirty="0" err="1">
+                <a:solidFill>
+                  <a:srgbClr val="0070C0"/>
+                </a:solidFill>
+                <a:latin typeface="Courier New" pitchFamily="49" charset="0"/>
+                <a:cs typeface="Courier New" pitchFamily="49" charset="0"/>
+              </a:rPr>
+              <a:t>name.length</a:t>
+            </a:r>
+            <a:r>
+              <a:rPr lang="en-US" b="1" dirty="0">
+                <a:solidFill>
+                  <a:srgbClr val="0070C0"/>
+                </a:solidFill>
+                <a:latin typeface="Courier New" pitchFamily="49" charset="0"/>
+                <a:cs typeface="Courier New" pitchFamily="49" charset="0"/>
+              </a:rPr>
+              <a:t>(); // </a:t>
+            </a:r>
+            <a:r>
+              <a:rPr lang="en-US" b="1" i="1" dirty="0">
+                <a:solidFill>
+                  <a:srgbClr val="0070C0"/>
+                </a:solidFill>
+                <a:latin typeface="Courier New" pitchFamily="49" charset="0"/>
+                <a:cs typeface="Courier New" pitchFamily="49" charset="0"/>
+              </a:rPr>
+              <a:t>name</a:t>
+            </a:r>
+            <a:r>
+              <a:rPr lang="en-US" b="1" dirty="0">
+                <a:solidFill>
+                  <a:srgbClr val="0070C0"/>
+                </a:solidFill>
+                <a:latin typeface="Courier New" pitchFamily="49" charset="0"/>
+                <a:cs typeface="Courier New" pitchFamily="49" charset="0"/>
+              </a:rPr>
+              <a:t> is controlling object</a:t>
+            </a:r>
+          </a:p>
+          <a:p>
+            <a:endParaRPr lang="en-US" b="1" dirty="0">
+              <a:solidFill>
+                <a:srgbClr val="0070C0"/>
+              </a:solidFill>
+              <a:latin typeface="Courier New" pitchFamily="49" charset="0"/>
+              <a:cs typeface="Courier New" pitchFamily="49" charset="0"/>
+            </a:endParaRPr>
+          </a:p>
+        </p:txBody>
+      </p:sp>
+      <p:sp>
+        <p:nvSpPr>
+          <p:cNvPr id="13" name="TextBox 12"/>
+          <p:cNvSpPr txBox="1"/>
+          <p:nvPr/>
+        </p:nvSpPr>
+        <p:spPr>
+          <a:xfrm>
+            <a:off x="6606696" y="1292378"/>
+            <a:ext cx="2343150" cy="646331"/>
+          </a:xfrm>
+          <a:prstGeom prst="rect">
+            <a:avLst/>
+          </a:prstGeom>
+        </p:spPr>
+        <p:style>
+          <a:lnRef idx="2">
+            <a:schemeClr val="accent3">
+              <a:shade val="50000"/>
+            </a:schemeClr>
+          </a:lnRef>
+          <a:fillRef idx="1">
+            <a:schemeClr val="accent3"/>
+          </a:fillRef>
+          <a:effectRef idx="0">
+            <a:schemeClr val="accent3"/>
+          </a:effectRef>
+          <a:fontRef idx="minor">
+            <a:schemeClr val="lt1"/>
+          </a:fontRef>
+        </p:style>
+        <p:txBody>
+          <a:bodyPr wrap="square">
+            <a:spAutoFit/>
+          </a:bodyPr>
+          <a:lstStyle/>
+          <a:p>
+            <a:pPr algn="ctr">
+              <a:defRPr/>
+            </a:pPr>
+            <a:r>
+              <a:rPr lang="en-US" dirty="0"/>
+              <a:t>“Who does what, with what?”</a:t>
+            </a:r>
+          </a:p>
+        </p:txBody>
+      </p:sp>
+    </p:spTree>
+    <p:extLst>
+      <p:ext uri="{BB962C8B-B14F-4D97-AF65-F5344CB8AC3E}">
+        <p14:creationId xmlns:p14="http://schemas.microsoft.com/office/powerpoint/2010/main" val="2958177502"/>
+      </p:ext>
+    </p:extLst>
+  </p:cSld>
+  <p:clrMapOvr>
+    <a:masterClrMapping/>
+  </p:clrMapOvr>
+</p:sld>
+</file>
+
+<file path=ppt/slides/slide23.xml><?xml version="1.0" encoding="utf-8"?>
+<p:sld xmlns:a="http://schemas.openxmlformats.org/drawingml/2006/main" xmlns:r="http://schemas.openxmlformats.org/officeDocument/2006/relationships" xmlns:p="http://schemas.openxmlformats.org/presentationml/2006/main">
+  <p:cSld>
+    <p:spTree>
+      <p:nvGrpSpPr>
+        <p:cNvPr id="1" name=""/>
+        <p:cNvGrpSpPr/>
+        <p:nvPr/>
+      </p:nvGrpSpPr>
+      <p:grpSpPr>
+        <a:xfrm>
+          <a:off x="0" y="0"/>
+          <a:ext cx="0" cy="0"/>
+          <a:chOff x="0" y="0"/>
+          <a:chExt cx="0" cy="0"/>
+        </a:xfrm>
+      </p:grpSpPr>
+      <p:sp>
+        <p:nvSpPr>
+          <p:cNvPr id="2" name="Title 1"/>
+          <p:cNvSpPr>
+            <a:spLocks noGrp="1"/>
+          </p:cNvSpPr>
+          <p:nvPr>
+            <p:ph type="title"/>
+          </p:nvPr>
+        </p:nvSpPr>
+        <p:spPr/>
+        <p:txBody>
+          <a:bodyPr>
+            <a:normAutofit/>
+          </a:bodyPr>
+          <a:lstStyle/>
+          <a:p>
+            <a:r>
+              <a:rPr lang="en-US" sz="3600" dirty="0"/>
+              <a:t>Constructors – What, When, Why, How?</a:t>
+            </a:r>
+          </a:p>
+        </p:txBody>
+      </p:sp>
+      <p:sp>
+        <p:nvSpPr>
+          <p:cNvPr id="3" name="Content Placeholder 2"/>
+          <p:cNvSpPr>
+            <a:spLocks noGrp="1"/>
+          </p:cNvSpPr>
+          <p:nvPr>
+            <p:ph idx="1"/>
+          </p:nvPr>
+        </p:nvSpPr>
+        <p:spPr/>
+        <p:txBody>
+          <a:bodyPr>
+            <a:normAutofit fontScale="92500" lnSpcReduction="20000"/>
+          </a:bodyPr>
+          <a:lstStyle/>
+          <a:p>
+            <a:pPr marL="0" indent="0">
+              <a:buNone/>
+            </a:pPr>
+            <a:r>
+              <a:rPr lang="en-US" dirty="0"/>
+              <a:t>What:</a:t>
+            </a:r>
+          </a:p>
+          <a:p>
+            <a:r>
+              <a:rPr lang="en-US" dirty="0"/>
+              <a:t>Special method called when a new instance of a class is created</a:t>
+            </a:r>
+          </a:p>
+          <a:p>
+            <a:r>
+              <a:rPr lang="en-US" dirty="0"/>
+              <a:t>Initializes the new instance</a:t>
+            </a:r>
+          </a:p>
+          <a:p>
+            <a:r>
+              <a:rPr lang="en-US" dirty="0"/>
+              <a:t>Like the __</a:t>
+            </a:r>
+            <a:r>
+              <a:rPr lang="en-US" dirty="0" err="1"/>
+              <a:t>init</a:t>
+            </a:r>
+            <a:r>
+              <a:rPr lang="en-US" dirty="0"/>
+              <a:t>__ method in Python</a:t>
+            </a:r>
+          </a:p>
+          <a:p>
+            <a:pPr marL="0" indent="0">
+              <a:buNone/>
+            </a:pPr>
+            <a:r>
+              <a:rPr lang="en-US" dirty="0"/>
+              <a:t>When:</a:t>
+            </a:r>
+          </a:p>
+          <a:p>
+            <a:r>
+              <a:rPr lang="en-US" dirty="0"/>
+              <a:t>Define a constructor when special initialization of a class is required</a:t>
+            </a:r>
+          </a:p>
+          <a:p>
+            <a:r>
+              <a:rPr lang="en-US" dirty="0"/>
+              <a:t>Otherwise, Java implicitly creates a no-argument constructor if you don’t add one</a:t>
+            </a:r>
+          </a:p>
+        </p:txBody>
+      </p:sp>
+    </p:spTree>
+    <p:extLst>
+      <p:ext uri="{BB962C8B-B14F-4D97-AF65-F5344CB8AC3E}">
+        <p14:creationId xmlns:p14="http://schemas.microsoft.com/office/powerpoint/2010/main" val="4164257097"/>
+      </p:ext>
+    </p:extLst>
+  </p:cSld>
+  <p:clrMapOvr>
+    <a:masterClrMapping/>
+  </p:clrMapOvr>
+</p:sld>
+</file>
+
+<file path=ppt/slides/slide24.xml><?xml version="1.0" encoding="utf-8"?>
+<p:sld xmlns:a="http://schemas.openxmlformats.org/drawingml/2006/main" xmlns:r="http://schemas.openxmlformats.org/officeDocument/2006/relationships" xmlns:p="http://schemas.openxmlformats.org/presentationml/2006/main">
+  <p:cSld>
+    <p:spTree>
+      <p:nvGrpSpPr>
+        <p:cNvPr id="1" name=""/>
+        <p:cNvGrpSpPr/>
+        <p:nvPr/>
+      </p:nvGrpSpPr>
+      <p:grpSpPr>
+        <a:xfrm>
+          <a:off x="0" y="0"/>
+          <a:ext cx="0" cy="0"/>
+          <a:chOff x="0" y="0"/>
+          <a:chExt cx="0" cy="0"/>
+        </a:xfrm>
+      </p:grpSpPr>
+      <p:sp>
+        <p:nvSpPr>
+          <p:cNvPr id="2" name="Title 1"/>
+          <p:cNvSpPr>
+            <a:spLocks noGrp="1"/>
+          </p:cNvSpPr>
+          <p:nvPr>
+            <p:ph type="title"/>
+          </p:nvPr>
+        </p:nvSpPr>
+        <p:spPr/>
+        <p:txBody>
+          <a:bodyPr>
+            <a:noAutofit/>
+          </a:bodyPr>
+          <a:lstStyle/>
+          <a:p>
+            <a:r>
+              <a:rPr lang="en-US" sz="3600" dirty="0"/>
+              <a:t>Constructors – What, When, Why, How?</a:t>
+            </a:r>
+          </a:p>
+        </p:txBody>
+      </p:sp>
+      <p:sp>
+        <p:nvSpPr>
+          <p:cNvPr id="3" name="Content Placeholder 2"/>
+          <p:cNvSpPr>
+            <a:spLocks noGrp="1"/>
+          </p:cNvSpPr>
+          <p:nvPr>
+            <p:ph idx="1"/>
+          </p:nvPr>
+        </p:nvSpPr>
+        <p:spPr>
+          <a:xfrm>
+            <a:off x="169102" y="1287050"/>
+            <a:ext cx="8686800" cy="4525963"/>
+          </a:xfrm>
+        </p:spPr>
+        <p:txBody>
+          <a:bodyPr>
+            <a:normAutofit fontScale="70000" lnSpcReduction="20000"/>
+          </a:bodyPr>
+          <a:lstStyle/>
+          <a:p>
+            <a:pPr marL="0" indent="0">
+              <a:buNone/>
+            </a:pPr>
+            <a:r>
+              <a:rPr lang="en-US" dirty="0"/>
+              <a:t>Why:</a:t>
+            </a:r>
+          </a:p>
+          <a:p>
+            <a:r>
+              <a:rPr lang="en-US" dirty="0"/>
+              <a:t>Allows you to ensure that a new object instance is initialized exactly how it needs to be before calling other methods/fields</a:t>
+            </a:r>
+          </a:p>
+          <a:p>
+            <a:r>
+              <a:rPr lang="en-US" dirty="0"/>
+              <a:t>Puts object in a legal initial state</a:t>
+            </a:r>
+          </a:p>
+          <a:p>
+            <a:pPr marL="0" indent="0">
+              <a:buNone/>
+            </a:pPr>
+            <a:r>
+              <a:rPr lang="en-US" dirty="0"/>
+              <a:t>How: </a:t>
+            </a:r>
+            <a:r>
+              <a:rPr lang="en-US" b="1" dirty="0"/>
+              <a:t>always has the same name as the class</a:t>
+            </a:r>
+            <a:r>
+              <a:rPr lang="en-US" dirty="0"/>
+              <a:t>.</a:t>
+            </a:r>
+          </a:p>
+          <a:p>
+            <a:pPr marL="0" indent="0">
+              <a:buNone/>
+            </a:pPr>
+            <a:r>
+              <a:rPr lang="en-US" dirty="0">
+                <a:latin typeface="Courier New" panose="02070309020205020404" pitchFamily="49" charset="0"/>
+                <a:cs typeface="Courier New" panose="02070309020205020404" pitchFamily="49" charset="0"/>
+              </a:rPr>
+              <a:t>	</a:t>
+            </a:r>
+            <a:r>
+              <a:rPr lang="en-US" b="1" dirty="0">
+                <a:latin typeface="Courier New" panose="02070309020205020404" pitchFamily="49" charset="0"/>
+                <a:cs typeface="Courier New" panose="02070309020205020404" pitchFamily="49" charset="0"/>
+              </a:rPr>
+              <a:t>public</a:t>
+            </a:r>
+            <a:r>
+              <a:rPr lang="en-US" dirty="0">
+                <a:latin typeface="Courier New" panose="02070309020205020404" pitchFamily="49" charset="0"/>
+                <a:cs typeface="Courier New" panose="02070309020205020404" pitchFamily="49" charset="0"/>
+              </a:rPr>
+              <a:t> </a:t>
+            </a:r>
+            <a:r>
+              <a:rPr lang="en-US" b="1" dirty="0">
+                <a:latin typeface="Courier New" panose="02070309020205020404" pitchFamily="49" charset="0"/>
+                <a:cs typeface="Courier New" panose="02070309020205020404" pitchFamily="49" charset="0"/>
+              </a:rPr>
+              <a:t>class</a:t>
+            </a:r>
+            <a:r>
+              <a:rPr lang="en-US" dirty="0">
+                <a:latin typeface="Courier New" panose="02070309020205020404" pitchFamily="49" charset="0"/>
+                <a:cs typeface="Courier New" panose="02070309020205020404" pitchFamily="49" charset="0"/>
+              </a:rPr>
+              <a:t> </a:t>
+            </a:r>
+            <a:r>
+              <a:rPr lang="en-US" dirty="0" err="1">
+                <a:latin typeface="Courier New" panose="02070309020205020404" pitchFamily="49" charset="0"/>
+                <a:cs typeface="Courier New" panose="02070309020205020404" pitchFamily="49" charset="0"/>
+              </a:rPr>
+              <a:t>MyClass</a:t>
+            </a:r>
+            <a:r>
+              <a:rPr lang="en-US" dirty="0">
+                <a:latin typeface="Courier New" panose="02070309020205020404" pitchFamily="49" charset="0"/>
+                <a:cs typeface="Courier New" panose="02070309020205020404" pitchFamily="49" charset="0"/>
+              </a:rPr>
+              <a:t> {</a:t>
+            </a:r>
+          </a:p>
+          <a:p>
+            <a:pPr marL="0" indent="0">
+              <a:buNone/>
+            </a:pPr>
+            <a:r>
+              <a:rPr lang="en-US" dirty="0">
+                <a:latin typeface="Courier New" panose="02070309020205020404" pitchFamily="49" charset="0"/>
+                <a:cs typeface="Courier New" panose="02070309020205020404" pitchFamily="49" charset="0"/>
+              </a:rPr>
+              <a:t>		</a:t>
+            </a:r>
+            <a:r>
+              <a:rPr lang="en-US" b="1" dirty="0">
+                <a:latin typeface="Courier New" panose="02070309020205020404" pitchFamily="49" charset="0"/>
+                <a:cs typeface="Courier New" panose="02070309020205020404" pitchFamily="49" charset="0"/>
+              </a:rPr>
+              <a:t>public</a:t>
+            </a:r>
+            <a:r>
+              <a:rPr lang="en-US" dirty="0">
+                <a:latin typeface="Courier New" panose="02070309020205020404" pitchFamily="49" charset="0"/>
+                <a:cs typeface="Courier New" panose="02070309020205020404" pitchFamily="49" charset="0"/>
+              </a:rPr>
+              <a:t> </a:t>
+            </a:r>
+            <a:r>
+              <a:rPr lang="en-US" dirty="0" err="1">
+                <a:latin typeface="Courier New" panose="02070309020205020404" pitchFamily="49" charset="0"/>
+                <a:cs typeface="Courier New" panose="02070309020205020404" pitchFamily="49" charset="0"/>
+              </a:rPr>
+              <a:t>MyClass</a:t>
+            </a:r>
+            <a:r>
+              <a:rPr lang="en-US" dirty="0">
+                <a:latin typeface="Courier New" panose="02070309020205020404" pitchFamily="49" charset="0"/>
+                <a:cs typeface="Courier New" panose="02070309020205020404" pitchFamily="49" charset="0"/>
+              </a:rPr>
+              <a:t>() {</a:t>
+            </a:r>
+          </a:p>
+          <a:p>
+            <a:pPr marL="0" indent="0">
+              <a:buNone/>
+            </a:pPr>
+            <a:r>
+              <a:rPr lang="en-US" dirty="0">
+                <a:latin typeface="Courier New" panose="02070309020205020404" pitchFamily="49" charset="0"/>
+                <a:cs typeface="Courier New" panose="02070309020205020404" pitchFamily="49" charset="0"/>
+              </a:rPr>
+              <a:t>			//</a:t>
+            </a:r>
+            <a:r>
+              <a:rPr lang="en-US" dirty="0" err="1">
+                <a:latin typeface="Courier New" panose="02070309020205020404" pitchFamily="49" charset="0"/>
+                <a:cs typeface="Courier New" panose="02070309020205020404" pitchFamily="49" charset="0"/>
+              </a:rPr>
+              <a:t>init</a:t>
+            </a:r>
+            <a:r>
+              <a:rPr lang="en-US" dirty="0">
+                <a:latin typeface="Courier New" panose="02070309020205020404" pitchFamily="49" charset="0"/>
+                <a:cs typeface="Courier New" panose="02070309020205020404" pitchFamily="49" charset="0"/>
+              </a:rPr>
+              <a:t> code of </a:t>
+            </a:r>
+            <a:r>
+              <a:rPr lang="en-US" dirty="0" err="1">
+                <a:latin typeface="Courier New" panose="02070309020205020404" pitchFamily="49" charset="0"/>
+                <a:cs typeface="Courier New" panose="02070309020205020404" pitchFamily="49" charset="0"/>
+              </a:rPr>
+              <a:t>parameterless</a:t>
+            </a:r>
+            <a:r>
+              <a:rPr lang="en-US" dirty="0">
+                <a:latin typeface="Courier New" panose="02070309020205020404" pitchFamily="49" charset="0"/>
+                <a:cs typeface="Courier New" panose="02070309020205020404" pitchFamily="49" charset="0"/>
+              </a:rPr>
+              <a:t> constructor</a:t>
+            </a:r>
+          </a:p>
+          <a:p>
+            <a:pPr marL="0" indent="0">
+              <a:buNone/>
+            </a:pPr>
+            <a:r>
+              <a:rPr lang="en-US" dirty="0">
+                <a:latin typeface="Courier New" panose="02070309020205020404" pitchFamily="49" charset="0"/>
+                <a:cs typeface="Courier New" panose="02070309020205020404" pitchFamily="49" charset="0"/>
+              </a:rPr>
+              <a:t>		}</a:t>
+            </a:r>
+          </a:p>
+          <a:p>
+            <a:pPr marL="0" indent="0">
+              <a:buNone/>
+            </a:pPr>
+            <a:r>
+              <a:rPr lang="en-US" dirty="0">
+                <a:latin typeface="Courier New" panose="02070309020205020404" pitchFamily="49" charset="0"/>
+                <a:cs typeface="Courier New" panose="02070309020205020404" pitchFamily="49" charset="0"/>
+              </a:rPr>
+              <a:t>		</a:t>
+            </a:r>
+            <a:r>
+              <a:rPr lang="en-US" b="1" dirty="0">
+                <a:latin typeface="Courier New" panose="02070309020205020404" pitchFamily="49" charset="0"/>
+                <a:cs typeface="Courier New" panose="02070309020205020404" pitchFamily="49" charset="0"/>
+              </a:rPr>
+              <a:t>public</a:t>
+            </a:r>
+            <a:r>
+              <a:rPr lang="en-US" dirty="0">
+                <a:latin typeface="Courier New" panose="02070309020205020404" pitchFamily="49" charset="0"/>
+                <a:cs typeface="Courier New" panose="02070309020205020404" pitchFamily="49" charset="0"/>
+              </a:rPr>
+              <a:t> </a:t>
+            </a:r>
+            <a:r>
+              <a:rPr lang="en-US" dirty="0" err="1">
+                <a:latin typeface="Courier New" panose="02070309020205020404" pitchFamily="49" charset="0"/>
+                <a:cs typeface="Courier New" panose="02070309020205020404" pitchFamily="49" charset="0"/>
+              </a:rPr>
+              <a:t>MyClass</a:t>
+            </a:r>
+            <a:r>
+              <a:rPr lang="en-US" dirty="0">
+                <a:latin typeface="Courier New" panose="02070309020205020404" pitchFamily="49" charset="0"/>
+                <a:cs typeface="Courier New" panose="02070309020205020404" pitchFamily="49" charset="0"/>
+              </a:rPr>
+              <a:t>(</a:t>
+            </a:r>
+            <a:r>
+              <a:rPr lang="en-US" dirty="0" err="1">
+                <a:latin typeface="Courier New" panose="02070309020205020404" pitchFamily="49" charset="0"/>
+                <a:cs typeface="Courier New" panose="02070309020205020404" pitchFamily="49" charset="0"/>
+              </a:rPr>
+              <a:t>ParamType</a:t>
+            </a:r>
+            <a:r>
+              <a:rPr lang="en-US" dirty="0">
+                <a:latin typeface="Courier New" panose="02070309020205020404" pitchFamily="49" charset="0"/>
+                <a:cs typeface="Courier New" panose="02070309020205020404" pitchFamily="49" charset="0"/>
+              </a:rPr>
+              <a:t> </a:t>
+            </a:r>
+            <a:r>
+              <a:rPr lang="en-US" dirty="0" err="1">
+                <a:latin typeface="Courier New" panose="02070309020205020404" pitchFamily="49" charset="0"/>
+                <a:cs typeface="Courier New" panose="02070309020205020404" pitchFamily="49" charset="0"/>
+              </a:rPr>
+              <a:t>paramName</a:t>
+            </a:r>
+            <a:r>
+              <a:rPr lang="en-US" dirty="0">
+                <a:latin typeface="Courier New" panose="02070309020205020404" pitchFamily="49" charset="0"/>
+                <a:cs typeface="Courier New" panose="02070309020205020404" pitchFamily="49" charset="0"/>
+              </a:rPr>
+              <a:t>) {</a:t>
+            </a:r>
+          </a:p>
+          <a:p>
+            <a:pPr marL="0" indent="0">
+              <a:buNone/>
+            </a:pPr>
+            <a:r>
+              <a:rPr lang="en-US" dirty="0">
+                <a:latin typeface="Courier New" panose="02070309020205020404" pitchFamily="49" charset="0"/>
+                <a:cs typeface="Courier New" panose="02070309020205020404" pitchFamily="49" charset="0"/>
+              </a:rPr>
+              <a:t>			//</a:t>
+            </a:r>
+            <a:r>
+              <a:rPr lang="en-US" dirty="0" err="1">
+                <a:latin typeface="Courier New" panose="02070309020205020404" pitchFamily="49" charset="0"/>
+                <a:cs typeface="Courier New" panose="02070309020205020404" pitchFamily="49" charset="0"/>
+              </a:rPr>
+              <a:t>init</a:t>
+            </a:r>
+            <a:r>
+              <a:rPr lang="en-US" dirty="0">
+                <a:latin typeface="Courier New" panose="02070309020205020404" pitchFamily="49" charset="0"/>
+                <a:cs typeface="Courier New" panose="02070309020205020404" pitchFamily="49" charset="0"/>
+              </a:rPr>
+              <a:t> code of 1 parameter constructor</a:t>
+            </a:r>
+          </a:p>
+          <a:p>
+            <a:pPr marL="0" indent="0">
+              <a:buNone/>
+            </a:pPr>
+            <a:r>
+              <a:rPr lang="en-US" dirty="0">
+                <a:latin typeface="Courier New" panose="02070309020205020404" pitchFamily="49" charset="0"/>
+                <a:cs typeface="Courier New" panose="02070309020205020404" pitchFamily="49" charset="0"/>
+              </a:rPr>
+              <a:t>		}</a:t>
+            </a:r>
+          </a:p>
+          <a:p>
+            <a:pPr marL="0" indent="0">
+              <a:buNone/>
+            </a:pPr>
+            <a:r>
+              <a:rPr lang="en-US" dirty="0">
+                <a:latin typeface="Courier New" panose="02070309020205020404" pitchFamily="49" charset="0"/>
+                <a:cs typeface="Courier New" panose="02070309020205020404" pitchFamily="49" charset="0"/>
+              </a:rPr>
+              <a:t>	}</a:t>
+            </a:r>
+          </a:p>
+          <a:p>
+            <a:endParaRPr lang="en-US" dirty="0"/>
+          </a:p>
+        </p:txBody>
+      </p:sp>
+    </p:spTree>
+    <p:extLst>
+      <p:ext uri="{BB962C8B-B14F-4D97-AF65-F5344CB8AC3E}">
+        <p14:creationId xmlns:p14="http://schemas.microsoft.com/office/powerpoint/2010/main" val="1655210648"/>
+      </p:ext>
+    </p:extLst>
+  </p:cSld>
+  <p:clrMapOvr>
+    <a:masterClrMapping/>
+  </p:clrMapOvr>
+</p:sld>
+</file>
+
+<file path=ppt/slides/slide25.xml><?xml version="1.0" encoding="utf-8"?>
+<p:sld xmlns:a="http://schemas.openxmlformats.org/drawingml/2006/main" xmlns:r="http://schemas.openxmlformats.org/officeDocument/2006/relationships" xmlns:p="http://schemas.openxmlformats.org/presentationml/2006/main">
+  <p:cSld>
+    <p:spTree>
+      <p:nvGrpSpPr>
+        <p:cNvPr id="1" name=""/>
+        <p:cNvGrpSpPr/>
+        <p:nvPr/>
+      </p:nvGrpSpPr>
+      <p:grpSpPr>
+        <a:xfrm>
+          <a:off x="0" y="0"/>
+          <a:ext cx="0" cy="0"/>
+          <a:chOff x="0" y="0"/>
+          <a:chExt cx="0" cy="0"/>
+        </a:xfrm>
+      </p:grpSpPr>
+      <p:sp>
+        <p:nvSpPr>
+          <p:cNvPr id="2" name="Title 1"/>
+          <p:cNvSpPr>
+            <a:spLocks noGrp="1"/>
+          </p:cNvSpPr>
+          <p:nvPr>
+            <p:ph type="title"/>
+          </p:nvPr>
+        </p:nvSpPr>
+        <p:spPr/>
+        <p:txBody>
+          <a:bodyPr/>
+          <a:lstStyle/>
+          <a:p>
+            <a:r>
+              <a:rPr lang="en-US" dirty="0"/>
+              <a:t>Object Constructors</a:t>
+            </a:r>
+          </a:p>
+        </p:txBody>
+      </p:sp>
+      <p:sp>
+        <p:nvSpPr>
+          <p:cNvPr id="3" name="Text Placeholder 2"/>
+          <p:cNvSpPr>
+            <a:spLocks noGrp="1"/>
+          </p:cNvSpPr>
+          <p:nvPr>
+            <p:ph type="body" idx="1"/>
+          </p:nvPr>
+        </p:nvSpPr>
+        <p:spPr/>
+        <p:txBody>
+          <a:bodyPr/>
+          <a:lstStyle/>
+          <a:p>
+            <a:r>
+              <a:rPr lang="en-US" dirty="0">
+                <a:latin typeface="Courier New" panose="02070309020205020404" pitchFamily="49" charset="0"/>
+                <a:cs typeface="Courier New" panose="02070309020205020404" pitchFamily="49" charset="0"/>
+              </a:rPr>
+              <a:t>int num = 5;</a:t>
+            </a:r>
+          </a:p>
+          <a:p>
+            <a:r>
+              <a:rPr lang="en-US" dirty="0">
+                <a:latin typeface="Courier New" panose="02070309020205020404" pitchFamily="49" charset="0"/>
+                <a:cs typeface="Courier New" panose="02070309020205020404" pitchFamily="49" charset="0"/>
+              </a:rPr>
+              <a:t>bool </a:t>
+            </a:r>
+            <a:r>
+              <a:rPr lang="en-US" dirty="0" err="1">
+                <a:latin typeface="Courier New" panose="02070309020205020404" pitchFamily="49" charset="0"/>
+                <a:cs typeface="Courier New" panose="02070309020205020404" pitchFamily="49" charset="0"/>
+              </a:rPr>
+              <a:t>isEmpty</a:t>
+            </a:r>
+            <a:r>
+              <a:rPr lang="en-US" dirty="0">
+                <a:latin typeface="Courier New" panose="02070309020205020404" pitchFamily="49" charset="0"/>
+                <a:cs typeface="Courier New" panose="02070309020205020404" pitchFamily="49" charset="0"/>
+              </a:rPr>
+              <a:t> = true;</a:t>
+            </a:r>
+          </a:p>
+          <a:p>
+            <a:pPr lvl="1"/>
+            <a:r>
+              <a:rPr lang="en-US" dirty="0"/>
+              <a:t>This works for primitive data types</a:t>
+            </a:r>
+          </a:p>
+          <a:p>
+            <a:pPr lvl="1"/>
+            <a:endParaRPr lang="en-US" dirty="0"/>
+          </a:p>
+          <a:p>
+            <a:r>
+              <a:rPr lang="en-US" dirty="0"/>
+              <a:t>What about how do we initialize an “object”  that is made from a class?</a:t>
+            </a:r>
+          </a:p>
+        </p:txBody>
+      </p:sp>
+      <p:sp>
+        <p:nvSpPr>
+          <p:cNvPr id="4" name="Rectangle 3">
+            <a:extLst>
+              <a:ext uri="{FF2B5EF4-FFF2-40B4-BE49-F238E27FC236}">
+                <a16:creationId xmlns:a16="http://schemas.microsoft.com/office/drawing/2014/main" id="{1A7C39C3-65FD-5742-980B-25A80B4D78D6}"/>
+              </a:ext>
+            </a:extLst>
+          </p:cNvPr>
+          <p:cNvSpPr/>
+          <p:nvPr/>
+        </p:nvSpPr>
+        <p:spPr>
+          <a:xfrm>
+            <a:off x="338203" y="1540701"/>
+            <a:ext cx="7728559" cy="1766170"/>
+          </a:xfrm>
+          <a:prstGeom prst="rect">
+            <a:avLst/>
+          </a:prstGeom>
+          <a:noFill/>
+          <a:ln>
+            <a:solidFill>
+              <a:srgbClr val="FF0000"/>
+            </a:solidFill>
+          </a:ln>
+        </p:spPr>
+        <p:style>
+          <a:lnRef idx="3">
+            <a:schemeClr val="lt1"/>
+          </a:lnRef>
+          <a:fillRef idx="1">
+            <a:schemeClr val="dk1"/>
+          </a:fillRef>
+          <a:effectRef idx="1">
+            <a:schemeClr val="dk1"/>
+          </a:effectRef>
+          <a:fontRef idx="minor">
+            <a:schemeClr val="lt1"/>
+          </a:fontRef>
+        </p:style>
+        <p:txBody>
+          <a:bodyPr rtlCol="0" anchor="ctr"/>
+          <a:lstStyle/>
+          <a:p>
+            <a:pPr algn="ctr"/>
+            <a:endParaRPr lang="en-US"/>
+          </a:p>
+        </p:txBody>
+      </p:sp>
+    </p:spTree>
+    <p:extLst>
+      <p:ext uri="{BB962C8B-B14F-4D97-AF65-F5344CB8AC3E}">
+        <p14:creationId xmlns:p14="http://schemas.microsoft.com/office/powerpoint/2010/main" val="1020077724"/>
+      </p:ext>
+    </p:extLst>
+  </p:cSld>
+  <p:clrMapOvr>
+    <a:masterClrMapping/>
+  </p:clrMapOvr>
+</p:sld>
+</file>
+
+<file path=ppt/slides/slide26.xml><?xml version="1.0" encoding="utf-8"?>
 <p:sld xmlns:a="http://schemas.openxmlformats.org/drawingml/2006/main" xmlns:r="http://schemas.openxmlformats.org/officeDocument/2006/relationships" xmlns:p="http://schemas.openxmlformats.org/presentationml/2006/main">
   <p:cSld>
     <p:spTree>
@@ -8147,7 +9486,25 @@
                     <a:cs typeface="Lucida Sans"/>
                     <a:sym typeface="Lucida Sans"/>
                   </a:rPr>
-                  <a:t>The new operator is what actually makes the new object, in this case a new rectangle.</a:t>
+                  <a:t>The </a:t>
+                </a:r>
+                <a:r>
+                  <a:rPr lang="en-US" sz="1600" b="1" i="1" dirty="0">
+                    <a:latin typeface="Lucida Sans"/>
+                    <a:ea typeface="Lucida Sans"/>
+                    <a:cs typeface="Lucida Sans"/>
+                    <a:sym typeface="Lucida Sans"/>
+                  </a:rPr>
+                  <a:t>new</a:t>
+                </a:r>
+                <a:r>
+                  <a:rPr lang="en-US" sz="1600" b="1" dirty="0">
+                    <a:latin typeface="Lucida Sans"/>
+                    <a:ea typeface="Lucida Sans"/>
+                    <a:cs typeface="Lucida Sans"/>
+                    <a:sym typeface="Lucida Sans"/>
+                  </a:rPr>
+                  <a:t> operator is what actually creates the new object, in this case a new Rectangle</a:t>
                 </a:r>
                 <a:endParaRPr sz="1600" b="1" dirty="0">
                   <a:latin typeface="Lucida Sans"/>
@@ -8168,10 +9525,10 @@
         </p:nvGrpSpPr>
         <p:grpSpPr>
           <a:xfrm>
-            <a:off x="2999840" y="1301042"/>
-            <a:ext cx="6017155" cy="4551759"/>
-            <a:chOff x="939800" y="-3168373"/>
-            <a:chExt cx="6017153" cy="4551756"/>
+            <a:off x="2999840" y="1113151"/>
+            <a:ext cx="5954526" cy="4739650"/>
+            <a:chOff x="939800" y="-3356264"/>
+            <a:chExt cx="5954524" cy="4739647"/>
           </a:xfrm>
         </p:grpSpPr>
         <p:sp>
@@ -8225,10 +9582,10 @@
           </p:nvGrpSpPr>
           <p:grpSpPr>
             <a:xfrm>
-              <a:off x="939800" y="-3168373"/>
-              <a:ext cx="6017153" cy="4551756"/>
-              <a:chOff x="0" y="-4120869"/>
-              <a:chExt cx="6017153" cy="4551753"/>
+              <a:off x="939800" y="-3356264"/>
+              <a:ext cx="5954524" cy="4739647"/>
+              <a:chOff x="0" y="-4308760"/>
+              <a:chExt cx="5954524" cy="4739644"/>
             </a:xfrm>
           </p:grpSpPr>
           <p:sp>
@@ -8239,8 +9596,8 @@
             </p:nvSpPr>
             <p:spPr>
               <a:xfrm>
-                <a:off x="2677053" y="-4120869"/>
-                <a:ext cx="3340100" cy="1516762"/>
+                <a:off x="1797627" y="-4308760"/>
+                <a:ext cx="4156897" cy="1516762"/>
               </a:xfrm>
               <a:prstGeom prst="rect">
                 <a:avLst/>
@@ -8329,8 +9686,8 @@
         </p:nvSpPr>
         <p:spPr>
           <a:xfrm>
-            <a:off x="5676894" y="1296101"/>
-            <a:ext cx="3340101" cy="1477328"/>
+            <a:off x="4800073" y="1170840"/>
+            <a:ext cx="4231193" cy="1477328"/>
           </a:xfrm>
           <a:prstGeom prst="rect">
             <a:avLst/>
@@ -8352,7 +9709,7 @@
                 <a:cs typeface="Arial"/>
                 <a:sym typeface="Arial"/>
               </a:rPr>
-              <a:t>The constructor arguments specifies that the new rectangle called box should be at the origin with a height and width of 5.</a:t>
+              <a:t>This constructor's arguments specifies that the new Rectangle whose reference is stored in box should be at the origin (0, 0) with a height and width of 5.</a:t>
             </a:r>
             <a:endParaRPr lang="en-US" dirty="0">
               <a:latin typeface="Arial"/>
@@ -8503,7 +9860,7 @@
     </p:spTree>
     <p:extLst>
       <p:ext uri="{BB962C8B-B14F-4D97-AF65-F5344CB8AC3E}">
-        <p14:creationId xmlns:p14="http://schemas.microsoft.com/office/powerpoint/2010/main" val="3151746698"/>
+        <p14:creationId xmlns:p14="http://schemas.microsoft.com/office/powerpoint/2010/main" val="904214773"/>
       </p:ext>
     </p:extLst>
   </p:cSld>
@@ -8513,7 +9870,7 @@
 </p:sld>
 </file>
 
-<file path=ppt/slides/slide23.xml><?xml version="1.0" encoding="utf-8"?>
+<file path=ppt/slides/slide27.xml><?xml version="1.0" encoding="utf-8"?>
 <p:sld xmlns:a="http://schemas.openxmlformats.org/drawingml/2006/main" xmlns:r="http://schemas.openxmlformats.org/officeDocument/2006/relationships" xmlns:p="http://schemas.openxmlformats.org/presentationml/2006/main">
   <p:cSld>
     <p:spTree>
@@ -8562,14 +9919,23 @@
             <p:ph type="body" idx="1"/>
           </p:nvPr>
         </p:nvSpPr>
-        <p:spPr/>
+        <p:spPr>
+          <a:xfrm>
+            <a:off x="106471" y="1449888"/>
+            <a:ext cx="4565737" cy="4525963"/>
+          </a:xfrm>
+        </p:spPr>
         <p:txBody>
           <a:bodyPr/>
           <a:lstStyle/>
           <a:p>
             <a:r>
               <a:rPr lang="en-US" dirty="0"/>
-              <a:t>Open BankAccount.java</a:t>
+              <a:t>Open </a:t>
+            </a:r>
+            <a:r>
+              <a:rPr lang="en-US" i="1" dirty="0"/>
+              <a:t>BankAccount.java</a:t>
             </a:r>
           </a:p>
           <a:p>
@@ -8583,6 +9949,13 @@
             <a:pPr lvl="1"/>
             <a:r>
               <a:rPr lang="en-US" dirty="0"/>
+              <a:t>Have Eclipse help us</a:t>
+            </a:r>
+          </a:p>
+          <a:p>
+            <a:pPr lvl="1"/>
+            <a:r>
+              <a:rPr lang="en-US" dirty="0"/>
               <a:t>When you’re done and it works, solve the last quiz question</a:t>
             </a:r>
           </a:p>
@@ -8592,10 +9965,40 @@
           </a:p>
         </p:txBody>
       </p:sp>
+      <p:pic>
+        <p:nvPicPr>
+          <p:cNvPr id="5" name="Picture 4" descr="A picture containing timeline&#10;&#10;Description automatically generated">
+            <a:extLst>
+              <a:ext uri="{FF2B5EF4-FFF2-40B4-BE49-F238E27FC236}">
+                <a16:creationId xmlns:a16="http://schemas.microsoft.com/office/drawing/2014/main" id="{53B70DBD-44D0-5F4E-B16E-E3BE2A4E92BC}"/>
+              </a:ext>
+            </a:extLst>
+          </p:cNvPr>
+          <p:cNvPicPr>
+            <a:picLocks noChangeAspect="1"/>
+          </p:cNvPicPr>
+          <p:nvPr/>
+        </p:nvPicPr>
+        <p:blipFill>
+          <a:blip r:embed="rId2"/>
+          <a:stretch>
+            <a:fillRect/>
+          </a:stretch>
+        </p:blipFill>
+        <p:spPr>
+          <a:xfrm>
+            <a:off x="4711009" y="1540701"/>
+            <a:ext cx="4311645" cy="3406732"/>
+          </a:xfrm>
+          <a:prstGeom prst="rect">
+            <a:avLst/>
+          </a:prstGeom>
+        </p:spPr>
+      </p:pic>
     </p:spTree>
     <p:extLst>
       <p:ext uri="{BB962C8B-B14F-4D97-AF65-F5344CB8AC3E}">
-        <p14:creationId xmlns:p14="http://schemas.microsoft.com/office/powerpoint/2010/main" val="3093067597"/>
+        <p14:creationId xmlns:p14="http://schemas.microsoft.com/office/powerpoint/2010/main" val="2416808676"/>
       </p:ext>
     </p:extLst>
   </p:cSld>
@@ -8605,7 +10008,7 @@
 </p:sld>
 </file>
 
-<file path=ppt/slides/slide24.xml><?xml version="1.0" encoding="utf-8"?>
+<file path=ppt/slides/slide28.xml><?xml version="1.0" encoding="utf-8"?>
 <p:sld xmlns:a="http://schemas.openxmlformats.org/drawingml/2006/main" xmlns:r="http://schemas.openxmlformats.org/officeDocument/2006/relationships" xmlns:p="http://schemas.openxmlformats.org/presentationml/2006/main">
   <p:cSld>
     <p:spTree>
@@ -8681,24 +10084,37 @@
             </a:r>
             <a:r>
               <a:rPr lang="en-US" dirty="0"/>
-              <a:t> filling out </a:t>
-            </a:r>
+              <a:t> </a:t>
+            </a:r>
+            <a:br>
+              <a:rPr lang="en-US" dirty="0"/>
+            </a:br>
+            <a:endParaRPr lang="en-US" dirty="0"/>
+          </a:p>
+          <a:p>
+            <a:r>
+              <a:rPr lang="en-US" dirty="0"/>
+              <a:t>Finish:</a:t>
+            </a:r>
+          </a:p>
+          <a:p>
+            <a:pPr lvl="1"/>
             <a:r>
               <a:rPr lang="en-US" dirty="0" err="1"/>
               <a:t>ClassA.java</a:t>
             </a:r>
-            <a:r>
-              <a:rPr lang="en-US" dirty="0"/>
-              <a:t>, </a:t>
-            </a:r>
+            <a:endParaRPr lang="en-US" dirty="0"/>
+          </a:p>
+          <a:p>
+            <a:pPr lvl="1"/>
             <a:r>
               <a:rPr lang="en-US" dirty="0" err="1"/>
               <a:t>ClassB.java</a:t>
             </a:r>
-            <a:r>
-              <a:rPr lang="en-US" dirty="0"/>
-              <a:t> and </a:t>
-            </a:r>
+            <a:endParaRPr lang="en-US" dirty="0"/>
+          </a:p>
+          <a:p>
+            <a:pPr lvl="1"/>
             <a:r>
               <a:rPr lang="en-US" dirty="0" err="1"/>
               <a:t>ClassC.java</a:t>
@@ -8709,30 +10125,60 @@
             </a:r>
           </a:p>
           <a:p>
+            <a:r>
+              <a:rPr lang="en-US" dirty="0"/>
+              <a:t>Make these classes work with the tests provided in </a:t>
+            </a:r>
+            <a:r>
+              <a:rPr lang="en-US" dirty="0" err="1"/>
+              <a:t>ClassTests.java</a:t>
+            </a:r>
+            <a:endParaRPr lang="en-US" dirty="0"/>
+          </a:p>
+          <a:p>
             <a:pPr lvl="1"/>
-            <a:r>
-              <a:rPr lang="en-US" dirty="0"/>
-              <a:t>should work with the tests provided in </a:t>
-            </a:r>
-            <a:r>
-              <a:rPr lang="en-US" dirty="0" err="1"/>
-              <a:t>ClassTests</a:t>
-            </a:r>
-            <a:r>
-              <a:rPr lang="en-US" err="1"/>
-              <a:t>.</a:t>
-            </a:r>
-            <a:r>
-              <a:rPr lang="en-US"/>
-              <a:t>java</a:t>
-            </a:r>
-          </a:p>
-        </p:txBody>
-      </p:sp>
+            <a:endParaRPr lang="en-US" dirty="0"/>
+          </a:p>
+          <a:p>
+            <a:pPr lvl="1"/>
+            <a:endParaRPr lang="en-US" dirty="0"/>
+          </a:p>
+        </p:txBody>
+      </p:sp>
+      <p:pic>
+        <p:nvPicPr>
+          <p:cNvPr id="4" name="Picture 3">
+            <a:extLst>
+              <a:ext uri="{FF2B5EF4-FFF2-40B4-BE49-F238E27FC236}">
+                <a16:creationId xmlns:a16="http://schemas.microsoft.com/office/drawing/2014/main" id="{E4406E06-DEF5-AA46-BBF9-2895489644A4}"/>
+              </a:ext>
+            </a:extLst>
+          </p:cNvPr>
+          <p:cNvPicPr>
+            <a:picLocks noChangeAspect="1"/>
+          </p:cNvPicPr>
+          <p:nvPr/>
+        </p:nvPicPr>
+        <p:blipFill>
+          <a:blip r:embed="rId2"/>
+          <a:stretch>
+            <a:fillRect/>
+          </a:stretch>
+        </p:blipFill>
+        <p:spPr>
+          <a:xfrm>
+            <a:off x="3511550" y="2354111"/>
+            <a:ext cx="3949700" cy="2400300"/>
+          </a:xfrm>
+          <a:prstGeom prst="rect">
+            <a:avLst/>
+          </a:prstGeom>
+        </p:spPr>
+      </p:pic>
     </p:spTree>
     <p:extLst>
       <p:ext uri="{BB962C8B-B14F-4D97-AF65-F5344CB8AC3E}">
-        <p14:creationId xmlns:p14="http://schemas.microsoft.com/office/powerpoint/2010/main" val="2875033241"/>
+        <p14:creationId xmlns:p14="http://schemas.microsoft.com/office/powerpoint/2010/main" val="3764011328"/>
       </p:ext>
     </p:extLst>
   </p:cSld>
@@ -8742,7 +10188,7 @@
 </p:sld>
 </file>
 
-<file path=ppt/slides/slide25.xml><?xml version="1.0" encoding="utf-8"?>
+<file path=ppt/slides/slide29.xml><?xml version="1.0" encoding="utf-8"?>
 <p:sld xmlns:a="http://schemas.openxmlformats.org/drawingml/2006/main" xmlns:r="http://schemas.openxmlformats.org/officeDocument/2006/relationships" xmlns:p="http://schemas.openxmlformats.org/presentationml/2006/main">
   <p:cSld>
     <p:spTree>
@@ -8769,7 +10215,12 @@
             <p:ph type="title"/>
           </p:nvPr>
         </p:nvSpPr>
-        <p:spPr/>
+        <p:spPr>
+          <a:xfrm>
+            <a:off x="356992" y="363255"/>
+            <a:ext cx="4653419" cy="1830996"/>
+          </a:xfrm>
+        </p:spPr>
         <p:txBody>
           <a:bodyPr>
             <a:normAutofit fontScale="90000"/>
@@ -8801,14 +10252,21 @@
             <p:ph idx="1"/>
           </p:nvPr>
         </p:nvSpPr>
-        <p:spPr/>
-        <p:txBody>
-          <a:bodyPr/>
+        <p:spPr>
+          <a:xfrm>
+            <a:off x="344466" y="3391423"/>
+            <a:ext cx="8649222" cy="3209794"/>
+          </a:xfrm>
+        </p:spPr>
+        <p:txBody>
+          <a:bodyPr>
+            <a:normAutofit fontScale="92500" lnSpcReduction="10000"/>
+          </a:bodyPr>
           <a:lstStyle/>
           <a:p>
             <a:r>
               <a:rPr lang="en-US" dirty="0"/>
-              <a:t>Uncomment the stuff in </a:t>
+              <a:t>Uncomment the code found in </a:t>
             </a:r>
             <a:r>
               <a:rPr lang="en-US" dirty="0" err="1"/>
@@ -8833,10 +10291,40 @@
           </a:p>
         </p:txBody>
       </p:sp>
+      <p:pic>
+        <p:nvPicPr>
+          <p:cNvPr id="4" name="Picture 3">
+            <a:extLst>
+              <a:ext uri="{FF2B5EF4-FFF2-40B4-BE49-F238E27FC236}">
+                <a16:creationId xmlns:a16="http://schemas.microsoft.com/office/drawing/2014/main" id="{3B8732BA-B90F-B846-AD93-0F8E8BB360D2}"/>
+              </a:ext>
+            </a:extLst>
+          </p:cNvPr>
+          <p:cNvPicPr>
+            <a:picLocks noChangeAspect="1"/>
+          </p:cNvPicPr>
+          <p:nvPr/>
+        </p:nvPicPr>
+        <p:blipFill>
+          <a:blip r:embed="rId3"/>
+          <a:stretch>
+            <a:fillRect/>
+          </a:stretch>
+        </p:blipFill>
+        <p:spPr>
+          <a:xfrm>
+            <a:off x="5347495" y="263046"/>
+            <a:ext cx="3533458" cy="2995026"/>
+          </a:xfrm>
+          <a:prstGeom prst="rect">
+            <a:avLst/>
+          </a:prstGeom>
+        </p:spPr>
+      </p:pic>
     </p:spTree>
     <p:extLst>
       <p:ext uri="{BB962C8B-B14F-4D97-AF65-F5344CB8AC3E}">
-        <p14:creationId xmlns:p14="http://schemas.microsoft.com/office/powerpoint/2010/main" val="4215195480"/>
+        <p14:creationId xmlns:p14="http://schemas.microsoft.com/office/powerpoint/2010/main" val="3549654333"/>
       </p:ext>
     </p:extLst>
   </p:cSld>
@@ -8911,6 +10399,110 @@
     <p:extLst>
       <p:ext uri="{BB962C8B-B14F-4D97-AF65-F5344CB8AC3E}">
         <p14:creationId xmlns:p14="http://schemas.microsoft.com/office/powerpoint/2010/main" val="103186050"/>
+      </p:ext>
+    </p:extLst>
+  </p:cSld>
+  <p:clrMapOvr>
+    <a:masterClrMapping/>
+  </p:clrMapOvr>
+</p:sld>
+</file>
+
+<file path=ppt/slides/slide30.xml><?xml version="1.0" encoding="utf-8"?>
+<p:sld xmlns:a="http://schemas.openxmlformats.org/drawingml/2006/main" xmlns:r="http://schemas.openxmlformats.org/officeDocument/2006/relationships" xmlns:p="http://schemas.openxmlformats.org/presentationml/2006/main">
+  <p:cSld>
+    <p:spTree>
+      <p:nvGrpSpPr>
+        <p:cNvPr id="1" name=""/>
+        <p:cNvGrpSpPr/>
+        <p:nvPr/>
+      </p:nvGrpSpPr>
+      <p:grpSpPr>
+        <a:xfrm>
+          <a:off x="0" y="0"/>
+          <a:ext cx="0" cy="0"/>
+          <a:chOff x="0" y="0"/>
+          <a:chExt cx="0" cy="0"/>
+        </a:xfrm>
+      </p:grpSpPr>
+      <p:sp>
+        <p:nvSpPr>
+          <p:cNvPr id="2" name="Title 1"/>
+          <p:cNvSpPr>
+            <a:spLocks noGrp="1"/>
+          </p:cNvSpPr>
+          <p:nvPr>
+            <p:ph type="title"/>
+          </p:nvPr>
+        </p:nvSpPr>
+        <p:spPr/>
+        <p:txBody>
+          <a:bodyPr>
+            <a:normAutofit fontScale="90000"/>
+          </a:bodyPr>
+          <a:lstStyle/>
+          <a:p>
+            <a:r>
+              <a:rPr lang="en-US" dirty="0"/>
+              <a:t>Now code the </a:t>
+            </a:r>
+            <a:r>
+              <a:rPr lang="en-US" dirty="0" err="1"/>
+              <a:t>StudentAssignments</a:t>
+            </a:r>
+            <a:r>
+              <a:rPr lang="en-US" dirty="0"/>
+              <a:t> class yourself</a:t>
+            </a:r>
+          </a:p>
+        </p:txBody>
+      </p:sp>
+      <p:sp>
+        <p:nvSpPr>
+          <p:cNvPr id="3" name="Content Placeholder 2"/>
+          <p:cNvSpPr>
+            <a:spLocks noGrp="1"/>
+          </p:cNvSpPr>
+          <p:nvPr>
+            <p:ph idx="1"/>
+          </p:nvPr>
+        </p:nvSpPr>
+        <p:spPr/>
+        <p:txBody>
+          <a:bodyPr/>
+          <a:lstStyle/>
+          <a:p>
+            <a:r>
+              <a:rPr lang="en-US" dirty="0"/>
+              <a:t>Uncomment the stuff in </a:t>
+            </a:r>
+            <a:r>
+              <a:rPr lang="en-US" i="1" dirty="0" err="1"/>
+              <a:t>StudentAssignmentsMain</a:t>
+            </a:r>
+            <a:r>
+              <a:rPr lang="en-US" dirty="0"/>
+              <a:t> to see what the class ought to do</a:t>
+            </a:r>
+          </a:p>
+          <a:p>
+            <a:r>
+              <a:rPr lang="en-US" dirty="0"/>
+              <a:t>Then create the class and add the constructors and methods you need</a:t>
+            </a:r>
+          </a:p>
+          <a:p>
+            <a:r>
+              <a:rPr lang="en-US" dirty="0"/>
+              <a:t>If you finish early, add a function to compute the student’s average grade</a:t>
+            </a:r>
+          </a:p>
+        </p:txBody>
+      </p:sp>
+    </p:spTree>
+    <p:extLst>
+      <p:ext uri="{BB962C8B-B14F-4D97-AF65-F5344CB8AC3E}">
+        <p14:creationId xmlns:p14="http://schemas.microsoft.com/office/powerpoint/2010/main" val="4215195480"/>
       </p:ext>
     </p:extLst>
   </p:cSld>
@@ -9353,7 +10945,7 @@
             <a:effectLst/>
             <a:extLst>
               <a:ext uri="{C572A759-6A51-4108-AA02-DFA0A04FC94B}">
-                <ma14:wrappingTextBoxFlag xmlns:ma14="http://schemas.microsoft.com/office/mac/drawingml/2011/main" xmlns="" val="1"/>
+                <ma14:wrappingTextBoxFlag xmlns="" xmlns:ma14="http://schemas.microsoft.com/office/mac/drawingml/2011/main" val="1"/>
               </a:ext>
             </a:extLst>
           </p:spPr>
@@ -10123,7 +11715,7 @@
           </a:ln>
           <a:extLst>
             <a:ext uri="{C572A759-6A51-4108-AA02-DFA0A04FC94B}">
-              <ma14:wrappingTextBoxFlag xmlns:ma14="http://schemas.microsoft.com/office/mac/drawingml/2011/main" xmlns="" val="1"/>
+              <ma14:wrappingTextBoxFlag xmlns="" xmlns:ma14="http://schemas.microsoft.com/office/mac/drawingml/2011/main" val="1"/>
             </a:ext>
           </a:extLst>
         </p:spPr>
@@ -10782,7 +12374,7 @@
             <a:effectLst/>
             <a:extLst>
               <a:ext uri="{C572A759-6A51-4108-AA02-DFA0A04FC94B}">
-                <ma14:wrappingTextBoxFlag xmlns:ma14="http://schemas.microsoft.com/office/mac/drawingml/2011/main" xmlns="" val="1"/>
+                <ma14:wrappingTextBoxFlag xmlns="" xmlns:ma14="http://schemas.microsoft.com/office/mac/drawingml/2011/main" val="1"/>
               </a:ext>
             </a:extLst>
           </p:spPr>
@@ -10868,7 +12460,7 @@
       </p:grpSpPr>
       <p:sp>
         <p:nvSpPr>
-          <p:cNvPr id="2" name="Title 1"/>
+          <p:cNvPr id="172" name="Shape 172"/>
           <p:cNvSpPr>
             <a:spLocks noGrp="1"/>
           </p:cNvSpPr>
@@ -10876,56 +12468,182 @@
             <p:ph type="title"/>
           </p:nvPr>
         </p:nvSpPr>
-        <p:spPr/>
-        <p:txBody>
-          <a:bodyPr/>
-          <a:lstStyle/>
-          <a:p>
-            <a:r>
-              <a:rPr lang="en-US" dirty="0"/>
-              <a:t>Agenda</a:t>
-            </a:r>
-          </a:p>
-        </p:txBody>
-      </p:sp>
-      <p:sp>
-        <p:nvSpPr>
-          <p:cNvPr id="3" name="Content Placeholder 2"/>
-          <p:cNvSpPr>
-            <a:spLocks noGrp="1"/>
-          </p:cNvSpPr>
-          <p:nvPr>
-            <p:ph idx="1"/>
-          </p:nvPr>
-        </p:nvSpPr>
-        <p:spPr/>
-        <p:txBody>
-          <a:bodyPr/>
-          <a:lstStyle/>
-          <a:p>
-            <a:r>
-              <a:rPr lang="en-US" strike="sngStrike" dirty="0"/>
-              <a:t>Coding Conventions, Style, Grading</a:t>
-            </a:r>
-          </a:p>
-          <a:p>
-            <a:r>
-              <a:rPr lang="en-US" dirty="0"/>
-              <a:t>Debugging</a:t>
-            </a:r>
-          </a:p>
-          <a:p>
-            <a:r>
-              <a:rPr lang="en-US" dirty="0"/>
-              <a:t>Objects and Classes</a:t>
-            </a:r>
-          </a:p>
-        </p:txBody>
-      </p:sp>
+        <p:spPr>
+          <a:xfrm>
+            <a:off x="457200" y="274638"/>
+            <a:ext cx="8229600" cy="1143001"/>
+          </a:xfrm>
+          <a:prstGeom prst="rect">
+            <a:avLst/>
+          </a:prstGeom>
+        </p:spPr>
+        <p:txBody>
+          <a:bodyPr>
+            <a:normAutofit fontScale="90000"/>
+          </a:bodyPr>
+          <a:lstStyle/>
+          <a:p>
+            <a:pPr lvl="0">
+              <a:defRPr sz="1800"/>
+            </a:pPr>
+            <a:r>
+              <a:rPr lang="en-US" sz="4400" dirty="0"/>
+              <a:t>Follow Javadoc Instructions in Videos</a:t>
+            </a:r>
+            <a:r>
+              <a:rPr sz="4400" dirty="0"/>
+              <a:t>:</a:t>
+            </a:r>
+          </a:p>
+        </p:txBody>
+      </p:sp>
+      <p:sp>
+        <p:nvSpPr>
+          <p:cNvPr id="173" name="Shape 173"/>
+          <p:cNvSpPr>
+            <a:spLocks noGrp="1"/>
+          </p:cNvSpPr>
+          <p:nvPr>
+            <p:ph type="body" idx="1"/>
+          </p:nvPr>
+        </p:nvSpPr>
+        <p:spPr>
+          <a:xfrm>
+            <a:off x="457200" y="1600200"/>
+            <a:ext cx="8229600" cy="4525963"/>
+          </a:xfrm>
+          <a:prstGeom prst="rect">
+            <a:avLst/>
+          </a:prstGeom>
+        </p:spPr>
+        <p:txBody>
+          <a:bodyPr>
+            <a:normAutofit/>
+          </a:bodyPr>
+          <a:lstStyle/>
+          <a:p>
+            <a:pPr marL="257175" lvl="0" indent="-257175">
+              <a:spcBef>
+                <a:spcPts val="500"/>
+              </a:spcBef>
+              <a:defRPr sz="1800"/>
+            </a:pPr>
+            <a:endParaRPr lang="en-US" sz="2400" dirty="0"/>
+          </a:p>
+          <a:p>
+            <a:pPr marL="257175" lvl="0" indent="-257175">
+              <a:spcBef>
+                <a:spcPts val="500"/>
+              </a:spcBef>
+              <a:defRPr sz="1800"/>
+            </a:pPr>
+            <a:endParaRPr lang="en-US" sz="2400" dirty="0"/>
+          </a:p>
+          <a:p>
+            <a:pPr marL="257175" lvl="0" indent="-257175">
+              <a:spcBef>
+                <a:spcPts val="500"/>
+              </a:spcBef>
+              <a:defRPr sz="1800"/>
+            </a:pPr>
+            <a:endParaRPr lang="en-US" sz="2400" dirty="0"/>
+          </a:p>
+          <a:p>
+            <a:pPr marL="257175" lvl="0" indent="-257175">
+              <a:spcBef>
+                <a:spcPts val="500"/>
+              </a:spcBef>
+              <a:defRPr sz="1800"/>
+            </a:pPr>
+            <a:endParaRPr lang="en-US" sz="2400" dirty="0"/>
+          </a:p>
+          <a:p>
+            <a:pPr marL="257175" lvl="0" indent="-257175">
+              <a:spcBef>
+                <a:spcPts val="500"/>
+              </a:spcBef>
+              <a:defRPr sz="1800"/>
+            </a:pPr>
+            <a:endParaRPr lang="en-US" sz="2400" dirty="0"/>
+          </a:p>
+          <a:p>
+            <a:pPr marL="257175" lvl="0" indent="-257175">
+              <a:spcBef>
+                <a:spcPts val="500"/>
+              </a:spcBef>
+              <a:defRPr sz="1800"/>
+            </a:pPr>
+            <a:endParaRPr lang="en-US" sz="2400" dirty="0"/>
+          </a:p>
+          <a:p>
+            <a:pPr marL="257175" lvl="0" indent="-257175">
+              <a:spcBef>
+                <a:spcPts val="500"/>
+              </a:spcBef>
+              <a:defRPr sz="1800"/>
+            </a:pPr>
+            <a:endParaRPr lang="en-US" sz="2400" dirty="0"/>
+          </a:p>
+          <a:p>
+            <a:pPr marL="257175" lvl="0" indent="-257175">
+              <a:spcBef>
+                <a:spcPts val="500"/>
+              </a:spcBef>
+              <a:defRPr sz="1800"/>
+            </a:pPr>
+            <a:endParaRPr lang="en-US" sz="2400" dirty="0"/>
+          </a:p>
+          <a:p>
+            <a:pPr marL="257175" lvl="0" indent="-257175">
+              <a:spcBef>
+                <a:spcPts val="500"/>
+              </a:spcBef>
+              <a:defRPr sz="1800"/>
+            </a:pPr>
+            <a:r>
+              <a:rPr lang="en-US" sz="2400" dirty="0">
+                <a:hlinkClick r:id="rId2"/>
+              </a:rPr>
+              <a:t>Panopto video folder</a:t>
+            </a:r>
+            <a:endParaRPr lang="en-US" sz="2400" dirty="0"/>
+          </a:p>
+        </p:txBody>
+      </p:sp>
+      <p:pic>
+        <p:nvPicPr>
+          <p:cNvPr id="3" name="Picture 2">
+            <a:extLst>
+              <a:ext uri="{FF2B5EF4-FFF2-40B4-BE49-F238E27FC236}">
+                <a16:creationId xmlns:a16="http://schemas.microsoft.com/office/drawing/2014/main" id="{29DB307D-AD70-1643-9AE7-6B213AE454E1}"/>
+              </a:ext>
+            </a:extLst>
+          </p:cNvPr>
+          <p:cNvPicPr>
+            <a:picLocks noChangeAspect="1"/>
+          </p:cNvPicPr>
+          <p:nvPr/>
+        </p:nvPicPr>
+        <p:blipFill>
+          <a:blip r:embed="rId3"/>
+          <a:stretch>
+            <a:fillRect/>
+          </a:stretch>
+        </p:blipFill>
+        <p:spPr>
+          <a:xfrm>
+            <a:off x="256929" y="1089764"/>
+            <a:ext cx="9026291" cy="3970750"/>
+          </a:xfrm>
+          <a:prstGeom prst="rect">
+            <a:avLst/>
+          </a:prstGeom>
+        </p:spPr>
+      </p:pic>
     </p:spTree>
     <p:extLst>
       <p:ext uri="{BB962C8B-B14F-4D97-AF65-F5344CB8AC3E}">
-        <p14:creationId xmlns:p14="http://schemas.microsoft.com/office/powerpoint/2010/main" val="20828598"/>
+        <p14:creationId xmlns:p14="http://schemas.microsoft.com/office/powerpoint/2010/main" val="2109892412"/>
       </p:ext>
     </p:extLst>
   </p:cSld>

--- a/ClassMaterials/ObjectIntroAndMisc/Slides/ObjectIntroAndMisc.pptx
+++ b/ClassMaterials/ObjectIntroAndMisc/Slides/ObjectIntroAndMisc.pptx
@@ -5,7 +5,7 @@
     <p:sldMasterId id="2147483648" r:id="rId1"/>
   </p:sldMasterIdLst>
   <p:notesMasterIdLst>
-    <p:notesMasterId r:id="rId32"/>
+    <p:notesMasterId r:id="rId34"/>
   </p:notesMasterIdLst>
   <p:sldIdLst>
     <p:sldId id="256" r:id="rId2"/>
@@ -21,23 +21,25 @@
     <p:sldId id="260" r:id="rId12"/>
     <p:sldId id="314" r:id="rId13"/>
     <p:sldId id="315" r:id="rId14"/>
-    <p:sldId id="316" r:id="rId15"/>
-    <p:sldId id="317" r:id="rId16"/>
-    <p:sldId id="318" r:id="rId17"/>
-    <p:sldId id="319" r:id="rId18"/>
-    <p:sldId id="312" r:id="rId19"/>
-    <p:sldId id="307" r:id="rId20"/>
-    <p:sldId id="277" r:id="rId21"/>
-    <p:sldId id="320" r:id="rId22"/>
-    <p:sldId id="321" r:id="rId23"/>
-    <p:sldId id="279" r:id="rId24"/>
-    <p:sldId id="322" r:id="rId25"/>
-    <p:sldId id="323" r:id="rId26"/>
-    <p:sldId id="324" r:id="rId27"/>
-    <p:sldId id="325" r:id="rId28"/>
-    <p:sldId id="326" r:id="rId29"/>
-    <p:sldId id="327" r:id="rId30"/>
-    <p:sldId id="294" r:id="rId31"/>
+    <p:sldId id="338" r:id="rId15"/>
+    <p:sldId id="262" r:id="rId16"/>
+    <p:sldId id="339" r:id="rId17"/>
+    <p:sldId id="316" r:id="rId18"/>
+    <p:sldId id="317" r:id="rId19"/>
+    <p:sldId id="318" r:id="rId20"/>
+    <p:sldId id="319" r:id="rId21"/>
+    <p:sldId id="312" r:id="rId22"/>
+    <p:sldId id="307" r:id="rId23"/>
+    <p:sldId id="277" r:id="rId24"/>
+    <p:sldId id="320" r:id="rId25"/>
+    <p:sldId id="321" r:id="rId26"/>
+    <p:sldId id="279" r:id="rId27"/>
+    <p:sldId id="322" r:id="rId28"/>
+    <p:sldId id="323" r:id="rId29"/>
+    <p:sldId id="324" r:id="rId30"/>
+    <p:sldId id="325" r:id="rId31"/>
+    <p:sldId id="326" r:id="rId32"/>
+    <p:sldId id="327" r:id="rId33"/>
   </p:sldIdLst>
   <p:sldSz cx="9144000" cy="6858000" type="screen4x3"/>
   <p:notesSz cx="6858000" cy="9144000"/>
@@ -237,7 +239,7 @@
           <a:p>
             <a:fld id="{73386005-8F80-1A49-87D1-22EBFA47E352}" type="datetimeFigureOut">
               <a:rPr lang="en-US" smtClean="0"/>
-              <a:t>3/1/22</a:t>
+              <a:t>3/13/2022</a:t>
             </a:fld>
             <a:endParaRPr lang="en-US"/>
           </a:p>
@@ -609,11 +611,11 @@
 </file>
 
 <file path=ppt/notesSlides/notesSlide10.xml><?xml version="1.0" encoding="utf-8"?>
-<p:notes xmlns:a="http://schemas.openxmlformats.org/drawingml/2006/main" xmlns:r="http://schemas.openxmlformats.org/officeDocument/2006/relationships" xmlns:p="http://schemas.openxmlformats.org/presentationml/2006/main">
+<p:notes xmlns:a="http://schemas.openxmlformats.org/drawingml/2006/main" xmlns:r="http://schemas.openxmlformats.org/officeDocument/2006/relationships" xmlns:p="http://schemas.openxmlformats.org/presentationml/2006/main" showMasterSp="0" showMasterPhAnim="0">
   <p:cSld>
     <p:spTree>
       <p:nvGrpSpPr>
-        <p:cNvPr id="1" name=""/>
+        <p:cNvPr id="1" name="Shape 133"/>
         <p:cNvGrpSpPr/>
         <p:nvPr/>
       </p:nvGrpSpPr>
@@ -627,64 +629,108 @@
       </p:grpSpPr>
       <p:sp>
         <p:nvSpPr>
-          <p:cNvPr id="2" name="Slide Image Placeholder 1"/>
+          <p:cNvPr id="134" name="Google Shape;134;g787571e53b_0_213:notes"/>
           <p:cNvSpPr>
             <a:spLocks noGrp="1" noRot="1" noChangeAspect="1"/>
           </p:cNvSpPr>
           <p:nvPr>
-            <p:ph type="sldImg"/>
-          </p:nvPr>
-        </p:nvSpPr>
-        <p:spPr/>
-      </p:sp>
-      <p:sp>
-        <p:nvSpPr>
-          <p:cNvPr id="3" name="Notes Placeholder 2"/>
-          <p:cNvSpPr>
+            <p:ph type="sldImg" idx="2"/>
+          </p:nvPr>
+        </p:nvSpPr>
+        <p:spPr>
+          <a:xfrm>
+            <a:off x="381175" y="685800"/>
+            <a:ext cx="6096300" cy="3429000"/>
+          </a:xfrm>
+          <a:custGeom>
+            <a:avLst/>
+            <a:gdLst/>
+            <a:ahLst/>
+            <a:cxnLst/>
+            <a:rect l="l" t="t" r="r" b="b"/>
+            <a:pathLst>
+              <a:path w="120000" h="120000" extrusionOk="0">
+                <a:moveTo>
+                  <a:pt x="0" y="0"/>
+                </a:moveTo>
+                <a:lnTo>
+                  <a:pt x="120000" y="0"/>
+                </a:lnTo>
+                <a:lnTo>
+                  <a:pt x="120000" y="120000"/>
+                </a:lnTo>
+                <a:lnTo>
+                  <a:pt x="0" y="120000"/>
+                </a:lnTo>
+                <a:close/>
+              </a:path>
+            </a:pathLst>
+          </a:custGeom>
+        </p:spPr>
+      </p:sp>
+      <p:sp>
+        <p:nvSpPr>
+          <p:cNvPr id="135" name="Google Shape;135;g787571e53b_0_213:notes"/>
+          <p:cNvSpPr txBox="1">
             <a:spLocks noGrp="1"/>
           </p:cNvSpPr>
           <p:nvPr>
             <p:ph type="body" idx="1"/>
           </p:nvPr>
         </p:nvSpPr>
-        <p:spPr/>
-        <p:txBody>
-          <a:bodyPr/>
-          <a:lstStyle/>
-          <a:p>
-            <a:endParaRPr lang="en-US" dirty="0"/>
-          </a:p>
-        </p:txBody>
-      </p:sp>
-      <p:sp>
-        <p:nvSpPr>
-          <p:cNvPr id="4" name="Slide Number Placeholder 3"/>
-          <p:cNvSpPr>
-            <a:spLocks noGrp="1"/>
-          </p:cNvSpPr>
-          <p:nvPr>
-            <p:ph type="sldNum" sz="quarter" idx="10"/>
-          </p:nvPr>
-        </p:nvSpPr>
-        <p:spPr/>
-        <p:txBody>
-          <a:bodyPr/>
-          <a:lstStyle/>
-          <a:p>
-            <a:fld id="{9B5CF600-4147-7540-9DE4-6C8272E0EDC3}" type="slidenum">
-              <a:rPr lang="en-US" smtClean="0"/>
-              <a:t>16</a:t>
-            </a:fld>
-            <a:endParaRPr lang="en-US"/>
+        <p:spPr>
+          <a:xfrm>
+            <a:off x="685800" y="4343400"/>
+            <a:ext cx="5486400" cy="4114800"/>
+          </a:xfrm>
+          <a:prstGeom prst="rect">
+            <a:avLst/>
+          </a:prstGeom>
+        </p:spPr>
+        <p:txBody>
+          <a:bodyPr spcFirstLastPara="1" wrap="square" lIns="91425" tIns="91425" rIns="91425" bIns="91425" anchor="t" anchorCtr="0">
+            <a:noAutofit/>
+          </a:bodyPr>
+          <a:lstStyle/>
+          <a:p>
+            <a:pPr marL="0" lvl="0" indent="0" algn="l" rtl="0">
+              <a:spcBef>
+                <a:spcPts val="0"/>
+              </a:spcBef>
+              <a:spcAft>
+                <a:spcPts val="0"/>
+              </a:spcAft>
+              <a:buNone/>
+            </a:pPr>
+            <a:r>
+              <a:rPr lang="en" sz="1800">
+                <a:solidFill>
+                  <a:srgbClr val="840629"/>
+                </a:solidFill>
+              </a:rPr>
+              <a:t>CAREFUL- if you do not stop the running debugger, you can have multiple instances running and the debugger variables you see might be from a different running </a:t>
+            </a:r>
+            <a:endParaRPr sz="1800">
+              <a:solidFill>
+                <a:srgbClr val="840629"/>
+              </a:solidFill>
+            </a:endParaRPr>
+          </a:p>
+          <a:p>
+            <a:pPr marL="0" lvl="0" indent="0" algn="l" rtl="0">
+              <a:spcBef>
+                <a:spcPts val="0"/>
+              </a:spcBef>
+              <a:spcAft>
+                <a:spcPts val="0"/>
+              </a:spcAft>
+              <a:buNone/>
+            </a:pPr>
+            <a:endParaRPr/>
           </a:p>
         </p:txBody>
       </p:sp>
     </p:spTree>
-    <p:extLst>
-      <p:ext uri="{BB962C8B-B14F-4D97-AF65-F5344CB8AC3E}">
-        <p14:creationId xmlns:p14="http://schemas.microsoft.com/office/powerpoint/2010/main" val="983935836"/>
-      </p:ext>
-    </p:extLst>
   </p:cSld>
   <p:clrMapOvr>
     <a:masterClrMapping/>
@@ -711,7 +757,7 @@
       </p:grpSpPr>
       <p:sp>
         <p:nvSpPr>
-          <p:cNvPr id="2" name="Slide Image Placeholder 1"/>
+          <p:cNvPr id="181" name="Shape 181"/>
           <p:cNvSpPr>
             <a:spLocks noGrp="1" noRot="1" noChangeAspect="1"/>
           </p:cNvSpPr>
@@ -719,104 +765,61 @@
             <p:ph type="sldImg"/>
           </p:nvPr>
         </p:nvSpPr>
-        <p:spPr/>
-      </p:sp>
-      <p:sp>
-        <p:nvSpPr>
-          <p:cNvPr id="3" name="Notes Placeholder 2"/>
-          <p:cNvSpPr>
-            <a:spLocks noGrp="1"/>
-          </p:cNvSpPr>
-          <p:nvPr>
-            <p:ph type="body" idx="1"/>
-          </p:nvPr>
-        </p:nvSpPr>
-        <p:spPr/>
+        <p:spPr>
+          <a:prstGeom prst="rect">
+            <a:avLst/>
+          </a:prstGeom>
+        </p:spPr>
         <p:txBody>
           <a:bodyPr/>
           <a:lstStyle/>
           <a:p>
-            <a:pPr marL="0" marR="0" lvl="0" indent="0" algn="l" defTabSz="457200" rtl="0" eaLnBrk="1" fontAlgn="auto" latinLnBrk="0" hangingPunct="1">
+            <a:pPr lvl="0"/>
+            <a:endParaRPr/>
+          </a:p>
+        </p:txBody>
+      </p:sp>
+      <p:sp>
+        <p:nvSpPr>
+          <p:cNvPr id="182" name="Shape 182"/>
+          <p:cNvSpPr>
+            <a:spLocks noGrp="1"/>
+          </p:cNvSpPr>
+          <p:nvPr>
+            <p:ph type="body" sz="quarter" idx="1"/>
+          </p:nvPr>
+        </p:nvSpPr>
+        <p:spPr>
+          <a:prstGeom prst="rect">
+            <a:avLst/>
+          </a:prstGeom>
+        </p:spPr>
+        <p:txBody>
+          <a:bodyPr/>
+          <a:lstStyle/>
+          <a:p>
+            <a:pPr lvl="0" defTabSz="914400">
               <a:lnSpc>
                 <a:spcPct val="100000"/>
               </a:lnSpc>
               <a:spcBef>
-                <a:spcPts val="0"/>
+                <a:spcPts val="400"/>
               </a:spcBef>
-              <a:spcAft>
-                <a:spcPts val="0"/>
-              </a:spcAft>
-              <a:buClrTx/>
-              <a:buSzTx/>
-              <a:buFontTx/>
-              <a:buNone/>
-              <a:tabLst/>
-              <a:defRPr/>
+              <a:defRPr sz="1800"/>
             </a:pPr>
-            <a:r>
-              <a:rPr lang="en-US" sz="1200" kern="1200" dirty="0" err="1">
-                <a:solidFill>
-                  <a:schemeClr val="tx1"/>
-                </a:solidFill>
-                <a:latin typeface="+mn-lt"/>
-                <a:ea typeface="+mn-ea"/>
-                <a:cs typeface="+mn-cs"/>
-              </a:rPr>
-              <a:t>uppercaseIfExclaimation</a:t>
-            </a:r>
-            <a:r>
-              <a:rPr lang="en-US" sz="1200" kern="1200" dirty="0">
-                <a:solidFill>
-                  <a:schemeClr val="tx1"/>
-                </a:solidFill>
-                <a:latin typeface="+mn-lt"/>
-                <a:ea typeface="+mn-ea"/>
-                <a:cs typeface="+mn-cs"/>
-              </a:rPr>
-              <a:t> ends up showing</a:t>
-            </a:r>
-            <a:r>
-              <a:rPr lang="en-US" sz="1200" kern="1200" baseline="0" dirty="0">
-                <a:solidFill>
-                  <a:schemeClr val="tx1"/>
-                </a:solidFill>
-                <a:latin typeface="+mn-lt"/>
-                <a:ea typeface="+mn-ea"/>
-                <a:cs typeface="+mn-cs"/>
-              </a:rPr>
-              <a:t> this</a:t>
-            </a:r>
-            <a:endParaRPr lang="en-US" dirty="0"/>
-          </a:p>
-        </p:txBody>
-      </p:sp>
-      <p:sp>
-        <p:nvSpPr>
-          <p:cNvPr id="4" name="Slide Number Placeholder 3"/>
-          <p:cNvSpPr>
-            <a:spLocks noGrp="1"/>
-          </p:cNvSpPr>
-          <p:nvPr>
-            <p:ph type="sldNum" sz="quarter" idx="10"/>
-          </p:nvPr>
-        </p:nvSpPr>
-        <p:spPr/>
-        <p:txBody>
-          <a:bodyPr/>
-          <a:lstStyle/>
-          <a:p>
-            <a:fld id="{9B5CF600-4147-7540-9DE4-6C8272E0EDC3}" type="slidenum">
-              <a:rPr lang="en-US" smtClean="0"/>
-              <a:t>17</a:t>
-            </a:fld>
-            <a:endParaRPr lang="en-US"/>
+            <a:endParaRPr sz="1200" dirty="0">
+              <a:latin typeface="Calibri"/>
+              <a:ea typeface="Calibri"/>
+              <a:cs typeface="Calibri"/>
+              <a:sym typeface="Calibri"/>
+            </a:endParaRPr>
           </a:p>
         </p:txBody>
       </p:sp>
     </p:spTree>
     <p:extLst>
       <p:ext uri="{BB962C8B-B14F-4D97-AF65-F5344CB8AC3E}">
-        <p14:creationId xmlns:p14="http://schemas.microsoft.com/office/powerpoint/2010/main" val="2214325646"/>
+        <p14:creationId xmlns:p14="http://schemas.microsoft.com/office/powerpoint/2010/main" val="1261416685"/>
       </p:ext>
     </p:extLst>
   </p:cSld>
@@ -870,6 +873,22 @@
           <a:bodyPr/>
           <a:lstStyle/>
           <a:p>
+            <a:r>
+              <a:rPr lang="en-US" dirty="0"/>
+              <a:t>Only spend time on this if you want to show the </a:t>
+            </a:r>
+            <a:r>
+              <a:rPr lang="en-US" dirty="0" err="1"/>
+              <a:t>DebugMeTest</a:t>
+            </a:r>
+            <a:r>
+              <a:rPr lang="en-US" dirty="0"/>
+              <a:t> examples,</a:t>
+            </a:r>
+            <a:r>
+              <a:rPr lang="en-US" baseline="0" dirty="0"/>
+              <a:t> in particular the final test which you can use to demonstrate this approach.</a:t>
+            </a:r>
             <a:endParaRPr lang="en-US" dirty="0"/>
           </a:p>
         </p:txBody>
@@ -889,15 +908,9 @@
           <a:bodyPr/>
           <a:lstStyle/>
           <a:p>
-            <a:pPr>
-              <a:defRPr/>
-            </a:pPr>
-            <a:fld id="{F3BF035C-C190-4FBE-9474-8535FCFBFED8}" type="slidenum">
+            <a:fld id="{9B5CF600-4147-7540-9DE4-6C8272E0EDC3}" type="slidenum">
               <a:rPr lang="en-US" smtClean="0"/>
-              <a:pPr>
-                <a:defRPr/>
-              </a:pPr>
-              <a:t>20</a:t>
+              <a:t>18</a:t>
             </a:fld>
             <a:endParaRPr lang="en-US"/>
           </a:p>
@@ -906,7 +919,7 @@
     </p:spTree>
     <p:extLst>
       <p:ext uri="{BB962C8B-B14F-4D97-AF65-F5344CB8AC3E}">
-        <p14:creationId xmlns:p14="http://schemas.microsoft.com/office/powerpoint/2010/main" val="140127366"/>
+        <p14:creationId xmlns:p14="http://schemas.microsoft.com/office/powerpoint/2010/main" val="3263308297"/>
       </p:ext>
     </p:extLst>
   </p:cSld>
@@ -935,29 +948,19 @@
       </p:grpSpPr>
       <p:sp>
         <p:nvSpPr>
-          <p:cNvPr id="41986" name="Slide Image Placeholder 1"/>
-          <p:cNvSpPr>
-            <a:spLocks noGrp="1" noRot="1" noChangeAspect="1" noTextEdit="1"/>
+          <p:cNvPr id="2" name="Slide Image Placeholder 1"/>
+          <p:cNvSpPr>
+            <a:spLocks noGrp="1" noRot="1" noChangeAspect="1"/>
           </p:cNvSpPr>
           <p:nvPr>
             <p:ph type="sldImg"/>
           </p:nvPr>
         </p:nvSpPr>
-        <p:spPr bwMode="auto">
-          <a:noFill/>
-          <a:ln>
-            <a:solidFill>
-              <a:srgbClr val="000000"/>
-            </a:solidFill>
-            <a:miter lim="800000"/>
-            <a:headEnd/>
-            <a:tailEnd/>
-          </a:ln>
-        </p:spPr>
-      </p:sp>
-      <p:sp>
-        <p:nvSpPr>
-          <p:cNvPr id="41987" name="Notes Placeholder 2"/>
+        <p:spPr/>
+      </p:sp>
+      <p:sp>
+        <p:nvSpPr>
+          <p:cNvPr id="3" name="Notes Placeholder 2"/>
           <p:cNvSpPr>
             <a:spLocks noGrp="1"/>
           </p:cNvSpPr>
@@ -965,10 +968,7 @@
             <p:ph type="body" idx="1"/>
           </p:nvPr>
         </p:nvSpPr>
-        <p:spPr>
-          <a:noFill/>
-          <a:ln/>
-        </p:spPr>
+        <p:spPr/>
         <p:txBody>
           <a:bodyPr/>
           <a:lstStyle/>
@@ -979,38 +979,31 @@
       </p:sp>
       <p:sp>
         <p:nvSpPr>
-          <p:cNvPr id="41988" name="Slide Number Placeholder 3"/>
-          <p:cNvSpPr>
-            <a:spLocks noGrp="1"/>
-          </p:cNvSpPr>
-          <p:nvPr>
-            <p:ph type="sldNum" sz="quarter" idx="5"/>
-          </p:nvPr>
-        </p:nvSpPr>
-        <p:spPr>
-          <a:noFill/>
-        </p:spPr>
+          <p:cNvPr id="4" name="Slide Number Placeholder 3"/>
+          <p:cNvSpPr>
+            <a:spLocks noGrp="1"/>
+          </p:cNvSpPr>
+          <p:nvPr>
+            <p:ph type="sldNum" sz="quarter" idx="10"/>
+          </p:nvPr>
+        </p:nvSpPr>
+        <p:spPr/>
         <p:txBody>
           <a:bodyPr/>
           <a:lstStyle/>
           <a:p>
-            <a:fld id="{21494292-921C-426B-9C45-35E1E1C6101A}" type="slidenum">
-              <a:rPr lang="en-US" smtClean="0">
-                <a:cs typeface="Arial" pitchFamily="34" charset="0"/>
-              </a:rPr>
-              <a:pPr/>
-              <a:t>22</a:t>
+            <a:fld id="{9B5CF600-4147-7540-9DE4-6C8272E0EDC3}" type="slidenum">
+              <a:rPr lang="en-US" smtClean="0"/>
+              <a:t>19</a:t>
             </a:fld>
-            <a:endParaRPr lang="en-US">
-              <a:cs typeface="Arial" pitchFamily="34" charset="0"/>
-            </a:endParaRPr>
+            <a:endParaRPr lang="en-US"/>
           </a:p>
         </p:txBody>
       </p:sp>
     </p:spTree>
     <p:extLst>
       <p:ext uri="{BB962C8B-B14F-4D97-AF65-F5344CB8AC3E}">
-        <p14:creationId xmlns:p14="http://schemas.microsoft.com/office/powerpoint/2010/main" val="2624089889"/>
+        <p14:creationId xmlns:p14="http://schemas.microsoft.com/office/powerpoint/2010/main" val="983935836"/>
       </p:ext>
     </p:extLst>
   </p:cSld>
@@ -1064,34 +1057,78 @@
           <a:bodyPr/>
           <a:lstStyle/>
           <a:p>
-            <a:endParaRPr lang="en-US"/>
-          </a:p>
-        </p:txBody>
-      </p:sp>
-      <p:sp>
-        <p:nvSpPr>
-          <p:cNvPr id="4" name="Slide Number Placeholder 3"/>
-          <p:cNvSpPr>
-            <a:spLocks noGrp="1"/>
-          </p:cNvSpPr>
-          <p:nvPr>
-            <p:ph type="sldNum" sz="quarter" idx="10"/>
-          </p:nvPr>
-        </p:nvSpPr>
-        <p:spPr/>
-        <p:txBody>
-          <a:bodyPr/>
-          <a:lstStyle/>
-          <a:p>
-            <a:pPr>
+            <a:pPr marL="0" marR="0" lvl="0" indent="0" algn="l" defTabSz="457200" rtl="0" eaLnBrk="1" fontAlgn="auto" latinLnBrk="0" hangingPunct="1">
+              <a:lnSpc>
+                <a:spcPct val="100000"/>
+              </a:lnSpc>
+              <a:spcBef>
+                <a:spcPts val="0"/>
+              </a:spcBef>
+              <a:spcAft>
+                <a:spcPts val="0"/>
+              </a:spcAft>
+              <a:buClrTx/>
+              <a:buSzTx/>
+              <a:buFontTx/>
+              <a:buNone/>
+              <a:tabLst/>
               <a:defRPr/>
             </a:pPr>
-            <a:fld id="{F3BF035C-C190-4FBE-9474-8535FCFBFED8}" type="slidenum">
+            <a:r>
+              <a:rPr lang="en-US" sz="1200" kern="1200" dirty="0" err="1">
+                <a:solidFill>
+                  <a:schemeClr val="tx1"/>
+                </a:solidFill>
+                <a:latin typeface="+mn-lt"/>
+                <a:ea typeface="+mn-ea"/>
+                <a:cs typeface="+mn-cs"/>
+              </a:rPr>
+              <a:t>uppercaseIfExclaimation</a:t>
+            </a:r>
+            <a:r>
+              <a:rPr lang="en-US" sz="1200" kern="1200" dirty="0">
+                <a:solidFill>
+                  <a:schemeClr val="tx1"/>
+                </a:solidFill>
+                <a:latin typeface="+mn-lt"/>
+                <a:ea typeface="+mn-ea"/>
+                <a:cs typeface="+mn-cs"/>
+              </a:rPr>
+              <a:t> ends up showing</a:t>
+            </a:r>
+            <a:r>
+              <a:rPr lang="en-US" sz="1200" kern="1200" baseline="0" dirty="0">
+                <a:solidFill>
+                  <a:schemeClr val="tx1"/>
+                </a:solidFill>
+                <a:latin typeface="+mn-lt"/>
+                <a:ea typeface="+mn-ea"/>
+                <a:cs typeface="+mn-cs"/>
+              </a:rPr>
+              <a:t> this</a:t>
+            </a:r>
+            <a:endParaRPr lang="en-US" dirty="0"/>
+          </a:p>
+        </p:txBody>
+      </p:sp>
+      <p:sp>
+        <p:nvSpPr>
+          <p:cNvPr id="4" name="Slide Number Placeholder 3"/>
+          <p:cNvSpPr>
+            <a:spLocks noGrp="1"/>
+          </p:cNvSpPr>
+          <p:nvPr>
+            <p:ph type="sldNum" sz="quarter" idx="10"/>
+          </p:nvPr>
+        </p:nvSpPr>
+        <p:spPr/>
+        <p:txBody>
+          <a:bodyPr/>
+          <a:lstStyle/>
+          <a:p>
+            <a:fld id="{9B5CF600-4147-7540-9DE4-6C8272E0EDC3}" type="slidenum">
               <a:rPr lang="en-US" smtClean="0"/>
-              <a:pPr>
-                <a:defRPr/>
-              </a:pPr>
-              <a:t>23</a:t>
+              <a:t>20</a:t>
             </a:fld>
             <a:endParaRPr lang="en-US"/>
           </a:p>
@@ -1100,7 +1137,7 @@
     </p:spTree>
     <p:extLst>
       <p:ext uri="{BB962C8B-B14F-4D97-AF65-F5344CB8AC3E}">
-        <p14:creationId xmlns:p14="http://schemas.microsoft.com/office/powerpoint/2010/main" val="4268954980"/>
+        <p14:creationId xmlns:p14="http://schemas.microsoft.com/office/powerpoint/2010/main" val="2214325646"/>
       </p:ext>
     </p:extLst>
   </p:cSld>
@@ -1129,7 +1166,7 @@
       </p:grpSpPr>
       <p:sp>
         <p:nvSpPr>
-          <p:cNvPr id="127" name="Shape 127"/>
+          <p:cNvPr id="2" name="Slide Image Placeholder 1"/>
           <p:cNvSpPr>
             <a:spLocks noGrp="1" noRot="1" noChangeAspect="1"/>
           </p:cNvSpPr>
@@ -1137,104 +1174,60 @@
             <p:ph type="sldImg"/>
           </p:nvPr>
         </p:nvSpPr>
-        <p:spPr>
-          <a:prstGeom prst="rect">
-            <a:avLst/>
-          </a:prstGeom>
-        </p:spPr>
+        <p:spPr/>
+      </p:sp>
+      <p:sp>
+        <p:nvSpPr>
+          <p:cNvPr id="3" name="Notes Placeholder 2"/>
+          <p:cNvSpPr>
+            <a:spLocks noGrp="1"/>
+          </p:cNvSpPr>
+          <p:nvPr>
+            <p:ph type="body" idx="1"/>
+          </p:nvPr>
+        </p:nvSpPr>
+        <p:spPr/>
         <p:txBody>
           <a:bodyPr/>
           <a:lstStyle/>
           <a:p>
-            <a:pPr lvl="0"/>
-            <a:endParaRPr/>
-          </a:p>
-        </p:txBody>
-      </p:sp>
-      <p:sp>
-        <p:nvSpPr>
-          <p:cNvPr id="128" name="Shape 128"/>
-          <p:cNvSpPr>
-            <a:spLocks noGrp="1"/>
-          </p:cNvSpPr>
-          <p:nvPr>
-            <p:ph type="body" sz="quarter" idx="1"/>
-          </p:nvPr>
-        </p:nvSpPr>
-        <p:spPr>
-          <a:prstGeom prst="rect">
-            <a:avLst/>
-          </a:prstGeom>
-        </p:spPr>
+            <a:endParaRPr lang="en-US" dirty="0"/>
+          </a:p>
+        </p:txBody>
+      </p:sp>
+      <p:sp>
+        <p:nvSpPr>
+          <p:cNvPr id="4" name="Slide Number Placeholder 3"/>
+          <p:cNvSpPr>
+            <a:spLocks noGrp="1"/>
+          </p:cNvSpPr>
+          <p:nvPr>
+            <p:ph type="sldNum" sz="quarter" idx="10"/>
+          </p:nvPr>
+        </p:nvSpPr>
+        <p:spPr/>
         <p:txBody>
           <a:bodyPr/>
           <a:lstStyle/>
           <a:p>
-            <a:pPr lvl="0" defTabSz="914400">
-              <a:lnSpc>
-                <a:spcPct val="100000"/>
-              </a:lnSpc>
-              <a:defRPr sz="1800"/>
+            <a:pPr>
+              <a:defRPr/>
             </a:pPr>
-            <a:r>
-              <a:rPr sz="1200" b="1">
-                <a:latin typeface="Lucida Sans"/>
-                <a:ea typeface="Lucida Sans"/>
-                <a:cs typeface="Lucida Sans"/>
-                <a:sym typeface="Lucida Sans"/>
-              </a:rPr>
-              <a:t>Argument for main </a:t>
-            </a:r>
-            <a:r>
-              <a:rPr sz="1200">
-                <a:latin typeface="Lucida Sans"/>
-                <a:ea typeface="Lucida Sans"/>
-                <a:cs typeface="Lucida Sans"/>
-                <a:sym typeface="Lucida Sans"/>
-              </a:rPr>
-              <a:t>is not optional.  Must be there.</a:t>
-            </a:r>
-            <a:endParaRPr sz="1200">
-              <a:latin typeface="Gill Sans"/>
-              <a:ea typeface="Gill Sans"/>
-              <a:cs typeface="Gill Sans"/>
-              <a:sym typeface="Gill Sans"/>
-            </a:endParaRPr>
-          </a:p>
-          <a:p>
-            <a:pPr lvl="0" defTabSz="914400">
-              <a:lnSpc>
-                <a:spcPct val="100000"/>
-              </a:lnSpc>
-              <a:defRPr sz="1800"/>
-            </a:pPr>
-            <a:endParaRPr sz="1200">
-              <a:latin typeface="Lucida Sans"/>
-              <a:ea typeface="Lucida Sans"/>
-              <a:cs typeface="Lucida Sans"/>
-              <a:sym typeface="Lucida Sans"/>
-            </a:endParaRPr>
-          </a:p>
-          <a:p>
-            <a:pPr lvl="0" defTabSz="914400">
-              <a:lnSpc>
-                <a:spcPct val="100000"/>
-              </a:lnSpc>
-              <a:defRPr sz="1800"/>
-            </a:pPr>
-            <a:endParaRPr sz="1200">
-              <a:latin typeface="Lucida Sans"/>
-              <a:ea typeface="Lucida Sans"/>
-              <a:cs typeface="Lucida Sans"/>
-              <a:sym typeface="Lucida Sans"/>
-            </a:endParaRPr>
+            <a:fld id="{F3BF035C-C190-4FBE-9474-8535FCFBFED8}" type="slidenum">
+              <a:rPr lang="en-US" smtClean="0"/>
+              <a:pPr>
+                <a:defRPr/>
+              </a:pPr>
+              <a:t>23</a:t>
+            </a:fld>
+            <a:endParaRPr lang="en-US"/>
           </a:p>
         </p:txBody>
       </p:sp>
     </p:spTree>
     <p:extLst>
       <p:ext uri="{BB962C8B-B14F-4D97-AF65-F5344CB8AC3E}">
-        <p14:creationId xmlns:p14="http://schemas.microsoft.com/office/powerpoint/2010/main" val="3443566566"/>
+        <p14:creationId xmlns:p14="http://schemas.microsoft.com/office/powerpoint/2010/main" val="140127366"/>
       </p:ext>
     </p:extLst>
   </p:cSld>
@@ -1263,19 +1256,29 @@
       </p:grpSpPr>
       <p:sp>
         <p:nvSpPr>
-          <p:cNvPr id="2" name="Slide Image Placeholder 1"/>
-          <p:cNvSpPr>
-            <a:spLocks noGrp="1" noRot="1" noChangeAspect="1"/>
+          <p:cNvPr id="41986" name="Slide Image Placeholder 1"/>
+          <p:cNvSpPr>
+            <a:spLocks noGrp="1" noRot="1" noChangeAspect="1" noTextEdit="1"/>
           </p:cNvSpPr>
           <p:nvPr>
             <p:ph type="sldImg"/>
           </p:nvPr>
         </p:nvSpPr>
-        <p:spPr/>
-      </p:sp>
-      <p:sp>
-        <p:nvSpPr>
-          <p:cNvPr id="3" name="Notes Placeholder 2"/>
+        <p:spPr bwMode="auto">
+          <a:noFill/>
+          <a:ln>
+            <a:solidFill>
+              <a:srgbClr val="000000"/>
+            </a:solidFill>
+            <a:miter lim="800000"/>
+            <a:headEnd/>
+            <a:tailEnd/>
+          </a:ln>
+        </p:spPr>
+      </p:sp>
+      <p:sp>
+        <p:nvSpPr>
+          <p:cNvPr id="41987" name="Notes Placeholder 2"/>
           <p:cNvSpPr>
             <a:spLocks noGrp="1"/>
           </p:cNvSpPr>
@@ -1283,56 +1286,52 @@
             <p:ph type="body" idx="1"/>
           </p:nvPr>
         </p:nvSpPr>
-        <p:spPr/>
+        <p:spPr>
+          <a:noFill/>
+          <a:ln/>
+        </p:spPr>
         <p:txBody>
           <a:bodyPr/>
           <a:lstStyle/>
           <a:p>
-            <a:r>
-              <a:rPr lang="en-US" dirty="0"/>
-              <a:t>Do</a:t>
-            </a:r>
-            <a:r>
-              <a:rPr lang="en-US" baseline="0" dirty="0"/>
-              <a:t> not spend too much time on this since students will need time outside of class to complete this.  Be sure to reserve time for the rest of the material and for students to complete the quiz.</a:t>
-            </a:r>
             <a:endParaRPr lang="en-US" dirty="0"/>
           </a:p>
         </p:txBody>
       </p:sp>
       <p:sp>
         <p:nvSpPr>
-          <p:cNvPr id="4" name="Slide Number Placeholder 3"/>
-          <p:cNvSpPr>
-            <a:spLocks noGrp="1"/>
-          </p:cNvSpPr>
-          <p:nvPr>
-            <p:ph type="sldNum" sz="quarter" idx="10"/>
-          </p:nvPr>
-        </p:nvSpPr>
-        <p:spPr/>
+          <p:cNvPr id="41988" name="Slide Number Placeholder 3"/>
+          <p:cNvSpPr>
+            <a:spLocks noGrp="1"/>
+          </p:cNvSpPr>
+          <p:nvPr>
+            <p:ph type="sldNum" sz="quarter" idx="5"/>
+          </p:nvPr>
+        </p:nvSpPr>
+        <p:spPr>
+          <a:noFill/>
+        </p:spPr>
         <p:txBody>
           <a:bodyPr/>
           <a:lstStyle/>
           <a:p>
-            <a:pPr>
-              <a:defRPr/>
-            </a:pPr>
-            <a:fld id="{F3BF035C-C190-4FBE-9474-8535FCFBFED8}" type="slidenum">
-              <a:rPr lang="en-US" smtClean="0"/>
-              <a:pPr>
-                <a:defRPr/>
-              </a:pPr>
-              <a:t>29</a:t>
+            <a:fld id="{21494292-921C-426B-9C45-35E1E1C6101A}" type="slidenum">
+              <a:rPr lang="en-US" smtClean="0">
+                <a:cs typeface="Arial" pitchFamily="34" charset="0"/>
+              </a:rPr>
+              <a:pPr/>
+              <a:t>25</a:t>
             </a:fld>
-            <a:endParaRPr lang="en-US"/>
+            <a:endParaRPr lang="en-US">
+              <a:cs typeface="Arial" pitchFamily="34" charset="0"/>
+            </a:endParaRPr>
           </a:p>
         </p:txBody>
       </p:sp>
     </p:spTree>
     <p:extLst>
       <p:ext uri="{BB962C8B-B14F-4D97-AF65-F5344CB8AC3E}">
-        <p14:creationId xmlns:p14="http://schemas.microsoft.com/office/powerpoint/2010/main" val="1834661279"/>
+        <p14:creationId xmlns:p14="http://schemas.microsoft.com/office/powerpoint/2010/main" val="2624089889"/>
       </p:ext>
     </p:extLst>
   </p:cSld>
@@ -1386,15 +1385,7 @@
           <a:bodyPr/>
           <a:lstStyle/>
           <a:p>
-            <a:r>
-              <a:rPr lang="en-US" dirty="0"/>
-              <a:t>Do</a:t>
-            </a:r>
-            <a:r>
-              <a:rPr lang="en-US" baseline="0" dirty="0"/>
-              <a:t> not spend too much time on this since students will need time outside of class to complete this.  Be sure to reserve time for the rest of the material and for students to complete the quiz.</a:t>
-            </a:r>
-            <a:endParaRPr lang="en-US" dirty="0"/>
+            <a:endParaRPr lang="en-US"/>
           </a:p>
         </p:txBody>
       </p:sp>
@@ -1421,7 +1412,239 @@
               <a:pPr>
                 <a:defRPr/>
               </a:pPr>
-              <a:t>30</a:t>
+              <a:t>26</a:t>
+            </a:fld>
+            <a:endParaRPr lang="en-US"/>
+          </a:p>
+        </p:txBody>
+      </p:sp>
+    </p:spTree>
+    <p:extLst>
+      <p:ext uri="{BB962C8B-B14F-4D97-AF65-F5344CB8AC3E}">
+        <p14:creationId xmlns:p14="http://schemas.microsoft.com/office/powerpoint/2010/main" val="4268954980"/>
+      </p:ext>
+    </p:extLst>
+  </p:cSld>
+  <p:clrMapOvr>
+    <a:masterClrMapping/>
+  </p:clrMapOvr>
+</p:notes>
+</file>
+
+<file path=ppt/notesSlides/notesSlide18.xml><?xml version="1.0" encoding="utf-8"?>
+<p:notes xmlns:a="http://schemas.openxmlformats.org/drawingml/2006/main" xmlns:r="http://schemas.openxmlformats.org/officeDocument/2006/relationships" xmlns:p="http://schemas.openxmlformats.org/presentationml/2006/main">
+  <p:cSld>
+    <p:spTree>
+      <p:nvGrpSpPr>
+        <p:cNvPr id="1" name=""/>
+        <p:cNvGrpSpPr/>
+        <p:nvPr/>
+      </p:nvGrpSpPr>
+      <p:grpSpPr>
+        <a:xfrm>
+          <a:off x="0" y="0"/>
+          <a:ext cx="0" cy="0"/>
+          <a:chOff x="0" y="0"/>
+          <a:chExt cx="0" cy="0"/>
+        </a:xfrm>
+      </p:grpSpPr>
+      <p:sp>
+        <p:nvSpPr>
+          <p:cNvPr id="127" name="Shape 127"/>
+          <p:cNvSpPr>
+            <a:spLocks noGrp="1" noRot="1" noChangeAspect="1"/>
+          </p:cNvSpPr>
+          <p:nvPr>
+            <p:ph type="sldImg"/>
+          </p:nvPr>
+        </p:nvSpPr>
+        <p:spPr>
+          <a:prstGeom prst="rect">
+            <a:avLst/>
+          </a:prstGeom>
+        </p:spPr>
+        <p:txBody>
+          <a:bodyPr/>
+          <a:lstStyle/>
+          <a:p>
+            <a:pPr lvl="0"/>
+            <a:endParaRPr/>
+          </a:p>
+        </p:txBody>
+      </p:sp>
+      <p:sp>
+        <p:nvSpPr>
+          <p:cNvPr id="128" name="Shape 128"/>
+          <p:cNvSpPr>
+            <a:spLocks noGrp="1"/>
+          </p:cNvSpPr>
+          <p:nvPr>
+            <p:ph type="body" sz="quarter" idx="1"/>
+          </p:nvPr>
+        </p:nvSpPr>
+        <p:spPr>
+          <a:prstGeom prst="rect">
+            <a:avLst/>
+          </a:prstGeom>
+        </p:spPr>
+        <p:txBody>
+          <a:bodyPr/>
+          <a:lstStyle/>
+          <a:p>
+            <a:pPr lvl="0" defTabSz="914400">
+              <a:lnSpc>
+                <a:spcPct val="100000"/>
+              </a:lnSpc>
+              <a:defRPr sz="1800"/>
+            </a:pPr>
+            <a:r>
+              <a:rPr sz="1200" b="1">
+                <a:latin typeface="Lucida Sans"/>
+                <a:ea typeface="Lucida Sans"/>
+                <a:cs typeface="Lucida Sans"/>
+                <a:sym typeface="Lucida Sans"/>
+              </a:rPr>
+              <a:t>Argument for main </a:t>
+            </a:r>
+            <a:r>
+              <a:rPr sz="1200">
+                <a:latin typeface="Lucida Sans"/>
+                <a:ea typeface="Lucida Sans"/>
+                <a:cs typeface="Lucida Sans"/>
+                <a:sym typeface="Lucida Sans"/>
+              </a:rPr>
+              <a:t>is not optional.  Must be there.</a:t>
+            </a:r>
+            <a:endParaRPr sz="1200">
+              <a:latin typeface="Gill Sans"/>
+              <a:ea typeface="Gill Sans"/>
+              <a:cs typeface="Gill Sans"/>
+              <a:sym typeface="Gill Sans"/>
+            </a:endParaRPr>
+          </a:p>
+          <a:p>
+            <a:pPr lvl="0" defTabSz="914400">
+              <a:lnSpc>
+                <a:spcPct val="100000"/>
+              </a:lnSpc>
+              <a:defRPr sz="1800"/>
+            </a:pPr>
+            <a:endParaRPr sz="1200">
+              <a:latin typeface="Lucida Sans"/>
+              <a:ea typeface="Lucida Sans"/>
+              <a:cs typeface="Lucida Sans"/>
+              <a:sym typeface="Lucida Sans"/>
+            </a:endParaRPr>
+          </a:p>
+          <a:p>
+            <a:pPr lvl="0" defTabSz="914400">
+              <a:lnSpc>
+                <a:spcPct val="100000"/>
+              </a:lnSpc>
+              <a:defRPr sz="1800"/>
+            </a:pPr>
+            <a:endParaRPr sz="1200">
+              <a:latin typeface="Lucida Sans"/>
+              <a:ea typeface="Lucida Sans"/>
+              <a:cs typeface="Lucida Sans"/>
+              <a:sym typeface="Lucida Sans"/>
+            </a:endParaRPr>
+          </a:p>
+        </p:txBody>
+      </p:sp>
+    </p:spTree>
+    <p:extLst>
+      <p:ext uri="{BB962C8B-B14F-4D97-AF65-F5344CB8AC3E}">
+        <p14:creationId xmlns:p14="http://schemas.microsoft.com/office/powerpoint/2010/main" val="3443566566"/>
+      </p:ext>
+    </p:extLst>
+  </p:cSld>
+  <p:clrMapOvr>
+    <a:masterClrMapping/>
+  </p:clrMapOvr>
+</p:notes>
+</file>
+
+<file path=ppt/notesSlides/notesSlide19.xml><?xml version="1.0" encoding="utf-8"?>
+<p:notes xmlns:a="http://schemas.openxmlformats.org/drawingml/2006/main" xmlns:r="http://schemas.openxmlformats.org/officeDocument/2006/relationships" xmlns:p="http://schemas.openxmlformats.org/presentationml/2006/main">
+  <p:cSld>
+    <p:spTree>
+      <p:nvGrpSpPr>
+        <p:cNvPr id="1" name=""/>
+        <p:cNvGrpSpPr/>
+        <p:nvPr/>
+      </p:nvGrpSpPr>
+      <p:grpSpPr>
+        <a:xfrm>
+          <a:off x="0" y="0"/>
+          <a:ext cx="0" cy="0"/>
+          <a:chOff x="0" y="0"/>
+          <a:chExt cx="0" cy="0"/>
+        </a:xfrm>
+      </p:grpSpPr>
+      <p:sp>
+        <p:nvSpPr>
+          <p:cNvPr id="2" name="Slide Image Placeholder 1"/>
+          <p:cNvSpPr>
+            <a:spLocks noGrp="1" noRot="1" noChangeAspect="1"/>
+          </p:cNvSpPr>
+          <p:nvPr>
+            <p:ph type="sldImg"/>
+          </p:nvPr>
+        </p:nvSpPr>
+        <p:spPr/>
+      </p:sp>
+      <p:sp>
+        <p:nvSpPr>
+          <p:cNvPr id="3" name="Notes Placeholder 2"/>
+          <p:cNvSpPr>
+            <a:spLocks noGrp="1"/>
+          </p:cNvSpPr>
+          <p:nvPr>
+            <p:ph type="body" idx="1"/>
+          </p:nvPr>
+        </p:nvSpPr>
+        <p:spPr/>
+        <p:txBody>
+          <a:bodyPr/>
+          <a:lstStyle/>
+          <a:p>
+            <a:r>
+              <a:rPr lang="en-US" dirty="0"/>
+              <a:t>Do</a:t>
+            </a:r>
+            <a:r>
+              <a:rPr lang="en-US" baseline="0" dirty="0"/>
+              <a:t> not spend too much time on this since students will need time outside of class to complete this.  Be sure to reserve time for the rest of the material and for students to complete the quiz.</a:t>
+            </a:r>
+            <a:endParaRPr lang="en-US" dirty="0"/>
+          </a:p>
+        </p:txBody>
+      </p:sp>
+      <p:sp>
+        <p:nvSpPr>
+          <p:cNvPr id="4" name="Slide Number Placeholder 3"/>
+          <p:cNvSpPr>
+            <a:spLocks noGrp="1"/>
+          </p:cNvSpPr>
+          <p:nvPr>
+            <p:ph type="sldNum" sz="quarter" idx="10"/>
+          </p:nvPr>
+        </p:nvSpPr>
+        <p:spPr/>
+        <p:txBody>
+          <a:bodyPr/>
+          <a:lstStyle/>
+          <a:p>
+            <a:pPr>
+              <a:defRPr/>
+            </a:pPr>
+            <a:fld id="{F3BF035C-C190-4FBE-9474-8535FCFBFED8}" type="slidenum">
+              <a:rPr lang="en-US" smtClean="0"/>
+              <a:pPr>
+                <a:defRPr/>
+              </a:pPr>
+              <a:t>32</a:t>
             </a:fld>
             <a:endParaRPr lang="en-US"/>
           </a:p>
@@ -2282,11 +2505,11 @@
 </file>
 
 <file path=ppt/notesSlides/notesSlide8.xml><?xml version="1.0" encoding="utf-8"?>
-<p:notes xmlns:a="http://schemas.openxmlformats.org/drawingml/2006/main" xmlns:r="http://schemas.openxmlformats.org/officeDocument/2006/relationships" xmlns:p="http://schemas.openxmlformats.org/presentationml/2006/main">
+<p:notes xmlns:a="http://schemas.openxmlformats.org/drawingml/2006/main" xmlns:r="http://schemas.openxmlformats.org/officeDocument/2006/relationships" xmlns:p="http://schemas.openxmlformats.org/presentationml/2006/main" showMasterSp="0" showMasterPhAnim="0">
   <p:cSld>
     <p:spTree>
       <p:nvGrpSpPr>
-        <p:cNvPr id="1" name=""/>
+        <p:cNvPr id="1" name="Shape 108"/>
         <p:cNvGrpSpPr/>
         <p:nvPr/>
       </p:nvGrpSpPr>
@@ -2300,71 +2523,84 @@
       </p:grpSpPr>
       <p:sp>
         <p:nvSpPr>
-          <p:cNvPr id="181" name="Shape 181"/>
+          <p:cNvPr id="109" name="Google Shape;109;g787571e53b_0_172:notes"/>
           <p:cNvSpPr>
             <a:spLocks noGrp="1" noRot="1" noChangeAspect="1"/>
           </p:cNvSpPr>
           <p:nvPr>
-            <p:ph type="sldImg"/>
+            <p:ph type="sldImg" idx="2"/>
           </p:nvPr>
         </p:nvSpPr>
         <p:spPr>
+          <a:xfrm>
+            <a:off x="381175" y="685800"/>
+            <a:ext cx="6096300" cy="3429000"/>
+          </a:xfrm>
+          <a:custGeom>
+            <a:avLst/>
+            <a:gdLst/>
+            <a:ahLst/>
+            <a:cxnLst/>
+            <a:rect l="l" t="t" r="r" b="b"/>
+            <a:pathLst>
+              <a:path w="120000" h="120000" extrusionOk="0">
+                <a:moveTo>
+                  <a:pt x="0" y="0"/>
+                </a:moveTo>
+                <a:lnTo>
+                  <a:pt x="120000" y="0"/>
+                </a:lnTo>
+                <a:lnTo>
+                  <a:pt x="120000" y="120000"/>
+                </a:lnTo>
+                <a:lnTo>
+                  <a:pt x="0" y="120000"/>
+                </a:lnTo>
+                <a:close/>
+              </a:path>
+            </a:pathLst>
+          </a:custGeom>
+        </p:spPr>
+      </p:sp>
+      <p:sp>
+        <p:nvSpPr>
+          <p:cNvPr id="110" name="Google Shape;110;g787571e53b_0_172:notes"/>
+          <p:cNvSpPr txBox="1">
+            <a:spLocks noGrp="1"/>
+          </p:cNvSpPr>
+          <p:nvPr>
+            <p:ph type="body" idx="1"/>
+          </p:nvPr>
+        </p:nvSpPr>
+        <p:spPr>
+          <a:xfrm>
+            <a:off x="685800" y="4343400"/>
+            <a:ext cx="5486400" cy="4114800"/>
+          </a:xfrm>
           <a:prstGeom prst="rect">
             <a:avLst/>
           </a:prstGeom>
         </p:spPr>
         <p:txBody>
-          <a:bodyPr/>
-          <a:lstStyle/>
-          <a:p>
-            <a:pPr lvl="0"/>
+          <a:bodyPr spcFirstLastPara="1" wrap="square" lIns="91425" tIns="91425" rIns="91425" bIns="91425" anchor="t" anchorCtr="0">
+            <a:noAutofit/>
+          </a:bodyPr>
+          <a:lstStyle/>
+          <a:p>
+            <a:pPr marL="0" lvl="0" indent="0" algn="l" rtl="0">
+              <a:spcBef>
+                <a:spcPts val="0"/>
+              </a:spcBef>
+              <a:spcAft>
+                <a:spcPts val="0"/>
+              </a:spcAft>
+              <a:buNone/>
+            </a:pPr>
             <a:endParaRPr/>
           </a:p>
         </p:txBody>
       </p:sp>
-      <p:sp>
-        <p:nvSpPr>
-          <p:cNvPr id="182" name="Shape 182"/>
-          <p:cNvSpPr>
-            <a:spLocks noGrp="1"/>
-          </p:cNvSpPr>
-          <p:nvPr>
-            <p:ph type="body" sz="quarter" idx="1"/>
-          </p:nvPr>
-        </p:nvSpPr>
-        <p:spPr>
-          <a:prstGeom prst="rect">
-            <a:avLst/>
-          </a:prstGeom>
-        </p:spPr>
-        <p:txBody>
-          <a:bodyPr/>
-          <a:lstStyle/>
-          <a:p>
-            <a:pPr lvl="0" defTabSz="914400">
-              <a:lnSpc>
-                <a:spcPct val="100000"/>
-              </a:lnSpc>
-              <a:spcBef>
-                <a:spcPts val="400"/>
-              </a:spcBef>
-              <a:defRPr sz="1800"/>
-            </a:pPr>
-            <a:endParaRPr sz="1200" dirty="0">
-              <a:latin typeface="Calibri"/>
-              <a:ea typeface="Calibri"/>
-              <a:cs typeface="Calibri"/>
-              <a:sym typeface="Calibri"/>
-            </a:endParaRPr>
-          </a:p>
-        </p:txBody>
-      </p:sp>
     </p:spTree>
-    <p:extLst>
-      <p:ext uri="{BB962C8B-B14F-4D97-AF65-F5344CB8AC3E}">
-        <p14:creationId xmlns:p14="http://schemas.microsoft.com/office/powerpoint/2010/main" val="1261416685"/>
-      </p:ext>
-    </p:extLst>
   </p:cSld>
   <p:clrMapOvr>
     <a:masterClrMapping/>
@@ -2373,11 +2609,11 @@
 </file>
 
 <file path=ppt/notesSlides/notesSlide9.xml><?xml version="1.0" encoding="utf-8"?>
-<p:notes xmlns:a="http://schemas.openxmlformats.org/drawingml/2006/main" xmlns:r="http://schemas.openxmlformats.org/officeDocument/2006/relationships" xmlns:p="http://schemas.openxmlformats.org/presentationml/2006/main">
+<p:notes xmlns:a="http://schemas.openxmlformats.org/drawingml/2006/main" xmlns:r="http://schemas.openxmlformats.org/officeDocument/2006/relationships" xmlns:p="http://schemas.openxmlformats.org/presentationml/2006/main" showMasterSp="0" showMasterPhAnim="0">
   <p:cSld>
     <p:spTree>
       <p:nvGrpSpPr>
-        <p:cNvPr id="1" name=""/>
+        <p:cNvPr id="1" name="Shape 120"/>
         <p:cNvGrpSpPr/>
         <p:nvPr/>
       </p:nvGrpSpPr>
@@ -2391,80 +2627,108 @@
       </p:grpSpPr>
       <p:sp>
         <p:nvSpPr>
-          <p:cNvPr id="2" name="Slide Image Placeholder 1"/>
+          <p:cNvPr id="121" name="Google Shape;121;g787571e53b_0_191:notes"/>
           <p:cNvSpPr>
             <a:spLocks noGrp="1" noRot="1" noChangeAspect="1"/>
           </p:cNvSpPr>
           <p:nvPr>
-            <p:ph type="sldImg"/>
-          </p:nvPr>
-        </p:nvSpPr>
-        <p:spPr/>
-      </p:sp>
-      <p:sp>
-        <p:nvSpPr>
-          <p:cNvPr id="3" name="Notes Placeholder 2"/>
-          <p:cNvSpPr>
+            <p:ph type="sldImg" idx="2"/>
+          </p:nvPr>
+        </p:nvSpPr>
+        <p:spPr>
+          <a:xfrm>
+            <a:off x="381175" y="685800"/>
+            <a:ext cx="6096300" cy="3429000"/>
+          </a:xfrm>
+          <a:custGeom>
+            <a:avLst/>
+            <a:gdLst/>
+            <a:ahLst/>
+            <a:cxnLst/>
+            <a:rect l="l" t="t" r="r" b="b"/>
+            <a:pathLst>
+              <a:path w="120000" h="120000" extrusionOk="0">
+                <a:moveTo>
+                  <a:pt x="0" y="0"/>
+                </a:moveTo>
+                <a:lnTo>
+                  <a:pt x="120000" y="0"/>
+                </a:lnTo>
+                <a:lnTo>
+                  <a:pt x="120000" y="120000"/>
+                </a:lnTo>
+                <a:lnTo>
+                  <a:pt x="0" y="120000"/>
+                </a:lnTo>
+                <a:close/>
+              </a:path>
+            </a:pathLst>
+          </a:custGeom>
+        </p:spPr>
+      </p:sp>
+      <p:sp>
+        <p:nvSpPr>
+          <p:cNvPr id="122" name="Google Shape;122;g787571e53b_0_191:notes"/>
+          <p:cNvSpPr txBox="1">
             <a:spLocks noGrp="1"/>
           </p:cNvSpPr>
           <p:nvPr>
             <p:ph type="body" idx="1"/>
           </p:nvPr>
         </p:nvSpPr>
-        <p:spPr/>
-        <p:txBody>
-          <a:bodyPr/>
-          <a:lstStyle/>
-          <a:p>
-            <a:r>
-              <a:rPr lang="en-US" dirty="0"/>
-              <a:t>Only spend time on this if you want to show the </a:t>
-            </a:r>
-            <a:r>
-              <a:rPr lang="en-US" dirty="0" err="1"/>
-              <a:t>DebugMeTest</a:t>
-            </a:r>
-            <a:r>
-              <a:rPr lang="en-US" dirty="0"/>
-              <a:t> examples,</a:t>
-            </a:r>
-            <a:r>
-              <a:rPr lang="en-US" baseline="0" dirty="0"/>
-              <a:t> in particular the final test which you can use to demonstrate this approach.</a:t>
-            </a:r>
-            <a:endParaRPr lang="en-US" dirty="0"/>
-          </a:p>
-        </p:txBody>
-      </p:sp>
-      <p:sp>
-        <p:nvSpPr>
-          <p:cNvPr id="4" name="Slide Number Placeholder 3"/>
-          <p:cNvSpPr>
-            <a:spLocks noGrp="1"/>
-          </p:cNvSpPr>
-          <p:nvPr>
-            <p:ph type="sldNum" sz="quarter" idx="10"/>
-          </p:nvPr>
-        </p:nvSpPr>
-        <p:spPr/>
-        <p:txBody>
-          <a:bodyPr/>
-          <a:lstStyle/>
-          <a:p>
-            <a:fld id="{9B5CF600-4147-7540-9DE4-6C8272E0EDC3}" type="slidenum">
-              <a:rPr lang="en-US" smtClean="0"/>
-              <a:t>15</a:t>
-            </a:fld>
-            <a:endParaRPr lang="en-US"/>
+        <p:spPr>
+          <a:xfrm>
+            <a:off x="685800" y="4343400"/>
+            <a:ext cx="5486400" cy="4114800"/>
+          </a:xfrm>
+          <a:prstGeom prst="rect">
+            <a:avLst/>
+          </a:prstGeom>
+        </p:spPr>
+        <p:txBody>
+          <a:bodyPr spcFirstLastPara="1" wrap="square" lIns="91425" tIns="91425" rIns="91425" bIns="91425" anchor="t" anchorCtr="0">
+            <a:noAutofit/>
+          </a:bodyPr>
+          <a:lstStyle/>
+          <a:p>
+            <a:pPr marL="0" lvl="0" indent="0" algn="l" rtl="0">
+              <a:spcBef>
+                <a:spcPts val="0"/>
+              </a:spcBef>
+              <a:spcAft>
+                <a:spcPts val="0"/>
+              </a:spcAft>
+              <a:buNone/>
+            </a:pPr>
+            <a:r>
+              <a:rPr lang="en" sz="1800">
+                <a:solidFill>
+                  <a:srgbClr val="840629"/>
+                </a:solidFill>
+              </a:rPr>
+              <a:t>CAREFUL- if you do not stop the running debugger, you can have multiple instances running and the debugger variables you see might be from a different running </a:t>
+            </a:r>
+            <a:endParaRPr sz="1800">
+              <a:solidFill>
+                <a:srgbClr val="840629"/>
+              </a:solidFill>
+            </a:endParaRPr>
+          </a:p>
+          <a:p>
+            <a:pPr marL="0" lvl="0" indent="0" algn="l" rtl="0">
+              <a:spcBef>
+                <a:spcPts val="0"/>
+              </a:spcBef>
+              <a:spcAft>
+                <a:spcPts val="0"/>
+              </a:spcAft>
+              <a:buNone/>
+            </a:pPr>
+            <a:endParaRPr/>
           </a:p>
         </p:txBody>
       </p:sp>
     </p:spTree>
-    <p:extLst>
-      <p:ext uri="{BB962C8B-B14F-4D97-AF65-F5344CB8AC3E}">
-        <p14:creationId xmlns:p14="http://schemas.microsoft.com/office/powerpoint/2010/main" val="3263308297"/>
-      </p:ext>
-    </p:extLst>
   </p:cSld>
   <p:clrMapOvr>
     <a:masterClrMapping/>
@@ -2651,7 +2915,7 @@
           <a:p>
             <a:fld id="{5B07E745-2C70-2943-8487-A8F6E88ADF5E}" type="datetimeFigureOut">
               <a:rPr lang="en-US" smtClean="0"/>
-              <a:t>3/1/22</a:t>
+              <a:t>3/13/2022</a:t>
             </a:fld>
             <a:endParaRPr lang="en-US"/>
           </a:p>
@@ -2819,7 +3083,7 @@
           <a:p>
             <a:fld id="{5B07E745-2C70-2943-8487-A8F6E88ADF5E}" type="datetimeFigureOut">
               <a:rPr lang="en-US" smtClean="0"/>
-              <a:t>3/1/22</a:t>
+              <a:t>3/13/2022</a:t>
             </a:fld>
             <a:endParaRPr lang="en-US"/>
           </a:p>
@@ -2997,7 +3261,7 @@
           <a:p>
             <a:fld id="{5B07E745-2C70-2943-8487-A8F6E88ADF5E}" type="datetimeFigureOut">
               <a:rPr lang="en-US" smtClean="0"/>
-              <a:t>3/1/22</a:t>
+              <a:t>3/13/2022</a:t>
             </a:fld>
             <a:endParaRPr lang="en-US"/>
           </a:p>
@@ -3049,6 +3313,383 @@
     <p:extLst>
       <p:ext uri="{BB962C8B-B14F-4D97-AF65-F5344CB8AC3E}">
         <p14:creationId xmlns:p14="http://schemas.microsoft.com/office/powerpoint/2010/main" val="3898878775"/>
+      </p:ext>
+    </p:extLst>
+  </p:cSld>
+  <p:clrMapOvr>
+    <a:masterClrMapping/>
+  </p:clrMapOvr>
+</p:sldLayout>
+</file>
+
+<file path=ppt/slideLayouts/slideLayout12.xml><?xml version="1.0" encoding="utf-8"?>
+<p:sldLayout xmlns:a="http://schemas.openxmlformats.org/drawingml/2006/main" xmlns:r="http://schemas.openxmlformats.org/officeDocument/2006/relationships" xmlns:p="http://schemas.openxmlformats.org/presentationml/2006/main" matchingName="Title and body" type="tx">
+  <p:cSld name="Title and body">
+    <p:spTree>
+      <p:nvGrpSpPr>
+        <p:cNvPr id="1" name="Shape 56"/>
+        <p:cNvGrpSpPr/>
+        <p:nvPr/>
+      </p:nvGrpSpPr>
+      <p:grpSpPr>
+        <a:xfrm>
+          <a:off x="0" y="0"/>
+          <a:ext cx="0" cy="0"/>
+          <a:chOff x="0" y="0"/>
+          <a:chExt cx="0" cy="0"/>
+        </a:xfrm>
+      </p:grpSpPr>
+      <p:sp>
+        <p:nvSpPr>
+          <p:cNvPr id="57" name="Google Shape;57;p15"/>
+          <p:cNvSpPr txBox="1">
+            <a:spLocks noGrp="1"/>
+          </p:cNvSpPr>
+          <p:nvPr>
+            <p:ph type="title"/>
+          </p:nvPr>
+        </p:nvSpPr>
+        <p:spPr>
+          <a:xfrm>
+            <a:off x="457200" y="274637"/>
+            <a:ext cx="8229600" cy="1143200"/>
+          </a:xfrm>
+          <a:prstGeom prst="rect">
+            <a:avLst/>
+          </a:prstGeom>
+          <a:noFill/>
+          <a:ln>
+            <a:noFill/>
+          </a:ln>
+        </p:spPr>
+        <p:txBody>
+          <a:bodyPr spcFirstLastPara="1" wrap="square" lIns="91425" tIns="91425" rIns="91425" bIns="91425" anchor="b" anchorCtr="0">
+            <a:noAutofit/>
+          </a:bodyPr>
+          <a:lstStyle>
+            <a:lvl1pPr lvl="0" algn="l" rtl="0">
+              <a:spcBef>
+                <a:spcPts val="0"/>
+              </a:spcBef>
+              <a:spcAft>
+                <a:spcPts val="0"/>
+              </a:spcAft>
+              <a:buSzPts val="3600"/>
+              <a:buFont typeface="Arial"/>
+              <a:buNone/>
+              <a:defRPr sz="3600" b="1">
+                <a:solidFill>
+                  <a:schemeClr val="dk1"/>
+                </a:solidFill>
+                <a:latin typeface="Arial"/>
+                <a:ea typeface="Arial"/>
+                <a:cs typeface="Arial"/>
+                <a:sym typeface="Arial"/>
+              </a:defRPr>
+            </a:lvl1pPr>
+            <a:lvl2pPr lvl="1" algn="l" rtl="0">
+              <a:spcBef>
+                <a:spcPts val="0"/>
+              </a:spcBef>
+              <a:spcAft>
+                <a:spcPts val="0"/>
+              </a:spcAft>
+              <a:buSzPts val="3600"/>
+              <a:buFont typeface="Arial"/>
+              <a:buNone/>
+              <a:defRPr sz="3600" b="1">
+                <a:solidFill>
+                  <a:schemeClr val="dk1"/>
+                </a:solidFill>
+                <a:latin typeface="Arial"/>
+                <a:ea typeface="Arial"/>
+                <a:cs typeface="Arial"/>
+                <a:sym typeface="Arial"/>
+              </a:defRPr>
+            </a:lvl2pPr>
+            <a:lvl3pPr lvl="2" algn="l" rtl="0">
+              <a:spcBef>
+                <a:spcPts val="0"/>
+              </a:spcBef>
+              <a:spcAft>
+                <a:spcPts val="0"/>
+              </a:spcAft>
+              <a:buSzPts val="3600"/>
+              <a:buFont typeface="Arial"/>
+              <a:buNone/>
+              <a:defRPr sz="3600" b="1">
+                <a:solidFill>
+                  <a:schemeClr val="dk1"/>
+                </a:solidFill>
+                <a:latin typeface="Arial"/>
+                <a:ea typeface="Arial"/>
+                <a:cs typeface="Arial"/>
+                <a:sym typeface="Arial"/>
+              </a:defRPr>
+            </a:lvl3pPr>
+            <a:lvl4pPr lvl="3" algn="l" rtl="0">
+              <a:spcBef>
+                <a:spcPts val="0"/>
+              </a:spcBef>
+              <a:spcAft>
+                <a:spcPts val="0"/>
+              </a:spcAft>
+              <a:buSzPts val="3600"/>
+              <a:buFont typeface="Arial"/>
+              <a:buNone/>
+              <a:defRPr sz="3600" b="1">
+                <a:solidFill>
+                  <a:schemeClr val="dk1"/>
+                </a:solidFill>
+                <a:latin typeface="Arial"/>
+                <a:ea typeface="Arial"/>
+                <a:cs typeface="Arial"/>
+                <a:sym typeface="Arial"/>
+              </a:defRPr>
+            </a:lvl4pPr>
+            <a:lvl5pPr lvl="4" algn="l" rtl="0">
+              <a:spcBef>
+                <a:spcPts val="0"/>
+              </a:spcBef>
+              <a:spcAft>
+                <a:spcPts val="0"/>
+              </a:spcAft>
+              <a:buSzPts val="3600"/>
+              <a:buFont typeface="Arial"/>
+              <a:buNone/>
+              <a:defRPr sz="3600" b="1">
+                <a:solidFill>
+                  <a:schemeClr val="dk1"/>
+                </a:solidFill>
+                <a:latin typeface="Arial"/>
+                <a:ea typeface="Arial"/>
+                <a:cs typeface="Arial"/>
+                <a:sym typeface="Arial"/>
+              </a:defRPr>
+            </a:lvl5pPr>
+            <a:lvl6pPr lvl="5" algn="l" rtl="0">
+              <a:spcBef>
+                <a:spcPts val="0"/>
+              </a:spcBef>
+              <a:spcAft>
+                <a:spcPts val="0"/>
+              </a:spcAft>
+              <a:buSzPts val="3600"/>
+              <a:buFont typeface="Arial"/>
+              <a:buNone/>
+              <a:defRPr sz="3600" b="1">
+                <a:solidFill>
+                  <a:schemeClr val="dk1"/>
+                </a:solidFill>
+                <a:latin typeface="Arial"/>
+                <a:ea typeface="Arial"/>
+                <a:cs typeface="Arial"/>
+                <a:sym typeface="Arial"/>
+              </a:defRPr>
+            </a:lvl6pPr>
+            <a:lvl7pPr lvl="6" algn="l" rtl="0">
+              <a:spcBef>
+                <a:spcPts val="0"/>
+              </a:spcBef>
+              <a:spcAft>
+                <a:spcPts val="0"/>
+              </a:spcAft>
+              <a:buSzPts val="3600"/>
+              <a:buFont typeface="Arial"/>
+              <a:buNone/>
+              <a:defRPr sz="3600" b="1">
+                <a:solidFill>
+                  <a:schemeClr val="dk1"/>
+                </a:solidFill>
+                <a:latin typeface="Arial"/>
+                <a:ea typeface="Arial"/>
+                <a:cs typeface="Arial"/>
+                <a:sym typeface="Arial"/>
+              </a:defRPr>
+            </a:lvl7pPr>
+            <a:lvl8pPr lvl="7" algn="l" rtl="0">
+              <a:spcBef>
+                <a:spcPts val="0"/>
+              </a:spcBef>
+              <a:spcAft>
+                <a:spcPts val="0"/>
+              </a:spcAft>
+              <a:buSzPts val="3600"/>
+              <a:buFont typeface="Arial"/>
+              <a:buNone/>
+              <a:defRPr sz="3600" b="1">
+                <a:solidFill>
+                  <a:schemeClr val="dk1"/>
+                </a:solidFill>
+                <a:latin typeface="Arial"/>
+                <a:ea typeface="Arial"/>
+                <a:cs typeface="Arial"/>
+                <a:sym typeface="Arial"/>
+              </a:defRPr>
+            </a:lvl8pPr>
+            <a:lvl9pPr lvl="8" algn="l" rtl="0">
+              <a:spcBef>
+                <a:spcPts val="0"/>
+              </a:spcBef>
+              <a:spcAft>
+                <a:spcPts val="0"/>
+              </a:spcAft>
+              <a:buSzPts val="3600"/>
+              <a:buFont typeface="Arial"/>
+              <a:buNone/>
+              <a:defRPr sz="3600" b="1">
+                <a:solidFill>
+                  <a:schemeClr val="dk1"/>
+                </a:solidFill>
+                <a:latin typeface="Arial"/>
+                <a:ea typeface="Arial"/>
+                <a:cs typeface="Arial"/>
+                <a:sym typeface="Arial"/>
+              </a:defRPr>
+            </a:lvl9pPr>
+          </a:lstStyle>
+          <a:p>
+            <a:endParaRPr/>
+          </a:p>
+        </p:txBody>
+      </p:sp>
+      <p:sp>
+        <p:nvSpPr>
+          <p:cNvPr id="58" name="Google Shape;58;p15"/>
+          <p:cNvSpPr txBox="1">
+            <a:spLocks noGrp="1"/>
+          </p:cNvSpPr>
+          <p:nvPr>
+            <p:ph type="body" idx="1"/>
+          </p:nvPr>
+        </p:nvSpPr>
+        <p:spPr>
+          <a:xfrm>
+            <a:off x="457200" y="1600200"/>
+            <a:ext cx="8229600" cy="4967600"/>
+          </a:xfrm>
+          <a:prstGeom prst="rect">
+            <a:avLst/>
+          </a:prstGeom>
+          <a:noFill/>
+          <a:ln>
+            <a:noFill/>
+          </a:ln>
+        </p:spPr>
+        <p:txBody>
+          <a:bodyPr spcFirstLastPara="1" wrap="square" lIns="91425" tIns="91425" rIns="91425" bIns="91425" anchor="t" anchorCtr="0">
+            <a:noAutofit/>
+          </a:bodyPr>
+          <a:lstStyle>
+            <a:lvl1pPr marL="457200" lvl="0" indent="-419100" rtl="0">
+              <a:spcBef>
+                <a:spcPts val="600"/>
+              </a:spcBef>
+              <a:spcAft>
+                <a:spcPts val="0"/>
+              </a:spcAft>
+              <a:buSzPts val="3000"/>
+              <a:buChar char="●"/>
+              <a:defRPr/>
+            </a:lvl1pPr>
+            <a:lvl2pPr marL="914400" lvl="1" indent="-381000" rtl="0">
+              <a:spcBef>
+                <a:spcPts val="0"/>
+              </a:spcBef>
+              <a:spcAft>
+                <a:spcPts val="0"/>
+              </a:spcAft>
+              <a:buSzPts val="2400"/>
+              <a:buChar char="○"/>
+              <a:defRPr/>
+            </a:lvl2pPr>
+            <a:lvl3pPr marL="1371600" lvl="2" indent="-381000" rtl="0">
+              <a:spcBef>
+                <a:spcPts val="0"/>
+              </a:spcBef>
+              <a:spcAft>
+                <a:spcPts val="0"/>
+              </a:spcAft>
+              <a:buSzPts val="2400"/>
+              <a:buChar char="■"/>
+              <a:defRPr/>
+            </a:lvl3pPr>
+            <a:lvl4pPr marL="1828800" lvl="3" indent="-342900" rtl="0">
+              <a:spcBef>
+                <a:spcPts val="0"/>
+              </a:spcBef>
+              <a:spcAft>
+                <a:spcPts val="0"/>
+              </a:spcAft>
+              <a:buSzPts val="1800"/>
+              <a:buChar char="●"/>
+              <a:defRPr/>
+            </a:lvl4pPr>
+            <a:lvl5pPr marL="2286000" lvl="4" indent="-342900" rtl="0">
+              <a:spcBef>
+                <a:spcPts val="0"/>
+              </a:spcBef>
+              <a:spcAft>
+                <a:spcPts val="0"/>
+              </a:spcAft>
+              <a:buSzPts val="1800"/>
+              <a:buChar char="○"/>
+              <a:defRPr sz="1800"/>
+            </a:lvl5pPr>
+            <a:lvl6pPr marL="2743200" lvl="5" indent="-342900" rtl="0">
+              <a:spcBef>
+                <a:spcPts val="0"/>
+              </a:spcBef>
+              <a:spcAft>
+                <a:spcPts val="0"/>
+              </a:spcAft>
+              <a:buSzPts val="1800"/>
+              <a:buChar char="■"/>
+              <a:defRPr sz="1800"/>
+            </a:lvl6pPr>
+            <a:lvl7pPr marL="3200400" lvl="6" indent="-342900" rtl="0">
+              <a:spcBef>
+                <a:spcPts val="0"/>
+              </a:spcBef>
+              <a:spcAft>
+                <a:spcPts val="0"/>
+              </a:spcAft>
+              <a:buSzPts val="1800"/>
+              <a:buChar char="●"/>
+              <a:defRPr sz="1800"/>
+            </a:lvl7pPr>
+            <a:lvl8pPr marL="3657600" lvl="7" indent="-342900" rtl="0">
+              <a:spcBef>
+                <a:spcPts val="0"/>
+              </a:spcBef>
+              <a:spcAft>
+                <a:spcPts val="0"/>
+              </a:spcAft>
+              <a:buSzPts val="1800"/>
+              <a:buChar char="○"/>
+              <a:defRPr sz="1800"/>
+            </a:lvl8pPr>
+            <a:lvl9pPr marL="4114800" lvl="8" indent="-342900" rtl="0">
+              <a:spcBef>
+                <a:spcPts val="0"/>
+              </a:spcBef>
+              <a:spcAft>
+                <a:spcPts val="0"/>
+              </a:spcAft>
+              <a:buSzPts val="1800"/>
+              <a:buChar char="■"/>
+              <a:defRPr sz="1800"/>
+            </a:lvl9pPr>
+          </a:lstStyle>
+          <a:p>
+            <a:endParaRPr/>
+          </a:p>
+        </p:txBody>
+      </p:sp>
+    </p:spTree>
+    <p:extLst>
+      <p:ext uri="{BB962C8B-B14F-4D97-AF65-F5344CB8AC3E}">
+        <p14:creationId xmlns:p14="http://schemas.microsoft.com/office/powerpoint/2010/main" val="1147282297"/>
       </p:ext>
     </p:extLst>
   </p:cSld>
@@ -3165,7 +3806,7 @@
           <a:p>
             <a:fld id="{5B07E745-2C70-2943-8487-A8F6E88ADF5E}" type="datetimeFigureOut">
               <a:rPr lang="en-US" smtClean="0"/>
-              <a:t>3/1/22</a:t>
+              <a:t>3/13/2022</a:t>
             </a:fld>
             <a:endParaRPr lang="en-US"/>
           </a:p>
@@ -3410,7 +4051,7 @@
           <a:p>
             <a:fld id="{5B07E745-2C70-2943-8487-A8F6E88ADF5E}" type="datetimeFigureOut">
               <a:rPr lang="en-US" smtClean="0"/>
-              <a:t>3/1/22</a:t>
+              <a:t>3/13/2022</a:t>
             </a:fld>
             <a:endParaRPr lang="en-US"/>
           </a:p>
@@ -3695,7 +4336,7 @@
           <a:p>
             <a:fld id="{5B07E745-2C70-2943-8487-A8F6E88ADF5E}" type="datetimeFigureOut">
               <a:rPr lang="en-US" smtClean="0"/>
-              <a:t>3/1/22</a:t>
+              <a:t>3/13/2022</a:t>
             </a:fld>
             <a:endParaRPr lang="en-US"/>
           </a:p>
@@ -4114,7 +4755,7 @@
           <a:p>
             <a:fld id="{5B07E745-2C70-2943-8487-A8F6E88ADF5E}" type="datetimeFigureOut">
               <a:rPr lang="en-US" smtClean="0"/>
-              <a:t>3/1/22</a:t>
+              <a:t>3/13/2022</a:t>
             </a:fld>
             <a:endParaRPr lang="en-US"/>
           </a:p>
@@ -4231,7 +4872,7 @@
           <a:p>
             <a:fld id="{5B07E745-2C70-2943-8487-A8F6E88ADF5E}" type="datetimeFigureOut">
               <a:rPr lang="en-US" smtClean="0"/>
-              <a:t>3/1/22</a:t>
+              <a:t>3/13/2022</a:t>
             </a:fld>
             <a:endParaRPr lang="en-US"/>
           </a:p>
@@ -4326,7 +4967,7 @@
           <a:p>
             <a:fld id="{5B07E745-2C70-2943-8487-A8F6E88ADF5E}" type="datetimeFigureOut">
               <a:rPr lang="en-US" smtClean="0"/>
-              <a:t>3/1/22</a:t>
+              <a:t>3/13/2022</a:t>
             </a:fld>
             <a:endParaRPr lang="en-US"/>
           </a:p>
@@ -4601,7 +5242,7 @@
           <a:p>
             <a:fld id="{5B07E745-2C70-2943-8487-A8F6E88ADF5E}" type="datetimeFigureOut">
               <a:rPr lang="en-US" smtClean="0"/>
-              <a:t>3/1/22</a:t>
+              <a:t>3/13/2022</a:t>
             </a:fld>
             <a:endParaRPr lang="en-US"/>
           </a:p>
@@ -4853,7 +5494,7 @@
           <a:p>
             <a:fld id="{5B07E745-2C70-2943-8487-A8F6E88ADF5E}" type="datetimeFigureOut">
               <a:rPr lang="en-US" smtClean="0"/>
-              <a:t>3/1/22</a:t>
+              <a:t>3/13/2022</a:t>
             </a:fld>
             <a:endParaRPr lang="en-US"/>
           </a:p>
@@ -5064,7 +5705,7 @@
           <a:p>
             <a:fld id="{5B07E745-2C70-2943-8487-A8F6E88ADF5E}" type="datetimeFigureOut">
               <a:rPr lang="en-US" smtClean="0"/>
-              <a:t>3/1/22</a:t>
+              <a:t>3/13/2022</a:t>
             </a:fld>
             <a:endParaRPr lang="en-US"/>
           </a:p>
@@ -5168,6 +5809,7 @@
     <p:sldLayoutId id="2147483657" r:id="rId9"/>
     <p:sldLayoutId id="2147483658" r:id="rId10"/>
     <p:sldLayoutId id="2147483659" r:id="rId11"/>
+    <p:sldLayoutId id="2147483660" r:id="rId12"/>
   </p:sldLayoutIdLst>
   <p:txStyles>
     <p:titleStyle>
@@ -6103,7 +6745,7 @@
             <a:effectLst/>
             <a:extLst>
               <a:ext uri="{C572A759-6A51-4108-AA02-DFA0A04FC94B}">
-                <ma14:wrappingTextBoxFlag xmlns="" xmlns:ma14="http://schemas.microsoft.com/office/mac/drawingml/2011/main" val="1"/>
+                <ma14:wrappingTextBoxFlag xmlns:ma14="http://schemas.microsoft.com/office/mac/drawingml/2011/main" xmlns="" val="1"/>
               </a:ext>
             </a:extLst>
           </p:spPr>
@@ -6271,6 +6913,1285 @@
   <p:cSld>
     <p:spTree>
       <p:nvGrpSpPr>
+        <p:cNvPr id="1" name="Shape 111"/>
+        <p:cNvGrpSpPr/>
+        <p:nvPr/>
+      </p:nvGrpSpPr>
+      <p:grpSpPr>
+        <a:xfrm>
+          <a:off x="0" y="0"/>
+          <a:ext cx="0" cy="0"/>
+          <a:chOff x="0" y="0"/>
+          <a:chExt cx="0" cy="0"/>
+        </a:xfrm>
+      </p:grpSpPr>
+      <p:sp>
+        <p:nvSpPr>
+          <p:cNvPr id="112" name="Google Shape;112;p25"/>
+          <p:cNvSpPr txBox="1">
+            <a:spLocks noGrp="1"/>
+          </p:cNvSpPr>
+          <p:nvPr>
+            <p:ph type="title"/>
+          </p:nvPr>
+        </p:nvSpPr>
+        <p:spPr>
+          <a:xfrm>
+            <a:off x="249550" y="919625"/>
+            <a:ext cx="8636100" cy="817200"/>
+          </a:xfrm>
+          <a:prstGeom prst="rect">
+            <a:avLst/>
+          </a:prstGeom>
+        </p:spPr>
+        <p:txBody>
+          <a:bodyPr spcFirstLastPara="1" vert="horz" wrap="square" lIns="91425" tIns="91425" rIns="91425" bIns="91425" rtlCol="0" anchor="b" anchorCtr="0">
+            <a:noAutofit/>
+          </a:bodyPr>
+          <a:lstStyle/>
+          <a:p>
+            <a:r>
+              <a:rPr lang="en" sz="2400">
+                <a:solidFill>
+                  <a:srgbClr val="840629"/>
+                </a:solidFill>
+              </a:rPr>
+              <a:t>The Debugger Up Close</a:t>
+            </a:r>
+            <a:endParaRPr sz="2400">
+              <a:solidFill>
+                <a:srgbClr val="840629"/>
+              </a:solidFill>
+            </a:endParaRPr>
+          </a:p>
+        </p:txBody>
+      </p:sp>
+      <p:pic>
+        <p:nvPicPr>
+          <p:cNvPr id="113" name="Google Shape;113;p25"/>
+          <p:cNvPicPr preferRelativeResize="0"/>
+          <p:nvPr/>
+        </p:nvPicPr>
+        <p:blipFill>
+          <a:blip r:embed="rId3">
+            <a:alphaModFix/>
+          </a:blip>
+          <a:stretch>
+            <a:fillRect/>
+          </a:stretch>
+        </p:blipFill>
+        <p:spPr>
+          <a:xfrm>
+            <a:off x="165250" y="1842950"/>
+            <a:ext cx="3788100" cy="1974400"/>
+          </a:xfrm>
+          <a:prstGeom prst="rect">
+            <a:avLst/>
+          </a:prstGeom>
+          <a:noFill/>
+          <a:ln w="19050" cap="flat" cmpd="sng">
+            <a:solidFill>
+              <a:schemeClr val="dk2"/>
+            </a:solidFill>
+            <a:prstDash val="solid"/>
+            <a:round/>
+            <a:headEnd type="none" w="sm" len="sm"/>
+            <a:tailEnd type="none" w="sm" len="sm"/>
+          </a:ln>
+        </p:spPr>
+      </p:pic>
+      <p:pic>
+        <p:nvPicPr>
+          <p:cNvPr id="114" name="Google Shape;114;p25"/>
+          <p:cNvPicPr preferRelativeResize="0"/>
+          <p:nvPr/>
+        </p:nvPicPr>
+        <p:blipFill>
+          <a:blip r:embed="rId4">
+            <a:alphaModFix/>
+          </a:blip>
+          <a:stretch>
+            <a:fillRect/>
+          </a:stretch>
+        </p:blipFill>
+        <p:spPr>
+          <a:xfrm>
+            <a:off x="165250" y="3923469"/>
+            <a:ext cx="3788100" cy="1719807"/>
+          </a:xfrm>
+          <a:prstGeom prst="rect">
+            <a:avLst/>
+          </a:prstGeom>
+          <a:noFill/>
+          <a:ln w="19050" cap="flat" cmpd="sng">
+            <a:solidFill>
+              <a:schemeClr val="dk2"/>
+            </a:solidFill>
+            <a:prstDash val="solid"/>
+            <a:round/>
+            <a:headEnd type="none" w="sm" len="sm"/>
+            <a:tailEnd type="none" w="sm" len="sm"/>
+          </a:ln>
+        </p:spPr>
+      </p:pic>
+      <p:pic>
+        <p:nvPicPr>
+          <p:cNvPr id="115" name="Google Shape;115;p25"/>
+          <p:cNvPicPr preferRelativeResize="0"/>
+          <p:nvPr/>
+        </p:nvPicPr>
+        <p:blipFill>
+          <a:blip r:embed="rId5">
+            <a:alphaModFix/>
+          </a:blip>
+          <a:stretch>
+            <a:fillRect/>
+          </a:stretch>
+        </p:blipFill>
+        <p:spPr>
+          <a:xfrm>
+            <a:off x="4234325" y="1842951"/>
+            <a:ext cx="4548200" cy="921925"/>
+          </a:xfrm>
+          <a:prstGeom prst="rect">
+            <a:avLst/>
+          </a:prstGeom>
+          <a:noFill/>
+          <a:ln>
+            <a:noFill/>
+          </a:ln>
+        </p:spPr>
+      </p:pic>
+      <p:cxnSp>
+        <p:nvCxnSpPr>
+          <p:cNvPr id="116" name="Google Shape;116;p25"/>
+          <p:cNvCxnSpPr/>
+          <p:nvPr/>
+        </p:nvCxnSpPr>
+        <p:spPr>
+          <a:xfrm rot="10800000" flipH="1">
+            <a:off x="6763700" y="2644725"/>
+            <a:ext cx="1028700" cy="1182900"/>
+          </a:xfrm>
+          <a:prstGeom prst="straightConnector1">
+            <a:avLst/>
+          </a:prstGeom>
+          <a:noFill/>
+          <a:ln w="76200" cap="flat" cmpd="sng">
+            <a:solidFill>
+              <a:schemeClr val="dk2"/>
+            </a:solidFill>
+            <a:prstDash val="solid"/>
+            <a:round/>
+            <a:headEnd type="none" w="med" len="med"/>
+            <a:tailEnd type="triangle" w="med" len="med"/>
+          </a:ln>
+        </p:spPr>
+      </p:cxnSp>
+      <p:cxnSp>
+        <p:nvCxnSpPr>
+          <p:cNvPr id="117" name="Google Shape;117;p25"/>
+          <p:cNvCxnSpPr/>
+          <p:nvPr/>
+        </p:nvCxnSpPr>
+        <p:spPr>
+          <a:xfrm rot="10800000">
+            <a:off x="8461025" y="2644650"/>
+            <a:ext cx="12900" cy="2044500"/>
+          </a:xfrm>
+          <a:prstGeom prst="straightConnector1">
+            <a:avLst/>
+          </a:prstGeom>
+          <a:noFill/>
+          <a:ln w="76200" cap="flat" cmpd="sng">
+            <a:solidFill>
+              <a:schemeClr val="dk2"/>
+            </a:solidFill>
+            <a:prstDash val="solid"/>
+            <a:round/>
+            <a:headEnd type="none" w="med" len="med"/>
+            <a:tailEnd type="triangle" w="med" len="med"/>
+          </a:ln>
+        </p:spPr>
+      </p:cxnSp>
+      <p:sp>
+        <p:nvSpPr>
+          <p:cNvPr id="118" name="Google Shape;118;p25"/>
+          <p:cNvSpPr txBox="1"/>
+          <p:nvPr/>
+        </p:nvSpPr>
+        <p:spPr>
+          <a:xfrm>
+            <a:off x="5452100" y="3763325"/>
+            <a:ext cx="1684500" cy="398700"/>
+          </a:xfrm>
+          <a:prstGeom prst="rect">
+            <a:avLst/>
+          </a:prstGeom>
+          <a:solidFill>
+            <a:srgbClr val="F9CB9C"/>
+          </a:solidFill>
+          <a:ln w="19050" cap="flat" cmpd="sng">
+            <a:solidFill>
+              <a:srgbClr val="000000"/>
+            </a:solidFill>
+            <a:prstDash val="solid"/>
+            <a:round/>
+            <a:headEnd type="none" w="sm" len="sm"/>
+            <a:tailEnd type="none" w="sm" len="sm"/>
+          </a:ln>
+        </p:spPr>
+        <p:txBody>
+          <a:bodyPr spcFirstLastPara="1" wrap="square" lIns="91425" tIns="91425" rIns="91425" bIns="91425" anchor="t" anchorCtr="0">
+            <a:noAutofit/>
+          </a:bodyPr>
+          <a:lstStyle/>
+          <a:p>
+            <a:pPr>
+              <a:spcBef>
+                <a:spcPts val="0"/>
+              </a:spcBef>
+              <a:spcAft>
+                <a:spcPts val="0"/>
+              </a:spcAft>
+            </a:pPr>
+            <a:r>
+              <a:rPr lang="en"/>
+              <a:t>Java Perspective</a:t>
+            </a:r>
+            <a:endParaRPr/>
+          </a:p>
+        </p:txBody>
+      </p:sp>
+      <p:sp>
+        <p:nvSpPr>
+          <p:cNvPr id="119" name="Google Shape;119;p25"/>
+          <p:cNvSpPr txBox="1"/>
+          <p:nvPr/>
+        </p:nvSpPr>
+        <p:spPr>
+          <a:xfrm>
+            <a:off x="7075500" y="4689150"/>
+            <a:ext cx="2068500" cy="398700"/>
+          </a:xfrm>
+          <a:prstGeom prst="rect">
+            <a:avLst/>
+          </a:prstGeom>
+          <a:solidFill>
+            <a:srgbClr val="F9CB9C"/>
+          </a:solidFill>
+          <a:ln w="19050" cap="flat" cmpd="sng">
+            <a:solidFill>
+              <a:srgbClr val="000000"/>
+            </a:solidFill>
+            <a:prstDash val="solid"/>
+            <a:round/>
+            <a:headEnd type="none" w="sm" len="sm"/>
+            <a:tailEnd type="none" w="sm" len="sm"/>
+          </a:ln>
+        </p:spPr>
+        <p:txBody>
+          <a:bodyPr spcFirstLastPara="1" wrap="square" lIns="91425" tIns="91425" rIns="91425" bIns="91425" anchor="t" anchorCtr="0">
+            <a:noAutofit/>
+          </a:bodyPr>
+          <a:lstStyle/>
+          <a:p>
+            <a:pPr>
+              <a:spcBef>
+                <a:spcPts val="0"/>
+              </a:spcBef>
+              <a:spcAft>
+                <a:spcPts val="0"/>
+              </a:spcAft>
+            </a:pPr>
+            <a:r>
+              <a:rPr lang="en"/>
+              <a:t>Debugging Perspective</a:t>
+            </a:r>
+            <a:endParaRPr/>
+          </a:p>
+        </p:txBody>
+      </p:sp>
+    </p:spTree>
+  </p:cSld>
+  <p:clrMapOvr>
+    <a:masterClrMapping/>
+  </p:clrMapOvr>
+</p:sld>
+</file>
+
+<file path=ppt/slides/slide15.xml><?xml version="1.0" encoding="utf-8"?>
+<p:sld xmlns:a="http://schemas.openxmlformats.org/drawingml/2006/main" xmlns:r="http://schemas.openxmlformats.org/officeDocument/2006/relationships" xmlns:p="http://schemas.openxmlformats.org/presentationml/2006/main">
+  <p:cSld>
+    <p:spTree>
+      <p:nvGrpSpPr>
+        <p:cNvPr id="1" name="Shape 123"/>
+        <p:cNvGrpSpPr/>
+        <p:nvPr/>
+      </p:nvGrpSpPr>
+      <p:grpSpPr>
+        <a:xfrm>
+          <a:off x="0" y="0"/>
+          <a:ext cx="0" cy="0"/>
+          <a:chOff x="0" y="0"/>
+          <a:chExt cx="0" cy="0"/>
+        </a:xfrm>
+      </p:grpSpPr>
+      <p:pic>
+        <p:nvPicPr>
+          <p:cNvPr id="124" name="Google Shape;124;p26"/>
+          <p:cNvPicPr preferRelativeResize="0"/>
+          <p:nvPr/>
+        </p:nvPicPr>
+        <p:blipFill>
+          <a:blip r:embed="rId3">
+            <a:alphaModFix/>
+          </a:blip>
+          <a:stretch>
+            <a:fillRect/>
+          </a:stretch>
+        </p:blipFill>
+        <p:spPr>
+          <a:xfrm>
+            <a:off x="5501650" y="1873100"/>
+            <a:ext cx="3088000" cy="1478750"/>
+          </a:xfrm>
+          <a:prstGeom prst="rect">
+            <a:avLst/>
+          </a:prstGeom>
+          <a:noFill/>
+          <a:ln>
+            <a:noFill/>
+          </a:ln>
+        </p:spPr>
+      </p:pic>
+      <p:cxnSp>
+        <p:nvCxnSpPr>
+          <p:cNvPr id="125" name="Google Shape;125;p26"/>
+          <p:cNvCxnSpPr>
+            <a:stCxn id="126" idx="0"/>
+          </p:cNvCxnSpPr>
+          <p:nvPr/>
+        </p:nvCxnSpPr>
+        <p:spPr>
+          <a:xfrm rot="10800000">
+            <a:off x="6082100" y="2670450"/>
+            <a:ext cx="1337400" cy="1526400"/>
+          </a:xfrm>
+          <a:prstGeom prst="straightConnector1">
+            <a:avLst/>
+          </a:prstGeom>
+          <a:noFill/>
+          <a:ln w="76200" cap="flat" cmpd="sng">
+            <a:solidFill>
+              <a:schemeClr val="dk2"/>
+            </a:solidFill>
+            <a:prstDash val="solid"/>
+            <a:round/>
+            <a:headEnd type="none" w="med" len="med"/>
+            <a:tailEnd type="triangle" w="med" len="med"/>
+          </a:ln>
+        </p:spPr>
+      </p:cxnSp>
+      <p:sp>
+        <p:nvSpPr>
+          <p:cNvPr id="126" name="Google Shape;126;p26"/>
+          <p:cNvSpPr txBox="1"/>
+          <p:nvPr/>
+        </p:nvSpPr>
+        <p:spPr>
+          <a:xfrm>
+            <a:off x="6249350" y="4196850"/>
+            <a:ext cx="2340300" cy="733200"/>
+          </a:xfrm>
+          <a:prstGeom prst="rect">
+            <a:avLst/>
+          </a:prstGeom>
+          <a:solidFill>
+            <a:srgbClr val="F9CB9C"/>
+          </a:solidFill>
+          <a:ln w="19050" cap="flat" cmpd="sng">
+            <a:solidFill>
+              <a:srgbClr val="000000"/>
+            </a:solidFill>
+            <a:prstDash val="solid"/>
+            <a:round/>
+            <a:headEnd type="none" w="sm" len="sm"/>
+            <a:tailEnd type="none" w="sm" len="sm"/>
+          </a:ln>
+        </p:spPr>
+        <p:txBody>
+          <a:bodyPr spcFirstLastPara="1" wrap="square" lIns="91425" tIns="91425" rIns="91425" bIns="91425" anchor="t" anchorCtr="0">
+            <a:noAutofit/>
+          </a:bodyPr>
+          <a:lstStyle/>
+          <a:p>
+            <a:pPr>
+              <a:spcBef>
+                <a:spcPts val="0"/>
+              </a:spcBef>
+              <a:spcAft>
+                <a:spcPts val="0"/>
+              </a:spcAft>
+            </a:pPr>
+            <a:r>
+              <a:rPr lang="en" sz="1600"/>
+              <a:t>Indicates that the program is still running</a:t>
+            </a:r>
+            <a:endParaRPr sz="1600"/>
+          </a:p>
+        </p:txBody>
+      </p:sp>
+      <p:sp>
+        <p:nvSpPr>
+          <p:cNvPr id="127" name="Google Shape;127;p26"/>
+          <p:cNvSpPr txBox="1"/>
+          <p:nvPr/>
+        </p:nvSpPr>
+        <p:spPr>
+          <a:xfrm>
+            <a:off x="320725" y="3756000"/>
+            <a:ext cx="2803200" cy="1614900"/>
+          </a:xfrm>
+          <a:prstGeom prst="rect">
+            <a:avLst/>
+          </a:prstGeom>
+          <a:solidFill>
+            <a:srgbClr val="F9CB9C"/>
+          </a:solidFill>
+          <a:ln w="19050" cap="flat" cmpd="sng">
+            <a:solidFill>
+              <a:srgbClr val="000000"/>
+            </a:solidFill>
+            <a:prstDash val="solid"/>
+            <a:round/>
+            <a:headEnd type="none" w="sm" len="sm"/>
+            <a:tailEnd type="none" w="sm" len="sm"/>
+          </a:ln>
+        </p:spPr>
+        <p:txBody>
+          <a:bodyPr spcFirstLastPara="1" wrap="square" lIns="91425" tIns="91425" rIns="91425" bIns="91425" anchor="t" anchorCtr="0">
+            <a:noAutofit/>
+          </a:bodyPr>
+          <a:lstStyle/>
+          <a:p>
+            <a:pPr>
+              <a:spcBef>
+                <a:spcPts val="0"/>
+              </a:spcBef>
+              <a:spcAft>
+                <a:spcPts val="0"/>
+              </a:spcAft>
+            </a:pPr>
+            <a:r>
+              <a:rPr lang="en" sz="1600"/>
+              <a:t>Even after you click the red STOP SQUARE, if you ran it multiple times before, you have to repeatedly clear it (or restart Eclipse)</a:t>
+            </a:r>
+            <a:endParaRPr sz="1600"/>
+          </a:p>
+        </p:txBody>
+      </p:sp>
+      <p:pic>
+        <p:nvPicPr>
+          <p:cNvPr id="128" name="Google Shape;128;p26"/>
+          <p:cNvPicPr preferRelativeResize="0"/>
+          <p:nvPr/>
+        </p:nvPicPr>
+        <p:blipFill>
+          <a:blip r:embed="rId4">
+            <a:alphaModFix/>
+          </a:blip>
+          <a:stretch>
+            <a:fillRect/>
+          </a:stretch>
+        </p:blipFill>
+        <p:spPr>
+          <a:xfrm>
+            <a:off x="435301" y="1975950"/>
+            <a:ext cx="3988125" cy="898500"/>
+          </a:xfrm>
+          <a:prstGeom prst="rect">
+            <a:avLst/>
+          </a:prstGeom>
+          <a:noFill/>
+          <a:ln>
+            <a:noFill/>
+          </a:ln>
+        </p:spPr>
+      </p:pic>
+      <p:pic>
+        <p:nvPicPr>
+          <p:cNvPr id="129" name="Google Shape;129;p26"/>
+          <p:cNvPicPr preferRelativeResize="0"/>
+          <p:nvPr/>
+        </p:nvPicPr>
+        <p:blipFill>
+          <a:blip r:embed="rId5">
+            <a:alphaModFix/>
+          </a:blip>
+          <a:stretch>
+            <a:fillRect/>
+          </a:stretch>
+        </p:blipFill>
+        <p:spPr>
+          <a:xfrm>
+            <a:off x="3905588" y="4196850"/>
+            <a:ext cx="1562100" cy="1524000"/>
+          </a:xfrm>
+          <a:prstGeom prst="rect">
+            <a:avLst/>
+          </a:prstGeom>
+          <a:noFill/>
+          <a:ln w="19050" cap="flat" cmpd="sng">
+            <a:solidFill>
+              <a:schemeClr val="dk2"/>
+            </a:solidFill>
+            <a:prstDash val="solid"/>
+            <a:round/>
+            <a:headEnd type="none" w="sm" len="sm"/>
+            <a:tailEnd type="none" w="sm" len="sm"/>
+          </a:ln>
+        </p:spPr>
+      </p:pic>
+      <p:cxnSp>
+        <p:nvCxnSpPr>
+          <p:cNvPr id="130" name="Google Shape;130;p26"/>
+          <p:cNvCxnSpPr/>
+          <p:nvPr/>
+        </p:nvCxnSpPr>
+        <p:spPr>
+          <a:xfrm rot="10800000" flipH="1">
+            <a:off x="1183000" y="2580125"/>
+            <a:ext cx="38700" cy="1183200"/>
+          </a:xfrm>
+          <a:prstGeom prst="straightConnector1">
+            <a:avLst/>
+          </a:prstGeom>
+          <a:noFill/>
+          <a:ln w="76200" cap="flat" cmpd="sng">
+            <a:solidFill>
+              <a:schemeClr val="dk2"/>
+            </a:solidFill>
+            <a:prstDash val="solid"/>
+            <a:round/>
+            <a:headEnd type="none" w="med" len="med"/>
+            <a:tailEnd type="triangle" w="med" len="med"/>
+          </a:ln>
+        </p:spPr>
+      </p:cxnSp>
+      <p:cxnSp>
+        <p:nvCxnSpPr>
+          <p:cNvPr id="131" name="Google Shape;131;p26"/>
+          <p:cNvCxnSpPr>
+            <a:endCxn id="129" idx="1"/>
+          </p:cNvCxnSpPr>
+          <p:nvPr/>
+        </p:nvCxnSpPr>
+        <p:spPr>
+          <a:xfrm>
+            <a:off x="2918888" y="4804950"/>
+            <a:ext cx="986700" cy="153900"/>
+          </a:xfrm>
+          <a:prstGeom prst="straightConnector1">
+            <a:avLst/>
+          </a:prstGeom>
+          <a:noFill/>
+          <a:ln w="76200" cap="flat" cmpd="sng">
+            <a:solidFill>
+              <a:schemeClr val="dk2"/>
+            </a:solidFill>
+            <a:prstDash val="solid"/>
+            <a:round/>
+            <a:headEnd type="none" w="med" len="med"/>
+            <a:tailEnd type="triangle" w="med" len="med"/>
+          </a:ln>
+        </p:spPr>
+      </p:cxnSp>
+      <p:sp>
+        <p:nvSpPr>
+          <p:cNvPr id="132" name="Google Shape;132;p26"/>
+          <p:cNvSpPr txBox="1">
+            <a:spLocks noGrp="1"/>
+          </p:cNvSpPr>
+          <p:nvPr>
+            <p:ph type="title"/>
+          </p:nvPr>
+        </p:nvSpPr>
+        <p:spPr>
+          <a:xfrm>
+            <a:off x="141350" y="919625"/>
+            <a:ext cx="8928600" cy="817200"/>
+          </a:xfrm>
+          <a:prstGeom prst="rect">
+            <a:avLst/>
+          </a:prstGeom>
+        </p:spPr>
+        <p:txBody>
+          <a:bodyPr spcFirstLastPara="1" vert="horz" wrap="square" lIns="91425" tIns="91425" rIns="91425" bIns="91425" rtlCol="0" anchor="b" anchorCtr="0">
+            <a:noAutofit/>
+          </a:bodyPr>
+          <a:lstStyle/>
+          <a:p>
+            <a:r>
+              <a:rPr lang="en" sz="2400">
+                <a:solidFill>
+                  <a:srgbClr val="840629"/>
+                </a:solidFill>
+              </a:rPr>
+              <a:t>ALWAYS (1) </a:t>
+            </a:r>
+            <a:r>
+              <a:rPr lang="en" sz="2400" u="sng">
+                <a:solidFill>
+                  <a:srgbClr val="840629"/>
+                </a:solidFill>
+              </a:rPr>
+              <a:t>stop</a:t>
+            </a:r>
+            <a:r>
+              <a:rPr lang="en" sz="2400">
+                <a:solidFill>
+                  <a:srgbClr val="840629"/>
+                </a:solidFill>
+              </a:rPr>
+              <a:t> the debugger AND (2) </a:t>
+            </a:r>
+            <a:r>
+              <a:rPr lang="en" sz="2400" u="sng">
+                <a:solidFill>
+                  <a:srgbClr val="840629"/>
+                </a:solidFill>
+              </a:rPr>
+              <a:t>clear</a:t>
+            </a:r>
+            <a:r>
+              <a:rPr lang="en" sz="2400">
+                <a:solidFill>
+                  <a:srgbClr val="840629"/>
+                </a:solidFill>
+              </a:rPr>
+              <a:t> it when done!</a:t>
+            </a:r>
+            <a:endParaRPr sz="2400">
+              <a:solidFill>
+                <a:srgbClr val="840629"/>
+              </a:solidFill>
+            </a:endParaRPr>
+          </a:p>
+        </p:txBody>
+      </p:sp>
+    </p:spTree>
+  </p:cSld>
+  <p:clrMapOvr>
+    <a:masterClrMapping/>
+  </p:clrMapOvr>
+</p:sld>
+</file>
+
+<file path=ppt/slides/slide16.xml><?xml version="1.0" encoding="utf-8"?>
+<p:sld xmlns:a="http://schemas.openxmlformats.org/drawingml/2006/main" xmlns:r="http://schemas.openxmlformats.org/officeDocument/2006/relationships" xmlns:p="http://schemas.openxmlformats.org/presentationml/2006/main">
+  <p:cSld>
+    <p:spTree>
+      <p:nvGrpSpPr>
+        <p:cNvPr id="1" name="Shape 136"/>
+        <p:cNvGrpSpPr/>
+        <p:nvPr/>
+      </p:nvGrpSpPr>
+      <p:grpSpPr>
+        <a:xfrm>
+          <a:off x="0" y="0"/>
+          <a:ext cx="0" cy="0"/>
+          <a:chOff x="0" y="0"/>
+          <a:chExt cx="0" cy="0"/>
+        </a:xfrm>
+      </p:grpSpPr>
+      <p:sp>
+        <p:nvSpPr>
+          <p:cNvPr id="137" name="Google Shape;137;p27"/>
+          <p:cNvSpPr txBox="1"/>
+          <p:nvPr/>
+        </p:nvSpPr>
+        <p:spPr>
+          <a:xfrm>
+            <a:off x="4738400" y="3985575"/>
+            <a:ext cx="1158000" cy="778800"/>
+          </a:xfrm>
+          <a:prstGeom prst="rect">
+            <a:avLst/>
+          </a:prstGeom>
+          <a:solidFill>
+            <a:srgbClr val="F9CB9C"/>
+          </a:solidFill>
+          <a:ln w="19050" cap="flat" cmpd="sng">
+            <a:solidFill>
+              <a:srgbClr val="000000"/>
+            </a:solidFill>
+            <a:prstDash val="solid"/>
+            <a:round/>
+            <a:headEnd type="none" w="sm" len="sm"/>
+            <a:tailEnd type="none" w="sm" len="sm"/>
+          </a:ln>
+        </p:spPr>
+        <p:txBody>
+          <a:bodyPr spcFirstLastPara="1" wrap="square" lIns="91425" tIns="91425" rIns="91425" bIns="91425" anchor="t" anchorCtr="0">
+            <a:noAutofit/>
+          </a:bodyPr>
+          <a:lstStyle/>
+          <a:p>
+            <a:pPr>
+              <a:spcBef>
+                <a:spcPts val="0"/>
+              </a:spcBef>
+              <a:spcAft>
+                <a:spcPts val="0"/>
+              </a:spcAft>
+            </a:pPr>
+            <a:r>
+              <a:rPr lang="en" sz="1600"/>
+              <a:t>Step Into</a:t>
+            </a:r>
+            <a:endParaRPr sz="1600"/>
+          </a:p>
+          <a:p>
+            <a:pPr>
+              <a:spcBef>
+                <a:spcPts val="0"/>
+              </a:spcBef>
+              <a:spcAft>
+                <a:spcPts val="0"/>
+              </a:spcAft>
+            </a:pPr>
+            <a:r>
+              <a:rPr lang="en" sz="1600"/>
+              <a:t>method</a:t>
+            </a:r>
+            <a:endParaRPr sz="1600"/>
+          </a:p>
+        </p:txBody>
+      </p:sp>
+      <p:sp>
+        <p:nvSpPr>
+          <p:cNvPr id="138" name="Google Shape;138;p27"/>
+          <p:cNvSpPr txBox="1"/>
+          <p:nvPr/>
+        </p:nvSpPr>
+        <p:spPr>
+          <a:xfrm>
+            <a:off x="189650" y="4165575"/>
+            <a:ext cx="1384500" cy="1513800"/>
+          </a:xfrm>
+          <a:prstGeom prst="rect">
+            <a:avLst/>
+          </a:prstGeom>
+          <a:solidFill>
+            <a:srgbClr val="F9CB9C"/>
+          </a:solidFill>
+          <a:ln w="19050" cap="flat" cmpd="sng">
+            <a:solidFill>
+              <a:srgbClr val="000000"/>
+            </a:solidFill>
+            <a:prstDash val="solid"/>
+            <a:round/>
+            <a:headEnd type="none" w="sm" len="sm"/>
+            <a:tailEnd type="none" w="sm" len="sm"/>
+          </a:ln>
+        </p:spPr>
+        <p:txBody>
+          <a:bodyPr spcFirstLastPara="1" wrap="square" lIns="91425" tIns="91425" rIns="91425" bIns="91425" anchor="t" anchorCtr="0">
+            <a:noAutofit/>
+          </a:bodyPr>
+          <a:lstStyle/>
+          <a:p>
+            <a:pPr>
+              <a:spcBef>
+                <a:spcPts val="0"/>
+              </a:spcBef>
+              <a:spcAft>
+                <a:spcPts val="0"/>
+              </a:spcAft>
+            </a:pPr>
+            <a:r>
+              <a:rPr lang="en" sz="1600"/>
+              <a:t>Resume</a:t>
+            </a:r>
+            <a:endParaRPr sz="1600"/>
+          </a:p>
+          <a:p>
+            <a:pPr>
+              <a:spcBef>
+                <a:spcPts val="0"/>
+              </a:spcBef>
+              <a:spcAft>
+                <a:spcPts val="0"/>
+              </a:spcAft>
+            </a:pPr>
+            <a:r>
+              <a:rPr lang="en" sz="1600"/>
+              <a:t>(until next break point or complete)</a:t>
+            </a:r>
+            <a:endParaRPr sz="1600"/>
+          </a:p>
+        </p:txBody>
+      </p:sp>
+      <p:sp>
+        <p:nvSpPr>
+          <p:cNvPr id="139" name="Google Shape;139;p27"/>
+          <p:cNvSpPr txBox="1">
+            <a:spLocks noGrp="1"/>
+          </p:cNvSpPr>
+          <p:nvPr>
+            <p:ph type="title"/>
+          </p:nvPr>
+        </p:nvSpPr>
+        <p:spPr>
+          <a:xfrm>
+            <a:off x="141350" y="919625"/>
+            <a:ext cx="8928600" cy="817200"/>
+          </a:xfrm>
+          <a:prstGeom prst="rect">
+            <a:avLst/>
+          </a:prstGeom>
+        </p:spPr>
+        <p:txBody>
+          <a:bodyPr spcFirstLastPara="1" vert="horz" wrap="square" lIns="91425" tIns="91425" rIns="91425" bIns="91425" rtlCol="0" anchor="b" anchorCtr="0">
+            <a:noAutofit/>
+          </a:bodyPr>
+          <a:lstStyle/>
+          <a:p>
+            <a:r>
+              <a:rPr lang="en" sz="2400">
+                <a:solidFill>
+                  <a:srgbClr val="840629"/>
+                </a:solidFill>
+              </a:rPr>
+              <a:t>Debugger Controls Up Close</a:t>
+            </a:r>
+            <a:endParaRPr sz="2400">
+              <a:solidFill>
+                <a:srgbClr val="840629"/>
+              </a:solidFill>
+            </a:endParaRPr>
+          </a:p>
+        </p:txBody>
+      </p:sp>
+      <p:pic>
+        <p:nvPicPr>
+          <p:cNvPr id="140" name="Google Shape;140;p27"/>
+          <p:cNvPicPr preferRelativeResize="0"/>
+          <p:nvPr/>
+        </p:nvPicPr>
+        <p:blipFill>
+          <a:blip r:embed="rId3">
+            <a:alphaModFix/>
+          </a:blip>
+          <a:stretch>
+            <a:fillRect/>
+          </a:stretch>
+        </p:blipFill>
+        <p:spPr>
+          <a:xfrm>
+            <a:off x="1574064" y="1924439"/>
+            <a:ext cx="5436825" cy="995475"/>
+          </a:xfrm>
+          <a:prstGeom prst="rect">
+            <a:avLst/>
+          </a:prstGeom>
+          <a:noFill/>
+          <a:ln>
+            <a:noFill/>
+          </a:ln>
+        </p:spPr>
+      </p:pic>
+      <p:sp>
+        <p:nvSpPr>
+          <p:cNvPr id="141" name="Google Shape;141;p27"/>
+          <p:cNvSpPr txBox="1"/>
+          <p:nvPr/>
+        </p:nvSpPr>
+        <p:spPr>
+          <a:xfrm>
+            <a:off x="1709475" y="4165575"/>
+            <a:ext cx="1158000" cy="534600"/>
+          </a:xfrm>
+          <a:prstGeom prst="rect">
+            <a:avLst/>
+          </a:prstGeom>
+          <a:solidFill>
+            <a:srgbClr val="F9CB9C"/>
+          </a:solidFill>
+          <a:ln w="19050" cap="flat" cmpd="sng">
+            <a:solidFill>
+              <a:srgbClr val="000000"/>
+            </a:solidFill>
+            <a:prstDash val="solid"/>
+            <a:round/>
+            <a:headEnd type="none" w="sm" len="sm"/>
+            <a:tailEnd type="none" w="sm" len="sm"/>
+          </a:ln>
+        </p:spPr>
+        <p:txBody>
+          <a:bodyPr spcFirstLastPara="1" wrap="square" lIns="91425" tIns="91425" rIns="91425" bIns="91425" anchor="t" anchorCtr="0">
+            <a:noAutofit/>
+          </a:bodyPr>
+          <a:lstStyle/>
+          <a:p>
+            <a:pPr>
+              <a:spcBef>
+                <a:spcPts val="0"/>
+              </a:spcBef>
+              <a:spcAft>
+                <a:spcPts val="0"/>
+              </a:spcAft>
+            </a:pPr>
+            <a:r>
+              <a:rPr lang="en" sz="1600"/>
+              <a:t>Suspend</a:t>
+            </a:r>
+            <a:endParaRPr sz="1600"/>
+          </a:p>
+        </p:txBody>
+      </p:sp>
+      <p:sp>
+        <p:nvSpPr>
+          <p:cNvPr id="142" name="Google Shape;142;p27"/>
+          <p:cNvSpPr txBox="1"/>
+          <p:nvPr/>
+        </p:nvSpPr>
+        <p:spPr>
+          <a:xfrm>
+            <a:off x="3111100" y="4165575"/>
+            <a:ext cx="1158000" cy="534600"/>
+          </a:xfrm>
+          <a:prstGeom prst="rect">
+            <a:avLst/>
+          </a:prstGeom>
+          <a:solidFill>
+            <a:srgbClr val="F9CB9C"/>
+          </a:solidFill>
+          <a:ln w="19050" cap="flat" cmpd="sng">
+            <a:solidFill>
+              <a:srgbClr val="000000"/>
+            </a:solidFill>
+            <a:prstDash val="solid"/>
+            <a:round/>
+            <a:headEnd type="none" w="sm" len="sm"/>
+            <a:tailEnd type="none" w="sm" len="sm"/>
+          </a:ln>
+        </p:spPr>
+        <p:txBody>
+          <a:bodyPr spcFirstLastPara="1" wrap="square" lIns="91425" tIns="91425" rIns="91425" bIns="91425" anchor="t" anchorCtr="0">
+            <a:noAutofit/>
+          </a:bodyPr>
+          <a:lstStyle/>
+          <a:p>
+            <a:pPr>
+              <a:spcBef>
+                <a:spcPts val="0"/>
+              </a:spcBef>
+              <a:spcAft>
+                <a:spcPts val="0"/>
+              </a:spcAft>
+            </a:pPr>
+            <a:r>
+              <a:rPr lang="en" sz="1600"/>
+              <a:t>Terminate</a:t>
+            </a:r>
+            <a:endParaRPr sz="1600"/>
+          </a:p>
+        </p:txBody>
+      </p:sp>
+      <p:sp>
+        <p:nvSpPr>
+          <p:cNvPr id="143" name="Google Shape;143;p27"/>
+          <p:cNvSpPr txBox="1"/>
+          <p:nvPr/>
+        </p:nvSpPr>
+        <p:spPr>
+          <a:xfrm>
+            <a:off x="5996650" y="3985575"/>
+            <a:ext cx="1158000" cy="778800"/>
+          </a:xfrm>
+          <a:prstGeom prst="rect">
+            <a:avLst/>
+          </a:prstGeom>
+          <a:solidFill>
+            <a:srgbClr val="F9CB9C"/>
+          </a:solidFill>
+          <a:ln w="19050" cap="flat" cmpd="sng">
+            <a:solidFill>
+              <a:srgbClr val="000000"/>
+            </a:solidFill>
+            <a:prstDash val="solid"/>
+            <a:round/>
+            <a:headEnd type="none" w="sm" len="sm"/>
+            <a:tailEnd type="none" w="sm" len="sm"/>
+          </a:ln>
+        </p:spPr>
+        <p:txBody>
+          <a:bodyPr spcFirstLastPara="1" wrap="square" lIns="91425" tIns="91425" rIns="91425" bIns="91425" anchor="t" anchorCtr="0">
+            <a:noAutofit/>
+          </a:bodyPr>
+          <a:lstStyle/>
+          <a:p>
+            <a:pPr>
+              <a:spcBef>
+                <a:spcPts val="0"/>
+              </a:spcBef>
+              <a:spcAft>
+                <a:spcPts val="0"/>
+              </a:spcAft>
+            </a:pPr>
+            <a:r>
+              <a:rPr lang="en" sz="1600"/>
+              <a:t>Step Over</a:t>
+            </a:r>
+            <a:endParaRPr sz="1600"/>
+          </a:p>
+          <a:p>
+            <a:pPr>
+              <a:spcBef>
+                <a:spcPts val="0"/>
+              </a:spcBef>
+              <a:spcAft>
+                <a:spcPts val="0"/>
+              </a:spcAft>
+            </a:pPr>
+            <a:r>
+              <a:rPr lang="en" sz="1600"/>
+              <a:t>method</a:t>
+            </a:r>
+            <a:endParaRPr sz="1600"/>
+          </a:p>
+        </p:txBody>
+      </p:sp>
+      <p:sp>
+        <p:nvSpPr>
+          <p:cNvPr id="144" name="Google Shape;144;p27"/>
+          <p:cNvSpPr txBox="1"/>
+          <p:nvPr/>
+        </p:nvSpPr>
+        <p:spPr>
+          <a:xfrm>
+            <a:off x="7332350" y="4024275"/>
+            <a:ext cx="1347300" cy="870600"/>
+          </a:xfrm>
+          <a:prstGeom prst="rect">
+            <a:avLst/>
+          </a:prstGeom>
+          <a:solidFill>
+            <a:srgbClr val="F9CB9C"/>
+          </a:solidFill>
+          <a:ln w="19050" cap="flat" cmpd="sng">
+            <a:solidFill>
+              <a:srgbClr val="000000"/>
+            </a:solidFill>
+            <a:prstDash val="solid"/>
+            <a:round/>
+            <a:headEnd type="none" w="sm" len="sm"/>
+            <a:tailEnd type="none" w="sm" len="sm"/>
+          </a:ln>
+        </p:spPr>
+        <p:txBody>
+          <a:bodyPr spcFirstLastPara="1" wrap="square" lIns="91425" tIns="91425" rIns="91425" bIns="91425" anchor="t" anchorCtr="0">
+            <a:noAutofit/>
+          </a:bodyPr>
+          <a:lstStyle/>
+          <a:p>
+            <a:pPr>
+              <a:spcBef>
+                <a:spcPts val="0"/>
+              </a:spcBef>
+              <a:spcAft>
+                <a:spcPts val="0"/>
+              </a:spcAft>
+            </a:pPr>
+            <a:r>
+              <a:rPr lang="en" sz="1600"/>
+              <a:t>Step Return (Out)</a:t>
+            </a:r>
+            <a:endParaRPr sz="1600"/>
+          </a:p>
+        </p:txBody>
+      </p:sp>
+      <p:cxnSp>
+        <p:nvCxnSpPr>
+          <p:cNvPr id="145" name="Google Shape;145;p27"/>
+          <p:cNvCxnSpPr/>
+          <p:nvPr/>
+        </p:nvCxnSpPr>
+        <p:spPr>
+          <a:xfrm rot="10800000" flipH="1">
+            <a:off x="835875" y="2850375"/>
+            <a:ext cx="1080000" cy="1315200"/>
+          </a:xfrm>
+          <a:prstGeom prst="straightConnector1">
+            <a:avLst/>
+          </a:prstGeom>
+          <a:noFill/>
+          <a:ln w="76200" cap="flat" cmpd="sng">
+            <a:solidFill>
+              <a:schemeClr val="dk2"/>
+            </a:solidFill>
+            <a:prstDash val="solid"/>
+            <a:round/>
+            <a:headEnd type="none" w="med" len="med"/>
+            <a:tailEnd type="triangle" w="med" len="med"/>
+          </a:ln>
+        </p:spPr>
+      </p:cxnSp>
+      <p:cxnSp>
+        <p:nvCxnSpPr>
+          <p:cNvPr id="146" name="Google Shape;146;p27"/>
+          <p:cNvCxnSpPr>
+            <a:stCxn id="142" idx="0"/>
+          </p:cNvCxnSpPr>
+          <p:nvPr/>
+        </p:nvCxnSpPr>
+        <p:spPr>
+          <a:xfrm rot="10800000">
+            <a:off x="3639100" y="2721675"/>
+            <a:ext cx="51000" cy="1443900"/>
+          </a:xfrm>
+          <a:prstGeom prst="straightConnector1">
+            <a:avLst/>
+          </a:prstGeom>
+          <a:noFill/>
+          <a:ln w="76200" cap="flat" cmpd="sng">
+            <a:solidFill>
+              <a:schemeClr val="dk2"/>
+            </a:solidFill>
+            <a:prstDash val="solid"/>
+            <a:round/>
+            <a:headEnd type="none" w="med" len="med"/>
+            <a:tailEnd type="triangle" w="med" len="med"/>
+          </a:ln>
+        </p:spPr>
+      </p:cxnSp>
+      <p:cxnSp>
+        <p:nvCxnSpPr>
+          <p:cNvPr id="147" name="Google Shape;147;p27"/>
+          <p:cNvCxnSpPr>
+            <a:stCxn id="141" idx="0"/>
+          </p:cNvCxnSpPr>
+          <p:nvPr/>
+        </p:nvCxnSpPr>
+        <p:spPr>
+          <a:xfrm rot="10800000" flipH="1">
+            <a:off x="2288475" y="2824575"/>
+            <a:ext cx="579000" cy="1341000"/>
+          </a:xfrm>
+          <a:prstGeom prst="straightConnector1">
+            <a:avLst/>
+          </a:prstGeom>
+          <a:noFill/>
+          <a:ln w="76200" cap="flat" cmpd="sng">
+            <a:solidFill>
+              <a:schemeClr val="dk2"/>
+            </a:solidFill>
+            <a:prstDash val="solid"/>
+            <a:round/>
+            <a:headEnd type="none" w="med" len="med"/>
+            <a:tailEnd type="triangle" w="med" len="med"/>
+          </a:ln>
+        </p:spPr>
+      </p:cxnSp>
+      <p:cxnSp>
+        <p:nvCxnSpPr>
+          <p:cNvPr id="148" name="Google Shape;148;p27"/>
+          <p:cNvCxnSpPr>
+            <a:stCxn id="137" idx="0"/>
+          </p:cNvCxnSpPr>
+          <p:nvPr/>
+        </p:nvCxnSpPr>
+        <p:spPr>
+          <a:xfrm rot="10800000">
+            <a:off x="5027900" y="2811675"/>
+            <a:ext cx="289500" cy="1173900"/>
+          </a:xfrm>
+          <a:prstGeom prst="straightConnector1">
+            <a:avLst/>
+          </a:prstGeom>
+          <a:noFill/>
+          <a:ln w="76200" cap="flat" cmpd="sng">
+            <a:solidFill>
+              <a:schemeClr val="dk2"/>
+            </a:solidFill>
+            <a:prstDash val="solid"/>
+            <a:round/>
+            <a:headEnd type="none" w="med" len="med"/>
+            <a:tailEnd type="triangle" w="med" len="med"/>
+          </a:ln>
+        </p:spPr>
+      </p:cxnSp>
+      <p:cxnSp>
+        <p:nvCxnSpPr>
+          <p:cNvPr id="149" name="Google Shape;149;p27"/>
+          <p:cNvCxnSpPr>
+            <a:stCxn id="143" idx="0"/>
+          </p:cNvCxnSpPr>
+          <p:nvPr/>
+        </p:nvCxnSpPr>
+        <p:spPr>
+          <a:xfrm rot="10800000">
+            <a:off x="5767450" y="2666175"/>
+            <a:ext cx="808200" cy="1319400"/>
+          </a:xfrm>
+          <a:prstGeom prst="straightConnector1">
+            <a:avLst/>
+          </a:prstGeom>
+          <a:noFill/>
+          <a:ln w="76200" cap="flat" cmpd="sng">
+            <a:solidFill>
+              <a:schemeClr val="dk2"/>
+            </a:solidFill>
+            <a:prstDash val="solid"/>
+            <a:round/>
+            <a:headEnd type="none" w="med" len="med"/>
+            <a:tailEnd type="triangle" w="med" len="med"/>
+          </a:ln>
+        </p:spPr>
+      </p:cxnSp>
+      <p:cxnSp>
+        <p:nvCxnSpPr>
+          <p:cNvPr id="150" name="Google Shape;150;p27"/>
+          <p:cNvCxnSpPr>
+            <a:stCxn id="144" idx="0"/>
+          </p:cNvCxnSpPr>
+          <p:nvPr/>
+        </p:nvCxnSpPr>
+        <p:spPr>
+          <a:xfrm rot="10800000">
+            <a:off x="6621500" y="2740575"/>
+            <a:ext cx="1384500" cy="1283700"/>
+          </a:xfrm>
+          <a:prstGeom prst="straightConnector1">
+            <a:avLst/>
+          </a:prstGeom>
+          <a:noFill/>
+          <a:ln w="76200" cap="flat" cmpd="sng">
+            <a:solidFill>
+              <a:schemeClr val="dk2"/>
+            </a:solidFill>
+            <a:prstDash val="solid"/>
+            <a:round/>
+            <a:headEnd type="none" w="med" len="med"/>
+            <a:tailEnd type="triangle" w="med" len="med"/>
+          </a:ln>
+        </p:spPr>
+      </p:cxnSp>
+    </p:spTree>
+  </p:cSld>
+  <p:clrMapOvr>
+    <a:masterClrMapping/>
+  </p:clrMapOvr>
+</p:sld>
+</file>
+
+<file path=ppt/slides/slide17.xml><?xml version="1.0" encoding="utf-8"?>
+<p:sld xmlns:a="http://schemas.openxmlformats.org/drawingml/2006/main" xmlns:r="http://schemas.openxmlformats.org/officeDocument/2006/relationships" xmlns:p="http://schemas.openxmlformats.org/presentationml/2006/main">
+  <p:cSld>
+    <p:spTree>
+      <p:nvGrpSpPr>
         <p:cNvPr id="1" name=""/>
         <p:cNvGrpSpPr/>
         <p:nvPr/>
@@ -6397,7 +8318,7 @@
 </p:sld>
 </file>
 
-<file path=ppt/slides/slide15.xml><?xml version="1.0" encoding="utf-8"?>
+<file path=ppt/slides/slide18.xml><?xml version="1.0" encoding="utf-8"?>
 <p:sld xmlns:a="http://schemas.openxmlformats.org/drawingml/2006/main" xmlns:r="http://schemas.openxmlformats.org/officeDocument/2006/relationships" xmlns:p="http://schemas.openxmlformats.org/presentationml/2006/main">
   <p:cSld>
     <p:spTree>
@@ -6526,7 +8447,7 @@
 </p:sld>
 </file>
 
-<file path=ppt/slides/slide16.xml><?xml version="1.0" encoding="utf-8"?>
+<file path=ppt/slides/slide19.xml><?xml version="1.0" encoding="utf-8"?>
 <p:sld xmlns:a="http://schemas.openxmlformats.org/drawingml/2006/main" xmlns:r="http://schemas.openxmlformats.org/officeDocument/2006/relationships" xmlns:p="http://schemas.openxmlformats.org/presentationml/2006/main">
   <p:cSld>
     <p:spTree>
@@ -6612,7 +8533,93 @@
 </p:sld>
 </file>
 
-<file path=ppt/slides/slide17.xml><?xml version="1.0" encoding="utf-8"?>
+<file path=ppt/slides/slide2.xml><?xml version="1.0" encoding="utf-8"?>
+<p:sld xmlns:a="http://schemas.openxmlformats.org/drawingml/2006/main" xmlns:r="http://schemas.openxmlformats.org/officeDocument/2006/relationships" xmlns:p="http://schemas.openxmlformats.org/presentationml/2006/main">
+  <p:cSld>
+    <p:spTree>
+      <p:nvGrpSpPr>
+        <p:cNvPr id="1" name=""/>
+        <p:cNvGrpSpPr/>
+        <p:nvPr/>
+      </p:nvGrpSpPr>
+      <p:grpSpPr>
+        <a:xfrm>
+          <a:off x="0" y="0"/>
+          <a:ext cx="0" cy="0"/>
+          <a:chOff x="0" y="0"/>
+          <a:chExt cx="0" cy="0"/>
+        </a:xfrm>
+      </p:grpSpPr>
+      <p:sp>
+        <p:nvSpPr>
+          <p:cNvPr id="2" name="Title 1"/>
+          <p:cNvSpPr>
+            <a:spLocks noGrp="1"/>
+          </p:cNvSpPr>
+          <p:nvPr>
+            <p:ph type="title"/>
+          </p:nvPr>
+        </p:nvSpPr>
+        <p:spPr/>
+        <p:txBody>
+          <a:bodyPr/>
+          <a:lstStyle/>
+          <a:p>
+            <a:r>
+              <a:rPr lang="en-US" dirty="0"/>
+              <a:t>Agenda</a:t>
+            </a:r>
+          </a:p>
+        </p:txBody>
+      </p:sp>
+      <p:sp>
+        <p:nvSpPr>
+          <p:cNvPr id="3" name="Content Placeholder 2"/>
+          <p:cNvSpPr>
+            <a:spLocks noGrp="1"/>
+          </p:cNvSpPr>
+          <p:nvPr>
+            <p:ph idx="1"/>
+          </p:nvPr>
+        </p:nvSpPr>
+        <p:spPr/>
+        <p:txBody>
+          <a:bodyPr/>
+          <a:lstStyle/>
+          <a:p>
+            <a:r>
+              <a:rPr lang="en-US" dirty="0"/>
+              <a:t>Coding Conventions, Style, Grading</a:t>
+            </a:r>
+          </a:p>
+          <a:p>
+            <a:r>
+              <a:rPr lang="en-US" dirty="0"/>
+              <a:t>Debugging</a:t>
+            </a:r>
+          </a:p>
+          <a:p>
+            <a:r>
+              <a:rPr lang="en-US" dirty="0"/>
+              <a:t>Objects and Classes</a:t>
+            </a:r>
+          </a:p>
+        </p:txBody>
+      </p:sp>
+    </p:spTree>
+    <p:extLst>
+      <p:ext uri="{BB962C8B-B14F-4D97-AF65-F5344CB8AC3E}">
+        <p14:creationId xmlns:p14="http://schemas.microsoft.com/office/powerpoint/2010/main" val="4273818967"/>
+      </p:ext>
+    </p:extLst>
+  </p:cSld>
+  <p:clrMapOvr>
+    <a:masterClrMapping/>
+  </p:clrMapOvr>
+</p:sld>
+</file>
+
+<file path=ppt/slides/slide20.xml><?xml version="1.0" encoding="utf-8"?>
 <p:sld xmlns:a="http://schemas.openxmlformats.org/drawingml/2006/main" xmlns:r="http://schemas.openxmlformats.org/officeDocument/2006/relationships" xmlns:p="http://schemas.openxmlformats.org/presentationml/2006/main">
   <p:cSld>
     <p:spTree>
@@ -6947,360 +8954,6 @@
 </p:sld>
 </file>
 
-<file path=ppt/slides/slide18.xml><?xml version="1.0" encoding="utf-8"?>
-<p:sld xmlns:a="http://schemas.openxmlformats.org/drawingml/2006/main" xmlns:r="http://schemas.openxmlformats.org/officeDocument/2006/relationships" xmlns:p="http://schemas.openxmlformats.org/presentationml/2006/main">
-  <p:cSld>
-    <p:spTree>
-      <p:nvGrpSpPr>
-        <p:cNvPr id="1" name=""/>
-        <p:cNvGrpSpPr/>
-        <p:nvPr/>
-      </p:nvGrpSpPr>
-      <p:grpSpPr>
-        <a:xfrm>
-          <a:off x="0" y="0"/>
-          <a:ext cx="0" cy="0"/>
-          <a:chOff x="0" y="0"/>
-          <a:chExt cx="0" cy="0"/>
-        </a:xfrm>
-      </p:grpSpPr>
-      <p:sp>
-        <p:nvSpPr>
-          <p:cNvPr id="2" name="Title 1"/>
-          <p:cNvSpPr>
-            <a:spLocks noGrp="1"/>
-          </p:cNvSpPr>
-          <p:nvPr>
-            <p:ph type="title"/>
-          </p:nvPr>
-        </p:nvSpPr>
-        <p:spPr/>
-        <p:txBody>
-          <a:bodyPr/>
-          <a:lstStyle/>
-          <a:p>
-            <a:r>
-              <a:rPr lang="en-US" dirty="0"/>
-              <a:t>Agenda</a:t>
-            </a:r>
-          </a:p>
-        </p:txBody>
-      </p:sp>
-      <p:sp>
-        <p:nvSpPr>
-          <p:cNvPr id="3" name="Content Placeholder 2"/>
-          <p:cNvSpPr>
-            <a:spLocks noGrp="1"/>
-          </p:cNvSpPr>
-          <p:nvPr>
-            <p:ph idx="1"/>
-          </p:nvPr>
-        </p:nvSpPr>
-        <p:spPr/>
-        <p:txBody>
-          <a:bodyPr/>
-          <a:lstStyle/>
-          <a:p>
-            <a:r>
-              <a:rPr lang="en-US" strike="sngStrike" dirty="0"/>
-              <a:t>Coding Conventions, Style, Grading</a:t>
-            </a:r>
-          </a:p>
-          <a:p>
-            <a:r>
-              <a:rPr lang="en-US" strike="sngStrike" dirty="0"/>
-              <a:t>Debugging</a:t>
-            </a:r>
-          </a:p>
-          <a:p>
-            <a:r>
-              <a:rPr lang="en-US" dirty="0"/>
-              <a:t>Objects and Classes</a:t>
-            </a:r>
-          </a:p>
-        </p:txBody>
-      </p:sp>
-    </p:spTree>
-    <p:extLst>
-      <p:ext uri="{BB962C8B-B14F-4D97-AF65-F5344CB8AC3E}">
-        <p14:creationId xmlns:p14="http://schemas.microsoft.com/office/powerpoint/2010/main" val="1338212096"/>
-      </p:ext>
-    </p:extLst>
-  </p:cSld>
-  <p:clrMapOvr>
-    <a:masterClrMapping/>
-  </p:clrMapOvr>
-</p:sld>
-</file>
-
-<file path=ppt/slides/slide19.xml><?xml version="1.0" encoding="utf-8"?>
-<p:sld xmlns:a="http://schemas.openxmlformats.org/drawingml/2006/main" xmlns:r="http://schemas.openxmlformats.org/officeDocument/2006/relationships" xmlns:p="http://schemas.openxmlformats.org/presentationml/2006/main">
-  <p:cSld>
-    <p:spTree>
-      <p:nvGrpSpPr>
-        <p:cNvPr id="1" name=""/>
-        <p:cNvGrpSpPr/>
-        <p:nvPr/>
-      </p:nvGrpSpPr>
-      <p:grpSpPr>
-        <a:xfrm>
-          <a:off x="0" y="0"/>
-          <a:ext cx="0" cy="0"/>
-          <a:chOff x="0" y="0"/>
-          <a:chExt cx="0" cy="0"/>
-        </a:xfrm>
-      </p:grpSpPr>
-      <p:sp>
-        <p:nvSpPr>
-          <p:cNvPr id="4" name="Title 3"/>
-          <p:cNvSpPr>
-            <a:spLocks noGrp="1"/>
-          </p:cNvSpPr>
-          <p:nvPr>
-            <p:ph type="ctrTitle"/>
-          </p:nvPr>
-        </p:nvSpPr>
-        <p:spPr/>
-        <p:txBody>
-          <a:bodyPr/>
-          <a:lstStyle/>
-          <a:p>
-            <a:r>
-              <a:rPr lang="en-US" dirty="0"/>
-              <a:t>Object Basics</a:t>
-            </a:r>
-          </a:p>
-        </p:txBody>
-      </p:sp>
-      <p:sp>
-        <p:nvSpPr>
-          <p:cNvPr id="5" name="Subtitle 4"/>
-          <p:cNvSpPr>
-            <a:spLocks noGrp="1"/>
-          </p:cNvSpPr>
-          <p:nvPr>
-            <p:ph type="subTitle" idx="1"/>
-          </p:nvPr>
-        </p:nvSpPr>
-        <p:spPr/>
-        <p:txBody>
-          <a:bodyPr/>
-          <a:lstStyle/>
-          <a:p>
-            <a:endParaRPr lang="en-US"/>
-          </a:p>
-        </p:txBody>
-      </p:sp>
-    </p:spTree>
-    <p:extLst>
-      <p:ext uri="{BB962C8B-B14F-4D97-AF65-F5344CB8AC3E}">
-        <p14:creationId xmlns:p14="http://schemas.microsoft.com/office/powerpoint/2010/main" val="3070909107"/>
-      </p:ext>
-    </p:extLst>
-  </p:cSld>
-  <p:clrMapOvr>
-    <a:masterClrMapping/>
-  </p:clrMapOvr>
-</p:sld>
-</file>
-
-<file path=ppt/slides/slide2.xml><?xml version="1.0" encoding="utf-8"?>
-<p:sld xmlns:a="http://schemas.openxmlformats.org/drawingml/2006/main" xmlns:r="http://schemas.openxmlformats.org/officeDocument/2006/relationships" xmlns:p="http://schemas.openxmlformats.org/presentationml/2006/main">
-  <p:cSld>
-    <p:spTree>
-      <p:nvGrpSpPr>
-        <p:cNvPr id="1" name=""/>
-        <p:cNvGrpSpPr/>
-        <p:nvPr/>
-      </p:nvGrpSpPr>
-      <p:grpSpPr>
-        <a:xfrm>
-          <a:off x="0" y="0"/>
-          <a:ext cx="0" cy="0"/>
-          <a:chOff x="0" y="0"/>
-          <a:chExt cx="0" cy="0"/>
-        </a:xfrm>
-      </p:grpSpPr>
-      <p:sp>
-        <p:nvSpPr>
-          <p:cNvPr id="2" name="Title 1"/>
-          <p:cNvSpPr>
-            <a:spLocks noGrp="1"/>
-          </p:cNvSpPr>
-          <p:nvPr>
-            <p:ph type="title"/>
-          </p:nvPr>
-        </p:nvSpPr>
-        <p:spPr/>
-        <p:txBody>
-          <a:bodyPr/>
-          <a:lstStyle/>
-          <a:p>
-            <a:r>
-              <a:rPr lang="en-US" dirty="0"/>
-              <a:t>Agenda</a:t>
-            </a:r>
-          </a:p>
-        </p:txBody>
-      </p:sp>
-      <p:sp>
-        <p:nvSpPr>
-          <p:cNvPr id="3" name="Content Placeholder 2"/>
-          <p:cNvSpPr>
-            <a:spLocks noGrp="1"/>
-          </p:cNvSpPr>
-          <p:nvPr>
-            <p:ph idx="1"/>
-          </p:nvPr>
-        </p:nvSpPr>
-        <p:spPr/>
-        <p:txBody>
-          <a:bodyPr/>
-          <a:lstStyle/>
-          <a:p>
-            <a:r>
-              <a:rPr lang="en-US" dirty="0"/>
-              <a:t>Coding Conventions, Style, Grading</a:t>
-            </a:r>
-          </a:p>
-          <a:p>
-            <a:r>
-              <a:rPr lang="en-US" dirty="0"/>
-              <a:t>Debugging</a:t>
-            </a:r>
-          </a:p>
-          <a:p>
-            <a:r>
-              <a:rPr lang="en-US" dirty="0"/>
-              <a:t>Objects and Classes</a:t>
-            </a:r>
-          </a:p>
-        </p:txBody>
-      </p:sp>
-    </p:spTree>
-    <p:extLst>
-      <p:ext uri="{BB962C8B-B14F-4D97-AF65-F5344CB8AC3E}">
-        <p14:creationId xmlns:p14="http://schemas.microsoft.com/office/powerpoint/2010/main" val="4273818967"/>
-      </p:ext>
-    </p:extLst>
-  </p:cSld>
-  <p:clrMapOvr>
-    <a:masterClrMapping/>
-  </p:clrMapOvr>
-</p:sld>
-</file>
-
-<file path=ppt/slides/slide20.xml><?xml version="1.0" encoding="utf-8"?>
-<p:sld xmlns:a="http://schemas.openxmlformats.org/drawingml/2006/main" xmlns:r="http://schemas.openxmlformats.org/officeDocument/2006/relationships" xmlns:p="http://schemas.openxmlformats.org/presentationml/2006/main">
-  <p:cSld>
-    <p:spTree>
-      <p:nvGrpSpPr>
-        <p:cNvPr id="1" name=""/>
-        <p:cNvGrpSpPr/>
-        <p:nvPr/>
-      </p:nvGrpSpPr>
-      <p:grpSpPr>
-        <a:xfrm>
-          <a:off x="0" y="0"/>
-          <a:ext cx="0" cy="0"/>
-          <a:chOff x="0" y="0"/>
-          <a:chExt cx="0" cy="0"/>
-        </a:xfrm>
-      </p:grpSpPr>
-      <p:sp>
-        <p:nvSpPr>
-          <p:cNvPr id="2" name="Title 1"/>
-          <p:cNvSpPr>
-            <a:spLocks noGrp="1"/>
-          </p:cNvSpPr>
-          <p:nvPr>
-            <p:ph type="title"/>
-          </p:nvPr>
-        </p:nvSpPr>
-        <p:spPr/>
-        <p:txBody>
-          <a:bodyPr>
-            <a:normAutofit/>
-          </a:bodyPr>
-          <a:lstStyle/>
-          <a:p>
-            <a:r>
-              <a:rPr lang="en-US" dirty="0"/>
-              <a:t>Class – What, When, Why, &amp; How?</a:t>
-            </a:r>
-          </a:p>
-        </p:txBody>
-      </p:sp>
-      <p:sp>
-        <p:nvSpPr>
-          <p:cNvPr id="3" name="Content Placeholder 2"/>
-          <p:cNvSpPr>
-            <a:spLocks noGrp="1"/>
-          </p:cNvSpPr>
-          <p:nvPr>
-            <p:ph idx="1"/>
-          </p:nvPr>
-        </p:nvSpPr>
-        <p:spPr/>
-        <p:txBody>
-          <a:bodyPr/>
-          <a:lstStyle/>
-          <a:p>
-            <a:pPr marL="0" indent="0">
-              <a:buNone/>
-            </a:pPr>
-            <a:r>
-              <a:rPr lang="en-US" dirty="0"/>
-              <a:t>What:</a:t>
-            </a:r>
-          </a:p>
-          <a:p>
-            <a:r>
-              <a:rPr lang="en-US" dirty="0"/>
-              <a:t>A blueprint for a custom </a:t>
-            </a:r>
-            <a:r>
-              <a:rPr lang="en-US" b="1" dirty="0"/>
-              <a:t>type</a:t>
-            </a:r>
-            <a:endParaRPr lang="en-US" dirty="0"/>
-          </a:p>
-          <a:p>
-            <a:pPr marL="0" indent="0">
-              <a:buNone/>
-            </a:pPr>
-            <a:r>
-              <a:rPr lang="en-US" dirty="0"/>
-              <a:t>When:</a:t>
-            </a:r>
-          </a:p>
-          <a:p>
-            <a:r>
-              <a:rPr lang="en-US" dirty="0"/>
-              <a:t>Define a class when you’re representing a concept (think nouns)</a:t>
-            </a:r>
-          </a:p>
-          <a:p>
-            <a:r>
-              <a:rPr lang="en-US" dirty="0"/>
-              <a:t>When no other existing type can do what you want/need</a:t>
-            </a:r>
-          </a:p>
-        </p:txBody>
-      </p:sp>
-    </p:spTree>
-    <p:extLst>
-      <p:ext uri="{BB962C8B-B14F-4D97-AF65-F5344CB8AC3E}">
-        <p14:creationId xmlns:p14="http://schemas.microsoft.com/office/powerpoint/2010/main" val="2434022835"/>
-      </p:ext>
-    </p:extLst>
-  </p:cSld>
-  <p:clrMapOvr>
-    <a:masterClrMapping/>
-  </p:clrMapOvr>
-</p:sld>
-</file>
-
 <file path=ppt/slides/slide21.xml><?xml version="1.0" encoding="utf-8"?>
 <p:sld xmlns:a="http://schemas.openxmlformats.org/drawingml/2006/main" xmlns:r="http://schemas.openxmlformats.org/officeDocument/2006/relationships" xmlns:p="http://schemas.openxmlformats.org/presentationml/2006/main">
   <p:cSld>
@@ -7335,6 +8988,274 @@
           <a:p>
             <a:r>
               <a:rPr lang="en-US" dirty="0"/>
+              <a:t>Agenda</a:t>
+            </a:r>
+          </a:p>
+        </p:txBody>
+      </p:sp>
+      <p:sp>
+        <p:nvSpPr>
+          <p:cNvPr id="3" name="Content Placeholder 2"/>
+          <p:cNvSpPr>
+            <a:spLocks noGrp="1"/>
+          </p:cNvSpPr>
+          <p:nvPr>
+            <p:ph idx="1"/>
+          </p:nvPr>
+        </p:nvSpPr>
+        <p:spPr/>
+        <p:txBody>
+          <a:bodyPr/>
+          <a:lstStyle/>
+          <a:p>
+            <a:r>
+              <a:rPr lang="en-US" strike="sngStrike" dirty="0"/>
+              <a:t>Coding Conventions, Style, Grading</a:t>
+            </a:r>
+          </a:p>
+          <a:p>
+            <a:r>
+              <a:rPr lang="en-US" strike="sngStrike" dirty="0"/>
+              <a:t>Debugging</a:t>
+            </a:r>
+          </a:p>
+          <a:p>
+            <a:r>
+              <a:rPr lang="en-US" dirty="0"/>
+              <a:t>Objects and Classes</a:t>
+            </a:r>
+          </a:p>
+        </p:txBody>
+      </p:sp>
+    </p:spTree>
+    <p:extLst>
+      <p:ext uri="{BB962C8B-B14F-4D97-AF65-F5344CB8AC3E}">
+        <p14:creationId xmlns:p14="http://schemas.microsoft.com/office/powerpoint/2010/main" val="1338212096"/>
+      </p:ext>
+    </p:extLst>
+  </p:cSld>
+  <p:clrMapOvr>
+    <a:masterClrMapping/>
+  </p:clrMapOvr>
+</p:sld>
+</file>
+
+<file path=ppt/slides/slide22.xml><?xml version="1.0" encoding="utf-8"?>
+<p:sld xmlns:a="http://schemas.openxmlformats.org/drawingml/2006/main" xmlns:r="http://schemas.openxmlformats.org/officeDocument/2006/relationships" xmlns:p="http://schemas.openxmlformats.org/presentationml/2006/main">
+  <p:cSld>
+    <p:spTree>
+      <p:nvGrpSpPr>
+        <p:cNvPr id="1" name=""/>
+        <p:cNvGrpSpPr/>
+        <p:nvPr/>
+      </p:nvGrpSpPr>
+      <p:grpSpPr>
+        <a:xfrm>
+          <a:off x="0" y="0"/>
+          <a:ext cx="0" cy="0"/>
+          <a:chOff x="0" y="0"/>
+          <a:chExt cx="0" cy="0"/>
+        </a:xfrm>
+      </p:grpSpPr>
+      <p:sp>
+        <p:nvSpPr>
+          <p:cNvPr id="4" name="Title 3"/>
+          <p:cNvSpPr>
+            <a:spLocks noGrp="1"/>
+          </p:cNvSpPr>
+          <p:nvPr>
+            <p:ph type="ctrTitle"/>
+          </p:nvPr>
+        </p:nvSpPr>
+        <p:spPr/>
+        <p:txBody>
+          <a:bodyPr/>
+          <a:lstStyle/>
+          <a:p>
+            <a:r>
+              <a:rPr lang="en-US" dirty="0"/>
+              <a:t>Object Basics</a:t>
+            </a:r>
+          </a:p>
+        </p:txBody>
+      </p:sp>
+      <p:sp>
+        <p:nvSpPr>
+          <p:cNvPr id="5" name="Subtitle 4"/>
+          <p:cNvSpPr>
+            <a:spLocks noGrp="1"/>
+          </p:cNvSpPr>
+          <p:nvPr>
+            <p:ph type="subTitle" idx="1"/>
+          </p:nvPr>
+        </p:nvSpPr>
+        <p:spPr/>
+        <p:txBody>
+          <a:bodyPr/>
+          <a:lstStyle/>
+          <a:p>
+            <a:endParaRPr lang="en-US"/>
+          </a:p>
+        </p:txBody>
+      </p:sp>
+    </p:spTree>
+    <p:extLst>
+      <p:ext uri="{BB962C8B-B14F-4D97-AF65-F5344CB8AC3E}">
+        <p14:creationId xmlns:p14="http://schemas.microsoft.com/office/powerpoint/2010/main" val="3070909107"/>
+      </p:ext>
+    </p:extLst>
+  </p:cSld>
+  <p:clrMapOvr>
+    <a:masterClrMapping/>
+  </p:clrMapOvr>
+</p:sld>
+</file>
+
+<file path=ppt/slides/slide23.xml><?xml version="1.0" encoding="utf-8"?>
+<p:sld xmlns:a="http://schemas.openxmlformats.org/drawingml/2006/main" xmlns:r="http://schemas.openxmlformats.org/officeDocument/2006/relationships" xmlns:p="http://schemas.openxmlformats.org/presentationml/2006/main">
+  <p:cSld>
+    <p:spTree>
+      <p:nvGrpSpPr>
+        <p:cNvPr id="1" name=""/>
+        <p:cNvGrpSpPr/>
+        <p:nvPr/>
+      </p:nvGrpSpPr>
+      <p:grpSpPr>
+        <a:xfrm>
+          <a:off x="0" y="0"/>
+          <a:ext cx="0" cy="0"/>
+          <a:chOff x="0" y="0"/>
+          <a:chExt cx="0" cy="0"/>
+        </a:xfrm>
+      </p:grpSpPr>
+      <p:sp>
+        <p:nvSpPr>
+          <p:cNvPr id="2" name="Title 1"/>
+          <p:cNvSpPr>
+            <a:spLocks noGrp="1"/>
+          </p:cNvSpPr>
+          <p:nvPr>
+            <p:ph type="title"/>
+          </p:nvPr>
+        </p:nvSpPr>
+        <p:spPr/>
+        <p:txBody>
+          <a:bodyPr>
+            <a:normAutofit/>
+          </a:bodyPr>
+          <a:lstStyle/>
+          <a:p>
+            <a:r>
+              <a:rPr lang="en-US" dirty="0"/>
+              <a:t>Class – What, When, Why, &amp; How?</a:t>
+            </a:r>
+          </a:p>
+        </p:txBody>
+      </p:sp>
+      <p:sp>
+        <p:nvSpPr>
+          <p:cNvPr id="3" name="Content Placeholder 2"/>
+          <p:cNvSpPr>
+            <a:spLocks noGrp="1"/>
+          </p:cNvSpPr>
+          <p:nvPr>
+            <p:ph idx="1"/>
+          </p:nvPr>
+        </p:nvSpPr>
+        <p:spPr/>
+        <p:txBody>
+          <a:bodyPr/>
+          <a:lstStyle/>
+          <a:p>
+            <a:pPr marL="0" indent="0">
+              <a:buNone/>
+            </a:pPr>
+            <a:r>
+              <a:rPr lang="en-US" dirty="0"/>
+              <a:t>What:</a:t>
+            </a:r>
+          </a:p>
+          <a:p>
+            <a:r>
+              <a:rPr lang="en-US" dirty="0"/>
+              <a:t>A blueprint for a custom </a:t>
+            </a:r>
+            <a:r>
+              <a:rPr lang="en-US" b="1" dirty="0"/>
+              <a:t>type</a:t>
+            </a:r>
+            <a:endParaRPr lang="en-US" dirty="0"/>
+          </a:p>
+          <a:p>
+            <a:pPr marL="0" indent="0">
+              <a:buNone/>
+            </a:pPr>
+            <a:r>
+              <a:rPr lang="en-US" dirty="0"/>
+              <a:t>When:</a:t>
+            </a:r>
+          </a:p>
+          <a:p>
+            <a:r>
+              <a:rPr lang="en-US" dirty="0"/>
+              <a:t>Define a class when you’re representing a concept (think nouns)</a:t>
+            </a:r>
+          </a:p>
+          <a:p>
+            <a:r>
+              <a:rPr lang="en-US" dirty="0"/>
+              <a:t>When no other existing type can do what you want/need</a:t>
+            </a:r>
+          </a:p>
+        </p:txBody>
+      </p:sp>
+    </p:spTree>
+    <p:extLst>
+      <p:ext uri="{BB962C8B-B14F-4D97-AF65-F5344CB8AC3E}">
+        <p14:creationId xmlns:p14="http://schemas.microsoft.com/office/powerpoint/2010/main" val="2434022835"/>
+      </p:ext>
+    </p:extLst>
+  </p:cSld>
+  <p:clrMapOvr>
+    <a:masterClrMapping/>
+  </p:clrMapOvr>
+</p:sld>
+</file>
+
+<file path=ppt/slides/slide24.xml><?xml version="1.0" encoding="utf-8"?>
+<p:sld xmlns:a="http://schemas.openxmlformats.org/drawingml/2006/main" xmlns:r="http://schemas.openxmlformats.org/officeDocument/2006/relationships" xmlns:p="http://schemas.openxmlformats.org/presentationml/2006/main">
+  <p:cSld>
+    <p:spTree>
+      <p:nvGrpSpPr>
+        <p:cNvPr id="1" name=""/>
+        <p:cNvGrpSpPr/>
+        <p:nvPr/>
+      </p:nvGrpSpPr>
+      <p:grpSpPr>
+        <a:xfrm>
+          <a:off x="0" y="0"/>
+          <a:ext cx="0" cy="0"/>
+          <a:chOff x="0" y="0"/>
+          <a:chExt cx="0" cy="0"/>
+        </a:xfrm>
+      </p:grpSpPr>
+      <p:sp>
+        <p:nvSpPr>
+          <p:cNvPr id="2" name="Title 1"/>
+          <p:cNvSpPr>
+            <a:spLocks noGrp="1"/>
+          </p:cNvSpPr>
+          <p:nvPr>
+            <p:ph type="title"/>
+          </p:nvPr>
+        </p:nvSpPr>
+        <p:spPr/>
+        <p:txBody>
+          <a:bodyPr/>
+          <a:lstStyle/>
+          <a:p>
+            <a:r>
+              <a:rPr lang="en-US" dirty="0"/>
               <a:t>Class – What, When, Why, &amp; How?</a:t>
             </a:r>
           </a:p>
@@ -7491,7 +9412,7 @@
 </p:sld>
 </file>
 
-<file path=ppt/slides/slide22.xml><?xml version="1.0" encoding="utf-8"?>
+<file path=ppt/slides/slide25.xml><?xml version="1.0" encoding="utf-8"?>
 <p:sld xmlns:a="http://schemas.openxmlformats.org/drawingml/2006/main" xmlns:r="http://schemas.openxmlformats.org/officeDocument/2006/relationships" xmlns:p="http://schemas.openxmlformats.org/presentationml/2006/main">
   <p:cSld>
     <p:spTree>
@@ -8182,7 +10103,7 @@
 </p:sld>
 </file>
 
-<file path=ppt/slides/slide23.xml><?xml version="1.0" encoding="utf-8"?>
+<file path=ppt/slides/slide26.xml><?xml version="1.0" encoding="utf-8"?>
 <p:sld xmlns:a="http://schemas.openxmlformats.org/drawingml/2006/main" xmlns:r="http://schemas.openxmlformats.org/officeDocument/2006/relationships" xmlns:p="http://schemas.openxmlformats.org/presentationml/2006/main">
   <p:cSld>
     <p:spTree>
@@ -8310,7 +10231,7 @@
 </p:sld>
 </file>
 
-<file path=ppt/slides/slide24.xml><?xml version="1.0" encoding="utf-8"?>
+<file path=ppt/slides/slide27.xml><?xml version="1.0" encoding="utf-8"?>
 <p:sld xmlns:a="http://schemas.openxmlformats.org/drawingml/2006/main" xmlns:r="http://schemas.openxmlformats.org/officeDocument/2006/relationships" xmlns:p="http://schemas.openxmlformats.org/presentationml/2006/main">
   <p:cSld>
     <p:spTree>
@@ -8692,7 +10613,7 @@
 </p:sld>
 </file>
 
-<file path=ppt/slides/slide25.xml><?xml version="1.0" encoding="utf-8"?>
+<file path=ppt/slides/slide28.xml><?xml version="1.0" encoding="utf-8"?>
 <p:sld xmlns:a="http://schemas.openxmlformats.org/drawingml/2006/main" xmlns:r="http://schemas.openxmlformats.org/officeDocument/2006/relationships" xmlns:p="http://schemas.openxmlformats.org/presentationml/2006/main">
   <p:cSld>
     <p:spTree>
@@ -8859,7 +10780,7 @@
 </p:sld>
 </file>
 
-<file path=ppt/slides/slide26.xml><?xml version="1.0" encoding="utf-8"?>
+<file path=ppt/slides/slide29.xml><?xml version="1.0" encoding="utf-8"?>
 <p:sld xmlns:a="http://schemas.openxmlformats.org/drawingml/2006/main" xmlns:r="http://schemas.openxmlformats.org/officeDocument/2006/relationships" xmlns:p="http://schemas.openxmlformats.org/presentationml/2006/main">
   <p:cSld>
     <p:spTree>
@@ -8895,7 +10816,7 @@
           </a:ln>
           <a:extLst>
             <a:ext uri="{C572A759-6A51-4108-AA02-DFA0A04FC94B}">
-              <ma14:wrappingTextBoxFlag xmlns:ma14="http://schemas.microsoft.com/office/mac/drawingml/2011/main" xmlns="" val="1"/>
+              <ma14:wrappingTextBoxFlag xmlns="" xmlns:ma14="http://schemas.microsoft.com/office/mac/drawingml/2011/main" val="1"/>
             </a:ext>
           </a:extLst>
         </p:spPr>
@@ -9117,7 +11038,7 @@
               <a:effectLst/>
               <a:extLst>
                 <a:ext uri="{C572A759-6A51-4108-AA02-DFA0A04FC94B}">
-                  <ma14:wrappingTextBoxFlag xmlns:ma14="http://schemas.microsoft.com/office/mac/drawingml/2011/main" xmlns="" val="1"/>
+                  <ma14:wrappingTextBoxFlag xmlns="" xmlns:ma14="http://schemas.microsoft.com/office/mac/drawingml/2011/main" val="1"/>
                 </a:ext>
               </a:extLst>
             </p:spPr>
@@ -9296,7 +11217,7 @@
               <a:effectLst/>
               <a:extLst>
                 <a:ext uri="{C572A759-6A51-4108-AA02-DFA0A04FC94B}">
-                  <ma14:wrappingTextBoxFlag xmlns:ma14="http://schemas.microsoft.com/office/mac/drawingml/2011/main" xmlns="" val="1"/>
+                  <ma14:wrappingTextBoxFlag xmlns="" xmlns:ma14="http://schemas.microsoft.com/office/mac/drawingml/2011/main" val="1"/>
                 </a:ext>
               </a:extLst>
             </p:spPr>
@@ -9466,7 +11387,7 @@
               <a:effectLst/>
               <a:extLst>
                 <a:ext uri="{C572A759-6A51-4108-AA02-DFA0A04FC94B}">
-                  <ma14:wrappingTextBoxFlag xmlns:ma14="http://schemas.microsoft.com/office/mac/drawingml/2011/main" xmlns="" val="1"/>
+                  <ma14:wrappingTextBoxFlag xmlns="" xmlns:ma14="http://schemas.microsoft.com/office/mac/drawingml/2011/main" val="1"/>
                 </a:ext>
               </a:extLst>
             </p:spPr>
@@ -9654,7 +11575,7 @@
               <a:effectLst/>
               <a:extLst>
                 <a:ext uri="{C572A759-6A51-4108-AA02-DFA0A04FC94B}">
-                  <ma14:wrappingTextBoxFlag xmlns:ma14="http://schemas.microsoft.com/office/mac/drawingml/2011/main" xmlns="" val="1"/>
+                  <ma14:wrappingTextBoxFlag xmlns="" xmlns:ma14="http://schemas.microsoft.com/office/mac/drawingml/2011/main" val="1"/>
                 </a:ext>
               </a:extLst>
             </p:spPr>
@@ -9799,7 +11720,7 @@
             <a:effectLst/>
             <a:extLst>
               <a:ext uri="{C572A759-6A51-4108-AA02-DFA0A04FC94B}">
-                <ma14:wrappingTextBoxFlag xmlns:ma14="http://schemas.microsoft.com/office/mac/drawingml/2011/main" xmlns="" val="1"/>
+                <ma14:wrappingTextBoxFlag xmlns="" xmlns:ma14="http://schemas.microsoft.com/office/mac/drawingml/2011/main" val="1"/>
               </a:ext>
             </a:extLst>
           </p:spPr>
@@ -9870,7 +11791,81 @@
 </p:sld>
 </file>
 
-<file path=ppt/slides/slide27.xml><?xml version="1.0" encoding="utf-8"?>
+<file path=ppt/slides/slide3.xml><?xml version="1.0" encoding="utf-8"?>
+<p:sld xmlns:a="http://schemas.openxmlformats.org/drawingml/2006/main" xmlns:r="http://schemas.openxmlformats.org/officeDocument/2006/relationships" xmlns:p="http://schemas.openxmlformats.org/presentationml/2006/main">
+  <p:cSld>
+    <p:spTree>
+      <p:nvGrpSpPr>
+        <p:cNvPr id="1" name=""/>
+        <p:cNvGrpSpPr/>
+        <p:nvPr/>
+      </p:nvGrpSpPr>
+      <p:grpSpPr>
+        <a:xfrm>
+          <a:off x="0" y="0"/>
+          <a:ext cx="0" cy="0"/>
+          <a:chOff x="0" y="0"/>
+          <a:chExt cx="0" cy="0"/>
+        </a:xfrm>
+      </p:grpSpPr>
+      <p:sp>
+        <p:nvSpPr>
+          <p:cNvPr id="4" name="Title 3"/>
+          <p:cNvSpPr>
+            <a:spLocks noGrp="1"/>
+          </p:cNvSpPr>
+          <p:nvPr>
+            <p:ph type="ctrTitle"/>
+          </p:nvPr>
+        </p:nvSpPr>
+        <p:spPr/>
+        <p:txBody>
+          <a:bodyPr/>
+          <a:lstStyle/>
+          <a:p>
+            <a:r>
+              <a:rPr lang="en-US" dirty="0"/>
+              <a:t>Writing clean code</a:t>
+            </a:r>
+          </a:p>
+        </p:txBody>
+      </p:sp>
+      <p:sp>
+        <p:nvSpPr>
+          <p:cNvPr id="5" name="Subtitle 4"/>
+          <p:cNvSpPr>
+            <a:spLocks noGrp="1"/>
+          </p:cNvSpPr>
+          <p:nvPr>
+            <p:ph type="subTitle" idx="1"/>
+          </p:nvPr>
+        </p:nvSpPr>
+        <p:spPr/>
+        <p:txBody>
+          <a:bodyPr/>
+          <a:lstStyle/>
+          <a:p>
+            <a:r>
+              <a:rPr lang="en-US" dirty="0"/>
+              <a:t>Comments are only the last resort</a:t>
+            </a:r>
+          </a:p>
+        </p:txBody>
+      </p:sp>
+    </p:spTree>
+    <p:extLst>
+      <p:ext uri="{BB962C8B-B14F-4D97-AF65-F5344CB8AC3E}">
+        <p14:creationId xmlns:p14="http://schemas.microsoft.com/office/powerpoint/2010/main" val="103186050"/>
+      </p:ext>
+    </p:extLst>
+  </p:cSld>
+  <p:clrMapOvr>
+    <a:masterClrMapping/>
+  </p:clrMapOvr>
+</p:sld>
+</file>
+
+<file path=ppt/slides/slide30.xml><?xml version="1.0" encoding="utf-8"?>
 <p:sld xmlns:a="http://schemas.openxmlformats.org/drawingml/2006/main" xmlns:r="http://schemas.openxmlformats.org/officeDocument/2006/relationships" xmlns:p="http://schemas.openxmlformats.org/presentationml/2006/main">
   <p:cSld>
     <p:spTree>
@@ -10008,7 +12003,7 @@
 </p:sld>
 </file>
 
-<file path=ppt/slides/slide28.xml><?xml version="1.0" encoding="utf-8"?>
+<file path=ppt/slides/slide31.xml><?xml version="1.0" encoding="utf-8"?>
 <p:sld xmlns:a="http://schemas.openxmlformats.org/drawingml/2006/main" xmlns:r="http://schemas.openxmlformats.org/officeDocument/2006/relationships" xmlns:p="http://schemas.openxmlformats.org/presentationml/2006/main">
   <p:cSld>
     <p:spTree>
@@ -10188,7 +12183,7 @@
 </p:sld>
 </file>
 
-<file path=ppt/slides/slide29.xml><?xml version="1.0" encoding="utf-8"?>
+<file path=ppt/slides/slide32.xml><?xml version="1.0" encoding="utf-8"?>
 <p:sld xmlns:a="http://schemas.openxmlformats.org/drawingml/2006/main" xmlns:r="http://schemas.openxmlformats.org/officeDocument/2006/relationships" xmlns:p="http://schemas.openxmlformats.org/presentationml/2006/main">
   <p:cSld>
     <p:spTree>
@@ -10233,7 +12228,7 @@
             </a:r>
             <a:r>
               <a:rPr lang="en-US" dirty="0" err="1"/>
-              <a:t>StudentAssignments</a:t>
+              <a:t>StudentGradebook</a:t>
             </a:r>
             <a:r>
               <a:rPr lang="en-US" dirty="0"/>
@@ -10270,11 +12265,11 @@
             </a:r>
             <a:r>
               <a:rPr lang="en-US" dirty="0" err="1"/>
-              <a:t>StudentAssignmentsMain</a:t>
+              <a:t>StudentGradebookMain</a:t>
             </a:r>
             <a:r>
               <a:rPr lang="en-US" dirty="0"/>
-              <a:t> to see what the class ought to do</a:t>
+              <a:t> to see what the class should do</a:t>
             </a:r>
           </a:p>
           <a:p>
@@ -10293,10 +12288,10 @@
       </p:sp>
       <p:pic>
         <p:nvPicPr>
-          <p:cNvPr id="4" name="Picture 3">
+          <p:cNvPr id="6" name="Picture 5">
             <a:extLst>
               <a:ext uri="{FF2B5EF4-FFF2-40B4-BE49-F238E27FC236}">
-                <a16:creationId xmlns:a16="http://schemas.microsoft.com/office/drawing/2014/main" id="{3B8732BA-B90F-B846-AD93-0F8E8BB360D2}"/>
+                <a16:creationId xmlns:a16="http://schemas.microsoft.com/office/drawing/2014/main" id="{FF546FA9-04D7-40C9-B042-53DA17DF7CC7}"/>
               </a:ext>
             </a:extLst>
           </p:cNvPr>
@@ -10313,196 +12308,26 @@
         </p:blipFill>
         <p:spPr>
           <a:xfrm>
-            <a:off x="5347495" y="263046"/>
-            <a:ext cx="3533458" cy="2995026"/>
+            <a:off x="5436227" y="363255"/>
+            <a:ext cx="3101717" cy="2856036"/>
           </a:xfrm>
           <a:prstGeom prst="rect">
             <a:avLst/>
           </a:prstGeom>
+          <a:ln w="38100">
+            <a:solidFill>
+              <a:schemeClr val="tx2">
+                <a:lumMod val="60000"/>
+                <a:lumOff val="40000"/>
+              </a:schemeClr>
+            </a:solidFill>
+          </a:ln>
         </p:spPr>
       </p:pic>
     </p:spTree>
     <p:extLst>
       <p:ext uri="{BB962C8B-B14F-4D97-AF65-F5344CB8AC3E}">
         <p14:creationId xmlns:p14="http://schemas.microsoft.com/office/powerpoint/2010/main" val="3549654333"/>
-      </p:ext>
-    </p:extLst>
-  </p:cSld>
-  <p:clrMapOvr>
-    <a:masterClrMapping/>
-  </p:clrMapOvr>
-</p:sld>
-</file>
-
-<file path=ppt/slides/slide3.xml><?xml version="1.0" encoding="utf-8"?>
-<p:sld xmlns:a="http://schemas.openxmlformats.org/drawingml/2006/main" xmlns:r="http://schemas.openxmlformats.org/officeDocument/2006/relationships" xmlns:p="http://schemas.openxmlformats.org/presentationml/2006/main">
-  <p:cSld>
-    <p:spTree>
-      <p:nvGrpSpPr>
-        <p:cNvPr id="1" name=""/>
-        <p:cNvGrpSpPr/>
-        <p:nvPr/>
-      </p:nvGrpSpPr>
-      <p:grpSpPr>
-        <a:xfrm>
-          <a:off x="0" y="0"/>
-          <a:ext cx="0" cy="0"/>
-          <a:chOff x="0" y="0"/>
-          <a:chExt cx="0" cy="0"/>
-        </a:xfrm>
-      </p:grpSpPr>
-      <p:sp>
-        <p:nvSpPr>
-          <p:cNvPr id="4" name="Title 3"/>
-          <p:cNvSpPr>
-            <a:spLocks noGrp="1"/>
-          </p:cNvSpPr>
-          <p:nvPr>
-            <p:ph type="ctrTitle"/>
-          </p:nvPr>
-        </p:nvSpPr>
-        <p:spPr/>
-        <p:txBody>
-          <a:bodyPr/>
-          <a:lstStyle/>
-          <a:p>
-            <a:r>
-              <a:rPr lang="en-US" dirty="0"/>
-              <a:t>Writing clean code</a:t>
-            </a:r>
-          </a:p>
-        </p:txBody>
-      </p:sp>
-      <p:sp>
-        <p:nvSpPr>
-          <p:cNvPr id="5" name="Subtitle 4"/>
-          <p:cNvSpPr>
-            <a:spLocks noGrp="1"/>
-          </p:cNvSpPr>
-          <p:nvPr>
-            <p:ph type="subTitle" idx="1"/>
-          </p:nvPr>
-        </p:nvSpPr>
-        <p:spPr/>
-        <p:txBody>
-          <a:bodyPr/>
-          <a:lstStyle/>
-          <a:p>
-            <a:r>
-              <a:rPr lang="en-US" dirty="0"/>
-              <a:t>Comments are only the last resort</a:t>
-            </a:r>
-          </a:p>
-        </p:txBody>
-      </p:sp>
-    </p:spTree>
-    <p:extLst>
-      <p:ext uri="{BB962C8B-B14F-4D97-AF65-F5344CB8AC3E}">
-        <p14:creationId xmlns:p14="http://schemas.microsoft.com/office/powerpoint/2010/main" val="103186050"/>
-      </p:ext>
-    </p:extLst>
-  </p:cSld>
-  <p:clrMapOvr>
-    <a:masterClrMapping/>
-  </p:clrMapOvr>
-</p:sld>
-</file>
-
-<file path=ppt/slides/slide30.xml><?xml version="1.0" encoding="utf-8"?>
-<p:sld xmlns:a="http://schemas.openxmlformats.org/drawingml/2006/main" xmlns:r="http://schemas.openxmlformats.org/officeDocument/2006/relationships" xmlns:p="http://schemas.openxmlformats.org/presentationml/2006/main">
-  <p:cSld>
-    <p:spTree>
-      <p:nvGrpSpPr>
-        <p:cNvPr id="1" name=""/>
-        <p:cNvGrpSpPr/>
-        <p:nvPr/>
-      </p:nvGrpSpPr>
-      <p:grpSpPr>
-        <a:xfrm>
-          <a:off x="0" y="0"/>
-          <a:ext cx="0" cy="0"/>
-          <a:chOff x="0" y="0"/>
-          <a:chExt cx="0" cy="0"/>
-        </a:xfrm>
-      </p:grpSpPr>
-      <p:sp>
-        <p:nvSpPr>
-          <p:cNvPr id="2" name="Title 1"/>
-          <p:cNvSpPr>
-            <a:spLocks noGrp="1"/>
-          </p:cNvSpPr>
-          <p:nvPr>
-            <p:ph type="title"/>
-          </p:nvPr>
-        </p:nvSpPr>
-        <p:spPr/>
-        <p:txBody>
-          <a:bodyPr>
-            <a:normAutofit fontScale="90000"/>
-          </a:bodyPr>
-          <a:lstStyle/>
-          <a:p>
-            <a:r>
-              <a:rPr lang="en-US" dirty="0"/>
-              <a:t>Now code the </a:t>
-            </a:r>
-            <a:r>
-              <a:rPr lang="en-US" dirty="0" err="1"/>
-              <a:t>StudentAssignments</a:t>
-            </a:r>
-            <a:r>
-              <a:rPr lang="en-US" dirty="0"/>
-              <a:t> class yourself</a:t>
-            </a:r>
-          </a:p>
-        </p:txBody>
-      </p:sp>
-      <p:sp>
-        <p:nvSpPr>
-          <p:cNvPr id="3" name="Content Placeholder 2"/>
-          <p:cNvSpPr>
-            <a:spLocks noGrp="1"/>
-          </p:cNvSpPr>
-          <p:nvPr>
-            <p:ph idx="1"/>
-          </p:nvPr>
-        </p:nvSpPr>
-        <p:spPr/>
-        <p:txBody>
-          <a:bodyPr/>
-          <a:lstStyle/>
-          <a:p>
-            <a:r>
-              <a:rPr lang="en-US" dirty="0"/>
-              <a:t>Uncomment the stuff in </a:t>
-            </a:r>
-            <a:r>
-              <a:rPr lang="en-US" i="1" dirty="0" err="1"/>
-              <a:t>StudentAssignmentsMain</a:t>
-            </a:r>
-            <a:r>
-              <a:rPr lang="en-US" dirty="0"/>
-              <a:t> to see what the class ought to do</a:t>
-            </a:r>
-          </a:p>
-          <a:p>
-            <a:r>
-              <a:rPr lang="en-US" dirty="0"/>
-              <a:t>Then create the class and add the constructors and methods you need</a:t>
-            </a:r>
-          </a:p>
-          <a:p>
-            <a:r>
-              <a:rPr lang="en-US" dirty="0"/>
-              <a:t>If you finish early, add a function to compute the student’s average grade</a:t>
-            </a:r>
-          </a:p>
-        </p:txBody>
-      </p:sp>
-    </p:spTree>
-    <p:extLst>
-      <p:ext uri="{BB962C8B-B14F-4D97-AF65-F5344CB8AC3E}">
-        <p14:creationId xmlns:p14="http://schemas.microsoft.com/office/powerpoint/2010/main" val="4215195480"/>
       </p:ext>
     </p:extLst>
   </p:cSld>
@@ -10945,7 +12770,7 @@
             <a:effectLst/>
             <a:extLst>
               <a:ext uri="{C572A759-6A51-4108-AA02-DFA0A04FC94B}">
-                <ma14:wrappingTextBoxFlag xmlns="" xmlns:ma14="http://schemas.microsoft.com/office/mac/drawingml/2011/main" val="1"/>
+                <ma14:wrappingTextBoxFlag xmlns:ma14="http://schemas.microsoft.com/office/mac/drawingml/2011/main" xmlns="" val="1"/>
               </a:ext>
             </a:extLst>
           </p:spPr>
@@ -11715,7 +13540,7 @@
           </a:ln>
           <a:extLst>
             <a:ext uri="{C572A759-6A51-4108-AA02-DFA0A04FC94B}">
-              <ma14:wrappingTextBoxFlag xmlns="" xmlns:ma14="http://schemas.microsoft.com/office/mac/drawingml/2011/main" val="1"/>
+              <ma14:wrappingTextBoxFlag xmlns:ma14="http://schemas.microsoft.com/office/mac/drawingml/2011/main" xmlns="" val="1"/>
             </a:ext>
           </a:extLst>
         </p:spPr>
@@ -12239,8 +14064,16 @@
               <a:defRPr sz="1800"/>
             </a:pPr>
             <a:r>
-              <a:rPr sz="2400" dirty="0"/>
-              <a:t>Use Ctrl-Shift-F in Eclipse to format your code.</a:t>
+              <a:rPr sz="2400" b="1" dirty="0">
+                <a:highlight>
+                  <a:srgbClr val="FFFF00"/>
+                </a:highlight>
+              </a:rPr>
+              <a:t>Use Ctrl-Shift-F in Eclipse to format your code</a:t>
+            </a:r>
+            <a:r>
+              <a:rPr sz="2400" b="1" dirty="0"/>
+              <a:t>.</a:t>
             </a:r>
           </a:p>
         </p:txBody>
@@ -12374,7 +14207,7 @@
             <a:effectLst/>
             <a:extLst>
               <a:ext uri="{C572A759-6A51-4108-AA02-DFA0A04FC94B}">
-                <ma14:wrappingTextBoxFlag xmlns="" xmlns:ma14="http://schemas.microsoft.com/office/mac/drawingml/2011/main" val="1"/>
+                <ma14:wrappingTextBoxFlag xmlns:ma14="http://schemas.microsoft.com/office/mac/drawingml/2011/main" xmlns="" val="1"/>
               </a:ext>
             </a:extLst>
           </p:spPr>
